--- a/Airbnb Presentation.pptx
+++ b/Airbnb Presentation.pptx
@@ -10,8 +10,9 @@
     <p:sldId id="258" r:id="rId4"/>
     <p:sldId id="259" r:id="rId5"/>
     <p:sldId id="260" r:id="rId6"/>
-    <p:sldId id="262" r:id="rId7"/>
-    <p:sldId id="261" r:id="rId8"/>
+    <p:sldId id="261" r:id="rId7"/>
+    <p:sldId id="262" r:id="rId8"/>
+    <p:sldId id="263" r:id="rId9"/>
   </p:sldIdLst>
   <p:sldSz cx="12192000" cy="6858000"/>
   <p:notesSz cx="6858000" cy="9144000"/>
@@ -113,7 +114,7 @@
   <p:extLst>
     <p:ext uri="{EFAFB233-063F-42B5-8137-9DF3F51BA10A}">
       <p15:sldGuideLst xmlns:p15="http://schemas.microsoft.com/office/powerpoint/2012/main">
-        <p15:guide id="1" orient="horz" pos="2160" userDrawn="1">
+        <p15:guide id="1" orient="horz" pos="2928" userDrawn="1">
           <p15:clr>
             <a:srgbClr val="A4A3A4"/>
           </p15:clr>
@@ -1003,7 +1004,7 @@
         <a:p>
           <a:r>
             <a:rPr lang="en-US" dirty="0"/>
-            <a:t>Selecting Features</a:t>
+            <a:t>EDA</a:t>
           </a:r>
         </a:p>
       </dgm:t>
@@ -1072,13 +1073,7 @@
         <a:p>
           <a:r>
             <a:rPr lang="en-US" dirty="0"/>
-            <a:t>Input </a:t>
-          </a:r>
-        </a:p>
-        <a:p>
-          <a:r>
-            <a:rPr lang="en-US" dirty="0"/>
-            <a:t>Strategies</a:t>
+            <a:t>Model</a:t>
           </a:r>
         </a:p>
       </dgm:t>
@@ -1274,7 +1269,7 @@
       </dsp:nvSpPr>
       <dsp:spPr>
         <a:xfrm>
-          <a:off x="6129" y="1003514"/>
+          <a:off x="6129" y="967514"/>
           <a:ext cx="3005351" cy="1202140"/>
         </a:xfrm>
         <a:prstGeom prst="chevron">
@@ -1316,12 +1311,12 @@
         </a:fontRef>
       </dsp:style>
       <dsp:txBody>
-        <a:bodyPr spcFirstLastPara="0" vert="horz" wrap="square" lIns="116015" tIns="38672" rIns="38672" bIns="38672" numCol="1" spcCol="1270" anchor="ctr" anchorCtr="0">
+        <a:bodyPr spcFirstLastPara="0" vert="horz" wrap="square" lIns="132017" tIns="44006" rIns="44006" bIns="44006" numCol="1" spcCol="1270" anchor="ctr" anchorCtr="0">
           <a:noAutofit/>
         </a:bodyPr>
         <a:lstStyle/>
         <a:p>
-          <a:pPr marL="0" lvl="0" indent="0" algn="ctr" defTabSz="1289050">
+          <a:pPr marL="0" lvl="0" indent="0" algn="ctr" defTabSz="1466850">
             <a:lnSpc>
               <a:spcPct val="90000"/>
             </a:lnSpc>
@@ -1334,13 +1329,13 @@
             <a:buNone/>
           </a:pPr>
           <a:r>
-            <a:rPr lang="en-US" sz="2900" kern="1200" dirty="0"/>
+            <a:rPr lang="en-US" sz="3300" kern="1200" dirty="0"/>
             <a:t>Cleaning Data</a:t>
           </a:r>
         </a:p>
       </dsp:txBody>
       <dsp:txXfrm>
-        <a:off x="607199" y="1003514"/>
+        <a:off x="607199" y="967514"/>
         <a:ext cx="1803211" cy="1202140"/>
       </dsp:txXfrm>
     </dsp:sp>
@@ -1351,8 +1346,8 @@
       </dsp:nvSpPr>
       <dsp:spPr>
         <a:xfrm>
-          <a:off x="6129" y="2355922"/>
-          <a:ext cx="2404281" cy="522000"/>
+          <a:off x="6129" y="2319922"/>
+          <a:ext cx="2404281" cy="594000"/>
         </a:xfrm>
         <a:prstGeom prst="rect">
           <a:avLst/>
@@ -1381,7 +1376,7 @@
         </a:bodyPr>
         <a:lstStyle/>
         <a:p>
-          <a:pPr marL="285750" lvl="1" indent="-285750" algn="l" defTabSz="1289050">
+          <a:pPr marL="285750" lvl="1" indent="-285750" algn="l" defTabSz="1466850">
             <a:lnSpc>
               <a:spcPct val="90000"/>
             </a:lnSpc>
@@ -1393,12 +1388,12 @@
             </a:spcAft>
             <a:buChar char="•"/>
           </a:pPr>
-          <a:endParaRPr lang="en-US" sz="2900" kern="1200" dirty="0"/>
+          <a:endParaRPr lang="en-US" sz="3300" kern="1200" dirty="0"/>
         </a:p>
       </dsp:txBody>
       <dsp:txXfrm>
-        <a:off x="6129" y="2355922"/>
-        <a:ext cx="2404281" cy="522000"/>
+        <a:off x="6129" y="2319922"/>
+        <a:ext cx="2404281" cy="594000"/>
       </dsp:txXfrm>
     </dsp:sp>
     <dsp:sp modelId="{5531014E-3B4B-974D-83FE-5F0ECF3AD72A}">
@@ -1408,7 +1403,7 @@
       </dsp:nvSpPr>
       <dsp:spPr>
         <a:xfrm>
-          <a:off x="2795480" y="1003514"/>
+          <a:off x="2795480" y="967514"/>
           <a:ext cx="3005351" cy="1202140"/>
         </a:xfrm>
         <a:prstGeom prst="chevron">
@@ -1450,12 +1445,12 @@
         </a:fontRef>
       </dsp:style>
       <dsp:txBody>
-        <a:bodyPr spcFirstLastPara="0" vert="horz" wrap="square" lIns="116015" tIns="38672" rIns="38672" bIns="38672" numCol="1" spcCol="1270" anchor="ctr" anchorCtr="0">
+        <a:bodyPr spcFirstLastPara="0" vert="horz" wrap="square" lIns="132017" tIns="44006" rIns="44006" bIns="44006" numCol="1" spcCol="1270" anchor="ctr" anchorCtr="0">
           <a:noAutofit/>
         </a:bodyPr>
         <a:lstStyle/>
         <a:p>
-          <a:pPr marL="0" lvl="0" indent="0" algn="ctr" defTabSz="1289050">
+          <a:pPr marL="0" lvl="0" indent="0" algn="ctr" defTabSz="1466850">
             <a:lnSpc>
               <a:spcPct val="90000"/>
             </a:lnSpc>
@@ -1468,13 +1463,13 @@
             <a:buNone/>
           </a:pPr>
           <a:r>
-            <a:rPr lang="en-US" sz="2900" kern="1200" dirty="0"/>
-            <a:t>Selecting Features</a:t>
+            <a:rPr lang="en-US" sz="3300" kern="1200" dirty="0"/>
+            <a:t>EDA</a:t>
           </a:r>
         </a:p>
       </dsp:txBody>
       <dsp:txXfrm>
-        <a:off x="3396550" y="1003514"/>
+        <a:off x="3396550" y="967514"/>
         <a:ext cx="1803211" cy="1202140"/>
       </dsp:txXfrm>
     </dsp:sp>
@@ -1485,8 +1480,8 @@
       </dsp:nvSpPr>
       <dsp:spPr>
         <a:xfrm>
-          <a:off x="2795480" y="2355922"/>
-          <a:ext cx="2404281" cy="522000"/>
+          <a:off x="2795480" y="2319922"/>
+          <a:ext cx="2404281" cy="594000"/>
         </a:xfrm>
         <a:prstGeom prst="rect">
           <a:avLst/>
@@ -1515,7 +1510,7 @@
         </a:bodyPr>
         <a:lstStyle/>
         <a:p>
-          <a:pPr marL="285750" lvl="1" indent="-285750" algn="l" defTabSz="1289050">
+          <a:pPr marL="285750" lvl="1" indent="-285750" algn="l" defTabSz="1466850">
             <a:lnSpc>
               <a:spcPct val="90000"/>
             </a:lnSpc>
@@ -1527,12 +1522,12 @@
             </a:spcAft>
             <a:buChar char="•"/>
           </a:pPr>
-          <a:endParaRPr lang="en-US" sz="2900" kern="1200" dirty="0"/>
+          <a:endParaRPr lang="en-US" sz="3300" kern="1200" dirty="0"/>
         </a:p>
       </dsp:txBody>
       <dsp:txXfrm>
-        <a:off x="2795480" y="2355922"/>
-        <a:ext cx="2404281" cy="522000"/>
+        <a:off x="2795480" y="2319922"/>
+        <a:ext cx="2404281" cy="594000"/>
       </dsp:txXfrm>
     </dsp:sp>
     <dsp:sp modelId="{AB3CFC13-4779-2A4B-BDCE-5ABFC23D20C3}">
@@ -1542,7 +1537,7 @@
       </dsp:nvSpPr>
       <dsp:spPr>
         <a:xfrm>
-          <a:off x="5584831" y="1003514"/>
+          <a:off x="5584831" y="967514"/>
           <a:ext cx="3005351" cy="1202140"/>
         </a:xfrm>
         <a:prstGeom prst="chevron">
@@ -1584,12 +1579,12 @@
         </a:fontRef>
       </dsp:style>
       <dsp:txBody>
-        <a:bodyPr spcFirstLastPara="0" vert="horz" wrap="square" lIns="116015" tIns="38672" rIns="38672" bIns="38672" numCol="1" spcCol="1270" anchor="ctr" anchorCtr="0">
+        <a:bodyPr spcFirstLastPara="0" vert="horz" wrap="square" lIns="132017" tIns="44006" rIns="44006" bIns="44006" numCol="1" spcCol="1270" anchor="ctr" anchorCtr="0">
           <a:noAutofit/>
         </a:bodyPr>
         <a:lstStyle/>
         <a:p>
-          <a:pPr marL="0" lvl="0" indent="0" algn="ctr" defTabSz="1289050">
+          <a:pPr marL="0" lvl="0" indent="0" algn="ctr" defTabSz="1466850">
             <a:lnSpc>
               <a:spcPct val="90000"/>
             </a:lnSpc>
@@ -1602,31 +1597,13 @@
             <a:buNone/>
           </a:pPr>
           <a:r>
-            <a:rPr lang="en-US" sz="2900" kern="1200" dirty="0"/>
-            <a:t>Input </a:t>
-          </a:r>
-        </a:p>
-        <a:p>
-          <a:pPr marL="0" lvl="0" indent="0" algn="ctr" defTabSz="1289050">
-            <a:lnSpc>
-              <a:spcPct val="90000"/>
-            </a:lnSpc>
-            <a:spcBef>
-              <a:spcPct val="0"/>
-            </a:spcBef>
-            <a:spcAft>
-              <a:spcPct val="35000"/>
-            </a:spcAft>
-            <a:buNone/>
-          </a:pPr>
-          <a:r>
-            <a:rPr lang="en-US" sz="2900" kern="1200" dirty="0"/>
-            <a:t>Strategies</a:t>
+            <a:rPr lang="en-US" sz="3300" kern="1200" dirty="0"/>
+            <a:t>Model</a:t>
           </a:r>
         </a:p>
       </dsp:txBody>
       <dsp:txXfrm>
-        <a:off x="6185901" y="1003514"/>
+        <a:off x="6185901" y="967514"/>
         <a:ext cx="1803211" cy="1202140"/>
       </dsp:txXfrm>
     </dsp:sp>
@@ -1637,8 +1614,8 @@
       </dsp:nvSpPr>
       <dsp:spPr>
         <a:xfrm>
-          <a:off x="5584831" y="2355922"/>
-          <a:ext cx="2404281" cy="522000"/>
+          <a:off x="5584831" y="2319922"/>
+          <a:ext cx="2404281" cy="594000"/>
         </a:xfrm>
         <a:prstGeom prst="rect">
           <a:avLst/>
@@ -1667,7 +1644,7 @@
         </a:bodyPr>
         <a:lstStyle/>
         <a:p>
-          <a:pPr marL="285750" lvl="1" indent="-285750" algn="l" defTabSz="1289050">
+          <a:pPr marL="285750" lvl="1" indent="-285750" algn="l" defTabSz="1466850">
             <a:lnSpc>
               <a:spcPct val="90000"/>
             </a:lnSpc>
@@ -1679,12 +1656,12 @@
             </a:spcAft>
             <a:buChar char="•"/>
           </a:pPr>
-          <a:endParaRPr lang="en-US" sz="2900" kern="1200" dirty="0"/>
+          <a:endParaRPr lang="en-US" sz="3300" kern="1200" dirty="0"/>
         </a:p>
       </dsp:txBody>
       <dsp:txXfrm>
-        <a:off x="5584831" y="2355922"/>
-        <a:ext cx="2404281" cy="522000"/>
+        <a:off x="5584831" y="2319922"/>
+        <a:ext cx="2404281" cy="594000"/>
       </dsp:txXfrm>
     </dsp:sp>
   </dsp:spTree>
@@ -8881,6 +8858,138 @@
       </p:grpSpPr>
       <p:sp>
         <p:nvSpPr>
+          <p:cNvPr id="24" name="Oval 23">
+            <a:extLst>
+              <a:ext uri="{FF2B5EF4-FFF2-40B4-BE49-F238E27FC236}">
+                <a16:creationId xmlns:a16="http://schemas.microsoft.com/office/drawing/2014/main" id="{D7E52149-85C6-3685-6C3F-A692931E9B97}"/>
+              </a:ext>
+            </a:extLst>
+          </p:cNvPr>
+          <p:cNvSpPr/>
+          <p:nvPr/>
+        </p:nvSpPr>
+        <p:spPr>
+          <a:xfrm>
+            <a:off x="4371972" y="2882900"/>
+            <a:ext cx="1741714" cy="1765300"/>
+          </a:xfrm>
+          <a:prstGeom prst="ellipse">
+            <a:avLst/>
+          </a:prstGeom>
+        </p:spPr>
+        <p:style>
+          <a:lnRef idx="1">
+            <a:schemeClr val="accent3"/>
+          </a:lnRef>
+          <a:fillRef idx="2">
+            <a:schemeClr val="accent3"/>
+          </a:fillRef>
+          <a:effectRef idx="1">
+            <a:schemeClr val="accent3"/>
+          </a:effectRef>
+          <a:fontRef idx="minor">
+            <a:schemeClr val="dk1"/>
+          </a:fontRef>
+        </p:style>
+        <p:txBody>
+          <a:bodyPr rtlCol="0" anchor="ctr"/>
+          <a:lstStyle/>
+          <a:p>
+            <a:pPr algn="ctr"/>
+            <a:endParaRPr lang="en-US"/>
+          </a:p>
+        </p:txBody>
+      </p:sp>
+      <p:sp>
+        <p:nvSpPr>
+          <p:cNvPr id="25" name="Oval 24">
+            <a:extLst>
+              <a:ext uri="{FF2B5EF4-FFF2-40B4-BE49-F238E27FC236}">
+                <a16:creationId xmlns:a16="http://schemas.microsoft.com/office/drawing/2014/main" id="{F118416D-DDBA-948A-1F8B-43DC0543714A}"/>
+              </a:ext>
+            </a:extLst>
+          </p:cNvPr>
+          <p:cNvSpPr/>
+          <p:nvPr/>
+        </p:nvSpPr>
+        <p:spPr>
+          <a:xfrm>
+            <a:off x="7193248" y="2907393"/>
+            <a:ext cx="1741714" cy="1765300"/>
+          </a:xfrm>
+          <a:prstGeom prst="ellipse">
+            <a:avLst/>
+          </a:prstGeom>
+        </p:spPr>
+        <p:style>
+          <a:lnRef idx="1">
+            <a:schemeClr val="accent3"/>
+          </a:lnRef>
+          <a:fillRef idx="2">
+            <a:schemeClr val="accent3"/>
+          </a:fillRef>
+          <a:effectRef idx="1">
+            <a:schemeClr val="accent3"/>
+          </a:effectRef>
+          <a:fontRef idx="minor">
+            <a:schemeClr val="dk1"/>
+          </a:fontRef>
+        </p:style>
+        <p:txBody>
+          <a:bodyPr rtlCol="0" anchor="ctr"/>
+          <a:lstStyle/>
+          <a:p>
+            <a:pPr algn="ctr"/>
+            <a:endParaRPr lang="en-US"/>
+          </a:p>
+        </p:txBody>
+      </p:sp>
+      <p:sp>
+        <p:nvSpPr>
+          <p:cNvPr id="23" name="Oval 22">
+            <a:extLst>
+              <a:ext uri="{FF2B5EF4-FFF2-40B4-BE49-F238E27FC236}">
+                <a16:creationId xmlns:a16="http://schemas.microsoft.com/office/drawing/2014/main" id="{BFB9F1D3-F772-239E-BD90-C7DD67B30E7E}"/>
+              </a:ext>
+            </a:extLst>
+          </p:cNvPr>
+          <p:cNvSpPr/>
+          <p:nvPr/>
+        </p:nvSpPr>
+        <p:spPr>
+          <a:xfrm>
+            <a:off x="1551947" y="2881993"/>
+            <a:ext cx="1741714" cy="1765300"/>
+          </a:xfrm>
+          <a:prstGeom prst="ellipse">
+            <a:avLst/>
+          </a:prstGeom>
+        </p:spPr>
+        <p:style>
+          <a:lnRef idx="1">
+            <a:schemeClr val="accent3"/>
+          </a:lnRef>
+          <a:fillRef idx="2">
+            <a:schemeClr val="accent3"/>
+          </a:fillRef>
+          <a:effectRef idx="1">
+            <a:schemeClr val="accent3"/>
+          </a:effectRef>
+          <a:fontRef idx="minor">
+            <a:schemeClr val="dk1"/>
+          </a:fontRef>
+        </p:style>
+        <p:txBody>
+          <a:bodyPr rtlCol="0" anchor="ctr"/>
+          <a:lstStyle/>
+          <a:p>
+            <a:pPr algn="ctr"/>
+            <a:endParaRPr lang="en-US"/>
+          </a:p>
+        </p:txBody>
+      </p:sp>
+      <p:sp>
+        <p:nvSpPr>
           <p:cNvPr id="2" name="Title 1">
             <a:extLst>
               <a:ext uri="{FF2B5EF4-FFF2-40B4-BE49-F238E27FC236}">
@@ -8937,7 +9046,7 @@
         </p:blipFill>
         <p:spPr>
           <a:xfrm>
-            <a:off x="5355772" y="5598886"/>
+            <a:off x="10228356" y="2393043"/>
             <a:ext cx="914400" cy="914400"/>
           </a:xfrm>
         </p:spPr>
@@ -8964,8 +9073,8 @@
         </p:blipFill>
         <p:spPr>
           <a:xfrm>
-            <a:off x="8475134" y="534458"/>
-            <a:ext cx="2353732" cy="735542"/>
+            <a:off x="4479981" y="3494503"/>
+            <a:ext cx="1525695" cy="476780"/>
           </a:xfrm>
           <a:prstGeom prst="rect">
             <a:avLst/>
@@ -9000,8 +9109,8 @@
         </p:blipFill>
         <p:spPr>
           <a:xfrm>
-            <a:off x="6004389" y="4853971"/>
-            <a:ext cx="914400" cy="914400"/>
+            <a:off x="7575353" y="3399669"/>
+            <a:ext cx="977504" cy="839107"/>
           </a:xfrm>
           <a:prstGeom prst="rect">
             <a:avLst/>
@@ -9036,7 +9145,7 @@
         </p:blipFill>
         <p:spPr>
           <a:xfrm>
-            <a:off x="6653006" y="5598886"/>
+            <a:off x="8135862" y="304800"/>
             <a:ext cx="914400" cy="914400"/>
           </a:xfrm>
           <a:prstGeom prst="rect">
@@ -9072,7 +9181,7 @@
         </p:blipFill>
         <p:spPr>
           <a:xfrm>
-            <a:off x="6147405" y="2576286"/>
+            <a:off x="9050262" y="609600"/>
             <a:ext cx="914400" cy="914400"/>
           </a:xfrm>
           <a:prstGeom prst="rect">
@@ -9108,7 +9217,7 @@
         </p:blipFill>
         <p:spPr>
           <a:xfrm>
-            <a:off x="6924837" y="1820485"/>
+            <a:off x="9293979" y="1548342"/>
             <a:ext cx="914400" cy="914400"/>
           </a:xfrm>
           <a:prstGeom prst="rect">
@@ -9144,7 +9253,7 @@
         </p:blipFill>
         <p:spPr>
           <a:xfrm>
-            <a:off x="5355772" y="2005542"/>
+            <a:off x="8247732" y="1219200"/>
             <a:ext cx="914400" cy="914400"/>
           </a:xfrm>
           <a:prstGeom prst="rect">
@@ -9152,6 +9261,130 @@
           </a:prstGeom>
         </p:spPr>
       </p:pic>
+      <p:pic>
+        <p:nvPicPr>
+          <p:cNvPr id="22" name="Graphic 21" descr="Home">
+            <a:extLst>
+              <a:ext uri="{FF2B5EF4-FFF2-40B4-BE49-F238E27FC236}">
+                <a16:creationId xmlns:a16="http://schemas.microsoft.com/office/drawing/2014/main" id="{760FD14C-4BE0-A00B-A099-23ACA47B8553}"/>
+              </a:ext>
+            </a:extLst>
+          </p:cNvPr>
+          <p:cNvPicPr>
+            <a:picLocks noChangeAspect="1"/>
+          </p:cNvPicPr>
+          <p:nvPr/>
+        </p:nvPicPr>
+        <p:blipFill>
+          <a:blip r:embed="rId15">
+            <a:extLst>
+              <a:ext uri="{96DAC541-7B7A-43D3-8B79-37D633B846F1}">
+                <asvg:svgBlip xmlns:asvg="http://schemas.microsoft.com/office/drawing/2016/SVG/main" r:embed="rId16"/>
+              </a:ext>
+            </a:extLst>
+          </a:blip>
+          <a:stretch>
+            <a:fillRect/>
+          </a:stretch>
+        </p:blipFill>
+        <p:spPr>
+          <a:xfrm>
+            <a:off x="2029103" y="3307443"/>
+            <a:ext cx="807357" cy="807357"/>
+          </a:xfrm>
+          <a:prstGeom prst="rect">
+            <a:avLst/>
+          </a:prstGeom>
+        </p:spPr>
+      </p:pic>
+      <p:sp>
+        <p:nvSpPr>
+          <p:cNvPr id="26" name="Right Arrow 25">
+            <a:extLst>
+              <a:ext uri="{FF2B5EF4-FFF2-40B4-BE49-F238E27FC236}">
+                <a16:creationId xmlns:a16="http://schemas.microsoft.com/office/drawing/2014/main" id="{62D67AA8-5ED0-EBCF-C354-7FFC802D6B6A}"/>
+              </a:ext>
+            </a:extLst>
+          </p:cNvPr>
+          <p:cNvSpPr/>
+          <p:nvPr/>
+        </p:nvSpPr>
+        <p:spPr>
+          <a:xfrm>
+            <a:off x="3581400" y="3657600"/>
+            <a:ext cx="408467" cy="581176"/>
+          </a:xfrm>
+          <a:prstGeom prst="rightArrow">
+            <a:avLst/>
+          </a:prstGeom>
+        </p:spPr>
+        <p:style>
+          <a:lnRef idx="1">
+            <a:schemeClr val="dk1"/>
+          </a:lnRef>
+          <a:fillRef idx="2">
+            <a:schemeClr val="dk1"/>
+          </a:fillRef>
+          <a:effectRef idx="1">
+            <a:schemeClr val="dk1"/>
+          </a:effectRef>
+          <a:fontRef idx="minor">
+            <a:schemeClr val="dk1"/>
+          </a:fontRef>
+        </p:style>
+        <p:txBody>
+          <a:bodyPr rtlCol="0" anchor="ctr"/>
+          <a:lstStyle/>
+          <a:p>
+            <a:pPr algn="ctr"/>
+            <a:endParaRPr lang="en-US"/>
+          </a:p>
+        </p:txBody>
+      </p:sp>
+      <p:sp>
+        <p:nvSpPr>
+          <p:cNvPr id="27" name="Right Arrow 26">
+            <a:extLst>
+              <a:ext uri="{FF2B5EF4-FFF2-40B4-BE49-F238E27FC236}">
+                <a16:creationId xmlns:a16="http://schemas.microsoft.com/office/drawing/2014/main" id="{8FFCC95D-4A27-1D1A-4C43-1F8CFA62C353}"/>
+              </a:ext>
+            </a:extLst>
+          </p:cNvPr>
+          <p:cNvSpPr/>
+          <p:nvPr/>
+        </p:nvSpPr>
+        <p:spPr>
+          <a:xfrm>
+            <a:off x="6495791" y="3643905"/>
+            <a:ext cx="408467" cy="581176"/>
+          </a:xfrm>
+          <a:prstGeom prst="rightArrow">
+            <a:avLst/>
+          </a:prstGeom>
+        </p:spPr>
+        <p:style>
+          <a:lnRef idx="1">
+            <a:schemeClr val="dk1"/>
+          </a:lnRef>
+          <a:fillRef idx="2">
+            <a:schemeClr val="dk1"/>
+          </a:fillRef>
+          <a:effectRef idx="1">
+            <a:schemeClr val="dk1"/>
+          </a:effectRef>
+          <a:fontRef idx="minor">
+            <a:schemeClr val="dk1"/>
+          </a:fontRef>
+        </p:style>
+        <p:txBody>
+          <a:bodyPr rtlCol="0" anchor="ctr"/>
+          <a:lstStyle/>
+          <a:p>
+            <a:pPr algn="ctr"/>
+            <a:endParaRPr lang="en-US"/>
+          </a:p>
+        </p:txBody>
+      </p:sp>
     </p:spTree>
     <p:extLst>
       <p:ext uri="{BB962C8B-B14F-4D97-AF65-F5344CB8AC3E}">
@@ -9205,7 +9438,7 @@
           <a:p>
             <a:r>
               <a:rPr lang="en-US" dirty="0"/>
-              <a:t>Data</a:t>
+              <a:t>Data Analysis Process</a:t>
             </a:r>
           </a:p>
         </p:txBody>
@@ -9280,7 +9513,7 @@
           <p:nvPr>
             <p:extLst>
               <p:ext uri="{D42A27DB-BD31-4B8C-83A1-F6EECF244321}">
-                <p14:modId xmlns:p14="http://schemas.microsoft.com/office/powerpoint/2010/main" val="947789953"/>
+                <p14:modId xmlns:p14="http://schemas.microsoft.com/office/powerpoint/2010/main" val="4134317583"/>
               </p:ext>
             </p:extLst>
           </p:nvPr>
@@ -9383,7 +9616,7 @@
         </p:blipFill>
         <p:spPr>
           <a:xfrm>
-            <a:off x="1354704" y="4224677"/>
+            <a:off x="897504" y="2133600"/>
             <a:ext cx="914400" cy="914400"/>
           </a:xfrm>
         </p:spPr>
@@ -9446,7 +9679,7 @@
         </p:blipFill>
         <p:spPr>
           <a:xfrm>
-            <a:off x="1811904" y="5334000"/>
+            <a:off x="897504" y="3097742"/>
             <a:ext cx="914400" cy="914400"/>
           </a:xfrm>
           <a:prstGeom prst="rect">
@@ -9482,8 +9715,38 @@
         </p:blipFill>
         <p:spPr>
           <a:xfrm>
-            <a:off x="2953657" y="4224677"/>
+            <a:off x="897504" y="4191000"/>
             <a:ext cx="914400" cy="914400"/>
+          </a:xfrm>
+          <a:prstGeom prst="rect">
+            <a:avLst/>
+          </a:prstGeom>
+        </p:spPr>
+      </p:pic>
+      <p:pic>
+        <p:nvPicPr>
+          <p:cNvPr id="12" name="Picture 11">
+            <a:extLst>
+              <a:ext uri="{FF2B5EF4-FFF2-40B4-BE49-F238E27FC236}">
+                <a16:creationId xmlns:a16="http://schemas.microsoft.com/office/drawing/2014/main" id="{1CD6A091-65E1-B37C-EA07-0E2BDE2C4D6E}"/>
+              </a:ext>
+            </a:extLst>
+          </p:cNvPr>
+          <p:cNvPicPr>
+            <a:picLocks noChangeAspect="1"/>
+          </p:cNvPicPr>
+          <p:nvPr/>
+        </p:nvPicPr>
+        <p:blipFill>
+          <a:blip r:embed="rId9"/>
+          <a:stretch>
+            <a:fillRect/>
+          </a:stretch>
+        </p:blipFill>
+        <p:spPr>
+          <a:xfrm>
+            <a:off x="2438400" y="2879725"/>
+            <a:ext cx="6192713" cy="1098550"/>
           </a:xfrm>
           <a:prstGeom prst="rect">
             <a:avLst/>
@@ -9656,132 +9919,6 @@
           <a:p>
             <a:r>
               <a:rPr lang="en-US" dirty="0"/>
-              <a:t>Airbnb App</a:t>
-            </a:r>
-          </a:p>
-        </p:txBody>
-      </p:sp>
-      <p:sp>
-        <p:nvSpPr>
-          <p:cNvPr id="3" name="Content Placeholder 2">
-            <a:extLst>
-              <a:ext uri="{FF2B5EF4-FFF2-40B4-BE49-F238E27FC236}">
-                <a16:creationId xmlns:a16="http://schemas.microsoft.com/office/drawing/2014/main" id="{C7B91AE8-DB84-2709-AD94-D554AAC6377A}"/>
-              </a:ext>
-            </a:extLst>
-          </p:cNvPr>
-          <p:cNvSpPr>
-            <a:spLocks noGrp="1"/>
-          </p:cNvSpPr>
-          <p:nvPr>
-            <p:ph idx="1"/>
-          </p:nvPr>
-        </p:nvSpPr>
-        <p:spPr/>
-        <p:txBody>
-          <a:bodyPr/>
-          <a:lstStyle/>
-          <a:p>
-            <a:r>
-              <a:rPr lang="en-US" dirty="0"/>
-              <a:t>App to explorer Airbnb Listing Data and Predicting Prices:   </a:t>
-            </a:r>
-          </a:p>
-          <a:p>
-            <a:pPr lvl="1"/>
-            <a:r>
-              <a:rPr lang="en-US" dirty="0">
-                <a:hlinkClick r:id="rId2"/>
-              </a:rPr>
-              <a:t>Airbnb Explorer App</a:t>
-            </a:r>
-            <a:endParaRPr lang="en-US" dirty="0"/>
-          </a:p>
-        </p:txBody>
-      </p:sp>
-      <p:pic>
-        <p:nvPicPr>
-          <p:cNvPr id="4" name="Picture 3">
-            <a:extLst>
-              <a:ext uri="{FF2B5EF4-FFF2-40B4-BE49-F238E27FC236}">
-                <a16:creationId xmlns:a16="http://schemas.microsoft.com/office/drawing/2014/main" id="{A8CB7228-7FB3-D8E3-C350-443371C6DE7C}"/>
-              </a:ext>
-            </a:extLst>
-          </p:cNvPr>
-          <p:cNvPicPr>
-            <a:picLocks noChangeAspect="1"/>
-          </p:cNvPicPr>
-          <p:nvPr/>
-        </p:nvPicPr>
-        <p:blipFill>
-          <a:blip r:embed="rId3"/>
-          <a:stretch>
-            <a:fillRect/>
-          </a:stretch>
-        </p:blipFill>
-        <p:spPr>
-          <a:xfrm>
-            <a:off x="8475134" y="534458"/>
-            <a:ext cx="2353732" cy="735542"/>
-          </a:xfrm>
-          <a:prstGeom prst="rect">
-            <a:avLst/>
-          </a:prstGeom>
-        </p:spPr>
-      </p:pic>
-    </p:spTree>
-    <p:extLst>
-      <p:ext uri="{BB962C8B-B14F-4D97-AF65-F5344CB8AC3E}">
-        <p14:creationId xmlns:p14="http://schemas.microsoft.com/office/powerpoint/2010/main" val="171714068"/>
-      </p:ext>
-    </p:extLst>
-  </p:cSld>
-  <p:clrMapOvr>
-    <a:masterClrMapping/>
-  </p:clrMapOvr>
-</p:sld>
-</file>
-
-<file path=ppt/slides/slide7.xml><?xml version="1.0" encoding="utf-8"?>
-<p:sld xmlns:a="http://schemas.openxmlformats.org/drawingml/2006/main" xmlns:r="http://schemas.openxmlformats.org/officeDocument/2006/relationships" xmlns:p="http://schemas.openxmlformats.org/presentationml/2006/main">
-  <p:cSld>
-    <p:spTree>
-      <p:nvGrpSpPr>
-        <p:cNvPr id="1" name=""/>
-        <p:cNvGrpSpPr/>
-        <p:nvPr/>
-      </p:nvGrpSpPr>
-      <p:grpSpPr>
-        <a:xfrm>
-          <a:off x="0" y="0"/>
-          <a:ext cx="0" cy="0"/>
-          <a:chOff x="0" y="0"/>
-          <a:chExt cx="0" cy="0"/>
-        </a:xfrm>
-      </p:grpSpPr>
-      <p:sp>
-        <p:nvSpPr>
-          <p:cNvPr id="2" name="Title 1">
-            <a:extLst>
-              <a:ext uri="{FF2B5EF4-FFF2-40B4-BE49-F238E27FC236}">
-                <a16:creationId xmlns:a16="http://schemas.microsoft.com/office/drawing/2014/main" id="{DC1C6C97-D9F6-95D4-541A-AB97EAF55F22}"/>
-              </a:ext>
-            </a:extLst>
-          </p:cNvPr>
-          <p:cNvSpPr>
-            <a:spLocks noGrp="1"/>
-          </p:cNvSpPr>
-          <p:nvPr>
-            <p:ph type="title"/>
-          </p:nvPr>
-        </p:nvSpPr>
-        <p:spPr/>
-        <p:txBody>
-          <a:bodyPr/>
-          <a:lstStyle/>
-          <a:p>
-            <a:r>
-              <a:rPr lang="en-US" dirty="0"/>
               <a:t>Conclusions and Recommendations</a:t>
             </a:r>
           </a:p>
@@ -9846,6 +9983,228 @@
     <p:extLst>
       <p:ext uri="{BB962C8B-B14F-4D97-AF65-F5344CB8AC3E}">
         <p14:creationId xmlns:p14="http://schemas.microsoft.com/office/powerpoint/2010/main" val="4287857505"/>
+      </p:ext>
+    </p:extLst>
+  </p:cSld>
+  <p:clrMapOvr>
+    <a:masterClrMapping/>
+  </p:clrMapOvr>
+</p:sld>
+</file>
+
+<file path=ppt/slides/slide7.xml><?xml version="1.0" encoding="utf-8"?>
+<p:sld xmlns:a="http://schemas.openxmlformats.org/drawingml/2006/main" xmlns:r="http://schemas.openxmlformats.org/officeDocument/2006/relationships" xmlns:p="http://schemas.openxmlformats.org/presentationml/2006/main">
+  <p:cSld>
+    <p:spTree>
+      <p:nvGrpSpPr>
+        <p:cNvPr id="1" name=""/>
+        <p:cNvGrpSpPr/>
+        <p:nvPr/>
+      </p:nvGrpSpPr>
+      <p:grpSpPr>
+        <a:xfrm>
+          <a:off x="0" y="0"/>
+          <a:ext cx="0" cy="0"/>
+          <a:chOff x="0" y="0"/>
+          <a:chExt cx="0" cy="0"/>
+        </a:xfrm>
+      </p:grpSpPr>
+      <p:sp>
+        <p:nvSpPr>
+          <p:cNvPr id="2" name="Title 1">
+            <a:extLst>
+              <a:ext uri="{FF2B5EF4-FFF2-40B4-BE49-F238E27FC236}">
+                <a16:creationId xmlns:a16="http://schemas.microsoft.com/office/drawing/2014/main" id="{DC1C6C97-D9F6-95D4-541A-AB97EAF55F22}"/>
+              </a:ext>
+            </a:extLst>
+          </p:cNvPr>
+          <p:cNvSpPr>
+            <a:spLocks noGrp="1"/>
+          </p:cNvSpPr>
+          <p:nvPr>
+            <p:ph type="title"/>
+          </p:nvPr>
+        </p:nvSpPr>
+        <p:spPr/>
+        <p:txBody>
+          <a:bodyPr/>
+          <a:lstStyle/>
+          <a:p>
+            <a:r>
+              <a:rPr lang="en-US" dirty="0"/>
+              <a:t>Airbnb App</a:t>
+            </a:r>
+          </a:p>
+        </p:txBody>
+      </p:sp>
+      <p:sp>
+        <p:nvSpPr>
+          <p:cNvPr id="3" name="Content Placeholder 2">
+            <a:extLst>
+              <a:ext uri="{FF2B5EF4-FFF2-40B4-BE49-F238E27FC236}">
+                <a16:creationId xmlns:a16="http://schemas.microsoft.com/office/drawing/2014/main" id="{C7B91AE8-DB84-2709-AD94-D554AAC6377A}"/>
+              </a:ext>
+            </a:extLst>
+          </p:cNvPr>
+          <p:cNvSpPr>
+            <a:spLocks noGrp="1"/>
+          </p:cNvSpPr>
+          <p:nvPr>
+            <p:ph idx="1"/>
+          </p:nvPr>
+        </p:nvSpPr>
+        <p:spPr/>
+        <p:txBody>
+          <a:bodyPr/>
+          <a:lstStyle/>
+          <a:p>
+            <a:r>
+              <a:rPr lang="en-US" dirty="0"/>
+              <a:t>App to explorer Airbnb Listing Data and Predicting Prices:   </a:t>
+            </a:r>
+          </a:p>
+          <a:p>
+            <a:pPr lvl="1"/>
+            <a:r>
+              <a:rPr lang="en-US" dirty="0">
+                <a:hlinkClick r:id="rId2"/>
+              </a:rPr>
+              <a:t>Airbnb Explorer App</a:t>
+            </a:r>
+            <a:endParaRPr lang="en-US" dirty="0"/>
+          </a:p>
+        </p:txBody>
+      </p:sp>
+      <p:pic>
+        <p:nvPicPr>
+          <p:cNvPr id="6" name="Picture 5">
+            <a:extLst>
+              <a:ext uri="{FF2B5EF4-FFF2-40B4-BE49-F238E27FC236}">
+                <a16:creationId xmlns:a16="http://schemas.microsoft.com/office/drawing/2014/main" id="{5AD3705D-1B64-E6B3-8BAD-D6607EAF1197}"/>
+              </a:ext>
+            </a:extLst>
+          </p:cNvPr>
+          <p:cNvPicPr>
+            <a:picLocks noChangeAspect="1"/>
+          </p:cNvPicPr>
+          <p:nvPr/>
+        </p:nvPicPr>
+        <p:blipFill>
+          <a:blip r:embed="rId3"/>
+          <a:stretch>
+            <a:fillRect/>
+          </a:stretch>
+        </p:blipFill>
+        <p:spPr>
+          <a:xfrm>
+            <a:off x="1553925" y="3113371"/>
+            <a:ext cx="6843486" cy="3246589"/>
+          </a:xfrm>
+          <a:prstGeom prst="rect">
+            <a:avLst/>
+          </a:prstGeom>
+        </p:spPr>
+      </p:pic>
+    </p:spTree>
+    <p:extLst>
+      <p:ext uri="{BB962C8B-B14F-4D97-AF65-F5344CB8AC3E}">
+        <p14:creationId xmlns:p14="http://schemas.microsoft.com/office/powerpoint/2010/main" val="171714068"/>
+      </p:ext>
+    </p:extLst>
+  </p:cSld>
+  <p:clrMapOvr>
+    <a:masterClrMapping/>
+  </p:clrMapOvr>
+</p:sld>
+</file>
+
+<file path=ppt/slides/slide8.xml><?xml version="1.0" encoding="utf-8"?>
+<p:sld xmlns:a="http://schemas.openxmlformats.org/drawingml/2006/main" xmlns:r="http://schemas.openxmlformats.org/officeDocument/2006/relationships" xmlns:p="http://schemas.openxmlformats.org/presentationml/2006/main">
+  <p:cSld>
+    <p:spTree>
+      <p:nvGrpSpPr>
+        <p:cNvPr id="1" name=""/>
+        <p:cNvGrpSpPr/>
+        <p:nvPr/>
+      </p:nvGrpSpPr>
+      <p:grpSpPr>
+        <a:xfrm>
+          <a:off x="0" y="0"/>
+          <a:ext cx="0" cy="0"/>
+          <a:chOff x="0" y="0"/>
+          <a:chExt cx="0" cy="0"/>
+        </a:xfrm>
+      </p:grpSpPr>
+      <p:sp>
+        <p:nvSpPr>
+          <p:cNvPr id="2" name="Title 1">
+            <a:extLst>
+              <a:ext uri="{FF2B5EF4-FFF2-40B4-BE49-F238E27FC236}">
+                <a16:creationId xmlns:a16="http://schemas.microsoft.com/office/drawing/2014/main" id="{DC1C6C97-D9F6-95D4-541A-AB97EAF55F22}"/>
+              </a:ext>
+            </a:extLst>
+          </p:cNvPr>
+          <p:cNvSpPr>
+            <a:spLocks noGrp="1"/>
+          </p:cNvSpPr>
+          <p:nvPr>
+            <p:ph type="title"/>
+          </p:nvPr>
+        </p:nvSpPr>
+        <p:spPr>
+          <a:xfrm>
+            <a:off x="2514600" y="3124200"/>
+            <a:ext cx="5181600" cy="2057400"/>
+          </a:xfrm>
+        </p:spPr>
+        <p:txBody>
+          <a:bodyPr>
+            <a:noAutofit/>
+          </a:bodyPr>
+          <a:lstStyle/>
+          <a:p>
+            <a:r>
+              <a:rPr lang="en-US" sz="5400"/>
+              <a:t>Thank You!</a:t>
+            </a:r>
+            <a:endParaRPr lang="en-US" sz="5400" dirty="0"/>
+          </a:p>
+        </p:txBody>
+      </p:sp>
+      <p:pic>
+        <p:nvPicPr>
+          <p:cNvPr id="4" name="Picture 3">
+            <a:extLst>
+              <a:ext uri="{FF2B5EF4-FFF2-40B4-BE49-F238E27FC236}">
+                <a16:creationId xmlns:a16="http://schemas.microsoft.com/office/drawing/2014/main" id="{A8CB7228-7FB3-D8E3-C350-443371C6DE7C}"/>
+              </a:ext>
+            </a:extLst>
+          </p:cNvPr>
+          <p:cNvPicPr>
+            <a:picLocks noChangeAspect="1"/>
+          </p:cNvPicPr>
+          <p:nvPr/>
+        </p:nvPicPr>
+        <p:blipFill>
+          <a:blip r:embed="rId2"/>
+          <a:stretch>
+            <a:fillRect/>
+          </a:stretch>
+        </p:blipFill>
+        <p:spPr>
+          <a:xfrm>
+            <a:off x="8475134" y="534458"/>
+            <a:ext cx="2353732" cy="735542"/>
+          </a:xfrm>
+          <a:prstGeom prst="rect">
+            <a:avLst/>
+          </a:prstGeom>
+        </p:spPr>
+      </p:pic>
+    </p:spTree>
+    <p:extLst>
+      <p:ext uri="{BB962C8B-B14F-4D97-AF65-F5344CB8AC3E}">
+        <p14:creationId xmlns:p14="http://schemas.microsoft.com/office/powerpoint/2010/main" val="269692042"/>
       </p:ext>
     </p:extLst>
   </p:cSld>

--- a/Airbnb Presentation.pptx
+++ b/Airbnb Presentation.pptx
@@ -4,15 +4,26 @@
   <p:sldMasterIdLst>
     <p:sldMasterId id="2147483736" r:id="rId1"/>
   </p:sldMasterIdLst>
+  <p:notesMasterIdLst>
+    <p:notesMasterId r:id="rId18"/>
+  </p:notesMasterIdLst>
   <p:sldIdLst>
     <p:sldId id="256" r:id="rId2"/>
     <p:sldId id="257" r:id="rId3"/>
     <p:sldId id="258" r:id="rId4"/>
-    <p:sldId id="259" r:id="rId5"/>
-    <p:sldId id="260" r:id="rId6"/>
-    <p:sldId id="261" r:id="rId7"/>
-    <p:sldId id="262" r:id="rId8"/>
-    <p:sldId id="263" r:id="rId9"/>
+    <p:sldId id="273" r:id="rId5"/>
+    <p:sldId id="259" r:id="rId6"/>
+    <p:sldId id="268" r:id="rId7"/>
+    <p:sldId id="269" r:id="rId8"/>
+    <p:sldId id="271" r:id="rId9"/>
+    <p:sldId id="267" r:id="rId10"/>
+    <p:sldId id="264" r:id="rId11"/>
+    <p:sldId id="270" r:id="rId12"/>
+    <p:sldId id="265" r:id="rId13"/>
+    <p:sldId id="266" r:id="rId14"/>
+    <p:sldId id="272" r:id="rId15"/>
+    <p:sldId id="262" r:id="rId16"/>
+    <p:sldId id="263" r:id="rId17"/>
   </p:sldIdLst>
   <p:sldSz cx="12192000" cy="6858000"/>
   <p:notesSz cx="6858000" cy="9144000"/>
@@ -114,7 +125,7 @@
   <p:extLst>
     <p:ext uri="{EFAFB233-063F-42B5-8137-9DF3F51BA10A}">
       <p15:sldGuideLst xmlns:p15="http://schemas.microsoft.com/office/powerpoint/2012/main">
-        <p15:guide id="1" orient="horz" pos="2928" userDrawn="1">
+        <p15:guide id="1" orient="horz" pos="2976" userDrawn="1">
           <p15:clr>
             <a:srgbClr val="A4A3A4"/>
           </p15:clr>
@@ -916,7 +927,7 @@
 <dgm:dataModel xmlns:dgm="http://schemas.openxmlformats.org/drawingml/2006/diagram" xmlns:a="http://schemas.openxmlformats.org/drawingml/2006/main">
   <dgm:ptLst>
     <dgm:pt modelId="{A49291FC-A5EA-784B-A070-358F296AB3AE}" type="doc">
-      <dgm:prSet loTypeId="urn:microsoft.com/office/officeart/2005/8/layout/chevron1" loCatId="" qsTypeId="urn:microsoft.com/office/officeart/2005/8/quickstyle/simple1" qsCatId="simple" csTypeId="urn:microsoft.com/office/officeart/2005/8/colors/colorful2" csCatId="colorful" phldr="1"/>
+      <dgm:prSet loTypeId="urn:microsoft.com/office/officeart/2005/8/layout/lProcess3" loCatId="" qsTypeId="urn:microsoft.com/office/officeart/2005/8/quickstyle/simple1" qsCatId="simple" csTypeId="urn:microsoft.com/office/officeart/2005/8/colors/colorful2" csCatId="colorful" phldr="1"/>
       <dgm:spPr/>
       <dgm:t>
         <a:bodyPr/>
@@ -963,13 +974,16 @@
       </dgm:t>
     </dgm:pt>
     <dgm:pt modelId="{9A271797-D8B2-B747-B963-37BE696D58DC}">
-      <dgm:prSet phldrT="[Text]" phldr="1"/>
+      <dgm:prSet phldrT="[Text]"/>
       <dgm:spPr/>
       <dgm:t>
         <a:bodyPr/>
         <a:lstStyle/>
         <a:p>
-          <a:endParaRPr lang="en-US" dirty="0"/>
+          <a:r>
+            <a:rPr lang="en-US" dirty="0"/>
+            <a:t>Null values, Input Strategies, Feature Engineering</a:t>
+          </a:r>
         </a:p>
       </dgm:t>
     </dgm:pt>
@@ -1032,13 +1046,16 @@
       </dgm:t>
     </dgm:pt>
     <dgm:pt modelId="{885F165E-3D3A-5C47-9B42-EA820A09CFF9}">
-      <dgm:prSet phldrT="[Text]" phldr="1"/>
+      <dgm:prSet phldrT="[Text]"/>
       <dgm:spPr/>
       <dgm:t>
         <a:bodyPr/>
         <a:lstStyle/>
         <a:p>
-          <a:endParaRPr lang="en-US" dirty="0"/>
+          <a:r>
+            <a:rPr lang="en-US" dirty="0"/>
+            <a:t>Continuous, Discrete and Categorical Variables Plots</a:t>
+          </a:r>
         </a:p>
       </dgm:t>
     </dgm:pt>
@@ -1101,13 +1118,16 @@
       </dgm:t>
     </dgm:pt>
     <dgm:pt modelId="{72EEF3BB-61C3-5F45-8A93-68DE8B3BB855}">
-      <dgm:prSet phldrT="[Text]" phldr="1"/>
+      <dgm:prSet phldrT="[Text]"/>
       <dgm:spPr/>
       <dgm:t>
         <a:bodyPr/>
         <a:lstStyle/>
         <a:p>
-          <a:endParaRPr lang="en-US" dirty="0"/>
+          <a:r>
+            <a:rPr lang="en-US" dirty="0"/>
+            <a:t>Supervised and Unsupervised Learning</a:t>
+          </a:r>
         </a:p>
       </dgm:t>
     </dgm:pt>
@@ -1133,84 +1153,79 @@
         </a:p>
       </dgm:t>
     </dgm:pt>
-    <dgm:pt modelId="{D811889B-A76C-9945-A9E6-B04F5D58E767}" type="pres">
+    <dgm:pt modelId="{E5FE1ABE-7E15-3145-B683-3A6715DF1F6B}" type="pres">
       <dgm:prSet presAssocID="{A49291FC-A5EA-784B-A070-358F296AB3AE}" presName="Name0" presStyleCnt="0">
         <dgm:presLayoutVars>
+          <dgm:chPref val="3"/>
           <dgm:dir/>
           <dgm:animLvl val="lvl"/>
-          <dgm:resizeHandles val="exact"/>
+          <dgm:resizeHandles/>
         </dgm:presLayoutVars>
       </dgm:prSet>
       <dgm:spPr/>
     </dgm:pt>
-    <dgm:pt modelId="{06B5C70C-C13D-2C40-912E-FBF2F8270F85}" type="pres">
-      <dgm:prSet presAssocID="{61BDCFB0-1F1B-1E4F-9F92-8FA8205F37BD}" presName="composite" presStyleCnt="0"/>
+    <dgm:pt modelId="{20EB75A5-FE35-A048-9A27-9950D2542C31}" type="pres">
+      <dgm:prSet presAssocID="{61BDCFB0-1F1B-1E4F-9F92-8FA8205F37BD}" presName="horFlow" presStyleCnt="0"/>
       <dgm:spPr/>
     </dgm:pt>
-    <dgm:pt modelId="{48FB58C2-B681-4D40-9172-DFB94C6F208B}" type="pres">
-      <dgm:prSet presAssocID="{61BDCFB0-1F1B-1E4F-9F92-8FA8205F37BD}" presName="parTx" presStyleLbl="node1" presStyleIdx="0" presStyleCnt="3">
-        <dgm:presLayoutVars>
-          <dgm:chMax val="0"/>
-          <dgm:chPref val="0"/>
-          <dgm:bulletEnabled val="1"/>
-        </dgm:presLayoutVars>
-      </dgm:prSet>
+    <dgm:pt modelId="{53A3133C-FFD4-6140-99F4-243A5FE17453}" type="pres">
+      <dgm:prSet presAssocID="{61BDCFB0-1F1B-1E4F-9F92-8FA8205F37BD}" presName="bigChev" presStyleLbl="node1" presStyleIdx="0" presStyleCnt="3"/>
       <dgm:spPr/>
     </dgm:pt>
-    <dgm:pt modelId="{F99F336B-3E21-7B4E-9409-1F6F4F228EE7}" type="pres">
-      <dgm:prSet presAssocID="{61BDCFB0-1F1B-1E4F-9F92-8FA8205F37BD}" presName="desTx" presStyleLbl="revTx" presStyleIdx="0" presStyleCnt="3">
+    <dgm:pt modelId="{F6BA5C61-9338-8C4D-9442-8F4302D76ECD}" type="pres">
+      <dgm:prSet presAssocID="{4AD57774-9A8F-8741-8684-259F63D0C8D8}" presName="parTrans" presStyleCnt="0"/>
+      <dgm:spPr/>
+    </dgm:pt>
+    <dgm:pt modelId="{A3A23F51-AD28-CE44-B209-309B4C2F8459}" type="pres">
+      <dgm:prSet presAssocID="{9A271797-D8B2-B747-B963-37BE696D58DC}" presName="node" presStyleLbl="alignAccFollowNode1" presStyleIdx="0" presStyleCnt="3">
         <dgm:presLayoutVars>
           <dgm:bulletEnabled val="1"/>
         </dgm:presLayoutVars>
       </dgm:prSet>
       <dgm:spPr/>
     </dgm:pt>
-    <dgm:pt modelId="{B636C4D6-9769-D749-8F16-81D14FFC111B}" type="pres">
-      <dgm:prSet presAssocID="{44317445-7027-4445-8C1A-5BFD89E1A1CC}" presName="space" presStyleCnt="0"/>
+    <dgm:pt modelId="{3160E8EE-37CA-DD4E-98CF-9096D615869A}" type="pres">
+      <dgm:prSet presAssocID="{61BDCFB0-1F1B-1E4F-9F92-8FA8205F37BD}" presName="vSp" presStyleCnt="0"/>
       <dgm:spPr/>
     </dgm:pt>
-    <dgm:pt modelId="{16BA07D2-3DE8-7B47-B824-477735CAF14D}" type="pres">
-      <dgm:prSet presAssocID="{7F7C2C4A-4114-0A41-AEE4-AE04D29E5369}" presName="composite" presStyleCnt="0"/>
+    <dgm:pt modelId="{745F9124-1B71-A447-9EDF-B1E1602BBF66}" type="pres">
+      <dgm:prSet presAssocID="{7F7C2C4A-4114-0A41-AEE4-AE04D29E5369}" presName="horFlow" presStyleCnt="0"/>
       <dgm:spPr/>
     </dgm:pt>
-    <dgm:pt modelId="{5531014E-3B4B-974D-83FE-5F0ECF3AD72A}" type="pres">
-      <dgm:prSet presAssocID="{7F7C2C4A-4114-0A41-AEE4-AE04D29E5369}" presName="parTx" presStyleLbl="node1" presStyleIdx="1" presStyleCnt="3">
-        <dgm:presLayoutVars>
-          <dgm:chMax val="0"/>
-          <dgm:chPref val="0"/>
-          <dgm:bulletEnabled val="1"/>
-        </dgm:presLayoutVars>
-      </dgm:prSet>
+    <dgm:pt modelId="{BD9FA9AC-978C-024B-8AB3-CBAFA32BAFA6}" type="pres">
+      <dgm:prSet presAssocID="{7F7C2C4A-4114-0A41-AEE4-AE04D29E5369}" presName="bigChev" presStyleLbl="node1" presStyleIdx="1" presStyleCnt="3"/>
       <dgm:spPr/>
     </dgm:pt>
-    <dgm:pt modelId="{D17C2304-53C6-2B4B-94D2-1AD75AD8FCF5}" type="pres">
-      <dgm:prSet presAssocID="{7F7C2C4A-4114-0A41-AEE4-AE04D29E5369}" presName="desTx" presStyleLbl="revTx" presStyleIdx="1" presStyleCnt="3">
+    <dgm:pt modelId="{D45E6653-3710-9E45-B4EA-FAAE5025A466}" type="pres">
+      <dgm:prSet presAssocID="{C65C414B-BF17-3345-9CB3-51D37792A82F}" presName="parTrans" presStyleCnt="0"/>
+      <dgm:spPr/>
+    </dgm:pt>
+    <dgm:pt modelId="{36BEAFA4-3E6B-E443-A48F-CC504019DA77}" type="pres">
+      <dgm:prSet presAssocID="{885F165E-3D3A-5C47-9B42-EA820A09CFF9}" presName="node" presStyleLbl="alignAccFollowNode1" presStyleIdx="1" presStyleCnt="3">
         <dgm:presLayoutVars>
           <dgm:bulletEnabled val="1"/>
         </dgm:presLayoutVars>
       </dgm:prSet>
       <dgm:spPr/>
     </dgm:pt>
-    <dgm:pt modelId="{C78EA944-95D1-854D-89A9-3B60519DB29F}" type="pres">
-      <dgm:prSet presAssocID="{8D2FE97C-5D95-904F-845B-8A8C4E896AED}" presName="space" presStyleCnt="0"/>
+    <dgm:pt modelId="{70CD54FC-1E39-7E45-A188-95826CD5C51D}" type="pres">
+      <dgm:prSet presAssocID="{7F7C2C4A-4114-0A41-AEE4-AE04D29E5369}" presName="vSp" presStyleCnt="0"/>
       <dgm:spPr/>
     </dgm:pt>
-    <dgm:pt modelId="{1FC67CB0-9D02-4349-8FE6-07C26DC4D11D}" type="pres">
-      <dgm:prSet presAssocID="{869BC0C8-1E02-ED4F-9CCB-10B61B7688EF}" presName="composite" presStyleCnt="0"/>
+    <dgm:pt modelId="{7FF4A226-5C31-B346-B327-C55F2F21CAC0}" type="pres">
+      <dgm:prSet presAssocID="{869BC0C8-1E02-ED4F-9CCB-10B61B7688EF}" presName="horFlow" presStyleCnt="0"/>
       <dgm:spPr/>
     </dgm:pt>
-    <dgm:pt modelId="{AB3CFC13-4779-2A4B-BDCE-5ABFC23D20C3}" type="pres">
-      <dgm:prSet presAssocID="{869BC0C8-1E02-ED4F-9CCB-10B61B7688EF}" presName="parTx" presStyleLbl="node1" presStyleIdx="2" presStyleCnt="3">
-        <dgm:presLayoutVars>
-          <dgm:chMax val="0"/>
-          <dgm:chPref val="0"/>
-          <dgm:bulletEnabled val="1"/>
-        </dgm:presLayoutVars>
-      </dgm:prSet>
+    <dgm:pt modelId="{58E61A49-A8D4-6849-9512-2D40AF34C106}" type="pres">
+      <dgm:prSet presAssocID="{869BC0C8-1E02-ED4F-9CCB-10B61B7688EF}" presName="bigChev" presStyleLbl="node1" presStyleIdx="2" presStyleCnt="3"/>
       <dgm:spPr/>
     </dgm:pt>
-    <dgm:pt modelId="{E62F2B48-A1FB-4240-B510-A18C4C1E7A39}" type="pres">
-      <dgm:prSet presAssocID="{869BC0C8-1E02-ED4F-9CCB-10B61B7688EF}" presName="desTx" presStyleLbl="revTx" presStyleIdx="2" presStyleCnt="3">
+    <dgm:pt modelId="{F2EBD1BE-E72D-C349-8F19-A7728858D46E}" type="pres">
+      <dgm:prSet presAssocID="{B4578FD7-1554-EE48-9DA0-B1892E51334C}" presName="parTrans" presStyleCnt="0"/>
+      <dgm:spPr/>
+    </dgm:pt>
+    <dgm:pt modelId="{63068BCE-CCB8-7445-909A-2DB3CE997D0F}" type="pres">
+      <dgm:prSet presAssocID="{72EEF3BB-61C3-5F45-8A93-68DE8B3BB855}" presName="node" presStyleLbl="alignAccFollowNode1" presStyleIdx="2" presStyleCnt="3">
         <dgm:presLayoutVars>
           <dgm:bulletEnabled val="1"/>
         </dgm:presLayoutVars>
@@ -1219,30 +1234,33 @@
     </dgm:pt>
   </dgm:ptLst>
   <dgm:cxnLst>
-    <dgm:cxn modelId="{A84BC408-1BEE-C548-B389-DCC4F1358BEB}" type="presOf" srcId="{72EEF3BB-61C3-5F45-8A93-68DE8B3BB855}" destId="{E62F2B48-A1FB-4240-B510-A18C4C1E7A39}" srcOrd="0" destOrd="0" presId="urn:microsoft.com/office/officeart/2005/8/layout/chevron1"/>
+    <dgm:cxn modelId="{86473702-A7AE-AC4A-AFC2-6645B082363A}" type="presOf" srcId="{9A271797-D8B2-B747-B963-37BE696D58DC}" destId="{A3A23F51-AD28-CE44-B209-309B4C2F8459}" srcOrd="0" destOrd="0" presId="urn:microsoft.com/office/officeart/2005/8/layout/lProcess3"/>
     <dgm:cxn modelId="{46720C0F-A807-0A49-A851-761E87220687}" srcId="{A49291FC-A5EA-784B-A070-358F296AB3AE}" destId="{869BC0C8-1E02-ED4F-9CCB-10B61B7688EF}" srcOrd="2" destOrd="0" parTransId="{9AF79086-B6DA-7B4C-A923-D4C4DFA00A38}" sibTransId="{A541B829-8B48-9946-9384-963886316BDD}"/>
-    <dgm:cxn modelId="{1D4C2741-6804-C140-B063-75971B879FED}" type="presOf" srcId="{885F165E-3D3A-5C47-9B42-EA820A09CFF9}" destId="{D17C2304-53C6-2B4B-94D2-1AD75AD8FCF5}" srcOrd="0" destOrd="0" presId="urn:microsoft.com/office/officeart/2005/8/layout/chevron1"/>
     <dgm:cxn modelId="{266B8D65-A749-9546-B5DF-6DE71454593F}" srcId="{7F7C2C4A-4114-0A41-AEE4-AE04D29E5369}" destId="{885F165E-3D3A-5C47-9B42-EA820A09CFF9}" srcOrd="0" destOrd="0" parTransId="{C65C414B-BF17-3345-9CB3-51D37792A82F}" sibTransId="{006FD3B9-A04D-9B4F-924B-CF7B7D7AED3F}"/>
-    <dgm:cxn modelId="{2837F968-2F8E-924E-A43D-E69631279A53}" type="presOf" srcId="{9A271797-D8B2-B747-B963-37BE696D58DC}" destId="{F99F336B-3E21-7B4E-9409-1F6F4F228EE7}" srcOrd="0" destOrd="0" presId="urn:microsoft.com/office/officeart/2005/8/layout/chevron1"/>
-    <dgm:cxn modelId="{1FDC7180-A025-D040-BE0C-B69BA84EE02B}" type="presOf" srcId="{A49291FC-A5EA-784B-A070-358F296AB3AE}" destId="{D811889B-A76C-9945-A9E6-B04F5D58E767}" srcOrd="0" destOrd="0" presId="urn:microsoft.com/office/officeart/2005/8/layout/chevron1"/>
+    <dgm:cxn modelId="{78D8AA6B-F7E7-E14B-9A51-9169C3A167AA}" type="presOf" srcId="{72EEF3BB-61C3-5F45-8A93-68DE8B3BB855}" destId="{63068BCE-CCB8-7445-909A-2DB3CE997D0F}" srcOrd="0" destOrd="0" presId="urn:microsoft.com/office/officeart/2005/8/layout/lProcess3"/>
+    <dgm:cxn modelId="{DCB2487F-A590-6E4B-A559-9E92E40F7499}" type="presOf" srcId="{A49291FC-A5EA-784B-A070-358F296AB3AE}" destId="{E5FE1ABE-7E15-3145-B683-3A6715DF1F6B}" srcOrd="0" destOrd="0" presId="urn:microsoft.com/office/officeart/2005/8/layout/lProcess3"/>
     <dgm:cxn modelId="{63D7979E-AF40-E240-A881-F7B7A60C5C02}" srcId="{61BDCFB0-1F1B-1E4F-9F92-8FA8205F37BD}" destId="{9A271797-D8B2-B747-B963-37BE696D58DC}" srcOrd="0" destOrd="0" parTransId="{4AD57774-9A8F-8741-8684-259F63D0C8D8}" sibTransId="{0954C565-EED1-7541-8F1A-A6CEA2F6EF00}"/>
-    <dgm:cxn modelId="{8CC23DA6-4F6B-B04B-AD77-AB31DB728086}" type="presOf" srcId="{61BDCFB0-1F1B-1E4F-9F92-8FA8205F37BD}" destId="{48FB58C2-B681-4D40-9172-DFB94C6F208B}" srcOrd="0" destOrd="0" presId="urn:microsoft.com/office/officeart/2005/8/layout/chevron1"/>
-    <dgm:cxn modelId="{83468EB5-ED2C-1F43-9340-8E6D4AE62616}" type="presOf" srcId="{7F7C2C4A-4114-0A41-AEE4-AE04D29E5369}" destId="{5531014E-3B4B-974D-83FE-5F0ECF3AD72A}" srcOrd="0" destOrd="0" presId="urn:microsoft.com/office/officeart/2005/8/layout/chevron1"/>
-    <dgm:cxn modelId="{59630BCF-793D-9E48-B5B2-B73160E91297}" type="presOf" srcId="{869BC0C8-1E02-ED4F-9CCB-10B61B7688EF}" destId="{AB3CFC13-4779-2A4B-BDCE-5ABFC23D20C3}" srcOrd="0" destOrd="0" presId="urn:microsoft.com/office/officeart/2005/8/layout/chevron1"/>
+    <dgm:cxn modelId="{311384BE-D03E-FA4E-93C8-188A004DA0E5}" type="presOf" srcId="{7F7C2C4A-4114-0A41-AEE4-AE04D29E5369}" destId="{BD9FA9AC-978C-024B-8AB3-CBAFA32BAFA6}" srcOrd="0" destOrd="0" presId="urn:microsoft.com/office/officeart/2005/8/layout/lProcess3"/>
+    <dgm:cxn modelId="{B4FD8CC8-DCC5-6743-BEDC-C76D9AC63F7F}" type="presOf" srcId="{885F165E-3D3A-5C47-9B42-EA820A09CFF9}" destId="{36BEAFA4-3E6B-E443-A48F-CC504019DA77}" srcOrd="0" destOrd="0" presId="urn:microsoft.com/office/officeart/2005/8/layout/lProcess3"/>
     <dgm:cxn modelId="{7AA599CF-2D37-F440-B543-8A7E03C8EACA}" srcId="{869BC0C8-1E02-ED4F-9CCB-10B61B7688EF}" destId="{72EEF3BB-61C3-5F45-8A93-68DE8B3BB855}" srcOrd="0" destOrd="0" parTransId="{B4578FD7-1554-EE48-9DA0-B1892E51334C}" sibTransId="{B6726461-8D66-AD4C-AE79-D4A885DD317E}"/>
+    <dgm:cxn modelId="{5C33ACDF-63A3-6949-AA2B-50F700DADA97}" type="presOf" srcId="{869BC0C8-1E02-ED4F-9CCB-10B61B7688EF}" destId="{58E61A49-A8D4-6849-9512-2D40AF34C106}" srcOrd="0" destOrd="0" presId="urn:microsoft.com/office/officeart/2005/8/layout/lProcess3"/>
     <dgm:cxn modelId="{10A79EE5-FC64-9A4B-9C00-88BDDDD59268}" srcId="{A49291FC-A5EA-784B-A070-358F296AB3AE}" destId="{61BDCFB0-1F1B-1E4F-9F92-8FA8205F37BD}" srcOrd="0" destOrd="0" parTransId="{DB5A3296-0C95-414D-9F14-AFE178198BD6}" sibTransId="{44317445-7027-4445-8C1A-5BFD89E1A1CC}"/>
+    <dgm:cxn modelId="{FEDB8AF4-B9F6-DD45-AE42-F2187BE51176}" type="presOf" srcId="{61BDCFB0-1F1B-1E4F-9F92-8FA8205F37BD}" destId="{53A3133C-FFD4-6140-99F4-243A5FE17453}" srcOrd="0" destOrd="0" presId="urn:microsoft.com/office/officeart/2005/8/layout/lProcess3"/>
     <dgm:cxn modelId="{76A80FF6-361F-8248-A803-A054D46D917C}" srcId="{A49291FC-A5EA-784B-A070-358F296AB3AE}" destId="{7F7C2C4A-4114-0A41-AEE4-AE04D29E5369}" srcOrd="1" destOrd="0" parTransId="{D10CC240-C85A-194C-8507-FC49912A7072}" sibTransId="{8D2FE97C-5D95-904F-845B-8A8C4E896AED}"/>
-    <dgm:cxn modelId="{B159D5B7-BA32-214F-AD94-016F0607E1AF}" type="presParOf" srcId="{D811889B-A76C-9945-A9E6-B04F5D58E767}" destId="{06B5C70C-C13D-2C40-912E-FBF2F8270F85}" srcOrd="0" destOrd="0" presId="urn:microsoft.com/office/officeart/2005/8/layout/chevron1"/>
-    <dgm:cxn modelId="{18C4E837-F88F-044C-9123-C0E982E3A28F}" type="presParOf" srcId="{06B5C70C-C13D-2C40-912E-FBF2F8270F85}" destId="{48FB58C2-B681-4D40-9172-DFB94C6F208B}" srcOrd="0" destOrd="0" presId="urn:microsoft.com/office/officeart/2005/8/layout/chevron1"/>
-    <dgm:cxn modelId="{DC927958-4DDD-D842-B968-E258699CB902}" type="presParOf" srcId="{06B5C70C-C13D-2C40-912E-FBF2F8270F85}" destId="{F99F336B-3E21-7B4E-9409-1F6F4F228EE7}" srcOrd="1" destOrd="0" presId="urn:microsoft.com/office/officeart/2005/8/layout/chevron1"/>
-    <dgm:cxn modelId="{F572B869-DB4B-FF4A-898C-F0389E8F1C41}" type="presParOf" srcId="{D811889B-A76C-9945-A9E6-B04F5D58E767}" destId="{B636C4D6-9769-D749-8F16-81D14FFC111B}" srcOrd="1" destOrd="0" presId="urn:microsoft.com/office/officeart/2005/8/layout/chevron1"/>
-    <dgm:cxn modelId="{355E5914-7CDA-E242-B8B8-70BBE889DE43}" type="presParOf" srcId="{D811889B-A76C-9945-A9E6-B04F5D58E767}" destId="{16BA07D2-3DE8-7B47-B824-477735CAF14D}" srcOrd="2" destOrd="0" presId="urn:microsoft.com/office/officeart/2005/8/layout/chevron1"/>
-    <dgm:cxn modelId="{68EDB19E-9A14-0143-A76A-F04AAA243CA4}" type="presParOf" srcId="{16BA07D2-3DE8-7B47-B824-477735CAF14D}" destId="{5531014E-3B4B-974D-83FE-5F0ECF3AD72A}" srcOrd="0" destOrd="0" presId="urn:microsoft.com/office/officeart/2005/8/layout/chevron1"/>
-    <dgm:cxn modelId="{15906980-85A2-FA45-A907-61F1D92ABA69}" type="presParOf" srcId="{16BA07D2-3DE8-7B47-B824-477735CAF14D}" destId="{D17C2304-53C6-2B4B-94D2-1AD75AD8FCF5}" srcOrd="1" destOrd="0" presId="urn:microsoft.com/office/officeart/2005/8/layout/chevron1"/>
-    <dgm:cxn modelId="{5682C26C-6974-AA40-BE9B-0E44B6BD6E06}" type="presParOf" srcId="{D811889B-A76C-9945-A9E6-B04F5D58E767}" destId="{C78EA944-95D1-854D-89A9-3B60519DB29F}" srcOrd="3" destOrd="0" presId="urn:microsoft.com/office/officeart/2005/8/layout/chevron1"/>
-    <dgm:cxn modelId="{722A6935-3685-D145-9A8B-2D1F19484DB2}" type="presParOf" srcId="{D811889B-A76C-9945-A9E6-B04F5D58E767}" destId="{1FC67CB0-9D02-4349-8FE6-07C26DC4D11D}" srcOrd="4" destOrd="0" presId="urn:microsoft.com/office/officeart/2005/8/layout/chevron1"/>
-    <dgm:cxn modelId="{2520C277-AABC-E143-8472-72C4D6A3090D}" type="presParOf" srcId="{1FC67CB0-9D02-4349-8FE6-07C26DC4D11D}" destId="{AB3CFC13-4779-2A4B-BDCE-5ABFC23D20C3}" srcOrd="0" destOrd="0" presId="urn:microsoft.com/office/officeart/2005/8/layout/chevron1"/>
-    <dgm:cxn modelId="{1726100F-D6E2-134E-9B5D-AD0779DDC768}" type="presParOf" srcId="{1FC67CB0-9D02-4349-8FE6-07C26DC4D11D}" destId="{E62F2B48-A1FB-4240-B510-A18C4C1E7A39}" srcOrd="1" destOrd="0" presId="urn:microsoft.com/office/officeart/2005/8/layout/chevron1"/>
+    <dgm:cxn modelId="{CBDDAFA5-D694-404A-9D14-63093A2A1E30}" type="presParOf" srcId="{E5FE1ABE-7E15-3145-B683-3A6715DF1F6B}" destId="{20EB75A5-FE35-A048-9A27-9950D2542C31}" srcOrd="0" destOrd="0" presId="urn:microsoft.com/office/officeart/2005/8/layout/lProcess3"/>
+    <dgm:cxn modelId="{A7FBED04-6322-9E45-A314-A69A1ECE3B02}" type="presParOf" srcId="{20EB75A5-FE35-A048-9A27-9950D2542C31}" destId="{53A3133C-FFD4-6140-99F4-243A5FE17453}" srcOrd="0" destOrd="0" presId="urn:microsoft.com/office/officeart/2005/8/layout/lProcess3"/>
+    <dgm:cxn modelId="{9B006731-86AD-9C4C-9357-1BC6AF5B26AD}" type="presParOf" srcId="{20EB75A5-FE35-A048-9A27-9950D2542C31}" destId="{F6BA5C61-9338-8C4D-9442-8F4302D76ECD}" srcOrd="1" destOrd="0" presId="urn:microsoft.com/office/officeart/2005/8/layout/lProcess3"/>
+    <dgm:cxn modelId="{560BCFDC-1FFA-7F46-B592-846F49907CEE}" type="presParOf" srcId="{20EB75A5-FE35-A048-9A27-9950D2542C31}" destId="{A3A23F51-AD28-CE44-B209-309B4C2F8459}" srcOrd="2" destOrd="0" presId="urn:microsoft.com/office/officeart/2005/8/layout/lProcess3"/>
+    <dgm:cxn modelId="{FA4A9BFB-8582-5E4E-AFAC-810EBC3BD0EB}" type="presParOf" srcId="{E5FE1ABE-7E15-3145-B683-3A6715DF1F6B}" destId="{3160E8EE-37CA-DD4E-98CF-9096D615869A}" srcOrd="1" destOrd="0" presId="urn:microsoft.com/office/officeart/2005/8/layout/lProcess3"/>
+    <dgm:cxn modelId="{301BB37A-4031-2E40-ADB1-0618082E9387}" type="presParOf" srcId="{E5FE1ABE-7E15-3145-B683-3A6715DF1F6B}" destId="{745F9124-1B71-A447-9EDF-B1E1602BBF66}" srcOrd="2" destOrd="0" presId="urn:microsoft.com/office/officeart/2005/8/layout/lProcess3"/>
+    <dgm:cxn modelId="{5328F65D-DDC3-F749-B1F5-109F289D2D4C}" type="presParOf" srcId="{745F9124-1B71-A447-9EDF-B1E1602BBF66}" destId="{BD9FA9AC-978C-024B-8AB3-CBAFA32BAFA6}" srcOrd="0" destOrd="0" presId="urn:microsoft.com/office/officeart/2005/8/layout/lProcess3"/>
+    <dgm:cxn modelId="{996289A8-656D-B34B-896B-0F19FDC633C0}" type="presParOf" srcId="{745F9124-1B71-A447-9EDF-B1E1602BBF66}" destId="{D45E6653-3710-9E45-B4EA-FAAE5025A466}" srcOrd="1" destOrd="0" presId="urn:microsoft.com/office/officeart/2005/8/layout/lProcess3"/>
+    <dgm:cxn modelId="{14B0CBBD-B931-2D43-B40F-20DA8646D149}" type="presParOf" srcId="{745F9124-1B71-A447-9EDF-B1E1602BBF66}" destId="{36BEAFA4-3E6B-E443-A48F-CC504019DA77}" srcOrd="2" destOrd="0" presId="urn:microsoft.com/office/officeart/2005/8/layout/lProcess3"/>
+    <dgm:cxn modelId="{2E038DC9-38DF-7E42-8273-747B0E03EF36}" type="presParOf" srcId="{E5FE1ABE-7E15-3145-B683-3A6715DF1F6B}" destId="{70CD54FC-1E39-7E45-A188-95826CD5C51D}" srcOrd="3" destOrd="0" presId="urn:microsoft.com/office/officeart/2005/8/layout/lProcess3"/>
+    <dgm:cxn modelId="{CBC58550-11DC-7249-98B3-725C979BBBE5}" type="presParOf" srcId="{E5FE1ABE-7E15-3145-B683-3A6715DF1F6B}" destId="{7FF4A226-5C31-B346-B327-C55F2F21CAC0}" srcOrd="4" destOrd="0" presId="urn:microsoft.com/office/officeart/2005/8/layout/lProcess3"/>
+    <dgm:cxn modelId="{2A75B3D8-9BA3-DF45-A7A8-7006C9D85276}" type="presParOf" srcId="{7FF4A226-5C31-B346-B327-C55F2F21CAC0}" destId="{58E61A49-A8D4-6849-9512-2D40AF34C106}" srcOrd="0" destOrd="0" presId="urn:microsoft.com/office/officeart/2005/8/layout/lProcess3"/>
+    <dgm:cxn modelId="{C21A8CAE-FFB5-8D4C-980C-A356CFEBEC68}" type="presParOf" srcId="{7FF4A226-5C31-B346-B327-C55F2F21CAC0}" destId="{F2EBD1BE-E72D-C349-8F19-A7728858D46E}" srcOrd="1" destOrd="0" presId="urn:microsoft.com/office/officeart/2005/8/layout/lProcess3"/>
+    <dgm:cxn modelId="{A56874CA-AB0D-6C49-BA6E-83A683EADA48}" type="presParOf" srcId="{7FF4A226-5C31-B346-B327-C55F2F21CAC0}" destId="{63068BCE-CCB8-7445-909A-2DB3CE997D0F}" srcOrd="2" destOrd="0" presId="urn:microsoft.com/office/officeart/2005/8/layout/lProcess3"/>
   </dgm:cxnLst>
   <dgm:bg/>
   <dgm:whole/>
@@ -1262,15 +1280,15 @@
       <dsp:cNvGrpSpPr/>
     </dsp:nvGrpSpPr>
     <dsp:grpSpPr/>
-    <dsp:sp modelId="{48FB58C2-B681-4D40-9172-DFB94C6F208B}">
+    <dsp:sp modelId="{53A3133C-FFD4-6140-99F4-243A5FE17453}">
       <dsp:nvSpPr>
         <dsp:cNvPr id="0" name=""/>
         <dsp:cNvSpPr/>
       </dsp:nvSpPr>
       <dsp:spPr>
         <a:xfrm>
-          <a:off x="6129" y="967514"/>
-          <a:ext cx="3005351" cy="1202140"/>
+          <a:off x="1597476" y="1362"/>
+          <a:ext cx="2697284" cy="1078913"/>
         </a:xfrm>
         <a:prstGeom prst="chevron">
           <a:avLst/>
@@ -1311,12 +1329,12 @@
         </a:fontRef>
       </dsp:style>
       <dsp:txBody>
-        <a:bodyPr spcFirstLastPara="0" vert="horz" wrap="square" lIns="132017" tIns="44006" rIns="44006" bIns="44006" numCol="1" spcCol="1270" anchor="ctr" anchorCtr="0">
+        <a:bodyPr spcFirstLastPara="0" vert="horz" wrap="square" lIns="40640" tIns="20320" rIns="0" bIns="20320" numCol="1" spcCol="1270" anchor="ctr" anchorCtr="0">
           <a:noAutofit/>
         </a:bodyPr>
         <a:lstStyle/>
         <a:p>
-          <a:pPr marL="0" lvl="0" indent="0" algn="ctr" defTabSz="1466850">
+          <a:pPr marL="0" lvl="0" indent="0" algn="ctr" defTabSz="1422400">
             <a:lnSpc>
               <a:spcPct val="90000"/>
             </a:lnSpc>
@@ -1329,40 +1347,59 @@
             <a:buNone/>
           </a:pPr>
           <a:r>
-            <a:rPr lang="en-US" sz="3300" kern="1200" dirty="0"/>
+            <a:rPr lang="en-US" sz="3200" kern="1200" dirty="0"/>
             <a:t>Cleaning Data</a:t>
           </a:r>
         </a:p>
       </dsp:txBody>
       <dsp:txXfrm>
-        <a:off x="607199" y="967514"/>
-        <a:ext cx="1803211" cy="1202140"/>
+        <a:off x="2136933" y="1362"/>
+        <a:ext cx="1618371" cy="1078913"/>
       </dsp:txXfrm>
     </dsp:sp>
-    <dsp:sp modelId="{F99F336B-3E21-7B4E-9409-1F6F4F228EE7}">
+    <dsp:sp modelId="{A3A23F51-AD28-CE44-B209-309B4C2F8459}">
       <dsp:nvSpPr>
         <dsp:cNvPr id="0" name=""/>
         <dsp:cNvSpPr/>
       </dsp:nvSpPr>
       <dsp:spPr>
         <a:xfrm>
-          <a:off x="6129" y="2319922"/>
-          <a:ext cx="2404281" cy="594000"/>
+          <a:off x="3944114" y="93069"/>
+          <a:ext cx="2238746" cy="895498"/>
         </a:xfrm>
-        <a:prstGeom prst="rect">
+        <a:prstGeom prst="chevron">
           <a:avLst/>
         </a:prstGeom>
-        <a:noFill/>
-        <a:ln>
-          <a:noFill/>
+        <a:solidFill>
+          <a:schemeClr val="accent2">
+            <a:tint val="40000"/>
+            <a:alpha val="90000"/>
+            <a:hueOff val="0"/>
+            <a:satOff val="0"/>
+            <a:lumOff val="0"/>
+            <a:alphaOff val="0"/>
+          </a:schemeClr>
+        </a:solidFill>
+        <a:ln w="19050" cap="rnd" cmpd="sng" algn="ctr">
+          <a:solidFill>
+            <a:schemeClr val="accent2">
+              <a:tint val="40000"/>
+              <a:alpha val="90000"/>
+              <a:hueOff val="0"/>
+              <a:satOff val="0"/>
+              <a:lumOff val="0"/>
+              <a:alphaOff val="0"/>
+            </a:schemeClr>
+          </a:solidFill>
+          <a:prstDash val="solid"/>
         </a:ln>
         <a:effectLst/>
       </dsp:spPr>
       <dsp:style>
-        <a:lnRef idx="0">
+        <a:lnRef idx="2">
           <a:scrgbClr r="0" g="0" b="0"/>
         </a:lnRef>
-        <a:fillRef idx="0">
+        <a:fillRef idx="1">
           <a:scrgbClr r="0" g="0" b="0"/>
         </a:fillRef>
         <a:effectRef idx="0">
@@ -1371,12 +1408,12 @@
         <a:fontRef idx="minor"/>
       </dsp:style>
       <dsp:txBody>
-        <a:bodyPr spcFirstLastPara="0" vert="horz" wrap="square" lIns="0" tIns="0" rIns="0" bIns="0" numCol="1" spcCol="1270" anchor="t" anchorCtr="0">
+        <a:bodyPr spcFirstLastPara="0" vert="horz" wrap="square" lIns="16510" tIns="8255" rIns="0" bIns="8255" numCol="1" spcCol="1270" anchor="ctr" anchorCtr="0">
           <a:noAutofit/>
         </a:bodyPr>
         <a:lstStyle/>
         <a:p>
-          <a:pPr marL="285750" lvl="1" indent="-285750" algn="l" defTabSz="1466850">
+          <a:pPr marL="0" lvl="0" indent="0" algn="ctr" defTabSz="577850">
             <a:lnSpc>
               <a:spcPct val="90000"/>
             </a:lnSpc>
@@ -1384,27 +1421,30 @@
               <a:spcPct val="0"/>
             </a:spcBef>
             <a:spcAft>
-              <a:spcPct val="15000"/>
+              <a:spcPct val="35000"/>
             </a:spcAft>
-            <a:buChar char="•"/>
+            <a:buNone/>
           </a:pPr>
-          <a:endParaRPr lang="en-US" sz="3300" kern="1200" dirty="0"/>
+          <a:r>
+            <a:rPr lang="en-US" sz="1300" kern="1200" dirty="0"/>
+            <a:t>Null values, Input Strategies, Feature Engineering</a:t>
+          </a:r>
         </a:p>
       </dsp:txBody>
       <dsp:txXfrm>
-        <a:off x="6129" y="2319922"/>
-        <a:ext cx="2404281" cy="594000"/>
+        <a:off x="4391863" y="93069"/>
+        <a:ext cx="1343248" cy="895498"/>
       </dsp:txXfrm>
     </dsp:sp>
-    <dsp:sp modelId="{5531014E-3B4B-974D-83FE-5F0ECF3AD72A}">
+    <dsp:sp modelId="{BD9FA9AC-978C-024B-8AB3-CBAFA32BAFA6}">
       <dsp:nvSpPr>
         <dsp:cNvPr id="0" name=""/>
         <dsp:cNvSpPr/>
       </dsp:nvSpPr>
       <dsp:spPr>
         <a:xfrm>
-          <a:off x="2795480" y="967514"/>
-          <a:ext cx="3005351" cy="1202140"/>
+          <a:off x="1597476" y="1231324"/>
+          <a:ext cx="2697284" cy="1078913"/>
         </a:xfrm>
         <a:prstGeom prst="chevron">
           <a:avLst/>
@@ -1445,12 +1485,12 @@
         </a:fontRef>
       </dsp:style>
       <dsp:txBody>
-        <a:bodyPr spcFirstLastPara="0" vert="horz" wrap="square" lIns="132017" tIns="44006" rIns="44006" bIns="44006" numCol="1" spcCol="1270" anchor="ctr" anchorCtr="0">
+        <a:bodyPr spcFirstLastPara="0" vert="horz" wrap="square" lIns="40640" tIns="20320" rIns="0" bIns="20320" numCol="1" spcCol="1270" anchor="ctr" anchorCtr="0">
           <a:noAutofit/>
         </a:bodyPr>
         <a:lstStyle/>
         <a:p>
-          <a:pPr marL="0" lvl="0" indent="0" algn="ctr" defTabSz="1466850">
+          <a:pPr marL="0" lvl="0" indent="0" algn="ctr" defTabSz="1422400">
             <a:lnSpc>
               <a:spcPct val="90000"/>
             </a:lnSpc>
@@ -1463,40 +1503,59 @@
             <a:buNone/>
           </a:pPr>
           <a:r>
-            <a:rPr lang="en-US" sz="3300" kern="1200" dirty="0"/>
+            <a:rPr lang="en-US" sz="3200" kern="1200" dirty="0"/>
             <a:t>EDA</a:t>
           </a:r>
         </a:p>
       </dsp:txBody>
       <dsp:txXfrm>
-        <a:off x="3396550" y="967514"/>
-        <a:ext cx="1803211" cy="1202140"/>
+        <a:off x="2136933" y="1231324"/>
+        <a:ext cx="1618371" cy="1078913"/>
       </dsp:txXfrm>
     </dsp:sp>
-    <dsp:sp modelId="{D17C2304-53C6-2B4B-94D2-1AD75AD8FCF5}">
+    <dsp:sp modelId="{36BEAFA4-3E6B-E443-A48F-CC504019DA77}">
       <dsp:nvSpPr>
         <dsp:cNvPr id="0" name=""/>
         <dsp:cNvSpPr/>
       </dsp:nvSpPr>
       <dsp:spPr>
         <a:xfrm>
-          <a:off x="2795480" y="2319922"/>
-          <a:ext cx="2404281" cy="594000"/>
+          <a:off x="3944114" y="1323031"/>
+          <a:ext cx="2238746" cy="895498"/>
         </a:xfrm>
-        <a:prstGeom prst="rect">
+        <a:prstGeom prst="chevron">
           <a:avLst/>
         </a:prstGeom>
-        <a:noFill/>
-        <a:ln>
-          <a:noFill/>
+        <a:solidFill>
+          <a:schemeClr val="accent2">
+            <a:tint val="40000"/>
+            <a:alpha val="90000"/>
+            <a:hueOff val="-878705"/>
+            <a:satOff val="-3312"/>
+            <a:lumOff val="361"/>
+            <a:alphaOff val="0"/>
+          </a:schemeClr>
+        </a:solidFill>
+        <a:ln w="19050" cap="rnd" cmpd="sng" algn="ctr">
+          <a:solidFill>
+            <a:schemeClr val="accent2">
+              <a:tint val="40000"/>
+              <a:alpha val="90000"/>
+              <a:hueOff val="-878705"/>
+              <a:satOff val="-3312"/>
+              <a:lumOff val="361"/>
+              <a:alphaOff val="0"/>
+            </a:schemeClr>
+          </a:solidFill>
+          <a:prstDash val="solid"/>
         </a:ln>
         <a:effectLst/>
       </dsp:spPr>
       <dsp:style>
-        <a:lnRef idx="0">
+        <a:lnRef idx="2">
           <a:scrgbClr r="0" g="0" b="0"/>
         </a:lnRef>
-        <a:fillRef idx="0">
+        <a:fillRef idx="1">
           <a:scrgbClr r="0" g="0" b="0"/>
         </a:fillRef>
         <a:effectRef idx="0">
@@ -1505,12 +1564,12 @@
         <a:fontRef idx="minor"/>
       </dsp:style>
       <dsp:txBody>
-        <a:bodyPr spcFirstLastPara="0" vert="horz" wrap="square" lIns="0" tIns="0" rIns="0" bIns="0" numCol="1" spcCol="1270" anchor="t" anchorCtr="0">
+        <a:bodyPr spcFirstLastPara="0" vert="horz" wrap="square" lIns="16510" tIns="8255" rIns="0" bIns="8255" numCol="1" spcCol="1270" anchor="ctr" anchorCtr="0">
           <a:noAutofit/>
         </a:bodyPr>
         <a:lstStyle/>
         <a:p>
-          <a:pPr marL="285750" lvl="1" indent="-285750" algn="l" defTabSz="1466850">
+          <a:pPr marL="0" lvl="0" indent="0" algn="ctr" defTabSz="577850">
             <a:lnSpc>
               <a:spcPct val="90000"/>
             </a:lnSpc>
@@ -1518,27 +1577,30 @@
               <a:spcPct val="0"/>
             </a:spcBef>
             <a:spcAft>
-              <a:spcPct val="15000"/>
+              <a:spcPct val="35000"/>
             </a:spcAft>
-            <a:buChar char="•"/>
+            <a:buNone/>
           </a:pPr>
-          <a:endParaRPr lang="en-US" sz="3300" kern="1200" dirty="0"/>
+          <a:r>
+            <a:rPr lang="en-US" sz="1300" kern="1200" dirty="0"/>
+            <a:t>Continuous, Discrete and Categorical Variables Plots</a:t>
+          </a:r>
         </a:p>
       </dsp:txBody>
       <dsp:txXfrm>
-        <a:off x="2795480" y="2319922"/>
-        <a:ext cx="2404281" cy="594000"/>
+        <a:off x="4391863" y="1323031"/>
+        <a:ext cx="1343248" cy="895498"/>
       </dsp:txXfrm>
     </dsp:sp>
-    <dsp:sp modelId="{AB3CFC13-4779-2A4B-BDCE-5ABFC23D20C3}">
+    <dsp:sp modelId="{58E61A49-A8D4-6849-9512-2D40AF34C106}">
       <dsp:nvSpPr>
         <dsp:cNvPr id="0" name=""/>
         <dsp:cNvSpPr/>
       </dsp:nvSpPr>
       <dsp:spPr>
         <a:xfrm>
-          <a:off x="5584831" y="967514"/>
-          <a:ext cx="3005351" cy="1202140"/>
+          <a:off x="1597476" y="2461285"/>
+          <a:ext cx="2697284" cy="1078913"/>
         </a:xfrm>
         <a:prstGeom prst="chevron">
           <a:avLst/>
@@ -1579,12 +1641,12 @@
         </a:fontRef>
       </dsp:style>
       <dsp:txBody>
-        <a:bodyPr spcFirstLastPara="0" vert="horz" wrap="square" lIns="132017" tIns="44006" rIns="44006" bIns="44006" numCol="1" spcCol="1270" anchor="ctr" anchorCtr="0">
+        <a:bodyPr spcFirstLastPara="0" vert="horz" wrap="square" lIns="40640" tIns="20320" rIns="0" bIns="20320" numCol="1" spcCol="1270" anchor="ctr" anchorCtr="0">
           <a:noAutofit/>
         </a:bodyPr>
         <a:lstStyle/>
         <a:p>
-          <a:pPr marL="0" lvl="0" indent="0" algn="ctr" defTabSz="1466850">
+          <a:pPr marL="0" lvl="0" indent="0" algn="ctr" defTabSz="1422400">
             <a:lnSpc>
               <a:spcPct val="90000"/>
             </a:lnSpc>
@@ -1597,40 +1659,59 @@
             <a:buNone/>
           </a:pPr>
           <a:r>
-            <a:rPr lang="en-US" sz="3300" kern="1200" dirty="0"/>
+            <a:rPr lang="en-US" sz="3200" kern="1200" dirty="0"/>
             <a:t>Model</a:t>
           </a:r>
         </a:p>
       </dsp:txBody>
       <dsp:txXfrm>
-        <a:off x="6185901" y="967514"/>
-        <a:ext cx="1803211" cy="1202140"/>
+        <a:off x="2136933" y="2461285"/>
+        <a:ext cx="1618371" cy="1078913"/>
       </dsp:txXfrm>
     </dsp:sp>
-    <dsp:sp modelId="{E62F2B48-A1FB-4240-B510-A18C4C1E7A39}">
+    <dsp:sp modelId="{63068BCE-CCB8-7445-909A-2DB3CE997D0F}">
       <dsp:nvSpPr>
         <dsp:cNvPr id="0" name=""/>
         <dsp:cNvSpPr/>
       </dsp:nvSpPr>
       <dsp:spPr>
         <a:xfrm>
-          <a:off x="5584831" y="2319922"/>
-          <a:ext cx="2404281" cy="594000"/>
+          <a:off x="3944114" y="2552993"/>
+          <a:ext cx="2238746" cy="895498"/>
         </a:xfrm>
-        <a:prstGeom prst="rect">
+        <a:prstGeom prst="chevron">
           <a:avLst/>
         </a:prstGeom>
-        <a:noFill/>
-        <a:ln>
-          <a:noFill/>
+        <a:solidFill>
+          <a:schemeClr val="accent2">
+            <a:tint val="40000"/>
+            <a:alpha val="90000"/>
+            <a:hueOff val="-1757410"/>
+            <a:satOff val="-6624"/>
+            <a:lumOff val="722"/>
+            <a:alphaOff val="0"/>
+          </a:schemeClr>
+        </a:solidFill>
+        <a:ln w="19050" cap="rnd" cmpd="sng" algn="ctr">
+          <a:solidFill>
+            <a:schemeClr val="accent2">
+              <a:tint val="40000"/>
+              <a:alpha val="90000"/>
+              <a:hueOff val="-1757410"/>
+              <a:satOff val="-6624"/>
+              <a:lumOff val="722"/>
+              <a:alphaOff val="0"/>
+            </a:schemeClr>
+          </a:solidFill>
+          <a:prstDash val="solid"/>
         </a:ln>
         <a:effectLst/>
       </dsp:spPr>
       <dsp:style>
-        <a:lnRef idx="0">
+        <a:lnRef idx="2">
           <a:scrgbClr r="0" g="0" b="0"/>
         </a:lnRef>
-        <a:fillRef idx="0">
+        <a:fillRef idx="1">
           <a:scrgbClr r="0" g="0" b="0"/>
         </a:fillRef>
         <a:effectRef idx="0">
@@ -1639,12 +1720,12 @@
         <a:fontRef idx="minor"/>
       </dsp:style>
       <dsp:txBody>
-        <a:bodyPr spcFirstLastPara="0" vert="horz" wrap="square" lIns="0" tIns="0" rIns="0" bIns="0" numCol="1" spcCol="1270" anchor="t" anchorCtr="0">
+        <a:bodyPr spcFirstLastPara="0" vert="horz" wrap="square" lIns="16510" tIns="8255" rIns="0" bIns="8255" numCol="1" spcCol="1270" anchor="ctr" anchorCtr="0">
           <a:noAutofit/>
         </a:bodyPr>
         <a:lstStyle/>
         <a:p>
-          <a:pPr marL="285750" lvl="1" indent="-285750" algn="l" defTabSz="1466850">
+          <a:pPr marL="0" lvl="0" indent="0" algn="ctr" defTabSz="577850">
             <a:lnSpc>
               <a:spcPct val="90000"/>
             </a:lnSpc>
@@ -1652,16 +1733,19 @@
               <a:spcPct val="0"/>
             </a:spcBef>
             <a:spcAft>
-              <a:spcPct val="15000"/>
+              <a:spcPct val="35000"/>
             </a:spcAft>
-            <a:buChar char="•"/>
+            <a:buNone/>
           </a:pPr>
-          <a:endParaRPr lang="en-US" sz="3300" kern="1200" dirty="0"/>
+          <a:r>
+            <a:rPr lang="en-US" sz="1300" kern="1200" dirty="0"/>
+            <a:t>Supervised and Unsupervised Learning</a:t>
+          </a:r>
         </a:p>
       </dsp:txBody>
       <dsp:txXfrm>
-        <a:off x="5584831" y="2319922"/>
-        <a:ext cx="2404281" cy="594000"/>
+        <a:off x="4391863" y="2552993"/>
+        <a:ext cx="1343248" cy="895498"/>
       </dsp:txXfrm>
     </dsp:sp>
   </dsp:spTree>
@@ -1669,15 +1753,56 @@
 </file>
 
 <file path=ppt/diagrams/layout1.xml><?xml version="1.0" encoding="utf-8"?>
-<dgm:layoutDef xmlns:dgm="http://schemas.openxmlformats.org/drawingml/2006/diagram" xmlns:a="http://schemas.openxmlformats.org/drawingml/2006/main" uniqueId="urn:microsoft.com/office/officeart/2005/8/layout/chevron1">
+<dgm:layoutDef xmlns:dgm="http://schemas.openxmlformats.org/drawingml/2006/diagram" xmlns:a="http://schemas.openxmlformats.org/drawingml/2006/main" uniqueId="urn:microsoft.com/office/officeart/2005/8/layout/lProcess3">
   <dgm:title val=""/>
   <dgm:desc val=""/>
   <dgm:catLst>
-    <dgm:cat type="process" pri="9000"/>
+    <dgm:cat type="process" pri="11000"/>
+    <dgm:cat type="convert" pri="12000"/>
   </dgm:catLst>
-  <dgm:sampData useDef="1">
+  <dgm:sampData>
     <dgm:dataModel>
-      <dgm:ptLst/>
+      <dgm:ptLst>
+        <dgm:pt modelId="0" type="doc"/>
+        <dgm:pt modelId="1">
+          <dgm:prSet phldr="1"/>
+        </dgm:pt>
+        <dgm:pt modelId="11">
+          <dgm:prSet phldr="1"/>
+        </dgm:pt>
+        <dgm:pt modelId="12">
+          <dgm:prSet phldr="1"/>
+        </dgm:pt>
+        <dgm:pt modelId="2">
+          <dgm:prSet phldr="1"/>
+        </dgm:pt>
+        <dgm:pt modelId="21">
+          <dgm:prSet phldr="1"/>
+        </dgm:pt>
+        <dgm:pt modelId="22">
+          <dgm:prSet phldr="1"/>
+        </dgm:pt>
+        <dgm:pt modelId="3">
+          <dgm:prSet phldr="1"/>
+        </dgm:pt>
+        <dgm:pt modelId="31">
+          <dgm:prSet phldr="1"/>
+        </dgm:pt>
+        <dgm:pt modelId="32">
+          <dgm:prSet phldr="1"/>
+        </dgm:pt>
+      </dgm:ptLst>
+      <dgm:cxnLst>
+        <dgm:cxn modelId="4" srcId="0" destId="1" srcOrd="0" destOrd="0"/>
+        <dgm:cxn modelId="5" srcId="0" destId="2" srcOrd="1" destOrd="0"/>
+        <dgm:cxn modelId="6" srcId="0" destId="3" srcOrd="2" destOrd="0"/>
+        <dgm:cxn modelId="41" srcId="1" destId="11" srcOrd="0" destOrd="0"/>
+        <dgm:cxn modelId="42" srcId="1" destId="12" srcOrd="1" destOrd="0"/>
+        <dgm:cxn modelId="51" srcId="2" destId="21" srcOrd="0" destOrd="0"/>
+        <dgm:cxn modelId="52" srcId="2" destId="22" srcOrd="1" destOrd="0"/>
+        <dgm:cxn modelId="61" srcId="3" destId="31" srcOrd="0" destOrd="0"/>
+        <dgm:cxn modelId="62" srcId="3" destId="32" srcOrd="1" destOrd="0"/>
+      </dgm:cxnLst>
       <dgm:bg/>
       <dgm:whole/>
     </dgm:dataModel>
@@ -1690,8 +1815,8 @@
         <dgm:pt modelId="2"/>
       </dgm:ptLst>
       <dgm:cxnLst>
-        <dgm:cxn modelId="3" srcId="0" destId="1" srcOrd="0" destOrd="0"/>
-        <dgm:cxn modelId="4" srcId="0" destId="2" srcOrd="1" destOrd="0"/>
+        <dgm:cxn modelId="4" srcId="0" destId="1" srcOrd="0" destOrd="0"/>
+        <dgm:cxn modelId="5" srcId="1" destId="2" srcOrd="0" destOrd="0"/>
       </dgm:cxnLst>
       <dgm:bg/>
       <dgm:whole/>
@@ -1702,15 +1827,23 @@
       <dgm:ptLst>
         <dgm:pt modelId="0" type="doc"/>
         <dgm:pt modelId="1"/>
+        <dgm:pt modelId="11"/>
         <dgm:pt modelId="2"/>
+        <dgm:pt modelId="21"/>
         <dgm:pt modelId="3"/>
+        <dgm:pt modelId="31"/>
         <dgm:pt modelId="4"/>
+        <dgm:pt modelId="41"/>
       </dgm:ptLst>
       <dgm:cxnLst>
         <dgm:cxn modelId="5" srcId="0" destId="1" srcOrd="0" destOrd="0"/>
         <dgm:cxn modelId="6" srcId="0" destId="2" srcOrd="1" destOrd="0"/>
         <dgm:cxn modelId="7" srcId="0" destId="3" srcOrd="2" destOrd="0"/>
         <dgm:cxn modelId="8" srcId="0" destId="4" srcOrd="3" destOrd="0"/>
+        <dgm:cxn modelId="51" srcId="1" destId="11" srcOrd="0" destOrd="0"/>
+        <dgm:cxn modelId="61" srcId="2" destId="21" srcOrd="0" destOrd="0"/>
+        <dgm:cxn modelId="71" srcId="3" destId="31" srcOrd="0" destOrd="0"/>
+        <dgm:cxn modelId="81" srcId="4" destId="41" srcOrd="0" destOrd="0"/>
       </dgm:cxnLst>
       <dgm:bg/>
       <dgm:whole/>
@@ -1718,17 +1851,28 @@
   </dgm:clrData>
   <dgm:layoutNode name="Name0">
     <dgm:varLst>
+      <dgm:chPref val="3"/>
       <dgm:dir/>
       <dgm:animLvl val="lvl"/>
-      <dgm:resizeHandles val="exact"/>
+      <dgm:resizeHandles/>
     </dgm:varLst>
     <dgm:choose name="Name1">
       <dgm:if name="Name2" func="var" arg="dir" op="equ" val="norm">
-        <dgm:alg type="lin"/>
+        <dgm:alg type="lin">
+          <dgm:param type="linDir" val="fromT"/>
+          <dgm:param type="vertAlign" val="mid"/>
+          <dgm:param type="nodeHorzAlign" val="l"/>
+          <dgm:param type="nodeVertAlign" val="t"/>
+          <dgm:param type="fallback" val="2D"/>
+        </dgm:alg>
       </dgm:if>
       <dgm:else name="Name3">
         <dgm:alg type="lin">
-          <dgm:param type="linDir" val="fromR"/>
+          <dgm:param type="linDir" val="fromT"/>
+          <dgm:param type="vertAlign" val="mid"/>
+          <dgm:param type="nodeHorzAlign" val="r"/>
+          <dgm:param type="nodeVertAlign" val="t"/>
+          <dgm:param type="fallback" val="2D"/>
         </dgm:alg>
       </dgm:else>
     </dgm:choose>
@@ -1736,139 +1880,129 @@
       <dgm:adjLst/>
     </dgm:shape>
     <dgm:presOf/>
-    <dgm:choose name="Name4">
-      <dgm:if name="Name5" axis="des" func="maxDepth" op="gte" val="2">
-        <dgm:constrLst>
-          <dgm:constr type="h" for="ch" forName="composite" refType="h"/>
-          <dgm:constr type="w" for="ch" forName="composite" refType="w"/>
-          <dgm:constr type="w" for="des" forName="parTx"/>
-          <dgm:constr type="h" for="des" forName="parTx" op="equ"/>
-          <dgm:constr type="w" for="des" forName="desTx"/>
-          <dgm:constr type="h" for="des" forName="desTx" op="equ"/>
-          <dgm:constr type="primFontSz" for="des" forName="parTx" val="65"/>
-          <dgm:constr type="secFontSz" for="des" forName="desTx" refType="primFontSz" refFor="des" refForName="parTx" op="equ"/>
-          <dgm:constr type="h" for="des" forName="parTx" refType="primFontSz" refFor="des" refForName="parTx" fact="1.5"/>
-          <dgm:constr type="h" for="des" forName="desTx" refType="primFontSz" refFor="des" refForName="parTx" fact="0.5"/>
-          <dgm:constr type="w" for="ch" forName="space" op="equ" val="-6"/>
-        </dgm:constrLst>
-        <dgm:ruleLst>
-          <dgm:rule type="w" for="ch" forName="composite" val="0" fact="NaN" max="NaN"/>
-          <dgm:rule type="primFontSz" for="des" forName="parTx" val="5" fact="NaN" max="NaN"/>
-        </dgm:ruleLst>
-        <dgm:forEach name="Name6" axis="ch" ptType="node">
-          <dgm:layoutNode name="composite">
-            <dgm:alg type="composite"/>
+    <dgm:constrLst>
+      <dgm:constr type="w" for="des" forName="bigChev" refType="w"/>
+      <dgm:constr type="h" for="des" forName="bigChev" refType="w" refFor="des" refForName="bigChev" op="equ" fact="0.4"/>
+      <dgm:constr type="w" for="des" forName="node" refType="w" refFor="des" refForName="bigChev" fact="0.83"/>
+      <dgm:constr type="h" for="des" forName="node" refType="w" refFor="des" refForName="node" op="equ" fact="0.4"/>
+      <dgm:constr type="w" for="des" forName="parTrans" refType="w" refFor="des" refForName="bigChev" op="equ" fact="-0.13"/>
+      <dgm:constr type="w" for="des" forName="sibTrans" refType="w" refFor="des" refForName="node" op="equ" fact="-0.14"/>
+      <dgm:constr type="h" for="ch" forName="vSp" refType="h" refFor="des" refForName="bigChev" op="equ" fact="0.14"/>
+      <dgm:constr type="primFontSz" for="des" forName="node" op="equ"/>
+      <dgm:constr type="primFontSz" for="des" forName="bigChev" op="equ"/>
+    </dgm:constrLst>
+    <dgm:ruleLst/>
+    <dgm:forEach name="Name4" axis="ch" ptType="node">
+      <dgm:layoutNode name="horFlow">
+        <dgm:choose name="Name5">
+          <dgm:if name="Name6" func="var" arg="dir" op="equ" val="norm">
+            <dgm:alg type="lin">
+              <dgm:param type="linDir" val="fromL"/>
+              <dgm:param type="nodeHorzAlign" val="l"/>
+              <dgm:param type="nodeVertAlign" val="mid"/>
+              <dgm:param type="fallback" val="2D"/>
+            </dgm:alg>
+          </dgm:if>
+          <dgm:else name="Name7">
+            <dgm:alg type="lin">
+              <dgm:param type="linDir" val="fromR"/>
+              <dgm:param type="nodeHorzAlign" val="r"/>
+              <dgm:param type="nodeVertAlign" val="mid"/>
+              <dgm:param type="fallback" val="2D"/>
+            </dgm:alg>
+          </dgm:else>
+        </dgm:choose>
+        <dgm:shape xmlns:r="http://schemas.openxmlformats.org/officeDocument/2006/relationships" r:blip="">
+          <dgm:adjLst/>
+        </dgm:shape>
+        <dgm:presOf/>
+        <dgm:constrLst/>
+        <dgm:ruleLst/>
+        <dgm:layoutNode name="bigChev" styleLbl="node1">
+          <dgm:alg type="tx"/>
+          <dgm:choose name="Name8">
+            <dgm:if name="Name9" func="var" arg="dir" op="equ" val="norm">
+              <dgm:shape xmlns:r="http://schemas.openxmlformats.org/officeDocument/2006/relationships" type="chevron" r:blip="">
+                <dgm:adjLst/>
+              </dgm:shape>
+              <dgm:presOf axis="self"/>
+              <dgm:constrLst>
+                <dgm:constr type="primFontSz" val="65"/>
+                <dgm:constr type="rMarg"/>
+                <dgm:constr type="lMarg" refType="primFontSz" fact="0.1"/>
+                <dgm:constr type="tMarg" refType="primFontSz" fact="0.05"/>
+                <dgm:constr type="bMarg" refType="primFontSz" fact="0.05"/>
+              </dgm:constrLst>
+            </dgm:if>
+            <dgm:else name="Name10">
+              <dgm:shape xmlns:r="http://schemas.openxmlformats.org/officeDocument/2006/relationships" rot="180" type="chevron" r:blip="">
+                <dgm:adjLst/>
+              </dgm:shape>
+              <dgm:presOf axis="self"/>
+              <dgm:constrLst>
+                <dgm:constr type="primFontSz" val="65"/>
+                <dgm:constr type="lMarg"/>
+                <dgm:constr type="rMarg" refType="primFontSz" fact="0.1"/>
+                <dgm:constr type="tMarg" refType="primFontSz" fact="0.05"/>
+                <dgm:constr type="bMarg" refType="primFontSz" fact="0.05"/>
+              </dgm:constrLst>
+            </dgm:else>
+          </dgm:choose>
+          <dgm:ruleLst>
+            <dgm:rule type="primFontSz" val="5" fact="NaN" max="NaN"/>
+          </dgm:ruleLst>
+        </dgm:layoutNode>
+        <dgm:forEach name="parTransForEach" axis="ch" ptType="parTrans" cnt="1">
+          <dgm:layoutNode name="parTrans">
+            <dgm:alg type="sp"/>
             <dgm:shape xmlns:r="http://schemas.openxmlformats.org/officeDocument/2006/relationships" r:blip="">
               <dgm:adjLst/>
             </dgm:shape>
             <dgm:presOf/>
-            <dgm:choose name="Name7">
-              <dgm:if name="Name8" func="var" arg="dir" op="equ" val="norm">
+            <dgm:constrLst/>
+            <dgm:ruleLst/>
+          </dgm:layoutNode>
+        </dgm:forEach>
+        <dgm:forEach name="Name11" axis="ch" ptType="node">
+          <dgm:layoutNode name="node" styleLbl="alignAccFollowNode1">
+            <dgm:varLst>
+              <dgm:bulletEnabled val="1"/>
+            </dgm:varLst>
+            <dgm:alg type="tx"/>
+            <dgm:choose name="Name12">
+              <dgm:if name="Name13" func="var" arg="dir" op="equ" val="norm">
+                <dgm:shape xmlns:r="http://schemas.openxmlformats.org/officeDocument/2006/relationships" type="chevron" r:blip="">
+                  <dgm:adjLst/>
+                </dgm:shape>
+                <dgm:presOf axis="desOrSelf" ptType="node"/>
                 <dgm:constrLst>
-                  <dgm:constr type="l" for="ch" forName="parTx"/>
-                  <dgm:constr type="w" for="ch" forName="parTx" refType="w"/>
-                  <dgm:constr type="t" for="ch" forName="parTx"/>
-                  <dgm:constr type="l" for="ch" forName="desTx"/>
-                  <dgm:constr type="w" for="ch" forName="desTx" refType="w" refFor="ch" refForName="parTx" fact="0.8"/>
-                  <dgm:constr type="t" for="ch" forName="desTx" refType="h" refFor="ch" refForName="parTx" fact="1.125"/>
+                  <dgm:constr type="primFontSz" val="65"/>
+                  <dgm:constr type="rMarg"/>
+                  <dgm:constr type="lMarg" refType="primFontSz" fact="0.1"/>
+                  <dgm:constr type="tMarg" refType="primFontSz" fact="0.05"/>
+                  <dgm:constr type="bMarg" refType="primFontSz" fact="0.05"/>
                 </dgm:constrLst>
               </dgm:if>
-              <dgm:else name="Name9">
+              <dgm:else name="Name14">
+                <dgm:shape xmlns:r="http://schemas.openxmlformats.org/officeDocument/2006/relationships" rot="180" type="chevron" r:blip="">
+                  <dgm:adjLst/>
+                </dgm:shape>
+                <dgm:presOf axis="desOrSelf" ptType="node"/>
                 <dgm:constrLst>
-                  <dgm:constr type="l" for="ch" forName="parTx"/>
-                  <dgm:constr type="w" for="ch" forName="parTx" refType="w"/>
-                  <dgm:constr type="t" for="ch" forName="parTx"/>
-                  <dgm:constr type="l" for="ch" forName="desTx" refType="w" fact="0.2"/>
-                  <dgm:constr type="w" for="ch" forName="desTx" refType="w" refFor="ch" refForName="parTx" fact="0.8"/>
-                  <dgm:constr type="t" for="ch" forName="desTx" refType="h" refFor="ch" refForName="parTx" fact="1.125"/>
+                  <dgm:constr type="primFontSz" val="65"/>
+                  <dgm:constr type="lMarg"/>
+                  <dgm:constr type="rMarg" refType="primFontSz" fact="0.1"/>
+                  <dgm:constr type="tMarg" refType="primFontSz" fact="0.05"/>
+                  <dgm:constr type="bMarg" refType="primFontSz" fact="0.05"/>
                 </dgm:constrLst>
               </dgm:else>
             </dgm:choose>
             <dgm:ruleLst>
-              <dgm:rule type="h" val="INF" fact="NaN" max="NaN"/>
+              <dgm:rule type="primFontSz" val="5" fact="NaN" max="NaN"/>
             </dgm:ruleLst>
-            <dgm:layoutNode name="parTx">
-              <dgm:varLst>
-                <dgm:chMax val="0"/>
-                <dgm:chPref val="0"/>
-                <dgm:bulletEnabled val="1"/>
-              </dgm:varLst>
-              <dgm:alg type="tx"/>
-              <dgm:choose name="Name10">
-                <dgm:if name="Name11" func="var" arg="dir" op="equ" val="norm">
-                  <dgm:shape xmlns:r="http://schemas.openxmlformats.org/officeDocument/2006/relationships" type="chevron" r:blip="">
-                    <dgm:adjLst/>
-                  </dgm:shape>
-                </dgm:if>
-                <dgm:else name="Name12">
-                  <dgm:shape xmlns:r="http://schemas.openxmlformats.org/officeDocument/2006/relationships" rot="180" type="chevron" r:blip="">
-                    <dgm:adjLst/>
-                  </dgm:shape>
-                </dgm:else>
-              </dgm:choose>
-              <dgm:presOf axis="self" ptType="node"/>
-              <dgm:choose name="Name13">
-                <dgm:if name="Name14" func="var" arg="dir" op="equ" val="norm">
-                  <dgm:constrLst>
-                    <dgm:constr type="h" refType="w" op="lte" fact="0.4"/>
-                    <dgm:constr type="h"/>
-                    <dgm:constr type="tMarg" refType="primFontSz" fact="0.105"/>
-                    <dgm:constr type="bMarg" refType="primFontSz" fact="0.105"/>
-                    <dgm:constr type="lMarg" refType="primFontSz" fact="0.315"/>
-                    <dgm:constr type="rMarg" refType="primFontSz" fact="0.105"/>
-                  </dgm:constrLst>
-                </dgm:if>
-                <dgm:else name="Name15">
-                  <dgm:constrLst>
-                    <dgm:constr type="h" refType="w" op="lte" fact="0.4"/>
-                    <dgm:constr type="h"/>
-                    <dgm:constr type="tMarg" refType="primFontSz" fact="0.105"/>
-                    <dgm:constr type="bMarg" refType="primFontSz" fact="0.105"/>
-                    <dgm:constr type="lMarg" refType="primFontSz" fact="0.105"/>
-                    <dgm:constr type="rMarg" refType="primFontSz" fact="0.315"/>
-                  </dgm:constrLst>
-                </dgm:else>
-              </dgm:choose>
-              <dgm:ruleLst>
-                <dgm:rule type="h" val="INF" fact="NaN" max="NaN"/>
-              </dgm:ruleLst>
-            </dgm:layoutNode>
-            <dgm:layoutNode name="desTx" styleLbl="revTx">
-              <dgm:varLst>
-                <dgm:bulletEnabled val="1"/>
-              </dgm:varLst>
-              <dgm:alg type="tx">
-                <dgm:param type="stBulletLvl" val="1"/>
-              </dgm:alg>
-              <dgm:choose name="Name16">
-                <dgm:if name="Name17" axis="ch" ptType="node" func="cnt" op="gte" val="1">
-                  <dgm:shape xmlns:r="http://schemas.openxmlformats.org/officeDocument/2006/relationships" type="rect" r:blip="">
-                    <dgm:adjLst/>
-                  </dgm:shape>
-                </dgm:if>
-                <dgm:else name="Name18">
-                  <dgm:shape xmlns:r="http://schemas.openxmlformats.org/officeDocument/2006/relationships" type="rect" r:blip="" hideGeom="1">
-                    <dgm:adjLst/>
-                  </dgm:shape>
-                </dgm:else>
-              </dgm:choose>
-              <dgm:presOf axis="des" ptType="node"/>
-              <dgm:constrLst>
-                <dgm:constr type="secFontSz" val="65"/>
-                <dgm:constr type="primFontSz" refType="secFontSz"/>
-                <dgm:constr type="h"/>
-                <dgm:constr type="tMarg"/>
-                <dgm:constr type="bMarg"/>
-                <dgm:constr type="rMarg"/>
-                <dgm:constr type="lMarg"/>
-              </dgm:constrLst>
-              <dgm:ruleLst>
-                <dgm:rule type="h" val="INF" fact="NaN" max="NaN"/>
-              </dgm:ruleLst>
-            </dgm:layoutNode>
           </dgm:layoutNode>
-          <dgm:forEach name="Name19" axis="followSib" ptType="sibTrans" cnt="1">
-            <dgm:layoutNode name="space">
+          <dgm:forEach name="sibTransForEach" axis="followSib" ptType="sibTrans" cnt="1">
+            <dgm:layoutNode name="sibTrans">
               <dgm:alg type="sp"/>
               <dgm:shape xmlns:r="http://schemas.openxmlformats.org/officeDocument/2006/relationships" r:blip="">
                 <dgm:adjLst/>
@@ -1879,74 +2013,22 @@
             </dgm:layoutNode>
           </dgm:forEach>
         </dgm:forEach>
-      </dgm:if>
-      <dgm:else name="Name20">
-        <dgm:constrLst>
-          <dgm:constr type="w" for="ch" forName="parTxOnly" refType="w"/>
-          <dgm:constr type="h" for="des" forName="parTxOnly" op="equ"/>
-          <dgm:constr type="primFontSz" for="des" forName="parTxOnly" op="equ" val="65"/>
-          <dgm:constr type="w" for="ch" forName="parTxOnlySpace" refType="w" refFor="ch" refForName="parTxOnly" fact="-0.1"/>
-        </dgm:constrLst>
-        <dgm:ruleLst/>
-        <dgm:forEach name="Name21" axis="ch" ptType="node">
-          <dgm:layoutNode name="parTxOnly">
-            <dgm:varLst>
-              <dgm:chMax val="0"/>
-              <dgm:chPref val="0"/>
-              <dgm:bulletEnabled val="1"/>
-            </dgm:varLst>
-            <dgm:alg type="tx"/>
-            <dgm:choose name="Name22">
-              <dgm:if name="Name23" func="var" arg="dir" op="equ" val="norm">
-                <dgm:shape xmlns:r="http://schemas.openxmlformats.org/officeDocument/2006/relationships" type="chevron" r:blip="">
-                  <dgm:adjLst/>
-                </dgm:shape>
-              </dgm:if>
-              <dgm:else name="Name24">
-                <dgm:shape xmlns:r="http://schemas.openxmlformats.org/officeDocument/2006/relationships" rot="180" type="chevron" r:blip="">
-                  <dgm:adjLst/>
-                </dgm:shape>
-              </dgm:else>
-            </dgm:choose>
-            <dgm:presOf axis="self" ptType="node"/>
-            <dgm:choose name="Name25">
-              <dgm:if name="Name26" func="var" arg="dir" op="equ" val="norm">
-                <dgm:constrLst>
-                  <dgm:constr type="h" refType="w" op="equ" fact="0.4"/>
-                  <dgm:constr type="tMarg" refType="primFontSz" fact="0.105"/>
-                  <dgm:constr type="bMarg" refType="primFontSz" fact="0.105"/>
-                  <dgm:constr type="lMarg" refType="primFontSz" fact="0.315"/>
-                  <dgm:constr type="rMarg" refType="primFontSz" fact="0.105"/>
-                </dgm:constrLst>
-              </dgm:if>
-              <dgm:else name="Name27">
-                <dgm:constrLst>
-                  <dgm:constr type="h" refType="w" op="equ" fact="0.4"/>
-                  <dgm:constr type="tMarg" refType="primFontSz" fact="0.105"/>
-                  <dgm:constr type="bMarg" refType="primFontSz" fact="0.105"/>
-                  <dgm:constr type="lMarg" refType="primFontSz" fact="0.105"/>
-                  <dgm:constr type="rMarg" refType="primFontSz" fact="0.315"/>
-                </dgm:constrLst>
-              </dgm:else>
-            </dgm:choose>
-            <dgm:ruleLst>
-              <dgm:rule type="primFontSz" val="5" fact="NaN" max="NaN"/>
-            </dgm:ruleLst>
+      </dgm:layoutNode>
+      <dgm:choose name="Name15">
+        <dgm:if name="Name16" axis="self" ptType="node" func="revPos" op="gte" val="2">
+          <dgm:layoutNode name="vSp">
+            <dgm:alg type="sp"/>
+            <dgm:shape xmlns:r="http://schemas.openxmlformats.org/officeDocument/2006/relationships" r:blip="">
+              <dgm:adjLst/>
+            </dgm:shape>
+            <dgm:presOf/>
+            <dgm:constrLst/>
+            <dgm:ruleLst/>
           </dgm:layoutNode>
-          <dgm:forEach name="Name28" axis="followSib" ptType="sibTrans" cnt="1">
-            <dgm:layoutNode name="parTxOnlySpace">
-              <dgm:alg type="sp"/>
-              <dgm:shape xmlns:r="http://schemas.openxmlformats.org/officeDocument/2006/relationships" r:blip="">
-                <dgm:adjLst/>
-              </dgm:shape>
-              <dgm:presOf/>
-              <dgm:constrLst/>
-              <dgm:ruleLst/>
-            </dgm:layoutNode>
-          </dgm:forEach>
-        </dgm:forEach>
-      </dgm:else>
-    </dgm:choose>
+        </dgm:if>
+        <dgm:else name="Name17"/>
+      </dgm:choose>
+    </dgm:forEach>
   </dgm:layoutNode>
 </dgm:layoutDef>
 </file>
@@ -2985,6 +3067,2827 @@
 </dgm:styleDef>
 </file>
 
+<file path=ppt/notesMasters/notesMaster1.xml><?xml version="1.0" encoding="utf-8"?>
+<p:notesMaster xmlns:a="http://schemas.openxmlformats.org/drawingml/2006/main" xmlns:r="http://schemas.openxmlformats.org/officeDocument/2006/relationships" xmlns:p="http://schemas.openxmlformats.org/presentationml/2006/main">
+  <p:cSld>
+    <p:bg>
+      <p:bgRef idx="1001">
+        <a:schemeClr val="bg1"/>
+      </p:bgRef>
+    </p:bg>
+    <p:spTree>
+      <p:nvGrpSpPr>
+        <p:cNvPr id="1" name=""/>
+        <p:cNvGrpSpPr/>
+        <p:nvPr/>
+      </p:nvGrpSpPr>
+      <p:grpSpPr>
+        <a:xfrm>
+          <a:off x="0" y="0"/>
+          <a:ext cx="0" cy="0"/>
+          <a:chOff x="0" y="0"/>
+          <a:chExt cx="0" cy="0"/>
+        </a:xfrm>
+      </p:grpSpPr>
+      <p:sp>
+        <p:nvSpPr>
+          <p:cNvPr id="2" name="Header Placeholder 1"/>
+          <p:cNvSpPr>
+            <a:spLocks noGrp="1"/>
+          </p:cNvSpPr>
+          <p:nvPr>
+            <p:ph type="hdr" sz="quarter"/>
+          </p:nvPr>
+        </p:nvSpPr>
+        <p:spPr>
+          <a:xfrm>
+            <a:off x="0" y="0"/>
+            <a:ext cx="2971800" cy="458788"/>
+          </a:xfrm>
+          <a:prstGeom prst="rect">
+            <a:avLst/>
+          </a:prstGeom>
+        </p:spPr>
+        <p:txBody>
+          <a:bodyPr vert="horz" lIns="91440" tIns="45720" rIns="91440" bIns="45720" rtlCol="0"/>
+          <a:lstStyle>
+            <a:lvl1pPr algn="l">
+              <a:defRPr sz="1200"/>
+            </a:lvl1pPr>
+          </a:lstStyle>
+          <a:p>
+            <a:endParaRPr lang="en-US"/>
+          </a:p>
+        </p:txBody>
+      </p:sp>
+      <p:sp>
+        <p:nvSpPr>
+          <p:cNvPr id="3" name="Date Placeholder 2"/>
+          <p:cNvSpPr>
+            <a:spLocks noGrp="1"/>
+          </p:cNvSpPr>
+          <p:nvPr>
+            <p:ph type="dt" idx="1"/>
+          </p:nvPr>
+        </p:nvSpPr>
+        <p:spPr>
+          <a:xfrm>
+            <a:off x="3884613" y="0"/>
+            <a:ext cx="2971800" cy="458788"/>
+          </a:xfrm>
+          <a:prstGeom prst="rect">
+            <a:avLst/>
+          </a:prstGeom>
+        </p:spPr>
+        <p:txBody>
+          <a:bodyPr vert="horz" lIns="91440" tIns="45720" rIns="91440" bIns="45720" rtlCol="0"/>
+          <a:lstStyle>
+            <a:lvl1pPr algn="r">
+              <a:defRPr sz="1200"/>
+            </a:lvl1pPr>
+          </a:lstStyle>
+          <a:p>
+            <a:fld id="{0DEE00F5-CA55-0F4D-B6C2-D1180A5D2F90}" type="datetimeFigureOut">
+              <a:rPr lang="en-US" smtClean="0"/>
+              <a:t>11/14/22</a:t>
+            </a:fld>
+            <a:endParaRPr lang="en-US"/>
+          </a:p>
+        </p:txBody>
+      </p:sp>
+      <p:sp>
+        <p:nvSpPr>
+          <p:cNvPr id="4" name="Slide Image Placeholder 3"/>
+          <p:cNvSpPr>
+            <a:spLocks noGrp="1" noRot="1" noChangeAspect="1"/>
+          </p:cNvSpPr>
+          <p:nvPr>
+            <p:ph type="sldImg" idx="2"/>
+          </p:nvPr>
+        </p:nvSpPr>
+        <p:spPr>
+          <a:xfrm>
+            <a:off x="685800" y="1143000"/>
+            <a:ext cx="5486400" cy="3086100"/>
+          </a:xfrm>
+          <a:prstGeom prst="rect">
+            <a:avLst/>
+          </a:prstGeom>
+          <a:noFill/>
+          <a:ln w="12700">
+            <a:solidFill>
+              <a:prstClr val="black"/>
+            </a:solidFill>
+          </a:ln>
+        </p:spPr>
+        <p:txBody>
+          <a:bodyPr vert="horz" lIns="91440" tIns="45720" rIns="91440" bIns="45720" rtlCol="0" anchor="ctr"/>
+          <a:lstStyle/>
+          <a:p>
+            <a:endParaRPr lang="en-US"/>
+          </a:p>
+        </p:txBody>
+      </p:sp>
+      <p:sp>
+        <p:nvSpPr>
+          <p:cNvPr id="5" name="Notes Placeholder 4"/>
+          <p:cNvSpPr>
+            <a:spLocks noGrp="1"/>
+          </p:cNvSpPr>
+          <p:nvPr>
+            <p:ph type="body" sz="quarter" idx="3"/>
+          </p:nvPr>
+        </p:nvSpPr>
+        <p:spPr>
+          <a:xfrm>
+            <a:off x="685800" y="4400550"/>
+            <a:ext cx="5486400" cy="3600450"/>
+          </a:xfrm>
+          <a:prstGeom prst="rect">
+            <a:avLst/>
+          </a:prstGeom>
+        </p:spPr>
+        <p:txBody>
+          <a:bodyPr vert="horz" lIns="91440" tIns="45720" rIns="91440" bIns="45720" rtlCol="0"/>
+          <a:lstStyle/>
+          <a:p>
+            <a:pPr lvl="0"/>
+            <a:r>
+              <a:rPr lang="en-US"/>
+              <a:t>Click to edit Master text styles</a:t>
+            </a:r>
+          </a:p>
+          <a:p>
+            <a:pPr lvl="1"/>
+            <a:r>
+              <a:rPr lang="en-US"/>
+              <a:t>Second level</a:t>
+            </a:r>
+          </a:p>
+          <a:p>
+            <a:pPr lvl="2"/>
+            <a:r>
+              <a:rPr lang="en-US"/>
+              <a:t>Third level</a:t>
+            </a:r>
+          </a:p>
+          <a:p>
+            <a:pPr lvl="3"/>
+            <a:r>
+              <a:rPr lang="en-US"/>
+              <a:t>Fourth level</a:t>
+            </a:r>
+          </a:p>
+          <a:p>
+            <a:pPr lvl="4"/>
+            <a:r>
+              <a:rPr lang="en-US"/>
+              <a:t>Fifth level</a:t>
+            </a:r>
+          </a:p>
+        </p:txBody>
+      </p:sp>
+      <p:sp>
+        <p:nvSpPr>
+          <p:cNvPr id="6" name="Footer Placeholder 5"/>
+          <p:cNvSpPr>
+            <a:spLocks noGrp="1"/>
+          </p:cNvSpPr>
+          <p:nvPr>
+            <p:ph type="ftr" sz="quarter" idx="4"/>
+          </p:nvPr>
+        </p:nvSpPr>
+        <p:spPr>
+          <a:xfrm>
+            <a:off x="0" y="8685213"/>
+            <a:ext cx="2971800" cy="458787"/>
+          </a:xfrm>
+          <a:prstGeom prst="rect">
+            <a:avLst/>
+          </a:prstGeom>
+        </p:spPr>
+        <p:txBody>
+          <a:bodyPr vert="horz" lIns="91440" tIns="45720" rIns="91440" bIns="45720" rtlCol="0" anchor="b"/>
+          <a:lstStyle>
+            <a:lvl1pPr algn="l">
+              <a:defRPr sz="1200"/>
+            </a:lvl1pPr>
+          </a:lstStyle>
+          <a:p>
+            <a:endParaRPr lang="en-US"/>
+          </a:p>
+        </p:txBody>
+      </p:sp>
+      <p:sp>
+        <p:nvSpPr>
+          <p:cNvPr id="7" name="Slide Number Placeholder 6"/>
+          <p:cNvSpPr>
+            <a:spLocks noGrp="1"/>
+          </p:cNvSpPr>
+          <p:nvPr>
+            <p:ph type="sldNum" sz="quarter" idx="5"/>
+          </p:nvPr>
+        </p:nvSpPr>
+        <p:spPr>
+          <a:xfrm>
+            <a:off x="3884613" y="8685213"/>
+            <a:ext cx="2971800" cy="458787"/>
+          </a:xfrm>
+          <a:prstGeom prst="rect">
+            <a:avLst/>
+          </a:prstGeom>
+        </p:spPr>
+        <p:txBody>
+          <a:bodyPr vert="horz" lIns="91440" tIns="45720" rIns="91440" bIns="45720" rtlCol="0" anchor="b"/>
+          <a:lstStyle>
+            <a:lvl1pPr algn="r">
+              <a:defRPr sz="1200"/>
+            </a:lvl1pPr>
+          </a:lstStyle>
+          <a:p>
+            <a:fld id="{2FC7CE96-640F-BA4E-B418-66A6111412EC}" type="slidenum">
+              <a:rPr lang="en-US" smtClean="0"/>
+              <a:t>‹#›</a:t>
+            </a:fld>
+            <a:endParaRPr lang="en-US"/>
+          </a:p>
+        </p:txBody>
+      </p:sp>
+    </p:spTree>
+    <p:extLst>
+      <p:ext uri="{BB962C8B-B14F-4D97-AF65-F5344CB8AC3E}">
+        <p14:creationId xmlns:p14="http://schemas.microsoft.com/office/powerpoint/2010/main" val="1427951463"/>
+      </p:ext>
+    </p:extLst>
+  </p:cSld>
+  <p:clrMap bg1="lt1" tx1="dk1" bg2="lt2" tx2="dk2" accent1="accent1" accent2="accent2" accent3="accent3" accent4="accent4" accent5="accent5" accent6="accent6" hlink="hlink" folHlink="folHlink"/>
+  <p:notesStyle>
+    <a:lvl1pPr marL="0" algn="l" defTabSz="914400" rtl="0" eaLnBrk="1" latinLnBrk="0" hangingPunct="1">
+      <a:defRPr sz="1200" kern="1200">
+        <a:solidFill>
+          <a:schemeClr val="tx1"/>
+        </a:solidFill>
+        <a:latin typeface="+mn-lt"/>
+        <a:ea typeface="+mn-ea"/>
+        <a:cs typeface="+mn-cs"/>
+      </a:defRPr>
+    </a:lvl1pPr>
+    <a:lvl2pPr marL="457200" algn="l" defTabSz="914400" rtl="0" eaLnBrk="1" latinLnBrk="0" hangingPunct="1">
+      <a:defRPr sz="1200" kern="1200">
+        <a:solidFill>
+          <a:schemeClr val="tx1"/>
+        </a:solidFill>
+        <a:latin typeface="+mn-lt"/>
+        <a:ea typeface="+mn-ea"/>
+        <a:cs typeface="+mn-cs"/>
+      </a:defRPr>
+    </a:lvl2pPr>
+    <a:lvl3pPr marL="914400" algn="l" defTabSz="914400" rtl="0" eaLnBrk="1" latinLnBrk="0" hangingPunct="1">
+      <a:defRPr sz="1200" kern="1200">
+        <a:solidFill>
+          <a:schemeClr val="tx1"/>
+        </a:solidFill>
+        <a:latin typeface="+mn-lt"/>
+        <a:ea typeface="+mn-ea"/>
+        <a:cs typeface="+mn-cs"/>
+      </a:defRPr>
+    </a:lvl3pPr>
+    <a:lvl4pPr marL="1371600" algn="l" defTabSz="914400" rtl="0" eaLnBrk="1" latinLnBrk="0" hangingPunct="1">
+      <a:defRPr sz="1200" kern="1200">
+        <a:solidFill>
+          <a:schemeClr val="tx1"/>
+        </a:solidFill>
+        <a:latin typeface="+mn-lt"/>
+        <a:ea typeface="+mn-ea"/>
+        <a:cs typeface="+mn-cs"/>
+      </a:defRPr>
+    </a:lvl4pPr>
+    <a:lvl5pPr marL="1828800" algn="l" defTabSz="914400" rtl="0" eaLnBrk="1" latinLnBrk="0" hangingPunct="1">
+      <a:defRPr sz="1200" kern="1200">
+        <a:solidFill>
+          <a:schemeClr val="tx1"/>
+        </a:solidFill>
+        <a:latin typeface="+mn-lt"/>
+        <a:ea typeface="+mn-ea"/>
+        <a:cs typeface="+mn-cs"/>
+      </a:defRPr>
+    </a:lvl5pPr>
+    <a:lvl6pPr marL="2286000" algn="l" defTabSz="914400" rtl="0" eaLnBrk="1" latinLnBrk="0" hangingPunct="1">
+      <a:defRPr sz="1200" kern="1200">
+        <a:solidFill>
+          <a:schemeClr val="tx1"/>
+        </a:solidFill>
+        <a:latin typeface="+mn-lt"/>
+        <a:ea typeface="+mn-ea"/>
+        <a:cs typeface="+mn-cs"/>
+      </a:defRPr>
+    </a:lvl6pPr>
+    <a:lvl7pPr marL="2743200" algn="l" defTabSz="914400" rtl="0" eaLnBrk="1" latinLnBrk="0" hangingPunct="1">
+      <a:defRPr sz="1200" kern="1200">
+        <a:solidFill>
+          <a:schemeClr val="tx1"/>
+        </a:solidFill>
+        <a:latin typeface="+mn-lt"/>
+        <a:ea typeface="+mn-ea"/>
+        <a:cs typeface="+mn-cs"/>
+      </a:defRPr>
+    </a:lvl7pPr>
+    <a:lvl8pPr marL="3200400" algn="l" defTabSz="914400" rtl="0" eaLnBrk="1" latinLnBrk="0" hangingPunct="1">
+      <a:defRPr sz="1200" kern="1200">
+        <a:solidFill>
+          <a:schemeClr val="tx1"/>
+        </a:solidFill>
+        <a:latin typeface="+mn-lt"/>
+        <a:ea typeface="+mn-ea"/>
+        <a:cs typeface="+mn-cs"/>
+      </a:defRPr>
+    </a:lvl8pPr>
+    <a:lvl9pPr marL="3657600" algn="l" defTabSz="914400" rtl="0" eaLnBrk="1" latinLnBrk="0" hangingPunct="1">
+      <a:defRPr sz="1200" kern="1200">
+        <a:solidFill>
+          <a:schemeClr val="tx1"/>
+        </a:solidFill>
+        <a:latin typeface="+mn-lt"/>
+        <a:ea typeface="+mn-ea"/>
+        <a:cs typeface="+mn-cs"/>
+      </a:defRPr>
+    </a:lvl9pPr>
+  </p:notesStyle>
+</p:notesMaster>
+</file>
+
+<file path=ppt/notesSlides/notesSlide1.xml><?xml version="1.0" encoding="utf-8"?>
+<p:notes xmlns:a="http://schemas.openxmlformats.org/drawingml/2006/main" xmlns:r="http://schemas.openxmlformats.org/officeDocument/2006/relationships" xmlns:p="http://schemas.openxmlformats.org/presentationml/2006/main">
+  <p:cSld>
+    <p:spTree>
+      <p:nvGrpSpPr>
+        <p:cNvPr id="1" name=""/>
+        <p:cNvGrpSpPr/>
+        <p:nvPr/>
+      </p:nvGrpSpPr>
+      <p:grpSpPr>
+        <a:xfrm>
+          <a:off x="0" y="0"/>
+          <a:ext cx="0" cy="0"/>
+          <a:chOff x="0" y="0"/>
+          <a:chExt cx="0" cy="0"/>
+        </a:xfrm>
+      </p:grpSpPr>
+      <p:sp>
+        <p:nvSpPr>
+          <p:cNvPr id="2" name="Slide Image Placeholder 1"/>
+          <p:cNvSpPr>
+            <a:spLocks noGrp="1" noRot="1" noChangeAspect="1"/>
+          </p:cNvSpPr>
+          <p:nvPr>
+            <p:ph type="sldImg"/>
+          </p:nvPr>
+        </p:nvSpPr>
+        <p:spPr/>
+      </p:sp>
+      <p:sp>
+        <p:nvSpPr>
+          <p:cNvPr id="3" name="Notes Placeholder 2"/>
+          <p:cNvSpPr>
+            <a:spLocks noGrp="1"/>
+          </p:cNvSpPr>
+          <p:nvPr>
+            <p:ph type="body" idx="1"/>
+          </p:nvPr>
+        </p:nvSpPr>
+        <p:spPr/>
+        <p:txBody>
+          <a:bodyPr/>
+          <a:lstStyle/>
+          <a:p>
+            <a:r>
+              <a:rPr lang="en-US" dirty="0"/>
+              <a:t>Good Morning everyone, </a:t>
+            </a:r>
+          </a:p>
+          <a:p>
+            <a:r>
+              <a:rPr lang="en-US" dirty="0"/>
+              <a:t>welcome to my capstone Project!</a:t>
+            </a:r>
+          </a:p>
+          <a:p>
+            <a:r>
+              <a:rPr lang="en-US" dirty="0"/>
+              <a:t>=]</a:t>
+            </a:r>
+          </a:p>
+        </p:txBody>
+      </p:sp>
+      <p:sp>
+        <p:nvSpPr>
+          <p:cNvPr id="4" name="Slide Number Placeholder 3"/>
+          <p:cNvSpPr>
+            <a:spLocks noGrp="1"/>
+          </p:cNvSpPr>
+          <p:nvPr>
+            <p:ph type="sldNum" sz="quarter" idx="5"/>
+          </p:nvPr>
+        </p:nvSpPr>
+        <p:spPr/>
+        <p:txBody>
+          <a:bodyPr/>
+          <a:lstStyle/>
+          <a:p>
+            <a:fld id="{2FC7CE96-640F-BA4E-B418-66A6111412EC}" type="slidenum">
+              <a:rPr lang="en-US" smtClean="0"/>
+              <a:t>1</a:t>
+            </a:fld>
+            <a:endParaRPr lang="en-US"/>
+          </a:p>
+        </p:txBody>
+      </p:sp>
+    </p:spTree>
+    <p:extLst>
+      <p:ext uri="{BB962C8B-B14F-4D97-AF65-F5344CB8AC3E}">
+        <p14:creationId xmlns:p14="http://schemas.microsoft.com/office/powerpoint/2010/main" val="1083351700"/>
+      </p:ext>
+    </p:extLst>
+  </p:cSld>
+  <p:clrMapOvr>
+    <a:masterClrMapping/>
+  </p:clrMapOvr>
+</p:notes>
+</file>
+
+<file path=ppt/notesSlides/notesSlide10.xml><?xml version="1.0" encoding="utf-8"?>
+<p:notes xmlns:a="http://schemas.openxmlformats.org/drawingml/2006/main" xmlns:r="http://schemas.openxmlformats.org/officeDocument/2006/relationships" xmlns:p="http://schemas.openxmlformats.org/presentationml/2006/main">
+  <p:cSld>
+    <p:spTree>
+      <p:nvGrpSpPr>
+        <p:cNvPr id="1" name=""/>
+        <p:cNvGrpSpPr/>
+        <p:nvPr/>
+      </p:nvGrpSpPr>
+      <p:grpSpPr>
+        <a:xfrm>
+          <a:off x="0" y="0"/>
+          <a:ext cx="0" cy="0"/>
+          <a:chOff x="0" y="0"/>
+          <a:chExt cx="0" cy="0"/>
+        </a:xfrm>
+      </p:grpSpPr>
+      <p:sp>
+        <p:nvSpPr>
+          <p:cNvPr id="2" name="Slide Image Placeholder 1"/>
+          <p:cNvSpPr>
+            <a:spLocks noGrp="1" noRot="1" noChangeAspect="1"/>
+          </p:cNvSpPr>
+          <p:nvPr>
+            <p:ph type="sldImg"/>
+          </p:nvPr>
+        </p:nvSpPr>
+        <p:spPr/>
+      </p:sp>
+      <p:sp>
+        <p:nvSpPr>
+          <p:cNvPr id="3" name="Notes Placeholder 2"/>
+          <p:cNvSpPr>
+            <a:spLocks noGrp="1"/>
+          </p:cNvSpPr>
+          <p:nvPr>
+            <p:ph type="body" idx="1"/>
+          </p:nvPr>
+        </p:nvSpPr>
+        <p:spPr/>
+        <p:txBody>
+          <a:bodyPr/>
+          <a:lstStyle/>
+          <a:p>
+            <a:pPr algn="l"/>
+            <a:r>
+              <a:rPr lang="en-US" b="0" i="0" dirty="0">
+                <a:solidFill>
+                  <a:srgbClr val="000000"/>
+                </a:solidFill>
+                <a:effectLst/>
+                <a:latin typeface="-apple-system"/>
+              </a:rPr>
+              <a:t>The dataset with 23 columns in total was scaled and hot encoded before being used to training our models. We started our model evaluation checking the baseline model and getting its score which has a negative value of -0.0001 meaning that the model is pretty bad at predictions.</a:t>
+            </a:r>
+          </a:p>
+          <a:p>
+            <a:pPr algn="l"/>
+            <a:r>
+              <a:rPr lang="en-US" b="0" i="0" dirty="0">
+                <a:solidFill>
+                  <a:srgbClr val="000000"/>
+                </a:solidFill>
+                <a:effectLst/>
+                <a:latin typeface="-apple-system"/>
+              </a:rPr>
+              <a:t>At first, we implemented a linear regression model and got a score of 0.64932 on the training set and -4.4354 on the test set. A Linear Regression model can be a good choice in a regression problem because its </a:t>
+            </a:r>
+            <a:r>
+              <a:rPr lang="en-US" b="0" i="0" dirty="0" err="1">
+                <a:solidFill>
+                  <a:srgbClr val="000000"/>
+                </a:solidFill>
+                <a:effectLst/>
+                <a:latin typeface="-apple-system"/>
+              </a:rPr>
+              <a:t>coefficintes</a:t>
+            </a:r>
+            <a:r>
+              <a:rPr lang="en-US" b="0" i="0" dirty="0">
+                <a:solidFill>
+                  <a:srgbClr val="000000"/>
+                </a:solidFill>
+                <a:effectLst/>
+                <a:latin typeface="-apple-system"/>
+              </a:rPr>
+              <a:t> can be used to interpret or to do inference at the target variable if the LINE assumptions be met. In this particular case, the LINE assumptions were not met so we couldn't use its coefficients to inference. Following, we applied lasso and ridge </a:t>
+            </a:r>
+            <a:r>
+              <a:rPr lang="en-US" b="0" i="0" dirty="0" err="1">
+                <a:solidFill>
+                  <a:srgbClr val="000000"/>
+                </a:solidFill>
+                <a:effectLst/>
+                <a:latin typeface="-apple-system"/>
+              </a:rPr>
+              <a:t>reguralization</a:t>
+            </a:r>
+            <a:r>
+              <a:rPr lang="en-US" b="0" i="0" dirty="0">
+                <a:solidFill>
+                  <a:srgbClr val="000000"/>
+                </a:solidFill>
+                <a:effectLst/>
+                <a:latin typeface="-apple-system"/>
+              </a:rPr>
+              <a:t> to see if it can improve its performance and we got the scored for Lasso 0.6361(Train), 0.6272 (Test) and 144.961 (RMSE). The scores for Ridge were 0.6401 (Train), 0.6295 (Test) and 144.774 (RMSE).</a:t>
+            </a:r>
+          </a:p>
+          <a:p>
+            <a:pPr algn="l"/>
+            <a:r>
+              <a:rPr lang="en-US" b="0" i="0" dirty="0">
+                <a:solidFill>
+                  <a:srgbClr val="000000"/>
+                </a:solidFill>
+                <a:effectLst/>
+                <a:latin typeface="-apple-system"/>
+              </a:rPr>
+              <a:t>Then the following models were implemented: K-Nearest Neighbors Regression, Decision Tree Regressor, </a:t>
+            </a:r>
+            <a:r>
+              <a:rPr lang="en-US" b="0" i="0" dirty="0" err="1">
+                <a:solidFill>
+                  <a:srgbClr val="000000"/>
+                </a:solidFill>
+                <a:effectLst/>
+                <a:latin typeface="-apple-system"/>
+              </a:rPr>
+              <a:t>RainForest</a:t>
+            </a:r>
+            <a:r>
+              <a:rPr lang="en-US" b="0" i="0" dirty="0">
+                <a:solidFill>
+                  <a:srgbClr val="000000"/>
+                </a:solidFill>
+                <a:effectLst/>
+                <a:latin typeface="-apple-system"/>
+              </a:rPr>
+              <a:t> Regressor, Recurrent Neural Network associated with </a:t>
+            </a:r>
+            <a:r>
+              <a:rPr lang="en-US" b="0" i="0" dirty="0" err="1">
+                <a:solidFill>
+                  <a:srgbClr val="000000"/>
+                </a:solidFill>
+                <a:effectLst/>
+                <a:latin typeface="-apple-system"/>
+              </a:rPr>
+              <a:t>gridsearch</a:t>
+            </a:r>
+            <a:r>
+              <a:rPr lang="en-US" b="0" i="0" dirty="0">
+                <a:solidFill>
+                  <a:srgbClr val="000000"/>
+                </a:solidFill>
+                <a:effectLst/>
+                <a:latin typeface="-apple-system"/>
+              </a:rPr>
+              <a:t> and stacking techniques.</a:t>
+            </a:r>
+          </a:p>
+          <a:p>
+            <a:pPr algn="l"/>
+            <a:r>
+              <a:rPr lang="en-US" b="0" i="0" dirty="0">
+                <a:solidFill>
+                  <a:srgbClr val="000000"/>
+                </a:solidFill>
+                <a:effectLst/>
+                <a:latin typeface="-apple-system"/>
+              </a:rPr>
+              <a:t>Below is the benchmark table with the three models that had the best score among them.</a:t>
+            </a:r>
+          </a:p>
+          <a:p>
+            <a:endParaRPr lang="en-US" dirty="0"/>
+          </a:p>
+        </p:txBody>
+      </p:sp>
+      <p:sp>
+        <p:nvSpPr>
+          <p:cNvPr id="4" name="Slide Number Placeholder 3"/>
+          <p:cNvSpPr>
+            <a:spLocks noGrp="1"/>
+          </p:cNvSpPr>
+          <p:nvPr>
+            <p:ph type="sldNum" sz="quarter" idx="5"/>
+          </p:nvPr>
+        </p:nvSpPr>
+        <p:spPr/>
+        <p:txBody>
+          <a:bodyPr/>
+          <a:lstStyle/>
+          <a:p>
+            <a:fld id="{2FC7CE96-640F-BA4E-B418-66A6111412EC}" type="slidenum">
+              <a:rPr lang="en-US" smtClean="0"/>
+              <a:t>10</a:t>
+            </a:fld>
+            <a:endParaRPr lang="en-US"/>
+          </a:p>
+        </p:txBody>
+      </p:sp>
+    </p:spTree>
+    <p:extLst>
+      <p:ext uri="{BB962C8B-B14F-4D97-AF65-F5344CB8AC3E}">
+        <p14:creationId xmlns:p14="http://schemas.microsoft.com/office/powerpoint/2010/main" val="85573635"/>
+      </p:ext>
+    </p:extLst>
+  </p:cSld>
+  <p:clrMapOvr>
+    <a:masterClrMapping/>
+  </p:clrMapOvr>
+</p:notes>
+</file>
+
+<file path=ppt/notesSlides/notesSlide11.xml><?xml version="1.0" encoding="utf-8"?>
+<p:notes xmlns:a="http://schemas.openxmlformats.org/drawingml/2006/main" xmlns:r="http://schemas.openxmlformats.org/officeDocument/2006/relationships" xmlns:p="http://schemas.openxmlformats.org/presentationml/2006/main">
+  <p:cSld>
+    <p:spTree>
+      <p:nvGrpSpPr>
+        <p:cNvPr id="1" name=""/>
+        <p:cNvGrpSpPr/>
+        <p:nvPr/>
+      </p:nvGrpSpPr>
+      <p:grpSpPr>
+        <a:xfrm>
+          <a:off x="0" y="0"/>
+          <a:ext cx="0" cy="0"/>
+          <a:chOff x="0" y="0"/>
+          <a:chExt cx="0" cy="0"/>
+        </a:xfrm>
+      </p:grpSpPr>
+      <p:sp>
+        <p:nvSpPr>
+          <p:cNvPr id="2" name="Slide Image Placeholder 1"/>
+          <p:cNvSpPr>
+            <a:spLocks noGrp="1" noRot="1" noChangeAspect="1"/>
+          </p:cNvSpPr>
+          <p:nvPr>
+            <p:ph type="sldImg"/>
+          </p:nvPr>
+        </p:nvSpPr>
+        <p:spPr/>
+      </p:sp>
+      <p:sp>
+        <p:nvSpPr>
+          <p:cNvPr id="3" name="Notes Placeholder 2"/>
+          <p:cNvSpPr>
+            <a:spLocks noGrp="1"/>
+          </p:cNvSpPr>
+          <p:nvPr>
+            <p:ph type="body" idx="1"/>
+          </p:nvPr>
+        </p:nvSpPr>
+        <p:spPr/>
+        <p:txBody>
+          <a:bodyPr/>
+          <a:lstStyle/>
+          <a:p>
+            <a:pPr algn="l"/>
+            <a:r>
+              <a:rPr lang="en-US" b="0" i="0" dirty="0">
+                <a:solidFill>
+                  <a:srgbClr val="000000"/>
+                </a:solidFill>
+                <a:effectLst/>
+                <a:latin typeface="-apple-system"/>
+              </a:rPr>
+              <a:t>The Rain Forest model had the scores 0.8866 (Train), 0.6818 (Test) and 150.465(RMSE) and we chose this one as the best model because it had the higher score on the Test set and not that bad value at RSME. This model was also the one selected to be used in the </a:t>
+            </a:r>
+            <a:r>
+              <a:rPr lang="en-US" b="0" i="0" dirty="0" err="1">
+                <a:solidFill>
+                  <a:srgbClr val="000000"/>
+                </a:solidFill>
+                <a:effectLst/>
+                <a:latin typeface="-apple-system"/>
+              </a:rPr>
+              <a:t>Streamlit</a:t>
+            </a:r>
+            <a:r>
+              <a:rPr lang="en-US" b="0" i="0" dirty="0">
+                <a:solidFill>
+                  <a:srgbClr val="000000"/>
+                </a:solidFill>
+                <a:effectLst/>
+                <a:latin typeface="-apple-system"/>
+              </a:rPr>
+              <a:t> app to predict the prices simulation. The code for the app can be found at the app folder in this same repository.</a:t>
+            </a:r>
+          </a:p>
+          <a:p>
+            <a:pPr algn="l"/>
+            <a:r>
+              <a:rPr lang="en-US" b="0" i="0" dirty="0">
+                <a:solidFill>
+                  <a:srgbClr val="000000"/>
+                </a:solidFill>
+                <a:effectLst/>
+                <a:latin typeface="-apple-system"/>
+              </a:rPr>
+              <a:t>Later, in a second attempt to </a:t>
+            </a:r>
+            <a:r>
+              <a:rPr lang="en-US" b="0" i="0" dirty="0" err="1">
+                <a:solidFill>
+                  <a:srgbClr val="000000"/>
+                </a:solidFill>
+                <a:effectLst/>
+                <a:latin typeface="-apple-system"/>
+              </a:rPr>
+              <a:t>buid</a:t>
+            </a:r>
+            <a:r>
+              <a:rPr lang="en-US" b="0" i="0" dirty="0">
+                <a:solidFill>
+                  <a:srgbClr val="000000"/>
+                </a:solidFill>
+                <a:effectLst/>
+                <a:latin typeface="-apple-system"/>
+              </a:rPr>
+              <a:t> better models, we try to apply transfer learning using clusters. so we create a new column 'cluster' using </a:t>
+            </a:r>
+            <a:r>
+              <a:rPr lang="en-US" b="0" i="0" dirty="0" err="1">
+                <a:solidFill>
+                  <a:srgbClr val="000000"/>
+                </a:solidFill>
+                <a:effectLst/>
+                <a:latin typeface="-apple-system"/>
+              </a:rPr>
+              <a:t>KMeans</a:t>
+            </a:r>
+            <a:r>
+              <a:rPr lang="en-US" b="0" i="0" dirty="0">
+                <a:solidFill>
+                  <a:srgbClr val="000000"/>
+                </a:solidFill>
+                <a:effectLst/>
+                <a:latin typeface="-apple-system"/>
+              </a:rPr>
+              <a:t>() to replace the column 'neighborhoods' and see if the performance models increase. For this, a search for best value of k was performed and returned the k value equals 150 - according to the silhouette value.</a:t>
+            </a:r>
+          </a:p>
+          <a:p>
+            <a:endParaRPr lang="en-US" dirty="0"/>
+          </a:p>
+        </p:txBody>
+      </p:sp>
+      <p:sp>
+        <p:nvSpPr>
+          <p:cNvPr id="4" name="Slide Number Placeholder 3"/>
+          <p:cNvSpPr>
+            <a:spLocks noGrp="1"/>
+          </p:cNvSpPr>
+          <p:nvPr>
+            <p:ph type="sldNum" sz="quarter" idx="5"/>
+          </p:nvPr>
+        </p:nvSpPr>
+        <p:spPr/>
+        <p:txBody>
+          <a:bodyPr/>
+          <a:lstStyle/>
+          <a:p>
+            <a:fld id="{2FC7CE96-640F-BA4E-B418-66A6111412EC}" type="slidenum">
+              <a:rPr lang="en-US" smtClean="0"/>
+              <a:t>11</a:t>
+            </a:fld>
+            <a:endParaRPr lang="en-US"/>
+          </a:p>
+        </p:txBody>
+      </p:sp>
+    </p:spTree>
+    <p:extLst>
+      <p:ext uri="{BB962C8B-B14F-4D97-AF65-F5344CB8AC3E}">
+        <p14:creationId xmlns:p14="http://schemas.microsoft.com/office/powerpoint/2010/main" val="780767567"/>
+      </p:ext>
+    </p:extLst>
+  </p:cSld>
+  <p:clrMapOvr>
+    <a:masterClrMapping/>
+  </p:clrMapOvr>
+</p:notes>
+</file>
+
+<file path=ppt/notesSlides/notesSlide12.xml><?xml version="1.0" encoding="utf-8"?>
+<p:notes xmlns:a="http://schemas.openxmlformats.org/drawingml/2006/main" xmlns:r="http://schemas.openxmlformats.org/officeDocument/2006/relationships" xmlns:p="http://schemas.openxmlformats.org/presentationml/2006/main">
+  <p:cSld>
+    <p:spTree>
+      <p:nvGrpSpPr>
+        <p:cNvPr id="1" name=""/>
+        <p:cNvGrpSpPr/>
+        <p:nvPr/>
+      </p:nvGrpSpPr>
+      <p:grpSpPr>
+        <a:xfrm>
+          <a:off x="0" y="0"/>
+          <a:ext cx="0" cy="0"/>
+          <a:chOff x="0" y="0"/>
+          <a:chExt cx="0" cy="0"/>
+        </a:xfrm>
+      </p:grpSpPr>
+      <p:sp>
+        <p:nvSpPr>
+          <p:cNvPr id="2" name="Slide Image Placeholder 1"/>
+          <p:cNvSpPr>
+            <a:spLocks noGrp="1" noRot="1" noChangeAspect="1"/>
+          </p:cNvSpPr>
+          <p:nvPr>
+            <p:ph type="sldImg"/>
+          </p:nvPr>
+        </p:nvSpPr>
+        <p:spPr/>
+      </p:sp>
+      <p:sp>
+        <p:nvSpPr>
+          <p:cNvPr id="3" name="Notes Placeholder 2"/>
+          <p:cNvSpPr>
+            <a:spLocks noGrp="1"/>
+          </p:cNvSpPr>
+          <p:nvPr>
+            <p:ph type="body" idx="1"/>
+          </p:nvPr>
+        </p:nvSpPr>
+        <p:spPr/>
+        <p:txBody>
+          <a:bodyPr/>
+          <a:lstStyle/>
+          <a:p>
+            <a:pPr marL="0" marR="0" lvl="0" indent="0" algn="l" defTabSz="914400" rtl="0" eaLnBrk="1" fontAlgn="auto" latinLnBrk="0" hangingPunct="1">
+              <a:lnSpc>
+                <a:spcPct val="100000"/>
+              </a:lnSpc>
+              <a:spcBef>
+                <a:spcPts val="0"/>
+              </a:spcBef>
+              <a:spcAft>
+                <a:spcPts val="0"/>
+              </a:spcAft>
+              <a:buClrTx/>
+              <a:buSzTx/>
+              <a:buFontTx/>
+              <a:buNone/>
+              <a:tabLst/>
+              <a:defRPr/>
+            </a:pPr>
+            <a:r>
+              <a:rPr lang="en-US" b="0" i="0" dirty="0">
+                <a:solidFill>
+                  <a:srgbClr val="000000"/>
+                </a:solidFill>
+                <a:effectLst/>
+                <a:latin typeface="-apple-system"/>
+              </a:rPr>
+              <a:t>Later, in a second attempt to build better models, we try to apply transfer learning using clusters. so we create a new column 'cluster' using </a:t>
+            </a:r>
+            <a:r>
+              <a:rPr lang="en-US" b="0" i="0" dirty="0" err="1">
+                <a:solidFill>
+                  <a:srgbClr val="000000"/>
+                </a:solidFill>
+                <a:effectLst/>
+                <a:latin typeface="-apple-system"/>
+              </a:rPr>
+              <a:t>KMeans</a:t>
+            </a:r>
+            <a:r>
+              <a:rPr lang="en-US" b="0" i="0" dirty="0">
+                <a:solidFill>
+                  <a:srgbClr val="000000"/>
+                </a:solidFill>
+                <a:effectLst/>
+                <a:latin typeface="-apple-system"/>
+              </a:rPr>
+              <a:t>() to replace the column 'neighborhoods' and see if the performance models increase. For this, a search for best value of k was performed and returned the k value equals 150 - according to the silhouette value.</a:t>
+            </a:r>
+          </a:p>
+          <a:p>
+            <a:endParaRPr lang="en-US" dirty="0"/>
+          </a:p>
+        </p:txBody>
+      </p:sp>
+      <p:sp>
+        <p:nvSpPr>
+          <p:cNvPr id="4" name="Slide Number Placeholder 3"/>
+          <p:cNvSpPr>
+            <a:spLocks noGrp="1"/>
+          </p:cNvSpPr>
+          <p:nvPr>
+            <p:ph type="sldNum" sz="quarter" idx="5"/>
+          </p:nvPr>
+        </p:nvSpPr>
+        <p:spPr/>
+        <p:txBody>
+          <a:bodyPr/>
+          <a:lstStyle/>
+          <a:p>
+            <a:fld id="{2FC7CE96-640F-BA4E-B418-66A6111412EC}" type="slidenum">
+              <a:rPr lang="en-US" smtClean="0"/>
+              <a:t>12</a:t>
+            </a:fld>
+            <a:endParaRPr lang="en-US"/>
+          </a:p>
+        </p:txBody>
+      </p:sp>
+    </p:spTree>
+    <p:extLst>
+      <p:ext uri="{BB962C8B-B14F-4D97-AF65-F5344CB8AC3E}">
+        <p14:creationId xmlns:p14="http://schemas.microsoft.com/office/powerpoint/2010/main" val="977613638"/>
+      </p:ext>
+    </p:extLst>
+  </p:cSld>
+  <p:clrMapOvr>
+    <a:masterClrMapping/>
+  </p:clrMapOvr>
+</p:notes>
+</file>
+
+<file path=ppt/notesSlides/notesSlide13.xml><?xml version="1.0" encoding="utf-8"?>
+<p:notes xmlns:a="http://schemas.openxmlformats.org/drawingml/2006/main" xmlns:r="http://schemas.openxmlformats.org/officeDocument/2006/relationships" xmlns:p="http://schemas.openxmlformats.org/presentationml/2006/main">
+  <p:cSld>
+    <p:spTree>
+      <p:nvGrpSpPr>
+        <p:cNvPr id="1" name=""/>
+        <p:cNvGrpSpPr/>
+        <p:nvPr/>
+      </p:nvGrpSpPr>
+      <p:grpSpPr>
+        <a:xfrm>
+          <a:off x="0" y="0"/>
+          <a:ext cx="0" cy="0"/>
+          <a:chOff x="0" y="0"/>
+          <a:chExt cx="0" cy="0"/>
+        </a:xfrm>
+      </p:grpSpPr>
+      <p:sp>
+        <p:nvSpPr>
+          <p:cNvPr id="2" name="Slide Image Placeholder 1"/>
+          <p:cNvSpPr>
+            <a:spLocks noGrp="1" noRot="1" noChangeAspect="1"/>
+          </p:cNvSpPr>
+          <p:nvPr>
+            <p:ph type="sldImg"/>
+          </p:nvPr>
+        </p:nvSpPr>
+        <p:spPr/>
+      </p:sp>
+      <p:sp>
+        <p:nvSpPr>
+          <p:cNvPr id="3" name="Notes Placeholder 2"/>
+          <p:cNvSpPr>
+            <a:spLocks noGrp="1"/>
+          </p:cNvSpPr>
+          <p:nvPr>
+            <p:ph type="body" idx="1"/>
+          </p:nvPr>
+        </p:nvSpPr>
+        <p:spPr/>
+        <p:txBody>
+          <a:bodyPr/>
+          <a:lstStyle/>
+          <a:p>
+            <a:pPr marL="171450" indent="-171450" algn="l">
+              <a:buFont typeface="Arial" panose="020B0604020202020204" pitchFamily="34" charset="0"/>
+              <a:buChar char="•"/>
+            </a:pPr>
+            <a:r>
+              <a:rPr lang="en-US" b="0" i="0" dirty="0">
+                <a:solidFill>
+                  <a:srgbClr val="000000"/>
+                </a:solidFill>
+                <a:effectLst/>
+                <a:latin typeface="-apple-system"/>
+              </a:rPr>
+              <a:t>We could get at two conclusions for this project: </a:t>
+            </a:r>
+          </a:p>
+          <a:p>
+            <a:pPr marL="628650" lvl="1" indent="-171450" algn="l">
+              <a:buFont typeface="Arial" panose="020B0604020202020204" pitchFamily="34" charset="0"/>
+              <a:buChar char="•"/>
+            </a:pPr>
+            <a:r>
+              <a:rPr lang="en-US" b="0" i="0" dirty="0">
+                <a:solidFill>
+                  <a:srgbClr val="000000"/>
+                </a:solidFill>
+                <a:effectLst/>
+                <a:latin typeface="-apple-system"/>
+              </a:rPr>
+              <a:t>first one, the feature engineering '</a:t>
+            </a:r>
+            <a:r>
+              <a:rPr lang="en-US" b="0" i="0" dirty="0" err="1">
+                <a:solidFill>
+                  <a:srgbClr val="000000"/>
+                </a:solidFill>
+                <a:effectLst/>
+                <a:latin typeface="-apple-system"/>
+              </a:rPr>
+              <a:t>amenities_count</a:t>
+            </a:r>
+            <a:r>
+              <a:rPr lang="en-US" b="0" i="0" dirty="0">
+                <a:solidFill>
+                  <a:srgbClr val="000000"/>
+                </a:solidFill>
+                <a:effectLst/>
+                <a:latin typeface="-apple-system"/>
+              </a:rPr>
+              <a:t>' and '</a:t>
+            </a:r>
+            <a:r>
+              <a:rPr lang="en-US" b="0" i="0" dirty="0" err="1">
+                <a:solidFill>
+                  <a:srgbClr val="000000"/>
+                </a:solidFill>
+                <a:effectLst/>
+                <a:latin typeface="-apple-system"/>
+              </a:rPr>
+              <a:t>description_listing_count</a:t>
+            </a:r>
+            <a:r>
+              <a:rPr lang="en-US" b="0" i="0" dirty="0">
+                <a:solidFill>
+                  <a:srgbClr val="000000"/>
+                </a:solidFill>
+                <a:effectLst/>
+                <a:latin typeface="-apple-system"/>
+              </a:rPr>
+              <a:t>' didn't increased the performance on our models and,</a:t>
+            </a:r>
+          </a:p>
+          <a:p>
+            <a:pPr marL="628650" lvl="1" indent="-171450" algn="l">
+              <a:buFont typeface="Arial" panose="020B0604020202020204" pitchFamily="34" charset="0"/>
+              <a:buChar char="•"/>
+            </a:pPr>
+            <a:r>
+              <a:rPr lang="en-US" b="0" i="0" dirty="0">
+                <a:solidFill>
+                  <a:srgbClr val="000000"/>
+                </a:solidFill>
+                <a:effectLst/>
+                <a:latin typeface="-apple-system"/>
+              </a:rPr>
+              <a:t>the second one, play around latitude/longitude or cluster with transfer learning to replace the neighborhood didn't also work.</a:t>
+            </a:r>
+          </a:p>
+          <a:p>
+            <a:pPr marL="628650" lvl="1" indent="-171450" algn="l">
+              <a:buFont typeface="Arial" panose="020B0604020202020204" pitchFamily="34" charset="0"/>
+              <a:buChar char="•"/>
+            </a:pPr>
+            <a:r>
+              <a:rPr lang="en-US" b="0" i="0" dirty="0">
+                <a:solidFill>
+                  <a:srgbClr val="000000"/>
+                </a:solidFill>
+                <a:effectLst/>
+                <a:latin typeface="-apple-system"/>
+              </a:rPr>
+              <a:t>Another conclusion after analyzing the data, it's that some variables are more important than others in determining the accommodation' prices, for example, the neighborhood feature carries more weight to the target than the number of beds or baths.</a:t>
+            </a:r>
+          </a:p>
+          <a:p>
+            <a:pPr marL="171450" indent="-171450" algn="l">
+              <a:buFont typeface="Arial" panose="020B0604020202020204" pitchFamily="34" charset="0"/>
+              <a:buChar char="•"/>
+            </a:pPr>
+            <a:endParaRPr lang="en-US" b="0" i="0" dirty="0">
+              <a:solidFill>
+                <a:srgbClr val="000000"/>
+              </a:solidFill>
+              <a:effectLst/>
+              <a:latin typeface="-apple-system"/>
+            </a:endParaRPr>
+          </a:p>
+          <a:p>
+            <a:pPr marL="171450" indent="-171450" algn="l">
+              <a:buFont typeface="Arial" panose="020B0604020202020204" pitchFamily="34" charset="0"/>
+              <a:buChar char="•"/>
+            </a:pPr>
+            <a:r>
+              <a:rPr lang="en-US" b="0" i="0" dirty="0">
+                <a:solidFill>
+                  <a:srgbClr val="000000"/>
+                </a:solidFill>
+                <a:effectLst/>
+                <a:latin typeface="-apple-system"/>
+              </a:rPr>
+              <a:t>As a suggestion, after these conclusions, it is consider that if you want to add value to </a:t>
+            </a:r>
+            <a:r>
+              <a:rPr lang="en-US" b="0" i="0" dirty="0" err="1">
+                <a:solidFill>
+                  <a:srgbClr val="000000"/>
+                </a:solidFill>
+                <a:effectLst/>
+                <a:latin typeface="-apple-system"/>
+              </a:rPr>
+              <a:t>accomodation</a:t>
+            </a:r>
+            <a:r>
+              <a:rPr lang="en-US" b="0" i="0" dirty="0">
+                <a:solidFill>
+                  <a:srgbClr val="000000"/>
+                </a:solidFill>
+                <a:effectLst/>
+                <a:latin typeface="-apple-system"/>
+              </a:rPr>
+              <a:t> it will be more efficient increase the capacity of accommodate people than necessarily adding a room for it.</a:t>
+            </a:r>
+          </a:p>
+          <a:p>
+            <a:endParaRPr lang="en-US" dirty="0"/>
+          </a:p>
+        </p:txBody>
+      </p:sp>
+      <p:sp>
+        <p:nvSpPr>
+          <p:cNvPr id="4" name="Slide Number Placeholder 3"/>
+          <p:cNvSpPr>
+            <a:spLocks noGrp="1"/>
+          </p:cNvSpPr>
+          <p:nvPr>
+            <p:ph type="sldNum" sz="quarter" idx="5"/>
+          </p:nvPr>
+        </p:nvSpPr>
+        <p:spPr/>
+        <p:txBody>
+          <a:bodyPr/>
+          <a:lstStyle/>
+          <a:p>
+            <a:fld id="{2FC7CE96-640F-BA4E-B418-66A6111412EC}" type="slidenum">
+              <a:rPr lang="en-US" smtClean="0"/>
+              <a:t>13</a:t>
+            </a:fld>
+            <a:endParaRPr lang="en-US"/>
+          </a:p>
+        </p:txBody>
+      </p:sp>
+    </p:spTree>
+    <p:extLst>
+      <p:ext uri="{BB962C8B-B14F-4D97-AF65-F5344CB8AC3E}">
+        <p14:creationId xmlns:p14="http://schemas.microsoft.com/office/powerpoint/2010/main" val="3484515600"/>
+      </p:ext>
+    </p:extLst>
+  </p:cSld>
+  <p:clrMapOvr>
+    <a:masterClrMapping/>
+  </p:clrMapOvr>
+</p:notes>
+</file>
+
+<file path=ppt/notesSlides/notesSlide14.xml><?xml version="1.0" encoding="utf-8"?>
+<p:notes xmlns:a="http://schemas.openxmlformats.org/drawingml/2006/main" xmlns:r="http://schemas.openxmlformats.org/officeDocument/2006/relationships" xmlns:p="http://schemas.openxmlformats.org/presentationml/2006/main">
+  <p:cSld>
+    <p:spTree>
+      <p:nvGrpSpPr>
+        <p:cNvPr id="1" name=""/>
+        <p:cNvGrpSpPr/>
+        <p:nvPr/>
+      </p:nvGrpSpPr>
+      <p:grpSpPr>
+        <a:xfrm>
+          <a:off x="0" y="0"/>
+          <a:ext cx="0" cy="0"/>
+          <a:chOff x="0" y="0"/>
+          <a:chExt cx="0" cy="0"/>
+        </a:xfrm>
+      </p:grpSpPr>
+      <p:sp>
+        <p:nvSpPr>
+          <p:cNvPr id="2" name="Slide Image Placeholder 1"/>
+          <p:cNvSpPr>
+            <a:spLocks noGrp="1" noRot="1" noChangeAspect="1"/>
+          </p:cNvSpPr>
+          <p:nvPr>
+            <p:ph type="sldImg"/>
+          </p:nvPr>
+        </p:nvSpPr>
+        <p:spPr/>
+      </p:sp>
+      <p:sp>
+        <p:nvSpPr>
+          <p:cNvPr id="3" name="Notes Placeholder 2"/>
+          <p:cNvSpPr>
+            <a:spLocks noGrp="1"/>
+          </p:cNvSpPr>
+          <p:nvPr>
+            <p:ph type="body" idx="1"/>
+          </p:nvPr>
+        </p:nvSpPr>
+        <p:spPr/>
+        <p:txBody>
+          <a:bodyPr/>
+          <a:lstStyle/>
+          <a:p>
+            <a:pPr marL="171450" indent="-171450" algn="l">
+              <a:buFont typeface="Arial" panose="020B0604020202020204" pitchFamily="34" charset="0"/>
+              <a:buChar char="•"/>
+            </a:pPr>
+            <a:r>
+              <a:rPr lang="en-US" b="0" i="0" dirty="0">
+                <a:solidFill>
+                  <a:srgbClr val="000000"/>
+                </a:solidFill>
+                <a:effectLst/>
+                <a:latin typeface="-apple-system"/>
+              </a:rPr>
+              <a:t>We could get at two conclusions for this project: </a:t>
+            </a:r>
+          </a:p>
+          <a:p>
+            <a:pPr marL="628650" lvl="1" indent="-171450" algn="l">
+              <a:buFont typeface="Arial" panose="020B0604020202020204" pitchFamily="34" charset="0"/>
+              <a:buChar char="•"/>
+            </a:pPr>
+            <a:r>
+              <a:rPr lang="en-US" b="0" i="0" dirty="0">
+                <a:solidFill>
+                  <a:srgbClr val="000000"/>
+                </a:solidFill>
+                <a:effectLst/>
+                <a:latin typeface="-apple-system"/>
+              </a:rPr>
+              <a:t>first one, the feature engineering '</a:t>
+            </a:r>
+            <a:r>
+              <a:rPr lang="en-US" b="0" i="0" dirty="0" err="1">
+                <a:solidFill>
+                  <a:srgbClr val="000000"/>
+                </a:solidFill>
+                <a:effectLst/>
+                <a:latin typeface="-apple-system"/>
+              </a:rPr>
+              <a:t>amenities_count</a:t>
+            </a:r>
+            <a:r>
+              <a:rPr lang="en-US" b="0" i="0" dirty="0">
+                <a:solidFill>
+                  <a:srgbClr val="000000"/>
+                </a:solidFill>
+                <a:effectLst/>
+                <a:latin typeface="-apple-system"/>
+              </a:rPr>
+              <a:t>' and '</a:t>
+            </a:r>
+            <a:r>
+              <a:rPr lang="en-US" b="0" i="0" dirty="0" err="1">
+                <a:solidFill>
+                  <a:srgbClr val="000000"/>
+                </a:solidFill>
+                <a:effectLst/>
+                <a:latin typeface="-apple-system"/>
+              </a:rPr>
+              <a:t>description_listing_count</a:t>
+            </a:r>
+            <a:r>
+              <a:rPr lang="en-US" b="0" i="0" dirty="0">
+                <a:solidFill>
+                  <a:srgbClr val="000000"/>
+                </a:solidFill>
+                <a:effectLst/>
+                <a:latin typeface="-apple-system"/>
+              </a:rPr>
+              <a:t>' didn't increased the performance on our models and,</a:t>
+            </a:r>
+          </a:p>
+          <a:p>
+            <a:pPr marL="628650" lvl="1" indent="-171450" algn="l">
+              <a:buFont typeface="Arial" panose="020B0604020202020204" pitchFamily="34" charset="0"/>
+              <a:buChar char="•"/>
+            </a:pPr>
+            <a:r>
+              <a:rPr lang="en-US" b="0" i="0" dirty="0">
+                <a:solidFill>
+                  <a:srgbClr val="000000"/>
+                </a:solidFill>
+                <a:effectLst/>
+                <a:latin typeface="-apple-system"/>
+              </a:rPr>
+              <a:t>the second one, play around latitude/longitude or cluster with transfer learning to replace the neighborhood didn't also work.</a:t>
+            </a:r>
+          </a:p>
+          <a:p>
+            <a:pPr marL="628650" lvl="1" indent="-171450" algn="l">
+              <a:buFont typeface="Arial" panose="020B0604020202020204" pitchFamily="34" charset="0"/>
+              <a:buChar char="•"/>
+            </a:pPr>
+            <a:r>
+              <a:rPr lang="en-US" b="0" i="0" dirty="0">
+                <a:solidFill>
+                  <a:srgbClr val="000000"/>
+                </a:solidFill>
+                <a:effectLst/>
+                <a:latin typeface="-apple-system"/>
+              </a:rPr>
+              <a:t>Another conclusion after analyzing the data, it's that some variables are more important than others in determining the accommodation' prices, for example, the neighborhood feature carries more weight to the target than the number of beds or baths.</a:t>
+            </a:r>
+          </a:p>
+          <a:p>
+            <a:pPr marL="171450" indent="-171450" algn="l">
+              <a:buFont typeface="Arial" panose="020B0604020202020204" pitchFamily="34" charset="0"/>
+              <a:buChar char="•"/>
+            </a:pPr>
+            <a:endParaRPr lang="en-US" b="0" i="0" dirty="0">
+              <a:solidFill>
+                <a:srgbClr val="000000"/>
+              </a:solidFill>
+              <a:effectLst/>
+              <a:latin typeface="-apple-system"/>
+            </a:endParaRPr>
+          </a:p>
+          <a:p>
+            <a:pPr marL="171450" indent="-171450" algn="l">
+              <a:buFont typeface="Arial" panose="020B0604020202020204" pitchFamily="34" charset="0"/>
+              <a:buChar char="•"/>
+            </a:pPr>
+            <a:r>
+              <a:rPr lang="en-US" b="0" i="0" dirty="0">
+                <a:solidFill>
+                  <a:srgbClr val="000000"/>
+                </a:solidFill>
+                <a:effectLst/>
+                <a:latin typeface="-apple-system"/>
+              </a:rPr>
+              <a:t>As a suggestion, after these conclusions, it is consider that if you want to add value to </a:t>
+            </a:r>
+            <a:r>
+              <a:rPr lang="en-US" b="0" i="0" dirty="0" err="1">
+                <a:solidFill>
+                  <a:srgbClr val="000000"/>
+                </a:solidFill>
+                <a:effectLst/>
+                <a:latin typeface="-apple-system"/>
+              </a:rPr>
+              <a:t>accomodation</a:t>
+            </a:r>
+            <a:r>
+              <a:rPr lang="en-US" b="0" i="0" dirty="0">
+                <a:solidFill>
+                  <a:srgbClr val="000000"/>
+                </a:solidFill>
+                <a:effectLst/>
+                <a:latin typeface="-apple-system"/>
+              </a:rPr>
+              <a:t> it will be more efficient increase the capacity of accommodate people than necessarily adding a room for it.</a:t>
+            </a:r>
+          </a:p>
+          <a:p>
+            <a:endParaRPr lang="en-US" dirty="0"/>
+          </a:p>
+        </p:txBody>
+      </p:sp>
+      <p:sp>
+        <p:nvSpPr>
+          <p:cNvPr id="4" name="Slide Number Placeholder 3"/>
+          <p:cNvSpPr>
+            <a:spLocks noGrp="1"/>
+          </p:cNvSpPr>
+          <p:nvPr>
+            <p:ph type="sldNum" sz="quarter" idx="5"/>
+          </p:nvPr>
+        </p:nvSpPr>
+        <p:spPr/>
+        <p:txBody>
+          <a:bodyPr/>
+          <a:lstStyle/>
+          <a:p>
+            <a:fld id="{2FC7CE96-640F-BA4E-B418-66A6111412EC}" type="slidenum">
+              <a:rPr lang="en-US" smtClean="0"/>
+              <a:t>14</a:t>
+            </a:fld>
+            <a:endParaRPr lang="en-US"/>
+          </a:p>
+        </p:txBody>
+      </p:sp>
+    </p:spTree>
+    <p:extLst>
+      <p:ext uri="{BB962C8B-B14F-4D97-AF65-F5344CB8AC3E}">
+        <p14:creationId xmlns:p14="http://schemas.microsoft.com/office/powerpoint/2010/main" val="980484792"/>
+      </p:ext>
+    </p:extLst>
+  </p:cSld>
+  <p:clrMapOvr>
+    <a:masterClrMapping/>
+  </p:clrMapOvr>
+</p:notes>
+</file>
+
+<file path=ppt/notesSlides/notesSlide2.xml><?xml version="1.0" encoding="utf-8"?>
+<p:notes xmlns:a="http://schemas.openxmlformats.org/drawingml/2006/main" xmlns:r="http://schemas.openxmlformats.org/officeDocument/2006/relationships" xmlns:p="http://schemas.openxmlformats.org/presentationml/2006/main">
+  <p:cSld>
+    <p:spTree>
+      <p:nvGrpSpPr>
+        <p:cNvPr id="1" name=""/>
+        <p:cNvGrpSpPr/>
+        <p:nvPr/>
+      </p:nvGrpSpPr>
+      <p:grpSpPr>
+        <a:xfrm>
+          <a:off x="0" y="0"/>
+          <a:ext cx="0" cy="0"/>
+          <a:chOff x="0" y="0"/>
+          <a:chExt cx="0" cy="0"/>
+        </a:xfrm>
+      </p:grpSpPr>
+      <p:sp>
+        <p:nvSpPr>
+          <p:cNvPr id="2" name="Slide Image Placeholder 1"/>
+          <p:cNvSpPr>
+            <a:spLocks noGrp="1" noRot="1" noChangeAspect="1"/>
+          </p:cNvSpPr>
+          <p:nvPr>
+            <p:ph type="sldImg"/>
+          </p:nvPr>
+        </p:nvSpPr>
+        <p:spPr/>
+      </p:sp>
+      <p:sp>
+        <p:nvSpPr>
+          <p:cNvPr id="3" name="Notes Placeholder 2"/>
+          <p:cNvSpPr>
+            <a:spLocks noGrp="1"/>
+          </p:cNvSpPr>
+          <p:nvPr>
+            <p:ph type="body" idx="1"/>
+          </p:nvPr>
+        </p:nvSpPr>
+        <p:spPr/>
+        <p:txBody>
+          <a:bodyPr/>
+          <a:lstStyle/>
+          <a:p>
+            <a:pPr marL="171450" marR="0" lvl="0" indent="-171450" algn="l" defTabSz="914400" rtl="0" eaLnBrk="1" fontAlgn="auto" latinLnBrk="0" hangingPunct="1">
+              <a:lnSpc>
+                <a:spcPct val="100000"/>
+              </a:lnSpc>
+              <a:spcBef>
+                <a:spcPts val="0"/>
+              </a:spcBef>
+              <a:spcAft>
+                <a:spcPts val="0"/>
+              </a:spcAft>
+              <a:buClrTx/>
+              <a:buSzTx/>
+              <a:buFont typeface="Arial" panose="020B0604020202020204" pitchFamily="34" charset="0"/>
+              <a:buChar char="•"/>
+              <a:tabLst/>
+              <a:defRPr/>
+            </a:pPr>
+            <a:r>
+              <a:rPr lang="en-US" b="0" dirty="0">
+                <a:solidFill>
+                  <a:srgbClr val="000000"/>
+                </a:solidFill>
+                <a:effectLst/>
+                <a:latin typeface="Menlo" panose="020B0609030804020204" pitchFamily="49" charset="0"/>
+              </a:rPr>
+              <a:t>My capstone project it's related to the Airbnb Data - the renting accommodations site.</a:t>
+            </a:r>
+          </a:p>
+          <a:p>
+            <a:pPr marL="171450" marR="0" lvl="0" indent="-171450" algn="l" defTabSz="914400" rtl="0" eaLnBrk="1" fontAlgn="auto" latinLnBrk="0" hangingPunct="1">
+              <a:lnSpc>
+                <a:spcPct val="100000"/>
+              </a:lnSpc>
+              <a:spcBef>
+                <a:spcPts val="0"/>
+              </a:spcBef>
+              <a:spcAft>
+                <a:spcPts val="0"/>
+              </a:spcAft>
+              <a:buClrTx/>
+              <a:buSzTx/>
+              <a:buFont typeface="Arial" panose="020B0604020202020204" pitchFamily="34" charset="0"/>
+              <a:buChar char="•"/>
+              <a:tabLst/>
+              <a:defRPr/>
+            </a:pPr>
+            <a:r>
+              <a:rPr lang="en-US" b="0" dirty="0">
+                <a:solidFill>
+                  <a:srgbClr val="000000"/>
+                </a:solidFill>
+                <a:effectLst/>
+                <a:latin typeface="Menlo" panose="020B0609030804020204" pitchFamily="49" charset="0"/>
+              </a:rPr>
+              <a:t>I went </a:t>
+            </a:r>
+            <a:r>
+              <a:rPr lang="en-US" b="0" dirty="0" err="1">
+                <a:solidFill>
+                  <a:srgbClr val="000000"/>
+                </a:solidFill>
+                <a:effectLst/>
+                <a:latin typeface="Menlo" panose="020B0609030804020204" pitchFamily="49" charset="0"/>
+              </a:rPr>
+              <a:t>throught</a:t>
+            </a:r>
+            <a:r>
+              <a:rPr lang="en-US" b="0" dirty="0">
+                <a:solidFill>
+                  <a:srgbClr val="000000"/>
+                </a:solidFill>
+                <a:effectLst/>
+                <a:latin typeface="Menlo" panose="020B0609030804020204" pitchFamily="49" charset="0"/>
+              </a:rPr>
+              <a:t> this data for the NYC listings and I propose as the problem statement for  this project , develop a machine learning model that can predict prices for new accommodations there to be listed on the Airbnb website. </a:t>
+            </a:r>
+          </a:p>
+          <a:p>
+            <a:pPr marL="171450" marR="0" lvl="0" indent="-171450" algn="l" defTabSz="914400" rtl="0" eaLnBrk="1" fontAlgn="auto" latinLnBrk="0" hangingPunct="1">
+              <a:lnSpc>
+                <a:spcPct val="100000"/>
+              </a:lnSpc>
+              <a:spcBef>
+                <a:spcPts val="0"/>
+              </a:spcBef>
+              <a:spcAft>
+                <a:spcPts val="0"/>
+              </a:spcAft>
+              <a:buClrTx/>
+              <a:buSzTx/>
+              <a:buFont typeface="Arial" panose="020B0604020202020204" pitchFamily="34" charset="0"/>
+              <a:buChar char="•"/>
+              <a:tabLst/>
+              <a:defRPr/>
+            </a:pPr>
+            <a:r>
+              <a:rPr lang="en-US" b="0" dirty="0">
+                <a:solidFill>
+                  <a:srgbClr val="000000"/>
+                </a:solidFill>
+                <a:effectLst/>
+                <a:latin typeface="Menlo" panose="020B0609030804020204" pitchFamily="49" charset="0"/>
+              </a:rPr>
+              <a:t>Here I'm considering two types of audience:</a:t>
+            </a:r>
+          </a:p>
+          <a:p>
+            <a:pPr marL="628650" marR="0" lvl="1" indent="-171450" algn="l" defTabSz="914400" rtl="0" eaLnBrk="1" fontAlgn="auto" latinLnBrk="0" hangingPunct="1">
+              <a:lnSpc>
+                <a:spcPct val="100000"/>
+              </a:lnSpc>
+              <a:spcBef>
+                <a:spcPts val="0"/>
+              </a:spcBef>
+              <a:spcAft>
+                <a:spcPts val="0"/>
+              </a:spcAft>
+              <a:buClrTx/>
+              <a:buSzTx/>
+              <a:buFont typeface="Arial" panose="020B0604020202020204" pitchFamily="34" charset="0"/>
+              <a:buChar char="•"/>
+              <a:tabLst/>
+              <a:defRPr/>
+            </a:pPr>
+            <a:r>
+              <a:rPr lang="en-US" b="0" dirty="0">
+                <a:solidFill>
+                  <a:srgbClr val="000000"/>
+                </a:solidFill>
+                <a:effectLst/>
+                <a:latin typeface="Menlo" panose="020B0609030804020204" pitchFamily="49" charset="0"/>
+              </a:rPr>
+              <a:t> the main audience as being Airbnb boarding, interested in provide to the user a price suggestion during the listing process based on its main features such as type of accommodation, number of rooms and neighborhood. </a:t>
+            </a:r>
+          </a:p>
+          <a:p>
+            <a:pPr marL="628650" marR="0" lvl="1" indent="-171450" algn="l" defTabSz="914400" rtl="0" eaLnBrk="1" fontAlgn="auto" latinLnBrk="0" hangingPunct="1">
+              <a:lnSpc>
+                <a:spcPct val="100000"/>
+              </a:lnSpc>
+              <a:spcBef>
+                <a:spcPts val="0"/>
+              </a:spcBef>
+              <a:spcAft>
+                <a:spcPts val="0"/>
+              </a:spcAft>
+              <a:buClrTx/>
+              <a:buSzTx/>
+              <a:buFont typeface="Arial" panose="020B0604020202020204" pitchFamily="34" charset="0"/>
+              <a:buChar char="•"/>
+              <a:tabLst/>
+              <a:defRPr/>
+            </a:pPr>
+            <a:r>
+              <a:rPr lang="en-US" b="0" dirty="0">
+                <a:solidFill>
+                  <a:srgbClr val="000000"/>
+                </a:solidFill>
+                <a:effectLst/>
+                <a:latin typeface="Menlo" panose="020B0609030804020204" pitchFamily="49" charset="0"/>
+              </a:rPr>
+              <a:t>the secondary stakeholders would be people who are interested in using the Airbnb service by making their properties available for rent on their website and having an idea of how much this service could earn from it.</a:t>
+            </a:r>
+          </a:p>
+          <a:p>
+            <a:endParaRPr lang="en-US" dirty="0"/>
+          </a:p>
+        </p:txBody>
+      </p:sp>
+      <p:sp>
+        <p:nvSpPr>
+          <p:cNvPr id="4" name="Slide Number Placeholder 3"/>
+          <p:cNvSpPr>
+            <a:spLocks noGrp="1"/>
+          </p:cNvSpPr>
+          <p:nvPr>
+            <p:ph type="sldNum" sz="quarter" idx="5"/>
+          </p:nvPr>
+        </p:nvSpPr>
+        <p:spPr/>
+        <p:txBody>
+          <a:bodyPr/>
+          <a:lstStyle/>
+          <a:p>
+            <a:fld id="{2FC7CE96-640F-BA4E-B418-66A6111412EC}" type="slidenum">
+              <a:rPr lang="en-US" smtClean="0"/>
+              <a:t>2</a:t>
+            </a:fld>
+            <a:endParaRPr lang="en-US"/>
+          </a:p>
+        </p:txBody>
+      </p:sp>
+    </p:spTree>
+    <p:extLst>
+      <p:ext uri="{BB962C8B-B14F-4D97-AF65-F5344CB8AC3E}">
+        <p14:creationId xmlns:p14="http://schemas.microsoft.com/office/powerpoint/2010/main" val="4241155439"/>
+      </p:ext>
+    </p:extLst>
+  </p:cSld>
+  <p:clrMapOvr>
+    <a:masterClrMapping/>
+  </p:clrMapOvr>
+</p:notes>
+</file>
+
+<file path=ppt/notesSlides/notesSlide3.xml><?xml version="1.0" encoding="utf-8"?>
+<p:notes xmlns:a="http://schemas.openxmlformats.org/drawingml/2006/main" xmlns:r="http://schemas.openxmlformats.org/officeDocument/2006/relationships" xmlns:p="http://schemas.openxmlformats.org/presentationml/2006/main">
+  <p:cSld>
+    <p:spTree>
+      <p:nvGrpSpPr>
+        <p:cNvPr id="1" name=""/>
+        <p:cNvGrpSpPr/>
+        <p:nvPr/>
+      </p:nvGrpSpPr>
+      <p:grpSpPr>
+        <a:xfrm>
+          <a:off x="0" y="0"/>
+          <a:ext cx="0" cy="0"/>
+          <a:chOff x="0" y="0"/>
+          <a:chExt cx="0" cy="0"/>
+        </a:xfrm>
+      </p:grpSpPr>
+      <p:sp>
+        <p:nvSpPr>
+          <p:cNvPr id="2" name="Slide Image Placeholder 1"/>
+          <p:cNvSpPr>
+            <a:spLocks noGrp="1" noRot="1" noChangeAspect="1"/>
+          </p:cNvSpPr>
+          <p:nvPr>
+            <p:ph type="sldImg"/>
+          </p:nvPr>
+        </p:nvSpPr>
+        <p:spPr/>
+      </p:sp>
+      <p:sp>
+        <p:nvSpPr>
+          <p:cNvPr id="3" name="Notes Placeholder 2"/>
+          <p:cNvSpPr>
+            <a:spLocks noGrp="1"/>
+          </p:cNvSpPr>
+          <p:nvPr>
+            <p:ph type="body" idx="1"/>
+          </p:nvPr>
+        </p:nvSpPr>
+        <p:spPr/>
+        <p:txBody>
+          <a:bodyPr/>
+          <a:lstStyle/>
+          <a:p>
+            <a:pPr marL="171450" indent="-171450">
+              <a:buFont typeface="Arial" panose="020B0604020202020204" pitchFamily="34" charset="0"/>
+              <a:buChar char="•"/>
+            </a:pPr>
+            <a:r>
+              <a:rPr lang="en-US" b="0" dirty="0">
+                <a:solidFill>
+                  <a:srgbClr val="000000"/>
+                </a:solidFill>
+                <a:effectLst/>
+                <a:latin typeface="Menlo" panose="020B0609030804020204" pitchFamily="49" charset="0"/>
+              </a:rPr>
+              <a:t>Two data sets were used in this project. The first '</a:t>
+            </a:r>
+            <a:r>
+              <a:rPr lang="en-US" b="0" dirty="0" err="1">
+                <a:solidFill>
+                  <a:srgbClr val="000000"/>
+                </a:solidFill>
+                <a:effectLst/>
+                <a:latin typeface="Menlo" panose="020B0609030804020204" pitchFamily="49" charset="0"/>
+              </a:rPr>
+              <a:t>Listings.csv</a:t>
+            </a:r>
+            <a:r>
+              <a:rPr lang="en-US" b="0" dirty="0">
+                <a:solidFill>
+                  <a:srgbClr val="000000"/>
+                </a:solidFill>
+                <a:effectLst/>
+                <a:latin typeface="Menlo" panose="020B0609030804020204" pitchFamily="49" charset="0"/>
+              </a:rPr>
+              <a:t>' with 39,881 rows and 75 columns was acquired through the Airbnb data explorer website [</a:t>
+            </a:r>
+            <a:r>
+              <a:rPr lang="en-US" b="0" dirty="0">
+                <a:solidFill>
+                  <a:srgbClr val="A31515"/>
+                </a:solidFill>
+                <a:effectLst/>
+                <a:latin typeface="Menlo" panose="020B0609030804020204" pitchFamily="49" charset="0"/>
+              </a:rPr>
+              <a:t>1</a:t>
+            </a:r>
+            <a:r>
+              <a:rPr lang="en-US" b="0" dirty="0">
+                <a:solidFill>
+                  <a:srgbClr val="000000"/>
+                </a:solidFill>
+                <a:effectLst/>
+                <a:latin typeface="Menlo" panose="020B0609030804020204" pitchFamily="49" charset="0"/>
+              </a:rPr>
+              <a:t>] and contains information related to all accommodations listed on the website for the quarterly data for the last 12 months (Oct 2021 - Sept 2022). </a:t>
+            </a:r>
+          </a:p>
+          <a:p>
+            <a:pPr marL="171450" indent="-171450">
+              <a:buFont typeface="Arial" panose="020B0604020202020204" pitchFamily="34" charset="0"/>
+              <a:buChar char="•"/>
+            </a:pPr>
+            <a:r>
+              <a:rPr lang="en-US" b="0" dirty="0">
+                <a:solidFill>
+                  <a:srgbClr val="000000"/>
+                </a:solidFill>
+                <a:effectLst/>
+                <a:latin typeface="Menlo" panose="020B0609030804020204" pitchFamily="49" charset="0"/>
+              </a:rPr>
+              <a:t>Another dataset was also used to add value to the modeling of our model - </a:t>
+            </a:r>
+            <a:r>
+              <a:rPr lang="en-US" b="0" dirty="0" err="1">
+                <a:solidFill>
+                  <a:srgbClr val="000000"/>
+                </a:solidFill>
+                <a:effectLst/>
+                <a:latin typeface="Menlo" panose="020B0609030804020204" pitchFamily="49" charset="0"/>
+              </a:rPr>
+              <a:t>Neighborhood_price.csv</a:t>
+            </a:r>
+            <a:r>
+              <a:rPr lang="en-US" b="0" dirty="0">
+                <a:solidFill>
+                  <a:srgbClr val="000000"/>
+                </a:solidFill>
+                <a:effectLst/>
+                <a:latin typeface="Menlo" panose="020B0609030804020204" pitchFamily="49" charset="0"/>
+              </a:rPr>
+              <a:t> - and was acquired in the data dashboard of the Street Easy website, which contains information regarding the real estate market in New York City and contains square foot prices for rentals in major its neighborhoods.</a:t>
+            </a:r>
+          </a:p>
+          <a:p>
+            <a:pPr marL="171450" indent="-171450">
+              <a:buFont typeface="Arial" panose="020B0604020202020204" pitchFamily="34" charset="0"/>
+              <a:buChar char="•"/>
+            </a:pPr>
+            <a:r>
+              <a:rPr lang="en-US" b="0" dirty="0">
+                <a:solidFill>
+                  <a:srgbClr val="000000"/>
+                </a:solidFill>
+                <a:effectLst/>
+                <a:latin typeface="Menlo" panose="020B0609030804020204" pitchFamily="49" charset="0"/>
+              </a:rPr>
+              <a:t>After cleaning the data, applying features engineering and input strategies we got a final dataset of size 23645 x 23 to training our machine learning models. </a:t>
+            </a:r>
+          </a:p>
+          <a:p>
+            <a:pPr marL="171450" indent="-171450">
+              <a:buFont typeface="Arial" panose="020B0604020202020204" pitchFamily="34" charset="0"/>
+              <a:buChar char="•"/>
+            </a:pPr>
+            <a:r>
+              <a:rPr lang="en-US" b="0" dirty="0">
+                <a:solidFill>
+                  <a:srgbClr val="000000"/>
+                </a:solidFill>
+                <a:effectLst/>
+                <a:latin typeface="Menlo" panose="020B0609030804020204" pitchFamily="49" charset="0"/>
+              </a:rPr>
+              <a:t>and then we remove the outliers</a:t>
+            </a:r>
+            <a:endParaRPr lang="en-US" dirty="0"/>
+          </a:p>
+        </p:txBody>
+      </p:sp>
+      <p:sp>
+        <p:nvSpPr>
+          <p:cNvPr id="4" name="Slide Number Placeholder 3"/>
+          <p:cNvSpPr>
+            <a:spLocks noGrp="1"/>
+          </p:cNvSpPr>
+          <p:nvPr>
+            <p:ph type="sldNum" sz="quarter" idx="5"/>
+          </p:nvPr>
+        </p:nvSpPr>
+        <p:spPr/>
+        <p:txBody>
+          <a:bodyPr/>
+          <a:lstStyle/>
+          <a:p>
+            <a:fld id="{2FC7CE96-640F-BA4E-B418-66A6111412EC}" type="slidenum">
+              <a:rPr lang="en-US" smtClean="0"/>
+              <a:t>3</a:t>
+            </a:fld>
+            <a:endParaRPr lang="en-US"/>
+          </a:p>
+        </p:txBody>
+      </p:sp>
+    </p:spTree>
+    <p:extLst>
+      <p:ext uri="{BB962C8B-B14F-4D97-AF65-F5344CB8AC3E}">
+        <p14:creationId xmlns:p14="http://schemas.microsoft.com/office/powerpoint/2010/main" val="4015524401"/>
+      </p:ext>
+    </p:extLst>
+  </p:cSld>
+  <p:clrMapOvr>
+    <a:masterClrMapping/>
+  </p:clrMapOvr>
+</p:notes>
+</file>
+
+<file path=ppt/notesSlides/notesSlide4.xml><?xml version="1.0" encoding="utf-8"?>
+<p:notes xmlns:a="http://schemas.openxmlformats.org/drawingml/2006/main" xmlns:r="http://schemas.openxmlformats.org/officeDocument/2006/relationships" xmlns:p="http://schemas.openxmlformats.org/presentationml/2006/main">
+  <p:cSld>
+    <p:spTree>
+      <p:nvGrpSpPr>
+        <p:cNvPr id="1" name=""/>
+        <p:cNvGrpSpPr/>
+        <p:nvPr/>
+      </p:nvGrpSpPr>
+      <p:grpSpPr>
+        <a:xfrm>
+          <a:off x="0" y="0"/>
+          <a:ext cx="0" cy="0"/>
+          <a:chOff x="0" y="0"/>
+          <a:chExt cx="0" cy="0"/>
+        </a:xfrm>
+      </p:grpSpPr>
+      <p:sp>
+        <p:nvSpPr>
+          <p:cNvPr id="2" name="Slide Image Placeholder 1"/>
+          <p:cNvSpPr>
+            <a:spLocks noGrp="1" noRot="1" noChangeAspect="1"/>
+          </p:cNvSpPr>
+          <p:nvPr>
+            <p:ph type="sldImg"/>
+          </p:nvPr>
+        </p:nvSpPr>
+        <p:spPr/>
+      </p:sp>
+      <p:sp>
+        <p:nvSpPr>
+          <p:cNvPr id="3" name="Notes Placeholder 2"/>
+          <p:cNvSpPr>
+            <a:spLocks noGrp="1"/>
+          </p:cNvSpPr>
+          <p:nvPr>
+            <p:ph type="body" idx="1"/>
+          </p:nvPr>
+        </p:nvSpPr>
+        <p:spPr/>
+        <p:txBody>
+          <a:bodyPr/>
+          <a:lstStyle/>
+          <a:p>
+            <a:pPr marL="171450" indent="-171450">
+              <a:buFont typeface="Arial" panose="020B0604020202020204" pitchFamily="34" charset="0"/>
+              <a:buChar char="•"/>
+            </a:pPr>
+            <a:r>
+              <a:rPr lang="en-US" b="0" dirty="0">
+                <a:solidFill>
+                  <a:srgbClr val="000000"/>
+                </a:solidFill>
+                <a:effectLst/>
+                <a:latin typeface="Menlo" panose="020B0609030804020204" pitchFamily="49" charset="0"/>
+              </a:rPr>
+              <a:t>Two data sets were used in this project. The first '</a:t>
+            </a:r>
+            <a:r>
+              <a:rPr lang="en-US" b="0" dirty="0" err="1">
+                <a:solidFill>
+                  <a:srgbClr val="000000"/>
+                </a:solidFill>
+                <a:effectLst/>
+                <a:latin typeface="Menlo" panose="020B0609030804020204" pitchFamily="49" charset="0"/>
+              </a:rPr>
+              <a:t>Listings.csv</a:t>
+            </a:r>
+            <a:r>
+              <a:rPr lang="en-US" b="0" dirty="0">
+                <a:solidFill>
+                  <a:srgbClr val="000000"/>
+                </a:solidFill>
+                <a:effectLst/>
+                <a:latin typeface="Menlo" panose="020B0609030804020204" pitchFamily="49" charset="0"/>
+              </a:rPr>
+              <a:t>' with 39,881 rows and 75 columns was acquired through the Airbnb data explorer website [</a:t>
+            </a:r>
+            <a:r>
+              <a:rPr lang="en-US" b="0" dirty="0">
+                <a:solidFill>
+                  <a:srgbClr val="A31515"/>
+                </a:solidFill>
+                <a:effectLst/>
+                <a:latin typeface="Menlo" panose="020B0609030804020204" pitchFamily="49" charset="0"/>
+              </a:rPr>
+              <a:t>1</a:t>
+            </a:r>
+            <a:r>
+              <a:rPr lang="en-US" b="0" dirty="0">
+                <a:solidFill>
+                  <a:srgbClr val="000000"/>
+                </a:solidFill>
+                <a:effectLst/>
+                <a:latin typeface="Menlo" panose="020B0609030804020204" pitchFamily="49" charset="0"/>
+              </a:rPr>
+              <a:t>] and contains information related to all accommodations listed on the website for the quarterly data for the last 12 months (Oct 2021 - Sept 2022). </a:t>
+            </a:r>
+          </a:p>
+          <a:p>
+            <a:pPr marL="171450" indent="-171450">
+              <a:buFont typeface="Arial" panose="020B0604020202020204" pitchFamily="34" charset="0"/>
+              <a:buChar char="•"/>
+            </a:pPr>
+            <a:r>
+              <a:rPr lang="en-US" b="0" dirty="0">
+                <a:solidFill>
+                  <a:srgbClr val="000000"/>
+                </a:solidFill>
+                <a:effectLst/>
+                <a:latin typeface="Menlo" panose="020B0609030804020204" pitchFamily="49" charset="0"/>
+              </a:rPr>
+              <a:t>Another dataset was also used to add value to the modeling of our model - </a:t>
+            </a:r>
+            <a:r>
+              <a:rPr lang="en-US" b="0" dirty="0" err="1">
+                <a:solidFill>
+                  <a:srgbClr val="000000"/>
+                </a:solidFill>
+                <a:effectLst/>
+                <a:latin typeface="Menlo" panose="020B0609030804020204" pitchFamily="49" charset="0"/>
+              </a:rPr>
+              <a:t>Neighborhood_price.csv</a:t>
+            </a:r>
+            <a:r>
+              <a:rPr lang="en-US" b="0" dirty="0">
+                <a:solidFill>
+                  <a:srgbClr val="000000"/>
+                </a:solidFill>
+                <a:effectLst/>
+                <a:latin typeface="Menlo" panose="020B0609030804020204" pitchFamily="49" charset="0"/>
+              </a:rPr>
+              <a:t> - and was acquired in the data dashboard of the Street Easy website, which contains information regarding the real estate market in New York City and contains square foot prices for rentals in major its neighborhoods.</a:t>
+            </a:r>
+          </a:p>
+          <a:p>
+            <a:pPr marL="171450" indent="-171450">
+              <a:buFont typeface="Arial" panose="020B0604020202020204" pitchFamily="34" charset="0"/>
+              <a:buChar char="•"/>
+            </a:pPr>
+            <a:r>
+              <a:rPr lang="en-US" b="0" dirty="0">
+                <a:solidFill>
+                  <a:srgbClr val="000000"/>
+                </a:solidFill>
+                <a:effectLst/>
+                <a:latin typeface="Menlo" panose="020B0609030804020204" pitchFamily="49" charset="0"/>
+              </a:rPr>
+              <a:t>After cleaning the data, applying features engineering and input strategies we got a final dataset of size 23645 x 23 to training our machine learning models. </a:t>
+            </a:r>
+          </a:p>
+          <a:p>
+            <a:pPr marL="171450" indent="-171450">
+              <a:buFont typeface="Arial" panose="020B0604020202020204" pitchFamily="34" charset="0"/>
+              <a:buChar char="•"/>
+            </a:pPr>
+            <a:r>
+              <a:rPr lang="en-US" b="0" dirty="0">
+                <a:solidFill>
+                  <a:srgbClr val="000000"/>
+                </a:solidFill>
+                <a:effectLst/>
+                <a:latin typeface="Menlo" panose="020B0609030804020204" pitchFamily="49" charset="0"/>
+              </a:rPr>
+              <a:t>and then we remove the outliers</a:t>
+            </a:r>
+            <a:endParaRPr lang="en-US" dirty="0"/>
+          </a:p>
+        </p:txBody>
+      </p:sp>
+      <p:sp>
+        <p:nvSpPr>
+          <p:cNvPr id="4" name="Slide Number Placeholder 3"/>
+          <p:cNvSpPr>
+            <a:spLocks noGrp="1"/>
+          </p:cNvSpPr>
+          <p:nvPr>
+            <p:ph type="sldNum" sz="quarter" idx="5"/>
+          </p:nvPr>
+        </p:nvSpPr>
+        <p:spPr/>
+        <p:txBody>
+          <a:bodyPr/>
+          <a:lstStyle/>
+          <a:p>
+            <a:fld id="{2FC7CE96-640F-BA4E-B418-66A6111412EC}" type="slidenum">
+              <a:rPr lang="en-US" smtClean="0"/>
+              <a:t>4</a:t>
+            </a:fld>
+            <a:endParaRPr lang="en-US"/>
+          </a:p>
+        </p:txBody>
+      </p:sp>
+    </p:spTree>
+    <p:extLst>
+      <p:ext uri="{BB962C8B-B14F-4D97-AF65-F5344CB8AC3E}">
+        <p14:creationId xmlns:p14="http://schemas.microsoft.com/office/powerpoint/2010/main" val="3306800498"/>
+      </p:ext>
+    </p:extLst>
+  </p:cSld>
+  <p:clrMapOvr>
+    <a:masterClrMapping/>
+  </p:clrMapOvr>
+</p:notes>
+</file>
+
+<file path=ppt/notesSlides/notesSlide5.xml><?xml version="1.0" encoding="utf-8"?>
+<p:notes xmlns:a="http://schemas.openxmlformats.org/drawingml/2006/main" xmlns:r="http://schemas.openxmlformats.org/officeDocument/2006/relationships" xmlns:p="http://schemas.openxmlformats.org/presentationml/2006/main">
+  <p:cSld>
+    <p:spTree>
+      <p:nvGrpSpPr>
+        <p:cNvPr id="1" name=""/>
+        <p:cNvGrpSpPr/>
+        <p:nvPr/>
+      </p:nvGrpSpPr>
+      <p:grpSpPr>
+        <a:xfrm>
+          <a:off x="0" y="0"/>
+          <a:ext cx="0" cy="0"/>
+          <a:chOff x="0" y="0"/>
+          <a:chExt cx="0" cy="0"/>
+        </a:xfrm>
+      </p:grpSpPr>
+      <p:sp>
+        <p:nvSpPr>
+          <p:cNvPr id="2" name="Slide Image Placeholder 1"/>
+          <p:cNvSpPr>
+            <a:spLocks noGrp="1" noRot="1" noChangeAspect="1"/>
+          </p:cNvSpPr>
+          <p:nvPr>
+            <p:ph type="sldImg"/>
+          </p:nvPr>
+        </p:nvSpPr>
+        <p:spPr/>
+      </p:sp>
+      <p:sp>
+        <p:nvSpPr>
+          <p:cNvPr id="3" name="Notes Placeholder 2"/>
+          <p:cNvSpPr>
+            <a:spLocks noGrp="1"/>
+          </p:cNvSpPr>
+          <p:nvPr>
+            <p:ph type="body" idx="1"/>
+          </p:nvPr>
+        </p:nvSpPr>
+        <p:spPr/>
+        <p:txBody>
+          <a:bodyPr/>
+          <a:lstStyle/>
+          <a:p>
+            <a:pPr marL="171450" indent="-171450">
+              <a:buFont typeface="Arial" panose="020B0604020202020204" pitchFamily="34" charset="0"/>
+              <a:buChar char="•"/>
+            </a:pPr>
+            <a:r>
+              <a:rPr lang="en-US" b="0" dirty="0">
+                <a:solidFill>
+                  <a:srgbClr val="000000"/>
+                </a:solidFill>
+                <a:effectLst/>
+                <a:latin typeface="Menlo" panose="020B0609030804020204" pitchFamily="49" charset="0"/>
+              </a:rPr>
+              <a:t>I started the analysis by looking at how the distribution of price listings behaves in the histogram chart and we could observe that the data is skewed to the right. </a:t>
+            </a:r>
+          </a:p>
+          <a:p>
+            <a:pPr marL="171450" marR="0" lvl="0" indent="-171450" algn="l" defTabSz="914400" rtl="0" eaLnBrk="1" fontAlgn="auto" latinLnBrk="0" hangingPunct="1">
+              <a:lnSpc>
+                <a:spcPct val="100000"/>
+              </a:lnSpc>
+              <a:spcBef>
+                <a:spcPts val="0"/>
+              </a:spcBef>
+              <a:spcAft>
+                <a:spcPts val="0"/>
+              </a:spcAft>
+              <a:buClrTx/>
+              <a:buSzTx/>
+              <a:buFont typeface="Arial" panose="020B0604020202020204" pitchFamily="34" charset="0"/>
+              <a:buChar char="•"/>
+              <a:tabLst/>
+              <a:defRPr/>
+            </a:pPr>
+            <a:r>
+              <a:rPr lang="en-US" b="0" dirty="0">
+                <a:solidFill>
+                  <a:srgbClr val="000000"/>
+                </a:solidFill>
+                <a:effectLst/>
+                <a:latin typeface="Menlo" panose="020B0609030804020204" pitchFamily="49" charset="0"/>
+              </a:rPr>
+              <a:t>When this happens, it is common to apply a logarithmic transformation to the target (price) in an attempt to correct it. In our specific case, we applied this transformation and achieved a slight increase in test and training scores in most of our models.</a:t>
+            </a:r>
+          </a:p>
+          <a:p>
+            <a:pPr marL="171450" indent="-171450">
+              <a:buFont typeface="Arial" panose="020B0604020202020204" pitchFamily="34" charset="0"/>
+              <a:buChar char="•"/>
+            </a:pPr>
+            <a:endParaRPr lang="en-US" b="0" dirty="0">
+              <a:solidFill>
+                <a:srgbClr val="000000"/>
+              </a:solidFill>
+              <a:effectLst/>
+              <a:latin typeface="Menlo" panose="020B0609030804020204" pitchFamily="49" charset="0"/>
+            </a:endParaRPr>
+          </a:p>
+          <a:p>
+            <a:br>
+              <a:rPr lang="en-US" b="0" dirty="0">
+                <a:solidFill>
+                  <a:srgbClr val="000000"/>
+                </a:solidFill>
+                <a:effectLst/>
+                <a:latin typeface="Menlo" panose="020B0609030804020204" pitchFamily="49" charset="0"/>
+              </a:rPr>
+            </a:br>
+            <a:endParaRPr lang="en-US" b="0" dirty="0">
+              <a:solidFill>
+                <a:srgbClr val="000000"/>
+              </a:solidFill>
+              <a:effectLst/>
+              <a:latin typeface="Menlo" panose="020B0609030804020204" pitchFamily="49" charset="0"/>
+            </a:endParaRPr>
+          </a:p>
+          <a:p>
+            <a:endParaRPr lang="en-US" dirty="0"/>
+          </a:p>
+        </p:txBody>
+      </p:sp>
+      <p:sp>
+        <p:nvSpPr>
+          <p:cNvPr id="4" name="Slide Number Placeholder 3"/>
+          <p:cNvSpPr>
+            <a:spLocks noGrp="1"/>
+          </p:cNvSpPr>
+          <p:nvPr>
+            <p:ph type="sldNum" sz="quarter" idx="5"/>
+          </p:nvPr>
+        </p:nvSpPr>
+        <p:spPr/>
+        <p:txBody>
+          <a:bodyPr/>
+          <a:lstStyle/>
+          <a:p>
+            <a:fld id="{2FC7CE96-640F-BA4E-B418-66A6111412EC}" type="slidenum">
+              <a:rPr lang="en-US" smtClean="0"/>
+              <a:t>5</a:t>
+            </a:fld>
+            <a:endParaRPr lang="en-US"/>
+          </a:p>
+        </p:txBody>
+      </p:sp>
+    </p:spTree>
+    <p:extLst>
+      <p:ext uri="{BB962C8B-B14F-4D97-AF65-F5344CB8AC3E}">
+        <p14:creationId xmlns:p14="http://schemas.microsoft.com/office/powerpoint/2010/main" val="844654538"/>
+      </p:ext>
+    </p:extLst>
+  </p:cSld>
+  <p:clrMapOvr>
+    <a:masterClrMapping/>
+  </p:clrMapOvr>
+</p:notes>
+</file>
+
+<file path=ppt/notesSlides/notesSlide6.xml><?xml version="1.0" encoding="utf-8"?>
+<p:notes xmlns:a="http://schemas.openxmlformats.org/drawingml/2006/main" xmlns:r="http://schemas.openxmlformats.org/officeDocument/2006/relationships" xmlns:p="http://schemas.openxmlformats.org/presentationml/2006/main">
+  <p:cSld>
+    <p:spTree>
+      <p:nvGrpSpPr>
+        <p:cNvPr id="1" name=""/>
+        <p:cNvGrpSpPr/>
+        <p:nvPr/>
+      </p:nvGrpSpPr>
+      <p:grpSpPr>
+        <a:xfrm>
+          <a:off x="0" y="0"/>
+          <a:ext cx="0" cy="0"/>
+          <a:chOff x="0" y="0"/>
+          <a:chExt cx="0" cy="0"/>
+        </a:xfrm>
+      </p:grpSpPr>
+      <p:sp>
+        <p:nvSpPr>
+          <p:cNvPr id="2" name="Slide Image Placeholder 1"/>
+          <p:cNvSpPr>
+            <a:spLocks noGrp="1" noRot="1" noChangeAspect="1"/>
+          </p:cNvSpPr>
+          <p:nvPr>
+            <p:ph type="sldImg"/>
+          </p:nvPr>
+        </p:nvSpPr>
+        <p:spPr/>
+      </p:sp>
+      <p:sp>
+        <p:nvSpPr>
+          <p:cNvPr id="3" name="Notes Placeholder 2"/>
+          <p:cNvSpPr>
+            <a:spLocks noGrp="1"/>
+          </p:cNvSpPr>
+          <p:nvPr>
+            <p:ph type="body" idx="1"/>
+          </p:nvPr>
+        </p:nvSpPr>
+        <p:spPr/>
+        <p:txBody>
+          <a:bodyPr/>
+          <a:lstStyle/>
+          <a:p>
+            <a:pPr marL="171450" indent="-171450">
+              <a:buFont typeface="Arial" panose="020B0604020202020204" pitchFamily="34" charset="0"/>
+              <a:buChar char="•"/>
+            </a:pPr>
+            <a:r>
+              <a:rPr lang="en-US" dirty="0"/>
+              <a:t>those were the continuous variables more correlated to the target: </a:t>
+            </a:r>
+            <a:r>
+              <a:rPr lang="en-US" dirty="0" err="1"/>
+              <a:t>capcity_accomodate</a:t>
+            </a:r>
+            <a:r>
+              <a:rPr lang="en-US" dirty="0"/>
+              <a:t>, </a:t>
+            </a:r>
+            <a:r>
+              <a:rPr lang="en-US" dirty="0" err="1"/>
+              <a:t>bedroms</a:t>
+            </a:r>
+            <a:r>
+              <a:rPr lang="en-US" dirty="0"/>
+              <a:t>, beds, </a:t>
+            </a:r>
+            <a:r>
+              <a:rPr lang="en-US" dirty="0" err="1"/>
+              <a:t>neigborhhod</a:t>
+            </a:r>
+            <a:r>
+              <a:rPr lang="en-US" dirty="0"/>
+              <a:t> </a:t>
+            </a:r>
+            <a:r>
+              <a:rPr lang="en-US" dirty="0" err="1"/>
+              <a:t>sft</a:t>
+            </a:r>
+            <a:r>
+              <a:rPr lang="en-US" dirty="0"/>
+              <a:t> price, and </a:t>
+            </a:r>
+            <a:r>
+              <a:rPr lang="en-US" dirty="0" err="1"/>
+              <a:t>nuber</a:t>
+            </a:r>
+            <a:r>
+              <a:rPr lang="en-US" dirty="0"/>
+              <a:t> of </a:t>
+            </a:r>
+            <a:r>
+              <a:rPr lang="en-US" dirty="0" err="1"/>
+              <a:t>bathroms</a:t>
+            </a:r>
+            <a:r>
+              <a:rPr lang="en-US" dirty="0"/>
+              <a:t>;</a:t>
+            </a:r>
+          </a:p>
+          <a:p>
+            <a:pPr marL="171450" marR="0" lvl="0" indent="-171450" algn="l" defTabSz="914400" rtl="0" eaLnBrk="1" fontAlgn="auto" latinLnBrk="0" hangingPunct="1">
+              <a:lnSpc>
+                <a:spcPct val="100000"/>
+              </a:lnSpc>
+              <a:spcBef>
+                <a:spcPts val="0"/>
+              </a:spcBef>
+              <a:spcAft>
+                <a:spcPts val="0"/>
+              </a:spcAft>
+              <a:buClrTx/>
+              <a:buSzTx/>
+              <a:buFont typeface="Arial" panose="020B0604020202020204" pitchFamily="34" charset="0"/>
+              <a:buChar char="•"/>
+              <a:tabLst/>
+              <a:defRPr/>
+            </a:pPr>
+            <a:r>
+              <a:rPr lang="en-US" dirty="0"/>
+              <a:t>but these were the main features that I consider at the modeling</a:t>
+            </a:r>
+          </a:p>
+          <a:p>
+            <a:endParaRPr lang="en-US" dirty="0"/>
+          </a:p>
+          <a:p>
+            <a:endParaRPr lang="en-US" dirty="0"/>
+          </a:p>
+          <a:p>
+            <a:endParaRPr lang="en-US" dirty="0"/>
+          </a:p>
+        </p:txBody>
+      </p:sp>
+      <p:sp>
+        <p:nvSpPr>
+          <p:cNvPr id="4" name="Slide Number Placeholder 3"/>
+          <p:cNvSpPr>
+            <a:spLocks noGrp="1"/>
+          </p:cNvSpPr>
+          <p:nvPr>
+            <p:ph type="sldNum" sz="quarter" idx="5"/>
+          </p:nvPr>
+        </p:nvSpPr>
+        <p:spPr/>
+        <p:txBody>
+          <a:bodyPr/>
+          <a:lstStyle/>
+          <a:p>
+            <a:fld id="{2FC7CE96-640F-BA4E-B418-66A6111412EC}" type="slidenum">
+              <a:rPr lang="en-US" smtClean="0"/>
+              <a:t>6</a:t>
+            </a:fld>
+            <a:endParaRPr lang="en-US"/>
+          </a:p>
+        </p:txBody>
+      </p:sp>
+    </p:spTree>
+    <p:extLst>
+      <p:ext uri="{BB962C8B-B14F-4D97-AF65-F5344CB8AC3E}">
+        <p14:creationId xmlns:p14="http://schemas.microsoft.com/office/powerpoint/2010/main" val="1671362685"/>
+      </p:ext>
+    </p:extLst>
+  </p:cSld>
+  <p:clrMapOvr>
+    <a:masterClrMapping/>
+  </p:clrMapOvr>
+</p:notes>
+</file>
+
+<file path=ppt/notesSlides/notesSlide7.xml><?xml version="1.0" encoding="utf-8"?>
+<p:notes xmlns:a="http://schemas.openxmlformats.org/drawingml/2006/main" xmlns:r="http://schemas.openxmlformats.org/officeDocument/2006/relationships" xmlns:p="http://schemas.openxmlformats.org/presentationml/2006/main">
+  <p:cSld>
+    <p:spTree>
+      <p:nvGrpSpPr>
+        <p:cNvPr id="1" name=""/>
+        <p:cNvGrpSpPr/>
+        <p:nvPr/>
+      </p:nvGrpSpPr>
+      <p:grpSpPr>
+        <a:xfrm>
+          <a:off x="0" y="0"/>
+          <a:ext cx="0" cy="0"/>
+          <a:chOff x="0" y="0"/>
+          <a:chExt cx="0" cy="0"/>
+        </a:xfrm>
+      </p:grpSpPr>
+      <p:sp>
+        <p:nvSpPr>
+          <p:cNvPr id="2" name="Slide Image Placeholder 1"/>
+          <p:cNvSpPr>
+            <a:spLocks noGrp="1" noRot="1" noChangeAspect="1"/>
+          </p:cNvSpPr>
+          <p:nvPr>
+            <p:ph type="sldImg"/>
+          </p:nvPr>
+        </p:nvSpPr>
+        <p:spPr/>
+      </p:sp>
+      <p:sp>
+        <p:nvSpPr>
+          <p:cNvPr id="3" name="Notes Placeholder 2"/>
+          <p:cNvSpPr>
+            <a:spLocks noGrp="1"/>
+          </p:cNvSpPr>
+          <p:nvPr>
+            <p:ph type="body" idx="1"/>
+          </p:nvPr>
+        </p:nvSpPr>
+        <p:spPr/>
+        <p:txBody>
+          <a:bodyPr/>
+          <a:lstStyle/>
+          <a:p>
+            <a:pPr algn="l"/>
+            <a:r>
+              <a:rPr lang="en-US" b="0" i="0" dirty="0">
+                <a:solidFill>
+                  <a:srgbClr val="000000"/>
+                </a:solidFill>
+                <a:effectLst/>
+                <a:latin typeface="-apple-system"/>
+              </a:rPr>
+              <a:t>Longitude and latitude also have a relatively strong relationship with price, however we can understand that this information is already 'included' in the category variable neighborhood.</a:t>
+            </a:r>
+          </a:p>
+          <a:p>
+            <a:pPr algn="l"/>
+            <a:r>
+              <a:rPr lang="en-US" b="0" i="0" dirty="0">
+                <a:solidFill>
+                  <a:srgbClr val="000000"/>
+                </a:solidFill>
+                <a:effectLst/>
+                <a:latin typeface="-apple-system"/>
+              </a:rPr>
+              <a:t>The boxplot below shows the 10 highest priced neighborhoods in NYC and the neighborhood group they're belong to.</a:t>
+            </a:r>
+          </a:p>
+          <a:p>
+            <a:br>
+              <a:rPr lang="en-US" dirty="0"/>
+            </a:br>
+            <a:endParaRPr lang="en-US" dirty="0"/>
+          </a:p>
+        </p:txBody>
+      </p:sp>
+      <p:sp>
+        <p:nvSpPr>
+          <p:cNvPr id="4" name="Slide Number Placeholder 3"/>
+          <p:cNvSpPr>
+            <a:spLocks noGrp="1"/>
+          </p:cNvSpPr>
+          <p:nvPr>
+            <p:ph type="sldNum" sz="quarter" idx="5"/>
+          </p:nvPr>
+        </p:nvSpPr>
+        <p:spPr/>
+        <p:txBody>
+          <a:bodyPr/>
+          <a:lstStyle/>
+          <a:p>
+            <a:fld id="{2FC7CE96-640F-BA4E-B418-66A6111412EC}" type="slidenum">
+              <a:rPr lang="en-US" smtClean="0"/>
+              <a:t>7</a:t>
+            </a:fld>
+            <a:endParaRPr lang="en-US"/>
+          </a:p>
+        </p:txBody>
+      </p:sp>
+    </p:spTree>
+    <p:extLst>
+      <p:ext uri="{BB962C8B-B14F-4D97-AF65-F5344CB8AC3E}">
+        <p14:creationId xmlns:p14="http://schemas.microsoft.com/office/powerpoint/2010/main" val="527508368"/>
+      </p:ext>
+    </p:extLst>
+  </p:cSld>
+  <p:clrMapOvr>
+    <a:masterClrMapping/>
+  </p:clrMapOvr>
+</p:notes>
+</file>
+
+<file path=ppt/notesSlides/notesSlide8.xml><?xml version="1.0" encoding="utf-8"?>
+<p:notes xmlns:a="http://schemas.openxmlformats.org/drawingml/2006/main" xmlns:r="http://schemas.openxmlformats.org/officeDocument/2006/relationships" xmlns:p="http://schemas.openxmlformats.org/presentationml/2006/main">
+  <p:cSld>
+    <p:spTree>
+      <p:nvGrpSpPr>
+        <p:cNvPr id="1" name=""/>
+        <p:cNvGrpSpPr/>
+        <p:nvPr/>
+      </p:nvGrpSpPr>
+      <p:grpSpPr>
+        <a:xfrm>
+          <a:off x="0" y="0"/>
+          <a:ext cx="0" cy="0"/>
+          <a:chOff x="0" y="0"/>
+          <a:chExt cx="0" cy="0"/>
+        </a:xfrm>
+      </p:grpSpPr>
+      <p:sp>
+        <p:nvSpPr>
+          <p:cNvPr id="2" name="Slide Image Placeholder 1"/>
+          <p:cNvSpPr>
+            <a:spLocks noGrp="1" noRot="1" noChangeAspect="1"/>
+          </p:cNvSpPr>
+          <p:nvPr>
+            <p:ph type="sldImg"/>
+          </p:nvPr>
+        </p:nvSpPr>
+        <p:spPr/>
+      </p:sp>
+      <p:sp>
+        <p:nvSpPr>
+          <p:cNvPr id="3" name="Notes Placeholder 2"/>
+          <p:cNvSpPr>
+            <a:spLocks noGrp="1"/>
+          </p:cNvSpPr>
+          <p:nvPr>
+            <p:ph type="body" idx="1"/>
+          </p:nvPr>
+        </p:nvSpPr>
+        <p:spPr/>
+        <p:txBody>
+          <a:bodyPr/>
+          <a:lstStyle/>
+          <a:p>
+            <a:r>
+              <a:rPr lang="en-US" dirty="0"/>
+              <a:t>So </a:t>
+            </a:r>
+            <a:r>
+              <a:rPr lang="en-US" dirty="0" err="1"/>
+              <a:t>i</a:t>
+            </a:r>
+            <a:r>
+              <a:rPr lang="en-US" dirty="0"/>
+              <a:t> looked at the categorical variables like type accommodation showing Hotel room as the most </a:t>
+            </a:r>
+            <a:r>
+              <a:rPr lang="en-US" dirty="0" err="1"/>
+              <a:t>expesie</a:t>
+            </a:r>
+            <a:r>
+              <a:rPr lang="en-US" dirty="0"/>
+              <a:t> </a:t>
+            </a:r>
+            <a:r>
+              <a:rPr lang="en-US" dirty="0" err="1"/>
+              <a:t>amog</a:t>
+            </a:r>
+            <a:r>
+              <a:rPr lang="en-US" dirty="0"/>
+              <a:t> them follow </a:t>
+            </a:r>
+            <a:r>
+              <a:rPr lang="en-US" dirty="0" err="1"/>
+              <a:t>bu</a:t>
+            </a:r>
+            <a:r>
+              <a:rPr lang="en-US" dirty="0"/>
+              <a:t> Entire </a:t>
+            </a:r>
+            <a:r>
+              <a:rPr lang="en-US" dirty="0" err="1"/>
+              <a:t>apto</a:t>
+            </a:r>
+            <a:r>
+              <a:rPr lang="en-US" dirty="0"/>
+              <a:t> </a:t>
+            </a:r>
+          </a:p>
+          <a:p>
+            <a:r>
+              <a:rPr lang="en-US" dirty="0"/>
+              <a:t>and the bathroom. type as </a:t>
+            </a:r>
+            <a:r>
+              <a:rPr lang="en-US" dirty="0" err="1"/>
+              <a:t>privete</a:t>
+            </a:r>
+            <a:r>
+              <a:rPr lang="en-US" dirty="0"/>
+              <a:t> one with higher price</a:t>
+            </a:r>
+          </a:p>
+        </p:txBody>
+      </p:sp>
+      <p:sp>
+        <p:nvSpPr>
+          <p:cNvPr id="4" name="Slide Number Placeholder 3"/>
+          <p:cNvSpPr>
+            <a:spLocks noGrp="1"/>
+          </p:cNvSpPr>
+          <p:nvPr>
+            <p:ph type="sldNum" sz="quarter" idx="5"/>
+          </p:nvPr>
+        </p:nvSpPr>
+        <p:spPr/>
+        <p:txBody>
+          <a:bodyPr/>
+          <a:lstStyle/>
+          <a:p>
+            <a:fld id="{2FC7CE96-640F-BA4E-B418-66A6111412EC}" type="slidenum">
+              <a:rPr lang="en-US" smtClean="0"/>
+              <a:t>8</a:t>
+            </a:fld>
+            <a:endParaRPr lang="en-US"/>
+          </a:p>
+        </p:txBody>
+      </p:sp>
+    </p:spTree>
+    <p:extLst>
+      <p:ext uri="{BB962C8B-B14F-4D97-AF65-F5344CB8AC3E}">
+        <p14:creationId xmlns:p14="http://schemas.microsoft.com/office/powerpoint/2010/main" val="2987039761"/>
+      </p:ext>
+    </p:extLst>
+  </p:cSld>
+  <p:clrMapOvr>
+    <a:masterClrMapping/>
+  </p:clrMapOvr>
+</p:notes>
+</file>
+
+<file path=ppt/notesSlides/notesSlide9.xml><?xml version="1.0" encoding="utf-8"?>
+<p:notes xmlns:a="http://schemas.openxmlformats.org/drawingml/2006/main" xmlns:r="http://schemas.openxmlformats.org/officeDocument/2006/relationships" xmlns:p="http://schemas.openxmlformats.org/presentationml/2006/main">
+  <p:cSld>
+    <p:spTree>
+      <p:nvGrpSpPr>
+        <p:cNvPr id="1" name=""/>
+        <p:cNvGrpSpPr/>
+        <p:nvPr/>
+      </p:nvGrpSpPr>
+      <p:grpSpPr>
+        <a:xfrm>
+          <a:off x="0" y="0"/>
+          <a:ext cx="0" cy="0"/>
+          <a:chOff x="0" y="0"/>
+          <a:chExt cx="0" cy="0"/>
+        </a:xfrm>
+      </p:grpSpPr>
+      <p:sp>
+        <p:nvSpPr>
+          <p:cNvPr id="2" name="Slide Image Placeholder 1"/>
+          <p:cNvSpPr>
+            <a:spLocks noGrp="1" noRot="1" noChangeAspect="1"/>
+          </p:cNvSpPr>
+          <p:nvPr>
+            <p:ph type="sldImg"/>
+          </p:nvPr>
+        </p:nvSpPr>
+        <p:spPr/>
+      </p:sp>
+      <p:sp>
+        <p:nvSpPr>
+          <p:cNvPr id="3" name="Notes Placeholder 2"/>
+          <p:cNvSpPr>
+            <a:spLocks noGrp="1"/>
+          </p:cNvSpPr>
+          <p:nvPr>
+            <p:ph type="body" idx="1"/>
+          </p:nvPr>
+        </p:nvSpPr>
+        <p:spPr/>
+        <p:txBody>
+          <a:bodyPr/>
+          <a:lstStyle/>
+          <a:p>
+            <a:pPr marL="171450" indent="-171450">
+              <a:buFont typeface="Arial" panose="020B0604020202020204" pitchFamily="34" charset="0"/>
+              <a:buChar char="•"/>
+            </a:pPr>
+            <a:r>
+              <a:rPr lang="en-US" b="0" i="0" dirty="0">
+                <a:solidFill>
+                  <a:srgbClr val="000000"/>
+                </a:solidFill>
+                <a:effectLst/>
+                <a:latin typeface="-apple-system"/>
+              </a:rPr>
+              <a:t>The boxplot below shows the 10 highest priced neighborhoods in NYC and the neighborhood group they're belong to.</a:t>
+            </a:r>
+          </a:p>
+          <a:p>
+            <a:pPr marL="171450" indent="-171450">
+              <a:buFont typeface="Arial" panose="020B0604020202020204" pitchFamily="34" charset="0"/>
+              <a:buChar char="•"/>
+            </a:pPr>
+            <a:r>
+              <a:rPr lang="en-US" b="0" i="0" dirty="0">
+                <a:solidFill>
+                  <a:srgbClr val="000000"/>
+                </a:solidFill>
+                <a:effectLst/>
+                <a:latin typeface="-apple-system"/>
+              </a:rPr>
+              <a:t>Six of them belongs to </a:t>
+            </a:r>
+            <a:r>
+              <a:rPr lang="en-US" b="0" i="0" dirty="0" err="1">
+                <a:solidFill>
+                  <a:srgbClr val="000000"/>
+                </a:solidFill>
+                <a:effectLst/>
+                <a:latin typeface="-apple-system"/>
+              </a:rPr>
+              <a:t>manhathan</a:t>
+            </a:r>
+            <a:r>
+              <a:rPr lang="en-US" b="0" i="0" dirty="0">
+                <a:solidFill>
+                  <a:srgbClr val="000000"/>
+                </a:solidFill>
+                <a:effectLst/>
+                <a:latin typeface="-apple-system"/>
+              </a:rPr>
+              <a:t>;</a:t>
+            </a:r>
+            <a:endParaRPr lang="en-US" dirty="0"/>
+          </a:p>
+        </p:txBody>
+      </p:sp>
+      <p:sp>
+        <p:nvSpPr>
+          <p:cNvPr id="4" name="Slide Number Placeholder 3"/>
+          <p:cNvSpPr>
+            <a:spLocks noGrp="1"/>
+          </p:cNvSpPr>
+          <p:nvPr>
+            <p:ph type="sldNum" sz="quarter" idx="5"/>
+          </p:nvPr>
+        </p:nvSpPr>
+        <p:spPr/>
+        <p:txBody>
+          <a:bodyPr/>
+          <a:lstStyle/>
+          <a:p>
+            <a:fld id="{2FC7CE96-640F-BA4E-B418-66A6111412EC}" type="slidenum">
+              <a:rPr lang="en-US" smtClean="0"/>
+              <a:t>9</a:t>
+            </a:fld>
+            <a:endParaRPr lang="en-US"/>
+          </a:p>
+        </p:txBody>
+      </p:sp>
+    </p:spTree>
+    <p:extLst>
+      <p:ext uri="{BB962C8B-B14F-4D97-AF65-F5344CB8AC3E}">
+        <p14:creationId xmlns:p14="http://schemas.microsoft.com/office/powerpoint/2010/main" val="117274676"/>
+      </p:ext>
+    </p:extLst>
+  </p:cSld>
+  <p:clrMapOvr>
+    <a:masterClrMapping/>
+  </p:clrMapOvr>
+</p:notes>
+</file>
+
 <file path=ppt/slideLayouts/slideLayout1.xml><?xml version="1.0" encoding="utf-8"?>
 <p:sldLayout xmlns:a="http://schemas.openxmlformats.org/drawingml/2006/main" xmlns:r="http://schemas.openxmlformats.org/officeDocument/2006/relationships" xmlns:p="http://schemas.openxmlformats.org/presentationml/2006/main" showMasterSp="0" type="title" preserve="1">
   <p:cSld name="Title Slide">
@@ -8786,11 +11689,13 @@
         </p:nvSpPr>
         <p:spPr/>
         <p:txBody>
-          <a:bodyPr/>
+          <a:bodyPr>
+            <a:normAutofit/>
+          </a:bodyPr>
           <a:lstStyle/>
           <a:p>
             <a:r>
-              <a:rPr lang="en-US" dirty="0"/>
+              <a:rPr lang="en-US" sz="2000" dirty="0"/>
               <a:t>Capstone Project</a:t>
             </a:r>
           </a:p>
@@ -8811,7 +11716,7 @@
           <p:nvPr/>
         </p:nvPicPr>
         <p:blipFill>
-          <a:blip r:embed="rId2"/>
+          <a:blip r:embed="rId3"/>
           <a:stretch>
             <a:fillRect/>
           </a:stretch>
@@ -8839,6 +11744,1882 @@
 </p:sld>
 </file>
 
+<file path=ppt/slides/slide10.xml><?xml version="1.0" encoding="utf-8"?>
+<p:sld xmlns:a="http://schemas.openxmlformats.org/drawingml/2006/main" xmlns:r="http://schemas.openxmlformats.org/officeDocument/2006/relationships" xmlns:p="http://schemas.openxmlformats.org/presentationml/2006/main">
+  <p:cSld>
+    <p:spTree>
+      <p:nvGrpSpPr>
+        <p:cNvPr id="1" name=""/>
+        <p:cNvGrpSpPr/>
+        <p:nvPr/>
+      </p:nvGrpSpPr>
+      <p:grpSpPr>
+        <a:xfrm>
+          <a:off x="0" y="0"/>
+          <a:ext cx="0" cy="0"/>
+          <a:chOff x="0" y="0"/>
+          <a:chExt cx="0" cy="0"/>
+        </a:xfrm>
+      </p:grpSpPr>
+      <p:sp>
+        <p:nvSpPr>
+          <p:cNvPr id="2" name="Title 1">
+            <a:extLst>
+              <a:ext uri="{FF2B5EF4-FFF2-40B4-BE49-F238E27FC236}">
+                <a16:creationId xmlns:a16="http://schemas.microsoft.com/office/drawing/2014/main" id="{DC1C6C97-D9F6-95D4-541A-AB97EAF55F22}"/>
+              </a:ext>
+            </a:extLst>
+          </p:cNvPr>
+          <p:cNvSpPr>
+            <a:spLocks noGrp="1"/>
+          </p:cNvSpPr>
+          <p:nvPr>
+            <p:ph type="title"/>
+          </p:nvPr>
+        </p:nvSpPr>
+        <p:spPr/>
+        <p:txBody>
+          <a:bodyPr/>
+          <a:lstStyle/>
+          <a:p>
+            <a:r>
+              <a:rPr lang="en-US" dirty="0"/>
+              <a:t>Models Evaluation</a:t>
+            </a:r>
+          </a:p>
+        </p:txBody>
+      </p:sp>
+      <p:pic>
+        <p:nvPicPr>
+          <p:cNvPr id="3" name="Picture 2">
+            <a:extLst>
+              <a:ext uri="{FF2B5EF4-FFF2-40B4-BE49-F238E27FC236}">
+                <a16:creationId xmlns:a16="http://schemas.microsoft.com/office/drawing/2014/main" id="{983B7807-9CAC-0D48-CC0A-B337D583B22F}"/>
+              </a:ext>
+            </a:extLst>
+          </p:cNvPr>
+          <p:cNvPicPr>
+            <a:picLocks noChangeAspect="1"/>
+          </p:cNvPicPr>
+          <p:nvPr/>
+        </p:nvPicPr>
+        <p:blipFill>
+          <a:blip r:embed="rId3"/>
+          <a:stretch>
+            <a:fillRect/>
+          </a:stretch>
+        </p:blipFill>
+        <p:spPr>
+          <a:xfrm>
+            <a:off x="9861100" y="386018"/>
+            <a:ext cx="2178500" cy="680782"/>
+          </a:xfrm>
+          <a:prstGeom prst="rect">
+            <a:avLst/>
+          </a:prstGeom>
+        </p:spPr>
+      </p:pic>
+      <p:pic>
+        <p:nvPicPr>
+          <p:cNvPr id="11" name="Content Placeholder 5" descr="Bar chart">
+            <a:extLst>
+              <a:ext uri="{FF2B5EF4-FFF2-40B4-BE49-F238E27FC236}">
+                <a16:creationId xmlns:a16="http://schemas.microsoft.com/office/drawing/2014/main" id="{73931BCF-7D15-4A13-2B3C-12DEEBB29A8C}"/>
+              </a:ext>
+            </a:extLst>
+          </p:cNvPr>
+          <p:cNvPicPr>
+            <a:picLocks noChangeAspect="1"/>
+          </p:cNvPicPr>
+          <p:nvPr/>
+        </p:nvPicPr>
+        <p:blipFill>
+          <a:blip r:embed="rId4">
+            <a:extLst>
+              <a:ext uri="{96DAC541-7B7A-43D3-8B79-37D633B846F1}">
+                <asvg:svgBlip xmlns:asvg="http://schemas.microsoft.com/office/drawing/2016/SVG/main" r:embed="rId5"/>
+              </a:ext>
+            </a:extLst>
+          </a:blip>
+          <a:stretch>
+            <a:fillRect/>
+          </a:stretch>
+        </p:blipFill>
+        <p:spPr>
+          <a:xfrm>
+            <a:off x="11049000" y="3164027"/>
+            <a:ext cx="770466" cy="770466"/>
+          </a:xfrm>
+          <a:prstGeom prst="rect">
+            <a:avLst/>
+          </a:prstGeom>
+        </p:spPr>
+      </p:pic>
+      <p:pic>
+        <p:nvPicPr>
+          <p:cNvPr id="13" name="Graphic 12" descr="Statistics">
+            <a:extLst>
+              <a:ext uri="{FF2B5EF4-FFF2-40B4-BE49-F238E27FC236}">
+                <a16:creationId xmlns:a16="http://schemas.microsoft.com/office/drawing/2014/main" id="{84F56A70-0472-68CC-4A21-8B534DB508BA}"/>
+              </a:ext>
+            </a:extLst>
+          </p:cNvPr>
+          <p:cNvPicPr>
+            <a:picLocks noChangeAspect="1"/>
+          </p:cNvPicPr>
+          <p:nvPr/>
+        </p:nvPicPr>
+        <p:blipFill>
+          <a:blip r:embed="rId6">
+            <a:extLst>
+              <a:ext uri="{96DAC541-7B7A-43D3-8B79-37D633B846F1}">
+                <asvg:svgBlip xmlns:asvg="http://schemas.microsoft.com/office/drawing/2016/SVG/main" r:embed="rId7"/>
+              </a:ext>
+            </a:extLst>
+          </a:blip>
+          <a:stretch>
+            <a:fillRect/>
+          </a:stretch>
+        </p:blipFill>
+        <p:spPr>
+          <a:xfrm>
+            <a:off x="10836972" y="3936014"/>
+            <a:ext cx="1128039" cy="1128039"/>
+          </a:xfrm>
+          <a:prstGeom prst="rect">
+            <a:avLst/>
+          </a:prstGeom>
+        </p:spPr>
+      </p:pic>
+      <p:pic>
+        <p:nvPicPr>
+          <p:cNvPr id="14" name="Graphic 13" descr="Research">
+            <a:extLst>
+              <a:ext uri="{FF2B5EF4-FFF2-40B4-BE49-F238E27FC236}">
+                <a16:creationId xmlns:a16="http://schemas.microsoft.com/office/drawing/2014/main" id="{5B6863EC-5FC8-C120-A2EE-96CDA04D04A1}"/>
+              </a:ext>
+            </a:extLst>
+          </p:cNvPr>
+          <p:cNvPicPr>
+            <a:picLocks noChangeAspect="1"/>
+          </p:cNvPicPr>
+          <p:nvPr/>
+        </p:nvPicPr>
+        <p:blipFill>
+          <a:blip r:embed="rId8">
+            <a:extLst>
+              <a:ext uri="{96DAC541-7B7A-43D3-8B79-37D633B846F1}">
+                <asvg:svgBlip xmlns:asvg="http://schemas.microsoft.com/office/drawing/2016/SVG/main" r:embed="rId9"/>
+              </a:ext>
+            </a:extLst>
+          </a:blip>
+          <a:stretch>
+            <a:fillRect/>
+          </a:stretch>
+        </p:blipFill>
+        <p:spPr>
+          <a:xfrm>
+            <a:off x="11049000" y="2368550"/>
+            <a:ext cx="770466" cy="770466"/>
+          </a:xfrm>
+          <a:prstGeom prst="rect">
+            <a:avLst/>
+          </a:prstGeom>
+        </p:spPr>
+      </p:pic>
+      <p:pic>
+        <p:nvPicPr>
+          <p:cNvPr id="16" name="Graphic 15" descr="Question mark">
+            <a:extLst>
+              <a:ext uri="{FF2B5EF4-FFF2-40B4-BE49-F238E27FC236}">
+                <a16:creationId xmlns:a16="http://schemas.microsoft.com/office/drawing/2014/main" id="{8C0B26A0-288B-AB53-21E5-8D0CD7E8FAC8}"/>
+              </a:ext>
+            </a:extLst>
+          </p:cNvPr>
+          <p:cNvPicPr>
+            <a:picLocks noChangeAspect="1"/>
+          </p:cNvPicPr>
+          <p:nvPr/>
+        </p:nvPicPr>
+        <p:blipFill>
+          <a:blip r:embed="rId10">
+            <a:extLst>
+              <a:ext uri="{96DAC541-7B7A-43D3-8B79-37D633B846F1}">
+                <asvg:svgBlip xmlns:asvg="http://schemas.microsoft.com/office/drawing/2016/SVG/main" r:embed="rId11"/>
+              </a:ext>
+            </a:extLst>
+          </a:blip>
+          <a:stretch>
+            <a:fillRect/>
+          </a:stretch>
+        </p:blipFill>
+        <p:spPr>
+          <a:xfrm>
+            <a:off x="10950350" y="1545167"/>
+            <a:ext cx="770466" cy="770466"/>
+          </a:xfrm>
+          <a:prstGeom prst="rect">
+            <a:avLst/>
+          </a:prstGeom>
+        </p:spPr>
+      </p:pic>
+      <p:sp>
+        <p:nvSpPr>
+          <p:cNvPr id="18" name="Content Placeholder 17">
+            <a:extLst>
+              <a:ext uri="{FF2B5EF4-FFF2-40B4-BE49-F238E27FC236}">
+                <a16:creationId xmlns:a16="http://schemas.microsoft.com/office/drawing/2014/main" id="{9BF78976-CDE6-EAF4-9038-317414D9E1E6}"/>
+              </a:ext>
+            </a:extLst>
+          </p:cNvPr>
+          <p:cNvSpPr>
+            <a:spLocks noGrp="1"/>
+          </p:cNvSpPr>
+          <p:nvPr>
+            <p:ph idx="1"/>
+          </p:nvPr>
+        </p:nvSpPr>
+        <p:spPr>
+          <a:xfrm>
+            <a:off x="677334" y="2160589"/>
+            <a:ext cx="7018866" cy="3783011"/>
+          </a:xfrm>
+        </p:spPr>
+        <p:txBody>
+          <a:bodyPr>
+            <a:normAutofit/>
+          </a:bodyPr>
+          <a:lstStyle/>
+          <a:p>
+            <a:r>
+              <a:rPr lang="en-US" b="1" dirty="0" err="1"/>
+              <a:t>Tranformers</a:t>
+            </a:r>
+            <a:r>
+              <a:rPr lang="en-US" b="1" dirty="0"/>
+              <a:t>:</a:t>
+            </a:r>
+          </a:p>
+          <a:p>
+            <a:pPr lvl="1"/>
+            <a:r>
+              <a:rPr lang="en-US" dirty="0"/>
+              <a:t>One Hot Encoded;</a:t>
+            </a:r>
+          </a:p>
+          <a:p>
+            <a:pPr lvl="1"/>
+            <a:r>
+              <a:rPr lang="en-US" dirty="0" err="1"/>
+              <a:t>Scalling</a:t>
+            </a:r>
+            <a:r>
+              <a:rPr lang="en-US" dirty="0"/>
+              <a:t>;</a:t>
+            </a:r>
+          </a:p>
+          <a:p>
+            <a:r>
+              <a:rPr lang="en-US" b="1" dirty="0"/>
+              <a:t>Models</a:t>
+            </a:r>
+            <a:r>
+              <a:rPr lang="en-US" dirty="0"/>
+              <a:t>:</a:t>
+            </a:r>
+          </a:p>
+          <a:p>
+            <a:pPr lvl="1"/>
+            <a:r>
+              <a:rPr lang="en-US" dirty="0"/>
+              <a:t>Supervised: Linear Regression / KNN</a:t>
+            </a:r>
+          </a:p>
+          <a:p>
+            <a:pPr lvl="1"/>
+            <a:r>
+              <a:rPr lang="en-US" dirty="0"/>
+              <a:t>Unsupervised: Decision Trees / </a:t>
+            </a:r>
+            <a:r>
+              <a:rPr lang="en-US" dirty="0" err="1"/>
+              <a:t>RainForest</a:t>
+            </a:r>
+            <a:r>
+              <a:rPr lang="en-US" dirty="0"/>
+              <a:t> / Neural Networks</a:t>
+            </a:r>
+          </a:p>
+          <a:p>
+            <a:r>
+              <a:rPr lang="en-US" b="1" dirty="0"/>
+              <a:t>Techniques</a:t>
+            </a:r>
+            <a:r>
+              <a:rPr lang="en-US" dirty="0"/>
+              <a:t>:</a:t>
+            </a:r>
+          </a:p>
+          <a:p>
+            <a:pPr lvl="1"/>
+            <a:r>
+              <a:rPr lang="en-US" dirty="0"/>
+              <a:t>Regularization</a:t>
+            </a:r>
+          </a:p>
+          <a:p>
+            <a:pPr lvl="1"/>
+            <a:r>
+              <a:rPr lang="en-US" dirty="0" err="1"/>
+              <a:t>Gridsearch</a:t>
+            </a:r>
+            <a:endParaRPr lang="en-US" dirty="0"/>
+          </a:p>
+        </p:txBody>
+      </p:sp>
+    </p:spTree>
+    <p:extLst>
+      <p:ext uri="{BB962C8B-B14F-4D97-AF65-F5344CB8AC3E}">
+        <p14:creationId xmlns:p14="http://schemas.microsoft.com/office/powerpoint/2010/main" val="3694490270"/>
+      </p:ext>
+    </p:extLst>
+  </p:cSld>
+  <p:clrMapOvr>
+    <a:masterClrMapping/>
+  </p:clrMapOvr>
+</p:sld>
+</file>
+
+<file path=ppt/slides/slide11.xml><?xml version="1.0" encoding="utf-8"?>
+<p:sld xmlns:a="http://schemas.openxmlformats.org/drawingml/2006/main" xmlns:r="http://schemas.openxmlformats.org/officeDocument/2006/relationships" xmlns:p="http://schemas.openxmlformats.org/presentationml/2006/main">
+  <p:cSld>
+    <p:spTree>
+      <p:nvGrpSpPr>
+        <p:cNvPr id="1" name=""/>
+        <p:cNvGrpSpPr/>
+        <p:nvPr/>
+      </p:nvGrpSpPr>
+      <p:grpSpPr>
+        <a:xfrm>
+          <a:off x="0" y="0"/>
+          <a:ext cx="0" cy="0"/>
+          <a:chOff x="0" y="0"/>
+          <a:chExt cx="0" cy="0"/>
+        </a:xfrm>
+      </p:grpSpPr>
+      <p:sp>
+        <p:nvSpPr>
+          <p:cNvPr id="2" name="Title 1">
+            <a:extLst>
+              <a:ext uri="{FF2B5EF4-FFF2-40B4-BE49-F238E27FC236}">
+                <a16:creationId xmlns:a16="http://schemas.microsoft.com/office/drawing/2014/main" id="{DC1C6C97-D9F6-95D4-541A-AB97EAF55F22}"/>
+              </a:ext>
+            </a:extLst>
+          </p:cNvPr>
+          <p:cNvSpPr>
+            <a:spLocks noGrp="1"/>
+          </p:cNvSpPr>
+          <p:nvPr>
+            <p:ph type="title"/>
+          </p:nvPr>
+        </p:nvSpPr>
+        <p:spPr/>
+        <p:txBody>
+          <a:bodyPr/>
+          <a:lstStyle/>
+          <a:p>
+            <a:r>
+              <a:rPr lang="en-US" dirty="0"/>
+              <a:t>Models Evaluation</a:t>
+            </a:r>
+          </a:p>
+        </p:txBody>
+      </p:sp>
+      <p:pic>
+        <p:nvPicPr>
+          <p:cNvPr id="12" name="Picture 11">
+            <a:extLst>
+              <a:ext uri="{FF2B5EF4-FFF2-40B4-BE49-F238E27FC236}">
+                <a16:creationId xmlns:a16="http://schemas.microsoft.com/office/drawing/2014/main" id="{1CD6A091-65E1-B37C-EA07-0E2BDE2C4D6E}"/>
+              </a:ext>
+            </a:extLst>
+          </p:cNvPr>
+          <p:cNvPicPr>
+            <a:picLocks noChangeAspect="1"/>
+          </p:cNvPicPr>
+          <p:nvPr/>
+        </p:nvPicPr>
+        <p:blipFill>
+          <a:blip r:embed="rId3"/>
+          <a:stretch>
+            <a:fillRect/>
+          </a:stretch>
+        </p:blipFill>
+        <p:spPr>
+          <a:xfrm>
+            <a:off x="1425286" y="3042412"/>
+            <a:ext cx="8068239" cy="1431257"/>
+          </a:xfrm>
+          <a:prstGeom prst="rect">
+            <a:avLst/>
+          </a:prstGeom>
+        </p:spPr>
+      </p:pic>
+      <p:pic>
+        <p:nvPicPr>
+          <p:cNvPr id="3" name="Picture 2">
+            <a:extLst>
+              <a:ext uri="{FF2B5EF4-FFF2-40B4-BE49-F238E27FC236}">
+                <a16:creationId xmlns:a16="http://schemas.microsoft.com/office/drawing/2014/main" id="{001E0B5D-6EE7-AB45-F1A2-02B13E56D2E7}"/>
+              </a:ext>
+            </a:extLst>
+          </p:cNvPr>
+          <p:cNvPicPr>
+            <a:picLocks noChangeAspect="1"/>
+          </p:cNvPicPr>
+          <p:nvPr/>
+        </p:nvPicPr>
+        <p:blipFill>
+          <a:blip r:embed="rId4"/>
+          <a:stretch>
+            <a:fillRect/>
+          </a:stretch>
+        </p:blipFill>
+        <p:spPr>
+          <a:xfrm>
+            <a:off x="9861100" y="386018"/>
+            <a:ext cx="2178500" cy="680782"/>
+          </a:xfrm>
+          <a:prstGeom prst="rect">
+            <a:avLst/>
+          </a:prstGeom>
+        </p:spPr>
+      </p:pic>
+      <p:pic>
+        <p:nvPicPr>
+          <p:cNvPr id="11" name="Content Placeholder 5" descr="Bar chart">
+            <a:extLst>
+              <a:ext uri="{FF2B5EF4-FFF2-40B4-BE49-F238E27FC236}">
+                <a16:creationId xmlns:a16="http://schemas.microsoft.com/office/drawing/2014/main" id="{7FA5840B-EC34-95A7-5B82-00B508374262}"/>
+              </a:ext>
+            </a:extLst>
+          </p:cNvPr>
+          <p:cNvPicPr>
+            <a:picLocks noChangeAspect="1"/>
+          </p:cNvPicPr>
+          <p:nvPr/>
+        </p:nvPicPr>
+        <p:blipFill>
+          <a:blip r:embed="rId5">
+            <a:extLst>
+              <a:ext uri="{96DAC541-7B7A-43D3-8B79-37D633B846F1}">
+                <asvg:svgBlip xmlns:asvg="http://schemas.microsoft.com/office/drawing/2016/SVG/main" r:embed="rId6"/>
+              </a:ext>
+            </a:extLst>
+          </a:blip>
+          <a:stretch>
+            <a:fillRect/>
+          </a:stretch>
+        </p:blipFill>
+        <p:spPr>
+          <a:xfrm>
+            <a:off x="11049000" y="3164027"/>
+            <a:ext cx="770466" cy="770466"/>
+          </a:xfrm>
+          <a:prstGeom prst="rect">
+            <a:avLst/>
+          </a:prstGeom>
+        </p:spPr>
+      </p:pic>
+      <p:pic>
+        <p:nvPicPr>
+          <p:cNvPr id="13" name="Graphic 12" descr="Statistics">
+            <a:extLst>
+              <a:ext uri="{FF2B5EF4-FFF2-40B4-BE49-F238E27FC236}">
+                <a16:creationId xmlns:a16="http://schemas.microsoft.com/office/drawing/2014/main" id="{B5C49904-4903-8408-35B7-6FFC165F4042}"/>
+              </a:ext>
+            </a:extLst>
+          </p:cNvPr>
+          <p:cNvPicPr>
+            <a:picLocks noChangeAspect="1"/>
+          </p:cNvPicPr>
+          <p:nvPr/>
+        </p:nvPicPr>
+        <p:blipFill>
+          <a:blip r:embed="rId7">
+            <a:extLst>
+              <a:ext uri="{96DAC541-7B7A-43D3-8B79-37D633B846F1}">
+                <asvg:svgBlip xmlns:asvg="http://schemas.microsoft.com/office/drawing/2016/SVG/main" r:embed="rId8"/>
+              </a:ext>
+            </a:extLst>
+          </a:blip>
+          <a:stretch>
+            <a:fillRect/>
+          </a:stretch>
+        </p:blipFill>
+        <p:spPr>
+          <a:xfrm>
+            <a:off x="10836972" y="3936014"/>
+            <a:ext cx="1128039" cy="1128039"/>
+          </a:xfrm>
+          <a:prstGeom prst="rect">
+            <a:avLst/>
+          </a:prstGeom>
+        </p:spPr>
+      </p:pic>
+      <p:pic>
+        <p:nvPicPr>
+          <p:cNvPr id="14" name="Graphic 13" descr="Research">
+            <a:extLst>
+              <a:ext uri="{FF2B5EF4-FFF2-40B4-BE49-F238E27FC236}">
+                <a16:creationId xmlns:a16="http://schemas.microsoft.com/office/drawing/2014/main" id="{11436B56-DB57-5DED-E8C1-45495861B946}"/>
+              </a:ext>
+            </a:extLst>
+          </p:cNvPr>
+          <p:cNvPicPr>
+            <a:picLocks noChangeAspect="1"/>
+          </p:cNvPicPr>
+          <p:nvPr/>
+        </p:nvPicPr>
+        <p:blipFill>
+          <a:blip r:embed="rId9">
+            <a:extLst>
+              <a:ext uri="{96DAC541-7B7A-43D3-8B79-37D633B846F1}">
+                <asvg:svgBlip xmlns:asvg="http://schemas.microsoft.com/office/drawing/2016/SVG/main" r:embed="rId10"/>
+              </a:ext>
+            </a:extLst>
+          </a:blip>
+          <a:stretch>
+            <a:fillRect/>
+          </a:stretch>
+        </p:blipFill>
+        <p:spPr>
+          <a:xfrm>
+            <a:off x="11049000" y="2368550"/>
+            <a:ext cx="770466" cy="770466"/>
+          </a:xfrm>
+          <a:prstGeom prst="rect">
+            <a:avLst/>
+          </a:prstGeom>
+        </p:spPr>
+      </p:pic>
+      <p:pic>
+        <p:nvPicPr>
+          <p:cNvPr id="16" name="Graphic 15" descr="Question mark">
+            <a:extLst>
+              <a:ext uri="{FF2B5EF4-FFF2-40B4-BE49-F238E27FC236}">
+                <a16:creationId xmlns:a16="http://schemas.microsoft.com/office/drawing/2014/main" id="{AFEE92FC-AA1B-1F88-6B23-FEFAFDEBFCB5}"/>
+              </a:ext>
+            </a:extLst>
+          </p:cNvPr>
+          <p:cNvPicPr>
+            <a:picLocks noChangeAspect="1"/>
+          </p:cNvPicPr>
+          <p:nvPr/>
+        </p:nvPicPr>
+        <p:blipFill>
+          <a:blip r:embed="rId11">
+            <a:extLst>
+              <a:ext uri="{96DAC541-7B7A-43D3-8B79-37D633B846F1}">
+                <asvg:svgBlip xmlns:asvg="http://schemas.microsoft.com/office/drawing/2016/SVG/main" r:embed="rId12"/>
+              </a:ext>
+            </a:extLst>
+          </a:blip>
+          <a:stretch>
+            <a:fillRect/>
+          </a:stretch>
+        </p:blipFill>
+        <p:spPr>
+          <a:xfrm>
+            <a:off x="10950350" y="1545167"/>
+            <a:ext cx="770466" cy="770466"/>
+          </a:xfrm>
+          <a:prstGeom prst="rect">
+            <a:avLst/>
+          </a:prstGeom>
+        </p:spPr>
+      </p:pic>
+      <p:sp>
+        <p:nvSpPr>
+          <p:cNvPr id="18" name="Content Placeholder 17">
+            <a:extLst>
+              <a:ext uri="{FF2B5EF4-FFF2-40B4-BE49-F238E27FC236}">
+                <a16:creationId xmlns:a16="http://schemas.microsoft.com/office/drawing/2014/main" id="{D4CF1FCC-DF9F-4188-C4CA-CA9365B81CAD}"/>
+              </a:ext>
+            </a:extLst>
+          </p:cNvPr>
+          <p:cNvSpPr>
+            <a:spLocks noGrp="1"/>
+          </p:cNvSpPr>
+          <p:nvPr>
+            <p:ph idx="1"/>
+          </p:nvPr>
+        </p:nvSpPr>
+        <p:spPr/>
+        <p:txBody>
+          <a:bodyPr/>
+          <a:lstStyle/>
+          <a:p>
+            <a:r>
+              <a:rPr lang="en-US" dirty="0"/>
+              <a:t>Benchmark’s Model:</a:t>
+            </a:r>
+          </a:p>
+        </p:txBody>
+      </p:sp>
+    </p:spTree>
+    <p:extLst>
+      <p:ext uri="{BB962C8B-B14F-4D97-AF65-F5344CB8AC3E}">
+        <p14:creationId xmlns:p14="http://schemas.microsoft.com/office/powerpoint/2010/main" val="1161551806"/>
+      </p:ext>
+    </p:extLst>
+  </p:cSld>
+  <p:clrMapOvr>
+    <a:masterClrMapping/>
+  </p:clrMapOvr>
+</p:sld>
+</file>
+
+<file path=ppt/slides/slide12.xml><?xml version="1.0" encoding="utf-8"?>
+<p:sld xmlns:a="http://schemas.openxmlformats.org/drawingml/2006/main" xmlns:r="http://schemas.openxmlformats.org/officeDocument/2006/relationships" xmlns:p="http://schemas.openxmlformats.org/presentationml/2006/main">
+  <p:cSld>
+    <p:spTree>
+      <p:nvGrpSpPr>
+        <p:cNvPr id="1" name=""/>
+        <p:cNvGrpSpPr/>
+        <p:nvPr/>
+      </p:nvGrpSpPr>
+      <p:grpSpPr>
+        <a:xfrm>
+          <a:off x="0" y="0"/>
+          <a:ext cx="0" cy="0"/>
+          <a:chOff x="0" y="0"/>
+          <a:chExt cx="0" cy="0"/>
+        </a:xfrm>
+      </p:grpSpPr>
+      <p:sp>
+        <p:nvSpPr>
+          <p:cNvPr id="2" name="Title 1">
+            <a:extLst>
+              <a:ext uri="{FF2B5EF4-FFF2-40B4-BE49-F238E27FC236}">
+                <a16:creationId xmlns:a16="http://schemas.microsoft.com/office/drawing/2014/main" id="{DC1C6C97-D9F6-95D4-541A-AB97EAF55F22}"/>
+              </a:ext>
+            </a:extLst>
+          </p:cNvPr>
+          <p:cNvSpPr>
+            <a:spLocks noGrp="1"/>
+          </p:cNvSpPr>
+          <p:nvPr>
+            <p:ph type="title"/>
+          </p:nvPr>
+        </p:nvSpPr>
+        <p:spPr/>
+        <p:txBody>
+          <a:bodyPr/>
+          <a:lstStyle/>
+          <a:p>
+            <a:r>
+              <a:rPr lang="en-US" dirty="0"/>
+              <a:t>Transfer Learning</a:t>
+            </a:r>
+          </a:p>
+        </p:txBody>
+      </p:sp>
+      <p:sp>
+        <p:nvSpPr>
+          <p:cNvPr id="3" name="Content Placeholder 2">
+            <a:extLst>
+              <a:ext uri="{FF2B5EF4-FFF2-40B4-BE49-F238E27FC236}">
+                <a16:creationId xmlns:a16="http://schemas.microsoft.com/office/drawing/2014/main" id="{C7B91AE8-DB84-2709-AD94-D554AAC6377A}"/>
+              </a:ext>
+            </a:extLst>
+          </p:cNvPr>
+          <p:cNvSpPr>
+            <a:spLocks noGrp="1"/>
+          </p:cNvSpPr>
+          <p:nvPr>
+            <p:ph idx="1"/>
+          </p:nvPr>
+        </p:nvSpPr>
+        <p:spPr>
+          <a:xfrm>
+            <a:off x="677334" y="1709739"/>
+            <a:ext cx="8596668" cy="957261"/>
+          </a:xfrm>
+        </p:spPr>
+        <p:txBody>
+          <a:bodyPr/>
+          <a:lstStyle/>
+          <a:p>
+            <a:r>
+              <a:rPr lang="en-US" b="1" dirty="0"/>
+              <a:t>Transfer Learning using </a:t>
+            </a:r>
+            <a:r>
+              <a:rPr lang="en-US" b="1" dirty="0" err="1"/>
+              <a:t>KMeans</a:t>
+            </a:r>
+            <a:endParaRPr lang="en-US" b="1" dirty="0"/>
+          </a:p>
+          <a:p>
+            <a:pPr lvl="1"/>
+            <a:r>
+              <a:rPr lang="en-US" dirty="0"/>
+              <a:t>k = 150, using silhouette score;</a:t>
+            </a:r>
+          </a:p>
+          <a:p>
+            <a:pPr lvl="1"/>
+            <a:endParaRPr lang="en-US" dirty="0"/>
+          </a:p>
+        </p:txBody>
+      </p:sp>
+      <p:pic>
+        <p:nvPicPr>
+          <p:cNvPr id="5" name="Content Placeholder 5">
+            <a:extLst>
+              <a:ext uri="{FF2B5EF4-FFF2-40B4-BE49-F238E27FC236}">
+                <a16:creationId xmlns:a16="http://schemas.microsoft.com/office/drawing/2014/main" id="{49418467-B78D-CCE4-CC34-E0A254F570D5}"/>
+              </a:ext>
+            </a:extLst>
+          </p:cNvPr>
+          <p:cNvPicPr>
+            <a:picLocks noChangeAspect="1"/>
+          </p:cNvPicPr>
+          <p:nvPr/>
+        </p:nvPicPr>
+        <p:blipFill>
+          <a:blip r:embed="rId3"/>
+          <a:stretch>
+            <a:fillRect/>
+          </a:stretch>
+        </p:blipFill>
+        <p:spPr>
+          <a:xfrm>
+            <a:off x="304800" y="2873993"/>
+            <a:ext cx="4751200" cy="3617120"/>
+          </a:xfrm>
+          <a:prstGeom prst="rect">
+            <a:avLst/>
+          </a:prstGeom>
+        </p:spPr>
+      </p:pic>
+      <p:pic>
+        <p:nvPicPr>
+          <p:cNvPr id="6" name="Picture 5">
+            <a:extLst>
+              <a:ext uri="{FF2B5EF4-FFF2-40B4-BE49-F238E27FC236}">
+                <a16:creationId xmlns:a16="http://schemas.microsoft.com/office/drawing/2014/main" id="{8E13AA00-9B5A-5BEA-D3BC-2FEC6E469913}"/>
+              </a:ext>
+            </a:extLst>
+          </p:cNvPr>
+          <p:cNvPicPr>
+            <a:picLocks noChangeAspect="1"/>
+          </p:cNvPicPr>
+          <p:nvPr/>
+        </p:nvPicPr>
+        <p:blipFill>
+          <a:blip r:embed="rId4"/>
+          <a:stretch>
+            <a:fillRect/>
+          </a:stretch>
+        </p:blipFill>
+        <p:spPr>
+          <a:xfrm>
+            <a:off x="4385267" y="2873992"/>
+            <a:ext cx="5318850" cy="3540919"/>
+          </a:xfrm>
+          <a:prstGeom prst="rect">
+            <a:avLst/>
+          </a:prstGeom>
+        </p:spPr>
+      </p:pic>
+      <p:pic>
+        <p:nvPicPr>
+          <p:cNvPr id="7" name="Picture 6">
+            <a:extLst>
+              <a:ext uri="{FF2B5EF4-FFF2-40B4-BE49-F238E27FC236}">
+                <a16:creationId xmlns:a16="http://schemas.microsoft.com/office/drawing/2014/main" id="{627D2BF5-3682-A841-00B0-7BAE9650FB45}"/>
+              </a:ext>
+            </a:extLst>
+          </p:cNvPr>
+          <p:cNvPicPr>
+            <a:picLocks noChangeAspect="1"/>
+          </p:cNvPicPr>
+          <p:nvPr/>
+        </p:nvPicPr>
+        <p:blipFill>
+          <a:blip r:embed="rId5"/>
+          <a:stretch>
+            <a:fillRect/>
+          </a:stretch>
+        </p:blipFill>
+        <p:spPr>
+          <a:xfrm>
+            <a:off x="9861100" y="386018"/>
+            <a:ext cx="2178500" cy="680782"/>
+          </a:xfrm>
+          <a:prstGeom prst="rect">
+            <a:avLst/>
+          </a:prstGeom>
+        </p:spPr>
+      </p:pic>
+      <p:pic>
+        <p:nvPicPr>
+          <p:cNvPr id="16" name="Content Placeholder 5" descr="Bar chart">
+            <a:extLst>
+              <a:ext uri="{FF2B5EF4-FFF2-40B4-BE49-F238E27FC236}">
+                <a16:creationId xmlns:a16="http://schemas.microsoft.com/office/drawing/2014/main" id="{850DE25B-F82A-0456-B1BA-27BE34683DB5}"/>
+              </a:ext>
+            </a:extLst>
+          </p:cNvPr>
+          <p:cNvPicPr>
+            <a:picLocks noChangeAspect="1"/>
+          </p:cNvPicPr>
+          <p:nvPr/>
+        </p:nvPicPr>
+        <p:blipFill>
+          <a:blip r:embed="rId6">
+            <a:extLst>
+              <a:ext uri="{96DAC541-7B7A-43D3-8B79-37D633B846F1}">
+                <asvg:svgBlip xmlns:asvg="http://schemas.microsoft.com/office/drawing/2016/SVG/main" r:embed="rId7"/>
+              </a:ext>
+            </a:extLst>
+          </a:blip>
+          <a:stretch>
+            <a:fillRect/>
+          </a:stretch>
+        </p:blipFill>
+        <p:spPr>
+          <a:xfrm>
+            <a:off x="10870214" y="2985241"/>
+            <a:ext cx="1128039" cy="1128039"/>
+          </a:xfrm>
+          <a:prstGeom prst="rect">
+            <a:avLst/>
+          </a:prstGeom>
+        </p:spPr>
+      </p:pic>
+      <p:pic>
+        <p:nvPicPr>
+          <p:cNvPr id="17" name="Graphic 16" descr="Statistics">
+            <a:extLst>
+              <a:ext uri="{FF2B5EF4-FFF2-40B4-BE49-F238E27FC236}">
+                <a16:creationId xmlns:a16="http://schemas.microsoft.com/office/drawing/2014/main" id="{77050EA8-E400-2B72-8AFB-1B34D73D9272}"/>
+              </a:ext>
+            </a:extLst>
+          </p:cNvPr>
+          <p:cNvPicPr>
+            <a:picLocks noChangeAspect="1"/>
+          </p:cNvPicPr>
+          <p:nvPr/>
+        </p:nvPicPr>
+        <p:blipFill>
+          <a:blip r:embed="rId8">
+            <a:extLst>
+              <a:ext uri="{96DAC541-7B7A-43D3-8B79-37D633B846F1}">
+                <asvg:svgBlip xmlns:asvg="http://schemas.microsoft.com/office/drawing/2016/SVG/main" r:embed="rId9"/>
+              </a:ext>
+            </a:extLst>
+          </a:blip>
+          <a:stretch>
+            <a:fillRect/>
+          </a:stretch>
+        </p:blipFill>
+        <p:spPr>
+          <a:xfrm>
+            <a:off x="10977235" y="4076277"/>
+            <a:ext cx="847513" cy="847513"/>
+          </a:xfrm>
+          <a:prstGeom prst="rect">
+            <a:avLst/>
+          </a:prstGeom>
+        </p:spPr>
+      </p:pic>
+      <p:pic>
+        <p:nvPicPr>
+          <p:cNvPr id="18" name="Graphic 17" descr="Research">
+            <a:extLst>
+              <a:ext uri="{FF2B5EF4-FFF2-40B4-BE49-F238E27FC236}">
+                <a16:creationId xmlns:a16="http://schemas.microsoft.com/office/drawing/2014/main" id="{386B066D-FFFA-D44C-1696-301E5D10129E}"/>
+              </a:ext>
+            </a:extLst>
+          </p:cNvPr>
+          <p:cNvPicPr>
+            <a:picLocks noChangeAspect="1"/>
+          </p:cNvPicPr>
+          <p:nvPr/>
+        </p:nvPicPr>
+        <p:blipFill>
+          <a:blip r:embed="rId10">
+            <a:extLst>
+              <a:ext uri="{96DAC541-7B7A-43D3-8B79-37D633B846F1}">
+                <asvg:svgBlip xmlns:asvg="http://schemas.microsoft.com/office/drawing/2016/SVG/main" r:embed="rId11"/>
+              </a:ext>
+            </a:extLst>
+          </a:blip>
+          <a:stretch>
+            <a:fillRect/>
+          </a:stretch>
+        </p:blipFill>
+        <p:spPr>
+          <a:xfrm>
+            <a:off x="11049000" y="2368550"/>
+            <a:ext cx="770466" cy="770466"/>
+          </a:xfrm>
+          <a:prstGeom prst="rect">
+            <a:avLst/>
+          </a:prstGeom>
+        </p:spPr>
+      </p:pic>
+      <p:pic>
+        <p:nvPicPr>
+          <p:cNvPr id="20" name="Graphic 19" descr="Question mark">
+            <a:extLst>
+              <a:ext uri="{FF2B5EF4-FFF2-40B4-BE49-F238E27FC236}">
+                <a16:creationId xmlns:a16="http://schemas.microsoft.com/office/drawing/2014/main" id="{907A40D7-B0D6-553A-3D2B-FC82C2DE4228}"/>
+              </a:ext>
+            </a:extLst>
+          </p:cNvPr>
+          <p:cNvPicPr>
+            <a:picLocks noChangeAspect="1"/>
+          </p:cNvPicPr>
+          <p:nvPr/>
+        </p:nvPicPr>
+        <p:blipFill>
+          <a:blip r:embed="rId12">
+            <a:extLst>
+              <a:ext uri="{96DAC541-7B7A-43D3-8B79-37D633B846F1}">
+                <asvg:svgBlip xmlns:asvg="http://schemas.microsoft.com/office/drawing/2016/SVG/main" r:embed="rId13"/>
+              </a:ext>
+            </a:extLst>
+          </a:blip>
+          <a:stretch>
+            <a:fillRect/>
+          </a:stretch>
+        </p:blipFill>
+        <p:spPr>
+          <a:xfrm>
+            <a:off x="10950350" y="1545167"/>
+            <a:ext cx="770466" cy="770466"/>
+          </a:xfrm>
+          <a:prstGeom prst="rect">
+            <a:avLst/>
+          </a:prstGeom>
+        </p:spPr>
+      </p:pic>
+    </p:spTree>
+    <p:extLst>
+      <p:ext uri="{BB962C8B-B14F-4D97-AF65-F5344CB8AC3E}">
+        <p14:creationId xmlns:p14="http://schemas.microsoft.com/office/powerpoint/2010/main" val="12997984"/>
+      </p:ext>
+    </p:extLst>
+  </p:cSld>
+  <p:clrMapOvr>
+    <a:masterClrMapping/>
+  </p:clrMapOvr>
+</p:sld>
+</file>
+
+<file path=ppt/slides/slide13.xml><?xml version="1.0" encoding="utf-8"?>
+<p:sld xmlns:a="http://schemas.openxmlformats.org/drawingml/2006/main" xmlns:r="http://schemas.openxmlformats.org/officeDocument/2006/relationships" xmlns:p="http://schemas.openxmlformats.org/presentationml/2006/main">
+  <p:cSld>
+    <p:spTree>
+      <p:nvGrpSpPr>
+        <p:cNvPr id="1" name=""/>
+        <p:cNvGrpSpPr/>
+        <p:nvPr/>
+      </p:nvGrpSpPr>
+      <p:grpSpPr>
+        <a:xfrm>
+          <a:off x="0" y="0"/>
+          <a:ext cx="0" cy="0"/>
+          <a:chOff x="0" y="0"/>
+          <a:chExt cx="0" cy="0"/>
+        </a:xfrm>
+      </p:grpSpPr>
+      <p:sp>
+        <p:nvSpPr>
+          <p:cNvPr id="2" name="Title 1">
+            <a:extLst>
+              <a:ext uri="{FF2B5EF4-FFF2-40B4-BE49-F238E27FC236}">
+                <a16:creationId xmlns:a16="http://schemas.microsoft.com/office/drawing/2014/main" id="{DC1C6C97-D9F6-95D4-541A-AB97EAF55F22}"/>
+              </a:ext>
+            </a:extLst>
+          </p:cNvPr>
+          <p:cNvSpPr>
+            <a:spLocks noGrp="1"/>
+          </p:cNvSpPr>
+          <p:nvPr>
+            <p:ph type="title"/>
+          </p:nvPr>
+        </p:nvSpPr>
+        <p:spPr/>
+        <p:txBody>
+          <a:bodyPr/>
+          <a:lstStyle/>
+          <a:p>
+            <a:r>
+              <a:rPr lang="en-US" dirty="0"/>
+              <a:t>Conclusions and Recommendations</a:t>
+            </a:r>
+          </a:p>
+        </p:txBody>
+      </p:sp>
+      <p:sp>
+        <p:nvSpPr>
+          <p:cNvPr id="3" name="Content Placeholder 2">
+            <a:extLst>
+              <a:ext uri="{FF2B5EF4-FFF2-40B4-BE49-F238E27FC236}">
+                <a16:creationId xmlns:a16="http://schemas.microsoft.com/office/drawing/2014/main" id="{C7B91AE8-DB84-2709-AD94-D554AAC6377A}"/>
+              </a:ext>
+            </a:extLst>
+          </p:cNvPr>
+          <p:cNvSpPr>
+            <a:spLocks noGrp="1"/>
+          </p:cNvSpPr>
+          <p:nvPr>
+            <p:ph idx="1"/>
+          </p:nvPr>
+        </p:nvSpPr>
+        <p:spPr/>
+        <p:txBody>
+          <a:bodyPr/>
+          <a:lstStyle/>
+          <a:p>
+            <a:r>
+              <a:rPr lang="en-US" b="1" dirty="0"/>
+              <a:t>Conclusions:</a:t>
+            </a:r>
+          </a:p>
+          <a:p>
+            <a:pPr lvl="1"/>
+            <a:r>
+              <a:rPr lang="en-US" b="0" i="0" dirty="0">
+                <a:solidFill>
+                  <a:srgbClr val="000000"/>
+                </a:solidFill>
+                <a:effectLst/>
+                <a:latin typeface="-apple-system"/>
+              </a:rPr>
+              <a:t>feature engineering 'amenities_count' and 'description_listing_count’ ;</a:t>
+            </a:r>
+          </a:p>
+          <a:p>
+            <a:pPr lvl="1"/>
+            <a:r>
+              <a:rPr lang="en-US" b="0" i="0" dirty="0">
+                <a:solidFill>
+                  <a:srgbClr val="000000"/>
+                </a:solidFill>
+                <a:effectLst/>
+                <a:latin typeface="-apple-system"/>
+              </a:rPr>
+              <a:t>latitude/longitude or cluster with transfer learning to replace the neighborhood;</a:t>
+            </a:r>
+          </a:p>
+          <a:p>
+            <a:pPr lvl="1"/>
+            <a:r>
+              <a:rPr lang="en-US" b="0" i="0" dirty="0">
+                <a:solidFill>
+                  <a:srgbClr val="000000"/>
+                </a:solidFill>
+                <a:effectLst/>
+                <a:latin typeface="-apple-system"/>
+              </a:rPr>
+              <a:t>some variables are more important than others in determining the accommodation' prices </a:t>
+            </a:r>
+          </a:p>
+          <a:p>
+            <a:pPr lvl="2"/>
+            <a:r>
+              <a:rPr lang="en-US" dirty="0">
+                <a:solidFill>
+                  <a:srgbClr val="000000"/>
+                </a:solidFill>
+                <a:latin typeface="-apple-system"/>
+              </a:rPr>
+              <a:t>(</a:t>
+            </a:r>
+            <a:r>
+              <a:rPr lang="en-US" b="0" i="0" dirty="0">
+                <a:solidFill>
+                  <a:srgbClr val="000000"/>
+                </a:solidFill>
+                <a:effectLst/>
+                <a:latin typeface="-apple-system"/>
+              </a:rPr>
+              <a:t>the neighborhood feature carries more weight to the target than the number of beds or baths)</a:t>
+            </a:r>
+            <a:endParaRPr lang="en-US" dirty="0">
+              <a:solidFill>
+                <a:srgbClr val="000000"/>
+              </a:solidFill>
+              <a:latin typeface="-apple-system"/>
+            </a:endParaRPr>
+          </a:p>
+          <a:p>
+            <a:pPr marL="401638" lvl="3" indent="0">
+              <a:buNone/>
+            </a:pPr>
+            <a:endParaRPr lang="en-US" sz="1600" dirty="0"/>
+          </a:p>
+        </p:txBody>
+      </p:sp>
+      <p:pic>
+        <p:nvPicPr>
+          <p:cNvPr id="5" name="Picture 4">
+            <a:extLst>
+              <a:ext uri="{FF2B5EF4-FFF2-40B4-BE49-F238E27FC236}">
+                <a16:creationId xmlns:a16="http://schemas.microsoft.com/office/drawing/2014/main" id="{24824AF7-B5CA-8128-71E8-50D84335E57E}"/>
+              </a:ext>
+            </a:extLst>
+          </p:cNvPr>
+          <p:cNvPicPr>
+            <a:picLocks noChangeAspect="1"/>
+          </p:cNvPicPr>
+          <p:nvPr/>
+        </p:nvPicPr>
+        <p:blipFill>
+          <a:blip r:embed="rId3"/>
+          <a:stretch>
+            <a:fillRect/>
+          </a:stretch>
+        </p:blipFill>
+        <p:spPr>
+          <a:xfrm>
+            <a:off x="9861100" y="386018"/>
+            <a:ext cx="2178500" cy="680782"/>
+          </a:xfrm>
+          <a:prstGeom prst="rect">
+            <a:avLst/>
+          </a:prstGeom>
+        </p:spPr>
+      </p:pic>
+      <p:pic>
+        <p:nvPicPr>
+          <p:cNvPr id="9" name="Content Placeholder 5" descr="Bar chart">
+            <a:extLst>
+              <a:ext uri="{FF2B5EF4-FFF2-40B4-BE49-F238E27FC236}">
+                <a16:creationId xmlns:a16="http://schemas.microsoft.com/office/drawing/2014/main" id="{BC8D4C27-2C88-EB55-CBBA-524532FCAC66}"/>
+              </a:ext>
+            </a:extLst>
+          </p:cNvPr>
+          <p:cNvPicPr>
+            <a:picLocks noChangeAspect="1"/>
+          </p:cNvPicPr>
+          <p:nvPr/>
+        </p:nvPicPr>
+        <p:blipFill>
+          <a:blip r:embed="rId4">
+            <a:extLst>
+              <a:ext uri="{96DAC541-7B7A-43D3-8B79-37D633B846F1}">
+                <asvg:svgBlip xmlns:asvg="http://schemas.microsoft.com/office/drawing/2016/SVG/main" r:embed="rId5"/>
+              </a:ext>
+            </a:extLst>
+          </a:blip>
+          <a:stretch>
+            <a:fillRect/>
+          </a:stretch>
+        </p:blipFill>
+        <p:spPr>
+          <a:xfrm>
+            <a:off x="11049000" y="3164027"/>
+            <a:ext cx="770466" cy="770466"/>
+          </a:xfrm>
+          <a:prstGeom prst="rect">
+            <a:avLst/>
+          </a:prstGeom>
+        </p:spPr>
+      </p:pic>
+      <p:pic>
+        <p:nvPicPr>
+          <p:cNvPr id="10" name="Graphic 9" descr="Statistics">
+            <a:extLst>
+              <a:ext uri="{FF2B5EF4-FFF2-40B4-BE49-F238E27FC236}">
+                <a16:creationId xmlns:a16="http://schemas.microsoft.com/office/drawing/2014/main" id="{369128C1-E7B6-C463-7039-3C1E73C3D795}"/>
+              </a:ext>
+            </a:extLst>
+          </p:cNvPr>
+          <p:cNvPicPr>
+            <a:picLocks noChangeAspect="1"/>
+          </p:cNvPicPr>
+          <p:nvPr/>
+        </p:nvPicPr>
+        <p:blipFill>
+          <a:blip r:embed="rId6">
+            <a:extLst>
+              <a:ext uri="{96DAC541-7B7A-43D3-8B79-37D633B846F1}">
+                <asvg:svgBlip xmlns:asvg="http://schemas.microsoft.com/office/drawing/2016/SVG/main" r:embed="rId7"/>
+              </a:ext>
+            </a:extLst>
+          </a:blip>
+          <a:stretch>
+            <a:fillRect/>
+          </a:stretch>
+        </p:blipFill>
+        <p:spPr>
+          <a:xfrm>
+            <a:off x="11015758" y="4114800"/>
+            <a:ext cx="770466" cy="770466"/>
+          </a:xfrm>
+          <a:prstGeom prst="rect">
+            <a:avLst/>
+          </a:prstGeom>
+        </p:spPr>
+      </p:pic>
+      <p:pic>
+        <p:nvPicPr>
+          <p:cNvPr id="11" name="Graphic 10" descr="Research">
+            <a:extLst>
+              <a:ext uri="{FF2B5EF4-FFF2-40B4-BE49-F238E27FC236}">
+                <a16:creationId xmlns:a16="http://schemas.microsoft.com/office/drawing/2014/main" id="{F2728BAC-1FB2-0994-BAB2-E99764A2B4AB}"/>
+              </a:ext>
+            </a:extLst>
+          </p:cNvPr>
+          <p:cNvPicPr>
+            <a:picLocks noChangeAspect="1"/>
+          </p:cNvPicPr>
+          <p:nvPr/>
+        </p:nvPicPr>
+        <p:blipFill>
+          <a:blip r:embed="rId8">
+            <a:extLst>
+              <a:ext uri="{96DAC541-7B7A-43D3-8B79-37D633B846F1}">
+                <asvg:svgBlip xmlns:asvg="http://schemas.microsoft.com/office/drawing/2016/SVG/main" r:embed="rId9"/>
+              </a:ext>
+            </a:extLst>
+          </a:blip>
+          <a:stretch>
+            <a:fillRect/>
+          </a:stretch>
+        </p:blipFill>
+        <p:spPr>
+          <a:xfrm>
+            <a:off x="11049000" y="2368550"/>
+            <a:ext cx="770466" cy="770466"/>
+          </a:xfrm>
+          <a:prstGeom prst="rect">
+            <a:avLst/>
+          </a:prstGeom>
+        </p:spPr>
+      </p:pic>
+      <p:pic>
+        <p:nvPicPr>
+          <p:cNvPr id="13" name="Graphic 12" descr="Question mark">
+            <a:extLst>
+              <a:ext uri="{FF2B5EF4-FFF2-40B4-BE49-F238E27FC236}">
+                <a16:creationId xmlns:a16="http://schemas.microsoft.com/office/drawing/2014/main" id="{7B8583A9-EE46-33D4-399B-81B81B6BE81B}"/>
+              </a:ext>
+            </a:extLst>
+          </p:cNvPr>
+          <p:cNvPicPr>
+            <a:picLocks noChangeAspect="1"/>
+          </p:cNvPicPr>
+          <p:nvPr/>
+        </p:nvPicPr>
+        <p:blipFill>
+          <a:blip r:embed="rId10">
+            <a:extLst>
+              <a:ext uri="{96DAC541-7B7A-43D3-8B79-37D633B846F1}">
+                <asvg:svgBlip xmlns:asvg="http://schemas.microsoft.com/office/drawing/2016/SVG/main" r:embed="rId11"/>
+              </a:ext>
+            </a:extLst>
+          </a:blip>
+          <a:stretch>
+            <a:fillRect/>
+          </a:stretch>
+        </p:blipFill>
+        <p:spPr>
+          <a:xfrm>
+            <a:off x="10771564" y="1366381"/>
+            <a:ext cx="1128039" cy="1128039"/>
+          </a:xfrm>
+          <a:prstGeom prst="rect">
+            <a:avLst/>
+          </a:prstGeom>
+        </p:spPr>
+      </p:pic>
+    </p:spTree>
+    <p:extLst>
+      <p:ext uri="{BB962C8B-B14F-4D97-AF65-F5344CB8AC3E}">
+        <p14:creationId xmlns:p14="http://schemas.microsoft.com/office/powerpoint/2010/main" val="2917808406"/>
+      </p:ext>
+    </p:extLst>
+  </p:cSld>
+  <p:clrMapOvr>
+    <a:masterClrMapping/>
+  </p:clrMapOvr>
+</p:sld>
+</file>
+
+<file path=ppt/slides/slide14.xml><?xml version="1.0" encoding="utf-8"?>
+<p:sld xmlns:a="http://schemas.openxmlformats.org/drawingml/2006/main" xmlns:r="http://schemas.openxmlformats.org/officeDocument/2006/relationships" xmlns:p="http://schemas.openxmlformats.org/presentationml/2006/main">
+  <p:cSld>
+    <p:spTree>
+      <p:nvGrpSpPr>
+        <p:cNvPr id="1" name=""/>
+        <p:cNvGrpSpPr/>
+        <p:nvPr/>
+      </p:nvGrpSpPr>
+      <p:grpSpPr>
+        <a:xfrm>
+          <a:off x="0" y="0"/>
+          <a:ext cx="0" cy="0"/>
+          <a:chOff x="0" y="0"/>
+          <a:chExt cx="0" cy="0"/>
+        </a:xfrm>
+      </p:grpSpPr>
+      <p:sp>
+        <p:nvSpPr>
+          <p:cNvPr id="2" name="Title 1">
+            <a:extLst>
+              <a:ext uri="{FF2B5EF4-FFF2-40B4-BE49-F238E27FC236}">
+                <a16:creationId xmlns:a16="http://schemas.microsoft.com/office/drawing/2014/main" id="{DC1C6C97-D9F6-95D4-541A-AB97EAF55F22}"/>
+              </a:ext>
+            </a:extLst>
+          </p:cNvPr>
+          <p:cNvSpPr>
+            <a:spLocks noGrp="1"/>
+          </p:cNvSpPr>
+          <p:nvPr>
+            <p:ph type="title"/>
+          </p:nvPr>
+        </p:nvSpPr>
+        <p:spPr/>
+        <p:txBody>
+          <a:bodyPr/>
+          <a:lstStyle/>
+          <a:p>
+            <a:r>
+              <a:rPr lang="en-US" dirty="0"/>
+              <a:t>Conclusions and Recommendations</a:t>
+            </a:r>
+          </a:p>
+        </p:txBody>
+      </p:sp>
+      <p:sp>
+        <p:nvSpPr>
+          <p:cNvPr id="3" name="Content Placeholder 2">
+            <a:extLst>
+              <a:ext uri="{FF2B5EF4-FFF2-40B4-BE49-F238E27FC236}">
+                <a16:creationId xmlns:a16="http://schemas.microsoft.com/office/drawing/2014/main" id="{C7B91AE8-DB84-2709-AD94-D554AAC6377A}"/>
+              </a:ext>
+            </a:extLst>
+          </p:cNvPr>
+          <p:cNvSpPr>
+            <a:spLocks noGrp="1"/>
+          </p:cNvSpPr>
+          <p:nvPr>
+            <p:ph idx="1"/>
+          </p:nvPr>
+        </p:nvSpPr>
+        <p:spPr/>
+        <p:txBody>
+          <a:bodyPr/>
+          <a:lstStyle/>
+          <a:p>
+            <a:pPr marL="352425" lvl="2" indent="-352425"/>
+            <a:r>
+              <a:rPr lang="en-US" sz="1800" b="1" dirty="0"/>
+              <a:t>Recommendations:</a:t>
+            </a:r>
+            <a:endParaRPr lang="en-US" sz="1800" b="1" dirty="0">
+              <a:solidFill>
+                <a:srgbClr val="000000"/>
+              </a:solidFill>
+              <a:latin typeface="-apple-system"/>
+            </a:endParaRPr>
+          </a:p>
+          <a:p>
+            <a:pPr marL="754063" lvl="3" indent="-352425"/>
+            <a:r>
+              <a:rPr lang="en-US" sz="1600" b="0" i="0" dirty="0">
+                <a:solidFill>
+                  <a:srgbClr val="000000"/>
+                </a:solidFill>
+                <a:effectLst/>
+                <a:latin typeface="-apple-system"/>
+              </a:rPr>
+              <a:t>Between 5 groups of neighborhood Manthan has so far the higher If you living in </a:t>
+            </a:r>
+            <a:r>
+              <a:rPr lang="en-US" sz="1600" b="0" i="0" dirty="0" err="1">
+                <a:solidFill>
+                  <a:srgbClr val="000000"/>
+                </a:solidFill>
+                <a:effectLst/>
+                <a:latin typeface="-apple-system"/>
+              </a:rPr>
+              <a:t>Manhathan</a:t>
+            </a:r>
+            <a:endParaRPr lang="en-US" sz="1600" b="0" i="0" dirty="0">
+              <a:solidFill>
+                <a:srgbClr val="000000"/>
+              </a:solidFill>
+              <a:effectLst/>
+              <a:latin typeface="-apple-system"/>
+            </a:endParaRPr>
+          </a:p>
+          <a:p>
+            <a:pPr marL="754063" lvl="3" indent="-352425"/>
+            <a:r>
+              <a:rPr lang="en-US" sz="1600" b="0" i="0" dirty="0">
+                <a:solidFill>
+                  <a:srgbClr val="000000"/>
+                </a:solidFill>
+                <a:effectLst/>
+                <a:latin typeface="-apple-system"/>
+              </a:rPr>
+              <a:t> more efficient increase the capacity of accommodate people than necessarily adding a room;</a:t>
+            </a:r>
+          </a:p>
+          <a:p>
+            <a:pPr marL="754063" lvl="3" indent="-352425"/>
+            <a:endParaRPr lang="en-US" sz="1600" dirty="0"/>
+          </a:p>
+        </p:txBody>
+      </p:sp>
+      <p:pic>
+        <p:nvPicPr>
+          <p:cNvPr id="5" name="Picture 4">
+            <a:extLst>
+              <a:ext uri="{FF2B5EF4-FFF2-40B4-BE49-F238E27FC236}">
+                <a16:creationId xmlns:a16="http://schemas.microsoft.com/office/drawing/2014/main" id="{24824AF7-B5CA-8128-71E8-50D84335E57E}"/>
+              </a:ext>
+            </a:extLst>
+          </p:cNvPr>
+          <p:cNvPicPr>
+            <a:picLocks noChangeAspect="1"/>
+          </p:cNvPicPr>
+          <p:nvPr/>
+        </p:nvPicPr>
+        <p:blipFill>
+          <a:blip r:embed="rId3"/>
+          <a:stretch>
+            <a:fillRect/>
+          </a:stretch>
+        </p:blipFill>
+        <p:spPr>
+          <a:xfrm>
+            <a:off x="9861100" y="386018"/>
+            <a:ext cx="2178500" cy="680782"/>
+          </a:xfrm>
+          <a:prstGeom prst="rect">
+            <a:avLst/>
+          </a:prstGeom>
+        </p:spPr>
+      </p:pic>
+      <p:pic>
+        <p:nvPicPr>
+          <p:cNvPr id="4" name="Content Placeholder 5" descr="Bar chart">
+            <a:extLst>
+              <a:ext uri="{FF2B5EF4-FFF2-40B4-BE49-F238E27FC236}">
+                <a16:creationId xmlns:a16="http://schemas.microsoft.com/office/drawing/2014/main" id="{2375AEA2-C0EE-1ECF-3BB0-9EBA0404E86A}"/>
+              </a:ext>
+            </a:extLst>
+          </p:cNvPr>
+          <p:cNvPicPr>
+            <a:picLocks noChangeAspect="1"/>
+          </p:cNvPicPr>
+          <p:nvPr/>
+        </p:nvPicPr>
+        <p:blipFill>
+          <a:blip r:embed="rId4">
+            <a:extLst>
+              <a:ext uri="{96DAC541-7B7A-43D3-8B79-37D633B846F1}">
+                <asvg:svgBlip xmlns:asvg="http://schemas.microsoft.com/office/drawing/2016/SVG/main" r:embed="rId5"/>
+              </a:ext>
+            </a:extLst>
+          </a:blip>
+          <a:stretch>
+            <a:fillRect/>
+          </a:stretch>
+        </p:blipFill>
+        <p:spPr>
+          <a:xfrm>
+            <a:off x="11049000" y="3164027"/>
+            <a:ext cx="770466" cy="770466"/>
+          </a:xfrm>
+          <a:prstGeom prst="rect">
+            <a:avLst/>
+          </a:prstGeom>
+        </p:spPr>
+      </p:pic>
+      <p:pic>
+        <p:nvPicPr>
+          <p:cNvPr id="6" name="Graphic 5" descr="Statistics">
+            <a:extLst>
+              <a:ext uri="{FF2B5EF4-FFF2-40B4-BE49-F238E27FC236}">
+                <a16:creationId xmlns:a16="http://schemas.microsoft.com/office/drawing/2014/main" id="{02BA8BDC-527A-50E5-3F8E-59BD958A8F43}"/>
+              </a:ext>
+            </a:extLst>
+          </p:cNvPr>
+          <p:cNvPicPr>
+            <a:picLocks noChangeAspect="1"/>
+          </p:cNvPicPr>
+          <p:nvPr/>
+        </p:nvPicPr>
+        <p:blipFill>
+          <a:blip r:embed="rId6">
+            <a:extLst>
+              <a:ext uri="{96DAC541-7B7A-43D3-8B79-37D633B846F1}">
+                <asvg:svgBlip xmlns:asvg="http://schemas.microsoft.com/office/drawing/2016/SVG/main" r:embed="rId7"/>
+              </a:ext>
+            </a:extLst>
+          </a:blip>
+          <a:stretch>
+            <a:fillRect/>
+          </a:stretch>
+        </p:blipFill>
+        <p:spPr>
+          <a:xfrm>
+            <a:off x="11015758" y="4114800"/>
+            <a:ext cx="770466" cy="770466"/>
+          </a:xfrm>
+          <a:prstGeom prst="rect">
+            <a:avLst/>
+          </a:prstGeom>
+        </p:spPr>
+      </p:pic>
+      <p:pic>
+        <p:nvPicPr>
+          <p:cNvPr id="7" name="Graphic 6" descr="Research">
+            <a:extLst>
+              <a:ext uri="{FF2B5EF4-FFF2-40B4-BE49-F238E27FC236}">
+                <a16:creationId xmlns:a16="http://schemas.microsoft.com/office/drawing/2014/main" id="{2999125A-511E-1314-DAC1-8B1313537048}"/>
+              </a:ext>
+            </a:extLst>
+          </p:cNvPr>
+          <p:cNvPicPr>
+            <a:picLocks noChangeAspect="1"/>
+          </p:cNvPicPr>
+          <p:nvPr/>
+        </p:nvPicPr>
+        <p:blipFill>
+          <a:blip r:embed="rId8">
+            <a:extLst>
+              <a:ext uri="{96DAC541-7B7A-43D3-8B79-37D633B846F1}">
+                <asvg:svgBlip xmlns:asvg="http://schemas.microsoft.com/office/drawing/2016/SVG/main" r:embed="rId9"/>
+              </a:ext>
+            </a:extLst>
+          </a:blip>
+          <a:stretch>
+            <a:fillRect/>
+          </a:stretch>
+        </p:blipFill>
+        <p:spPr>
+          <a:xfrm>
+            <a:off x="11049000" y="2368550"/>
+            <a:ext cx="770466" cy="770466"/>
+          </a:xfrm>
+          <a:prstGeom prst="rect">
+            <a:avLst/>
+          </a:prstGeom>
+        </p:spPr>
+      </p:pic>
+      <p:pic>
+        <p:nvPicPr>
+          <p:cNvPr id="8" name="Graphic 7" descr="Question mark">
+            <a:extLst>
+              <a:ext uri="{FF2B5EF4-FFF2-40B4-BE49-F238E27FC236}">
+                <a16:creationId xmlns:a16="http://schemas.microsoft.com/office/drawing/2014/main" id="{43A6B19A-D0A5-89FF-E16E-C07A345925BD}"/>
+              </a:ext>
+            </a:extLst>
+          </p:cNvPr>
+          <p:cNvPicPr>
+            <a:picLocks noChangeAspect="1"/>
+          </p:cNvPicPr>
+          <p:nvPr/>
+        </p:nvPicPr>
+        <p:blipFill>
+          <a:blip r:embed="rId10">
+            <a:extLst>
+              <a:ext uri="{96DAC541-7B7A-43D3-8B79-37D633B846F1}">
+                <asvg:svgBlip xmlns:asvg="http://schemas.microsoft.com/office/drawing/2016/SVG/main" r:embed="rId11"/>
+              </a:ext>
+            </a:extLst>
+          </a:blip>
+          <a:stretch>
+            <a:fillRect/>
+          </a:stretch>
+        </p:blipFill>
+        <p:spPr>
+          <a:xfrm>
+            <a:off x="10771564" y="1366381"/>
+            <a:ext cx="1128039" cy="1128039"/>
+          </a:xfrm>
+          <a:prstGeom prst="rect">
+            <a:avLst/>
+          </a:prstGeom>
+        </p:spPr>
+      </p:pic>
+    </p:spTree>
+    <p:extLst>
+      <p:ext uri="{BB962C8B-B14F-4D97-AF65-F5344CB8AC3E}">
+        <p14:creationId xmlns:p14="http://schemas.microsoft.com/office/powerpoint/2010/main" val="114788411"/>
+      </p:ext>
+    </p:extLst>
+  </p:cSld>
+  <p:clrMapOvr>
+    <a:masterClrMapping/>
+  </p:clrMapOvr>
+</p:sld>
+</file>
+
+<file path=ppt/slides/slide15.xml><?xml version="1.0" encoding="utf-8"?>
+<p:sld xmlns:a="http://schemas.openxmlformats.org/drawingml/2006/main" xmlns:r="http://schemas.openxmlformats.org/officeDocument/2006/relationships" xmlns:p="http://schemas.openxmlformats.org/presentationml/2006/main">
+  <p:cSld>
+    <p:spTree>
+      <p:nvGrpSpPr>
+        <p:cNvPr id="1" name=""/>
+        <p:cNvGrpSpPr/>
+        <p:nvPr/>
+      </p:nvGrpSpPr>
+      <p:grpSpPr>
+        <a:xfrm>
+          <a:off x="0" y="0"/>
+          <a:ext cx="0" cy="0"/>
+          <a:chOff x="0" y="0"/>
+          <a:chExt cx="0" cy="0"/>
+        </a:xfrm>
+      </p:grpSpPr>
+      <p:sp>
+        <p:nvSpPr>
+          <p:cNvPr id="2" name="Title 1">
+            <a:extLst>
+              <a:ext uri="{FF2B5EF4-FFF2-40B4-BE49-F238E27FC236}">
+                <a16:creationId xmlns:a16="http://schemas.microsoft.com/office/drawing/2014/main" id="{DC1C6C97-D9F6-95D4-541A-AB97EAF55F22}"/>
+              </a:ext>
+            </a:extLst>
+          </p:cNvPr>
+          <p:cNvSpPr>
+            <a:spLocks noGrp="1"/>
+          </p:cNvSpPr>
+          <p:nvPr>
+            <p:ph type="title"/>
+          </p:nvPr>
+        </p:nvSpPr>
+        <p:spPr/>
+        <p:txBody>
+          <a:bodyPr/>
+          <a:lstStyle/>
+          <a:p>
+            <a:r>
+              <a:rPr lang="en-US" dirty="0"/>
+              <a:t>Airbnb App</a:t>
+            </a:r>
+          </a:p>
+        </p:txBody>
+      </p:sp>
+      <p:sp>
+        <p:nvSpPr>
+          <p:cNvPr id="3" name="Content Placeholder 2">
+            <a:extLst>
+              <a:ext uri="{FF2B5EF4-FFF2-40B4-BE49-F238E27FC236}">
+                <a16:creationId xmlns:a16="http://schemas.microsoft.com/office/drawing/2014/main" id="{C7B91AE8-DB84-2709-AD94-D554AAC6377A}"/>
+              </a:ext>
+            </a:extLst>
+          </p:cNvPr>
+          <p:cNvSpPr>
+            <a:spLocks noGrp="1"/>
+          </p:cNvSpPr>
+          <p:nvPr>
+            <p:ph idx="1"/>
+          </p:nvPr>
+        </p:nvSpPr>
+        <p:spPr/>
+        <p:txBody>
+          <a:bodyPr/>
+          <a:lstStyle/>
+          <a:p>
+            <a:r>
+              <a:rPr lang="en-US" dirty="0"/>
+              <a:t>App to explorer Airbnb Listing Data and Predicting Prices:   </a:t>
+            </a:r>
+          </a:p>
+          <a:p>
+            <a:pPr lvl="1"/>
+            <a:r>
+              <a:rPr lang="en-US" dirty="0">
+                <a:hlinkClick r:id="rId2"/>
+              </a:rPr>
+              <a:t>Airbnb Explorer App</a:t>
+            </a:r>
+            <a:endParaRPr lang="en-US" dirty="0"/>
+          </a:p>
+        </p:txBody>
+      </p:sp>
+      <p:pic>
+        <p:nvPicPr>
+          <p:cNvPr id="6" name="Picture 5">
+            <a:extLst>
+              <a:ext uri="{FF2B5EF4-FFF2-40B4-BE49-F238E27FC236}">
+                <a16:creationId xmlns:a16="http://schemas.microsoft.com/office/drawing/2014/main" id="{5AD3705D-1B64-E6B3-8BAD-D6607EAF1197}"/>
+              </a:ext>
+            </a:extLst>
+          </p:cNvPr>
+          <p:cNvPicPr>
+            <a:picLocks noChangeAspect="1"/>
+          </p:cNvPicPr>
+          <p:nvPr/>
+        </p:nvPicPr>
+        <p:blipFill>
+          <a:blip r:embed="rId3"/>
+          <a:stretch>
+            <a:fillRect/>
+          </a:stretch>
+        </p:blipFill>
+        <p:spPr>
+          <a:xfrm>
+            <a:off x="1981200" y="3240662"/>
+            <a:ext cx="6340011" cy="3007738"/>
+          </a:xfrm>
+          <a:prstGeom prst="rect">
+            <a:avLst/>
+          </a:prstGeom>
+        </p:spPr>
+      </p:pic>
+      <p:pic>
+        <p:nvPicPr>
+          <p:cNvPr id="7" name="Picture 6">
+            <a:extLst>
+              <a:ext uri="{FF2B5EF4-FFF2-40B4-BE49-F238E27FC236}">
+                <a16:creationId xmlns:a16="http://schemas.microsoft.com/office/drawing/2014/main" id="{24F7AB9A-A8CF-D263-EA79-77AC0B542644}"/>
+              </a:ext>
+            </a:extLst>
+          </p:cNvPr>
+          <p:cNvPicPr>
+            <a:picLocks noChangeAspect="1"/>
+          </p:cNvPicPr>
+          <p:nvPr/>
+        </p:nvPicPr>
+        <p:blipFill>
+          <a:blip r:embed="rId4"/>
+          <a:stretch>
+            <a:fillRect/>
+          </a:stretch>
+        </p:blipFill>
+        <p:spPr>
+          <a:xfrm>
+            <a:off x="9861100" y="386018"/>
+            <a:ext cx="2178500" cy="680782"/>
+          </a:xfrm>
+          <a:prstGeom prst="rect">
+            <a:avLst/>
+          </a:prstGeom>
+        </p:spPr>
+      </p:pic>
+    </p:spTree>
+    <p:extLst>
+      <p:ext uri="{BB962C8B-B14F-4D97-AF65-F5344CB8AC3E}">
+        <p14:creationId xmlns:p14="http://schemas.microsoft.com/office/powerpoint/2010/main" val="171714068"/>
+      </p:ext>
+    </p:extLst>
+  </p:cSld>
+  <p:clrMapOvr>
+    <a:masterClrMapping/>
+  </p:clrMapOvr>
+</p:sld>
+</file>
+
+<file path=ppt/slides/slide16.xml><?xml version="1.0" encoding="utf-8"?>
+<p:sld xmlns:a="http://schemas.openxmlformats.org/drawingml/2006/main" xmlns:r="http://schemas.openxmlformats.org/officeDocument/2006/relationships" xmlns:p="http://schemas.openxmlformats.org/presentationml/2006/main">
+  <p:cSld>
+    <p:spTree>
+      <p:nvGrpSpPr>
+        <p:cNvPr id="1" name=""/>
+        <p:cNvGrpSpPr/>
+        <p:nvPr/>
+      </p:nvGrpSpPr>
+      <p:grpSpPr>
+        <a:xfrm>
+          <a:off x="0" y="0"/>
+          <a:ext cx="0" cy="0"/>
+          <a:chOff x="0" y="0"/>
+          <a:chExt cx="0" cy="0"/>
+        </a:xfrm>
+      </p:grpSpPr>
+      <p:sp>
+        <p:nvSpPr>
+          <p:cNvPr id="2" name="Title 1">
+            <a:extLst>
+              <a:ext uri="{FF2B5EF4-FFF2-40B4-BE49-F238E27FC236}">
+                <a16:creationId xmlns:a16="http://schemas.microsoft.com/office/drawing/2014/main" id="{DC1C6C97-D9F6-95D4-541A-AB97EAF55F22}"/>
+              </a:ext>
+            </a:extLst>
+          </p:cNvPr>
+          <p:cNvSpPr>
+            <a:spLocks noGrp="1"/>
+          </p:cNvSpPr>
+          <p:nvPr>
+            <p:ph type="title"/>
+          </p:nvPr>
+        </p:nvSpPr>
+        <p:spPr>
+          <a:xfrm>
+            <a:off x="2971800" y="2933700"/>
+            <a:ext cx="5562600" cy="990600"/>
+          </a:xfrm>
+        </p:spPr>
+        <p:txBody>
+          <a:bodyPr>
+            <a:noAutofit/>
+          </a:bodyPr>
+          <a:lstStyle/>
+          <a:p>
+            <a:pPr algn="ctr"/>
+            <a:r>
+              <a:rPr lang="en-US" sz="5400" dirty="0"/>
+              <a:t>Thank You!</a:t>
+            </a:r>
+          </a:p>
+        </p:txBody>
+      </p:sp>
+      <p:pic>
+        <p:nvPicPr>
+          <p:cNvPr id="5" name="Picture 4">
+            <a:extLst>
+              <a:ext uri="{FF2B5EF4-FFF2-40B4-BE49-F238E27FC236}">
+                <a16:creationId xmlns:a16="http://schemas.microsoft.com/office/drawing/2014/main" id="{4A3A8805-9717-DE71-242D-F01419E41207}"/>
+              </a:ext>
+            </a:extLst>
+          </p:cNvPr>
+          <p:cNvPicPr>
+            <a:picLocks noChangeAspect="1"/>
+          </p:cNvPicPr>
+          <p:nvPr/>
+        </p:nvPicPr>
+        <p:blipFill>
+          <a:blip r:embed="rId2"/>
+          <a:stretch>
+            <a:fillRect/>
+          </a:stretch>
+        </p:blipFill>
+        <p:spPr>
+          <a:xfrm>
+            <a:off x="9861100" y="386018"/>
+            <a:ext cx="2178500" cy="680782"/>
+          </a:xfrm>
+          <a:prstGeom prst="rect">
+            <a:avLst/>
+          </a:prstGeom>
+        </p:spPr>
+      </p:pic>
+    </p:spTree>
+    <p:extLst>
+      <p:ext uri="{BB962C8B-B14F-4D97-AF65-F5344CB8AC3E}">
+        <p14:creationId xmlns:p14="http://schemas.microsoft.com/office/powerpoint/2010/main" val="269692042"/>
+      </p:ext>
+    </p:extLst>
+  </p:cSld>
+  <p:clrMapOvr>
+    <a:masterClrMapping/>
+  </p:clrMapOvr>
+</p:sld>
+</file>
+
 <file path=ppt/slides/slide2.xml><?xml version="1.0" encoding="utf-8"?>
 <p:sld xmlns:a="http://schemas.openxmlformats.org/drawingml/2006/main" xmlns:r="http://schemas.openxmlformats.org/officeDocument/2006/relationships" xmlns:p="http://schemas.openxmlformats.org/presentationml/2006/main">
   <p:cSld>
@@ -8870,8 +13651,8 @@
         </p:nvSpPr>
         <p:spPr>
           <a:xfrm>
-            <a:off x="4371972" y="2882900"/>
-            <a:ext cx="1741714" cy="1765300"/>
+            <a:off x="4721419" y="3965990"/>
+            <a:ext cx="1414282" cy="1433434"/>
           </a:xfrm>
           <a:prstGeom prst="ellipse">
             <a:avLst/>
@@ -8881,8 +13662,8 @@
           <a:lnRef idx="1">
             <a:schemeClr val="accent3"/>
           </a:lnRef>
-          <a:fillRef idx="2">
-            <a:schemeClr val="accent3"/>
+          <a:fillRef idx="1003">
+            <a:schemeClr val="lt1"/>
           </a:fillRef>
           <a:effectRef idx="1">
             <a:schemeClr val="accent3"/>
@@ -8914,8 +13695,8 @@
         </p:nvSpPr>
         <p:spPr>
           <a:xfrm>
-            <a:off x="7193248" y="2907393"/>
-            <a:ext cx="1741714" cy="1765300"/>
+            <a:off x="7239000" y="3990483"/>
+            <a:ext cx="1414282" cy="1433434"/>
           </a:xfrm>
           <a:prstGeom prst="ellipse">
             <a:avLst/>
@@ -8925,8 +13706,8 @@
           <a:lnRef idx="1">
             <a:schemeClr val="accent3"/>
           </a:lnRef>
-          <a:fillRef idx="2">
-            <a:schemeClr val="accent3"/>
+          <a:fillRef idx="1003">
+            <a:schemeClr val="lt1"/>
           </a:fillRef>
           <a:effectRef idx="1">
             <a:schemeClr val="accent3"/>
@@ -8958,8 +13739,8 @@
         </p:nvSpPr>
         <p:spPr>
           <a:xfrm>
-            <a:off x="1551947" y="2881993"/>
-            <a:ext cx="1741714" cy="1765300"/>
+            <a:off x="2243318" y="3965083"/>
+            <a:ext cx="1414282" cy="1433434"/>
           </a:xfrm>
           <a:prstGeom prst="ellipse">
             <a:avLst/>
@@ -8969,8 +13750,8 @@
           <a:lnRef idx="1">
             <a:schemeClr val="accent3"/>
           </a:lnRef>
-          <a:fillRef idx="2">
-            <a:schemeClr val="accent3"/>
+          <a:fillRef idx="1003">
+            <a:schemeClr val="lt1"/>
           </a:fillRef>
           <a:effectRef idx="1">
             <a:schemeClr val="accent3"/>
@@ -9018,25 +13799,23 @@
       </p:sp>
       <p:pic>
         <p:nvPicPr>
-          <p:cNvPr id="10" name="Content Placeholder 9" descr="Piggy Bank">
+          <p:cNvPr id="12" name="Graphic 11" descr="Dollar">
             <a:extLst>
               <a:ext uri="{FF2B5EF4-FFF2-40B4-BE49-F238E27FC236}">
-                <a16:creationId xmlns:a16="http://schemas.microsoft.com/office/drawing/2014/main" id="{3FF68A14-0391-D7BE-6555-7FAE8C2D8473}"/>
+                <a16:creationId xmlns:a16="http://schemas.microsoft.com/office/drawing/2014/main" id="{130B7461-606C-3628-5343-38B4B5541E0D}"/>
               </a:ext>
             </a:extLst>
           </p:cNvPr>
           <p:cNvPicPr>
-            <a:picLocks noGrp="1" noChangeAspect="1"/>
+            <a:picLocks noChangeAspect="1"/>
           </p:cNvPicPr>
-          <p:nvPr>
-            <p:ph idx="1"/>
-          </p:nvPr>
+          <p:nvPr/>
         </p:nvPicPr>
         <p:blipFill>
-          <a:blip r:embed="rId2">
+          <a:blip r:embed="rId3">
             <a:extLst>
               <a:ext uri="{96DAC541-7B7A-43D3-8B79-37D633B846F1}">
-                <asvg:svgBlip xmlns:asvg="http://schemas.microsoft.com/office/drawing/2016/SVG/main" r:embed="rId3"/>
+                <asvg:svgBlip xmlns:asvg="http://schemas.microsoft.com/office/drawing/2016/SVG/main" r:embed="rId4"/>
               </a:ext>
             </a:extLst>
           </a:blip>
@@ -9046,215 +13825,8 @@
         </p:blipFill>
         <p:spPr>
           <a:xfrm>
-            <a:off x="10228356" y="2393043"/>
-            <a:ext cx="914400" cy="914400"/>
-          </a:xfrm>
-        </p:spPr>
-      </p:pic>
-      <p:pic>
-        <p:nvPicPr>
-          <p:cNvPr id="4" name="Picture 3">
-            <a:extLst>
-              <a:ext uri="{FF2B5EF4-FFF2-40B4-BE49-F238E27FC236}">
-                <a16:creationId xmlns:a16="http://schemas.microsoft.com/office/drawing/2014/main" id="{A8CB7228-7FB3-D8E3-C350-443371C6DE7C}"/>
-              </a:ext>
-            </a:extLst>
-          </p:cNvPr>
-          <p:cNvPicPr>
-            <a:picLocks noChangeAspect="1"/>
-          </p:cNvPicPr>
-          <p:nvPr/>
-        </p:nvPicPr>
-        <p:blipFill>
-          <a:blip r:embed="rId4"/>
-          <a:stretch>
-            <a:fillRect/>
-          </a:stretch>
-        </p:blipFill>
-        <p:spPr>
-          <a:xfrm>
-            <a:off x="4479981" y="3494503"/>
-            <a:ext cx="1525695" cy="476780"/>
-          </a:xfrm>
-          <a:prstGeom prst="rect">
-            <a:avLst/>
-          </a:prstGeom>
-        </p:spPr>
-      </p:pic>
-      <p:pic>
-        <p:nvPicPr>
-          <p:cNvPr id="12" name="Graphic 11" descr="Dollar">
-            <a:extLst>
-              <a:ext uri="{FF2B5EF4-FFF2-40B4-BE49-F238E27FC236}">
-                <a16:creationId xmlns:a16="http://schemas.microsoft.com/office/drawing/2014/main" id="{130B7461-606C-3628-5343-38B4B5541E0D}"/>
-              </a:ext>
-            </a:extLst>
-          </p:cNvPr>
-          <p:cNvPicPr>
-            <a:picLocks noChangeAspect="1"/>
-          </p:cNvPicPr>
-          <p:nvPr/>
-        </p:nvPicPr>
-        <p:blipFill>
-          <a:blip r:embed="rId5">
-            <a:extLst>
-              <a:ext uri="{96DAC541-7B7A-43D3-8B79-37D633B846F1}">
-                <asvg:svgBlip xmlns:asvg="http://schemas.microsoft.com/office/drawing/2016/SVG/main" r:embed="rId6"/>
-              </a:ext>
-            </a:extLst>
-          </a:blip>
-          <a:stretch>
-            <a:fillRect/>
-          </a:stretch>
-        </p:blipFill>
-        <p:spPr>
-          <a:xfrm>
-            <a:off x="7575353" y="3399669"/>
-            <a:ext cx="977504" cy="839107"/>
-          </a:xfrm>
-          <a:prstGeom prst="rect">
-            <a:avLst/>
-          </a:prstGeom>
-        </p:spPr>
-      </p:pic>
-      <p:pic>
-        <p:nvPicPr>
-          <p:cNvPr id="14" name="Graphic 13" descr="Money">
-            <a:extLst>
-              <a:ext uri="{FF2B5EF4-FFF2-40B4-BE49-F238E27FC236}">
-                <a16:creationId xmlns:a16="http://schemas.microsoft.com/office/drawing/2014/main" id="{78A6BD0C-C378-5AD8-F013-3E673B3A839C}"/>
-              </a:ext>
-            </a:extLst>
-          </p:cNvPr>
-          <p:cNvPicPr>
-            <a:picLocks noChangeAspect="1"/>
-          </p:cNvPicPr>
-          <p:nvPr/>
-        </p:nvPicPr>
-        <p:blipFill>
-          <a:blip r:embed="rId7">
-            <a:extLst>
-              <a:ext uri="{96DAC541-7B7A-43D3-8B79-37D633B846F1}">
-                <asvg:svgBlip xmlns:asvg="http://schemas.microsoft.com/office/drawing/2016/SVG/main" r:embed="rId8"/>
-              </a:ext>
-            </a:extLst>
-          </a:blip>
-          <a:stretch>
-            <a:fillRect/>
-          </a:stretch>
-        </p:blipFill>
-        <p:spPr>
-          <a:xfrm>
-            <a:off x="8135862" y="304800"/>
-            <a:ext cx="914400" cy="914400"/>
-          </a:xfrm>
-          <a:prstGeom prst="rect">
-            <a:avLst/>
-          </a:prstGeom>
-        </p:spPr>
-      </p:pic>
-      <p:pic>
-        <p:nvPicPr>
-          <p:cNvPr id="16" name="Graphic 15" descr="Mountain scene">
-            <a:extLst>
-              <a:ext uri="{FF2B5EF4-FFF2-40B4-BE49-F238E27FC236}">
-                <a16:creationId xmlns:a16="http://schemas.microsoft.com/office/drawing/2014/main" id="{63BECE06-7540-8149-0794-64EFFEB3D63B}"/>
-              </a:ext>
-            </a:extLst>
-          </p:cNvPr>
-          <p:cNvPicPr>
-            <a:picLocks noChangeAspect="1"/>
-          </p:cNvPicPr>
-          <p:nvPr/>
-        </p:nvPicPr>
-        <p:blipFill>
-          <a:blip r:embed="rId9">
-            <a:extLst>
-              <a:ext uri="{96DAC541-7B7A-43D3-8B79-37D633B846F1}">
-                <asvg:svgBlip xmlns:asvg="http://schemas.microsoft.com/office/drawing/2016/SVG/main" r:embed="rId10"/>
-              </a:ext>
-            </a:extLst>
-          </a:blip>
-          <a:stretch>
-            <a:fillRect/>
-          </a:stretch>
-        </p:blipFill>
-        <p:spPr>
-          <a:xfrm>
-            <a:off x="9050262" y="609600"/>
-            <a:ext cx="914400" cy="914400"/>
-          </a:xfrm>
-          <a:prstGeom prst="rect">
-            <a:avLst/>
-          </a:prstGeom>
-        </p:spPr>
-      </p:pic>
-      <p:pic>
-        <p:nvPicPr>
-          <p:cNvPr id="18" name="Graphic 17" descr="Tropical scene">
-            <a:extLst>
-              <a:ext uri="{FF2B5EF4-FFF2-40B4-BE49-F238E27FC236}">
-                <a16:creationId xmlns:a16="http://schemas.microsoft.com/office/drawing/2014/main" id="{BEEEFCDF-CA65-6BF9-647B-2D748BA19EB7}"/>
-              </a:ext>
-            </a:extLst>
-          </p:cNvPr>
-          <p:cNvPicPr>
-            <a:picLocks noChangeAspect="1"/>
-          </p:cNvPicPr>
-          <p:nvPr/>
-        </p:nvPicPr>
-        <p:blipFill>
-          <a:blip r:embed="rId11">
-            <a:extLst>
-              <a:ext uri="{96DAC541-7B7A-43D3-8B79-37D633B846F1}">
-                <asvg:svgBlip xmlns:asvg="http://schemas.microsoft.com/office/drawing/2016/SVG/main" r:embed="rId12"/>
-              </a:ext>
-            </a:extLst>
-          </a:blip>
-          <a:stretch>
-            <a:fillRect/>
-          </a:stretch>
-        </p:blipFill>
-        <p:spPr>
-          <a:xfrm>
-            <a:off x="9293979" y="1548342"/>
-            <a:ext cx="914400" cy="914400"/>
-          </a:xfrm>
-          <a:prstGeom prst="rect">
-            <a:avLst/>
-          </a:prstGeom>
-        </p:spPr>
-      </p:pic>
-      <p:pic>
-        <p:nvPicPr>
-          <p:cNvPr id="20" name="Graphic 19" descr="Airplane">
-            <a:extLst>
-              <a:ext uri="{FF2B5EF4-FFF2-40B4-BE49-F238E27FC236}">
-                <a16:creationId xmlns:a16="http://schemas.microsoft.com/office/drawing/2014/main" id="{2648769C-744A-BDBA-1539-9364491392A4}"/>
-              </a:ext>
-            </a:extLst>
-          </p:cNvPr>
-          <p:cNvPicPr>
-            <a:picLocks noChangeAspect="1"/>
-          </p:cNvPicPr>
-          <p:nvPr/>
-        </p:nvPicPr>
-        <p:blipFill>
-          <a:blip r:embed="rId13">
-            <a:extLst>
-              <a:ext uri="{96DAC541-7B7A-43D3-8B79-37D633B846F1}">
-                <asvg:svgBlip xmlns:asvg="http://schemas.microsoft.com/office/drawing/2016/SVG/main" r:embed="rId14"/>
-              </a:ext>
-            </a:extLst>
-          </a:blip>
-          <a:stretch>
-            <a:fillRect/>
-          </a:stretch>
-        </p:blipFill>
-        <p:spPr>
-          <a:xfrm>
-            <a:off x="8247732" y="1219200"/>
-            <a:ext cx="914400" cy="914400"/>
+            <a:off x="7554807" y="4334693"/>
+            <a:ext cx="793739" cy="681360"/>
           </a:xfrm>
           <a:prstGeom prst="rect">
             <a:avLst/>
@@ -9276,10 +13848,10 @@
           <p:nvPr/>
         </p:nvPicPr>
         <p:blipFill>
-          <a:blip r:embed="rId15">
+          <a:blip r:embed="rId5">
             <a:extLst>
               <a:ext uri="{96DAC541-7B7A-43D3-8B79-37D633B846F1}">
-                <asvg:svgBlip xmlns:asvg="http://schemas.microsoft.com/office/drawing/2016/SVG/main" r:embed="rId16"/>
+                <asvg:svgBlip xmlns:asvg="http://schemas.microsoft.com/office/drawing/2016/SVG/main" r:embed="rId6"/>
               </a:ext>
             </a:extLst>
           </a:blip>
@@ -9289,8 +13861,8 @@
         </p:blipFill>
         <p:spPr>
           <a:xfrm>
-            <a:off x="2029103" y="3307443"/>
-            <a:ext cx="807357" cy="807357"/>
+            <a:off x="2622669" y="4307895"/>
+            <a:ext cx="655579" cy="655579"/>
           </a:xfrm>
           <a:prstGeom prst="rect">
             <a:avLst/>
@@ -9311,8 +13883,8 @@
         </p:nvSpPr>
         <p:spPr>
           <a:xfrm>
-            <a:off x="3581400" y="3657600"/>
-            <a:ext cx="408467" cy="581176"/>
+            <a:off x="4038600" y="4518082"/>
+            <a:ext cx="331677" cy="471918"/>
           </a:xfrm>
           <a:prstGeom prst="rightArrow">
             <a:avLst/>
@@ -9355,8 +13927,8 @@
         </p:nvSpPr>
         <p:spPr>
           <a:xfrm>
-            <a:off x="6495791" y="3643905"/>
-            <a:ext cx="408467" cy="581176"/>
+            <a:off x="6553200" y="4504387"/>
+            <a:ext cx="331677" cy="471918"/>
           </a:xfrm>
           <a:prstGeom prst="rightArrow">
             <a:avLst/>
@@ -9382,6 +13954,255 @@
           <a:p>
             <a:pPr algn="ctr"/>
             <a:endParaRPr lang="en-US"/>
+          </a:p>
+        </p:txBody>
+      </p:sp>
+      <p:pic>
+        <p:nvPicPr>
+          <p:cNvPr id="28" name="Picture 27">
+            <a:extLst>
+              <a:ext uri="{FF2B5EF4-FFF2-40B4-BE49-F238E27FC236}">
+                <a16:creationId xmlns:a16="http://schemas.microsoft.com/office/drawing/2014/main" id="{67CBB739-5E3B-BA00-7113-0254DC08FE86}"/>
+              </a:ext>
+            </a:extLst>
+          </p:cNvPr>
+          <p:cNvPicPr>
+            <a:picLocks noChangeAspect="1"/>
+          </p:cNvPicPr>
+          <p:nvPr/>
+        </p:nvPicPr>
+        <p:blipFill>
+          <a:blip r:embed="rId7"/>
+          <a:stretch>
+            <a:fillRect/>
+          </a:stretch>
+        </p:blipFill>
+        <p:spPr>
+          <a:xfrm>
+            <a:off x="9861100" y="386018"/>
+            <a:ext cx="2178500" cy="680782"/>
+          </a:xfrm>
+          <a:prstGeom prst="rect">
+            <a:avLst/>
+          </a:prstGeom>
+        </p:spPr>
+      </p:pic>
+      <p:pic>
+        <p:nvPicPr>
+          <p:cNvPr id="29" name="Content Placeholder 5" descr="Bar chart">
+            <a:extLst>
+              <a:ext uri="{FF2B5EF4-FFF2-40B4-BE49-F238E27FC236}">
+                <a16:creationId xmlns:a16="http://schemas.microsoft.com/office/drawing/2014/main" id="{36B33390-7D0A-96AA-3C17-0DE099ADBFC1}"/>
+              </a:ext>
+            </a:extLst>
+          </p:cNvPr>
+          <p:cNvPicPr>
+            <a:picLocks noChangeAspect="1"/>
+          </p:cNvPicPr>
+          <p:nvPr/>
+        </p:nvPicPr>
+        <p:blipFill>
+          <a:blip r:embed="rId8">
+            <a:extLst>
+              <a:ext uri="{96DAC541-7B7A-43D3-8B79-37D633B846F1}">
+                <asvg:svgBlip xmlns:asvg="http://schemas.microsoft.com/office/drawing/2016/SVG/main" r:embed="rId9"/>
+              </a:ext>
+            </a:extLst>
+          </a:blip>
+          <a:stretch>
+            <a:fillRect/>
+          </a:stretch>
+        </p:blipFill>
+        <p:spPr>
+          <a:xfrm>
+            <a:off x="11049000" y="3164027"/>
+            <a:ext cx="770466" cy="770466"/>
+          </a:xfrm>
+          <a:prstGeom prst="rect">
+            <a:avLst/>
+          </a:prstGeom>
+        </p:spPr>
+      </p:pic>
+      <p:pic>
+        <p:nvPicPr>
+          <p:cNvPr id="30" name="Graphic 29" descr="Statistics">
+            <a:extLst>
+              <a:ext uri="{FF2B5EF4-FFF2-40B4-BE49-F238E27FC236}">
+                <a16:creationId xmlns:a16="http://schemas.microsoft.com/office/drawing/2014/main" id="{374805C2-9118-C7EB-D3D2-423516397C91}"/>
+              </a:ext>
+            </a:extLst>
+          </p:cNvPr>
+          <p:cNvPicPr>
+            <a:picLocks noChangeAspect="1"/>
+          </p:cNvPicPr>
+          <p:nvPr/>
+        </p:nvPicPr>
+        <p:blipFill>
+          <a:blip r:embed="rId10">
+            <a:extLst>
+              <a:ext uri="{96DAC541-7B7A-43D3-8B79-37D633B846F1}">
+                <asvg:svgBlip xmlns:asvg="http://schemas.microsoft.com/office/drawing/2016/SVG/main" r:embed="rId11"/>
+              </a:ext>
+            </a:extLst>
+          </a:blip>
+          <a:stretch>
+            <a:fillRect/>
+          </a:stretch>
+        </p:blipFill>
+        <p:spPr>
+          <a:xfrm>
+            <a:off x="11015758" y="4114800"/>
+            <a:ext cx="770466" cy="770466"/>
+          </a:xfrm>
+          <a:prstGeom prst="rect">
+            <a:avLst/>
+          </a:prstGeom>
+        </p:spPr>
+      </p:pic>
+      <p:pic>
+        <p:nvPicPr>
+          <p:cNvPr id="31" name="Graphic 30" descr="Research">
+            <a:extLst>
+              <a:ext uri="{FF2B5EF4-FFF2-40B4-BE49-F238E27FC236}">
+                <a16:creationId xmlns:a16="http://schemas.microsoft.com/office/drawing/2014/main" id="{1C19B3A3-F048-553A-DF7F-8BB975F2BE83}"/>
+              </a:ext>
+            </a:extLst>
+          </p:cNvPr>
+          <p:cNvPicPr>
+            <a:picLocks noChangeAspect="1"/>
+          </p:cNvPicPr>
+          <p:nvPr/>
+        </p:nvPicPr>
+        <p:blipFill>
+          <a:blip r:embed="rId12">
+            <a:extLst>
+              <a:ext uri="{96DAC541-7B7A-43D3-8B79-37D633B846F1}">
+                <asvg:svgBlip xmlns:asvg="http://schemas.microsoft.com/office/drawing/2016/SVG/main" r:embed="rId13"/>
+              </a:ext>
+            </a:extLst>
+          </a:blip>
+          <a:stretch>
+            <a:fillRect/>
+          </a:stretch>
+        </p:blipFill>
+        <p:spPr>
+          <a:xfrm>
+            <a:off x="11049000" y="2368550"/>
+            <a:ext cx="770466" cy="770466"/>
+          </a:xfrm>
+          <a:prstGeom prst="rect">
+            <a:avLst/>
+          </a:prstGeom>
+        </p:spPr>
+      </p:pic>
+      <p:pic>
+        <p:nvPicPr>
+          <p:cNvPr id="33" name="Graphic 32" descr="Question mark">
+            <a:extLst>
+              <a:ext uri="{FF2B5EF4-FFF2-40B4-BE49-F238E27FC236}">
+                <a16:creationId xmlns:a16="http://schemas.microsoft.com/office/drawing/2014/main" id="{67C5DFB5-0B14-3C0F-7EA3-6EF391726E02}"/>
+              </a:ext>
+            </a:extLst>
+          </p:cNvPr>
+          <p:cNvPicPr>
+            <a:picLocks noChangeAspect="1"/>
+          </p:cNvPicPr>
+          <p:nvPr/>
+        </p:nvPicPr>
+        <p:blipFill>
+          <a:blip r:embed="rId14">
+            <a:extLst>
+              <a:ext uri="{96DAC541-7B7A-43D3-8B79-37D633B846F1}">
+                <asvg:svgBlip xmlns:asvg="http://schemas.microsoft.com/office/drawing/2016/SVG/main" r:embed="rId15"/>
+              </a:ext>
+            </a:extLst>
+          </a:blip>
+          <a:stretch>
+            <a:fillRect/>
+          </a:stretch>
+        </p:blipFill>
+        <p:spPr>
+          <a:xfrm>
+            <a:off x="10771564" y="1345214"/>
+            <a:ext cx="1128039" cy="1128039"/>
+          </a:xfrm>
+          <a:prstGeom prst="rect">
+            <a:avLst/>
+          </a:prstGeom>
+        </p:spPr>
+      </p:pic>
+      <p:pic>
+        <p:nvPicPr>
+          <p:cNvPr id="37" name="Picture 36">
+            <a:extLst>
+              <a:ext uri="{FF2B5EF4-FFF2-40B4-BE49-F238E27FC236}">
+                <a16:creationId xmlns:a16="http://schemas.microsoft.com/office/drawing/2014/main" id="{8833508B-E297-13EC-6CF4-A0A9515D3C1E}"/>
+              </a:ext>
+            </a:extLst>
+          </p:cNvPr>
+          <p:cNvPicPr>
+            <a:picLocks noChangeAspect="1"/>
+          </p:cNvPicPr>
+          <p:nvPr/>
+        </p:nvPicPr>
+        <p:blipFill>
+          <a:blip r:embed="rId16"/>
+          <a:stretch>
+            <a:fillRect/>
+          </a:stretch>
+        </p:blipFill>
+        <p:spPr>
+          <a:xfrm>
+            <a:off x="5029200" y="4188787"/>
+            <a:ext cx="818374" cy="917340"/>
+          </a:xfrm>
+          <a:prstGeom prst="rect">
+            <a:avLst/>
+          </a:prstGeom>
+        </p:spPr>
+      </p:pic>
+      <p:sp>
+        <p:nvSpPr>
+          <p:cNvPr id="39" name="Content Placeholder 38">
+            <a:extLst>
+              <a:ext uri="{FF2B5EF4-FFF2-40B4-BE49-F238E27FC236}">
+                <a16:creationId xmlns:a16="http://schemas.microsoft.com/office/drawing/2014/main" id="{6A46AB44-830D-758E-26C7-7CB354027962}"/>
+              </a:ext>
+            </a:extLst>
+          </p:cNvPr>
+          <p:cNvSpPr>
+            <a:spLocks noGrp="1"/>
+          </p:cNvSpPr>
+          <p:nvPr>
+            <p:ph idx="1"/>
+          </p:nvPr>
+        </p:nvSpPr>
+        <p:spPr>
+          <a:xfrm>
+            <a:off x="677334" y="2160590"/>
+            <a:ext cx="8596668" cy="1203714"/>
+          </a:xfrm>
+        </p:spPr>
+        <p:txBody>
+          <a:bodyPr/>
+          <a:lstStyle/>
+          <a:p>
+            <a:r>
+              <a:rPr lang="en-US" dirty="0"/>
+              <a:t>About: Renting accommodation’s site </a:t>
+            </a:r>
+          </a:p>
+          <a:p>
+            <a:r>
+              <a:rPr lang="en-US" dirty="0"/>
+              <a:t>Audience: primary and secondary</a:t>
+            </a:r>
+          </a:p>
+          <a:p>
+            <a:r>
+              <a:rPr lang="en-US" dirty="0"/>
+              <a:t>Metrics: Regression Problem - RMSE</a:t>
+            </a:r>
           </a:p>
         </p:txBody>
       </p:sp>
@@ -9438,42 +14259,17 @@
           <a:p>
             <a:r>
               <a:rPr lang="en-US" dirty="0"/>
-              <a:t>Data Analysis Process</a:t>
-            </a:r>
-          </a:p>
-        </p:txBody>
-      </p:sp>
-      <p:sp>
-        <p:nvSpPr>
-          <p:cNvPr id="3" name="Content Placeholder 2">
-            <a:extLst>
-              <a:ext uri="{FF2B5EF4-FFF2-40B4-BE49-F238E27FC236}">
-                <a16:creationId xmlns:a16="http://schemas.microsoft.com/office/drawing/2014/main" id="{C7B91AE8-DB84-2709-AD94-D554AAC6377A}"/>
-              </a:ext>
-            </a:extLst>
-          </p:cNvPr>
-          <p:cNvSpPr>
-            <a:spLocks noGrp="1"/>
-          </p:cNvSpPr>
-          <p:nvPr>
-            <p:ph idx="1"/>
-          </p:nvPr>
-        </p:nvSpPr>
-        <p:spPr/>
-        <p:txBody>
-          <a:bodyPr/>
-          <a:lstStyle/>
-          <a:p>
-            <a:endParaRPr lang="en-US" dirty="0"/>
+              <a:t>About Data</a:t>
+            </a:r>
           </a:p>
         </p:txBody>
       </p:sp>
       <p:pic>
         <p:nvPicPr>
-          <p:cNvPr id="4" name="Picture 3">
+          <p:cNvPr id="6" name="Picture 5">
             <a:extLst>
               <a:ext uri="{FF2B5EF4-FFF2-40B4-BE49-F238E27FC236}">
-                <a16:creationId xmlns:a16="http://schemas.microsoft.com/office/drawing/2014/main" id="{A8CB7228-7FB3-D8E3-C350-443371C6DE7C}"/>
+                <a16:creationId xmlns:a16="http://schemas.microsoft.com/office/drawing/2014/main" id="{9192DE2B-392C-20E8-0589-FDB49A154B7C}"/>
               </a:ext>
             </a:extLst>
           </p:cNvPr>
@@ -9483,51 +14279,254 @@
           <p:nvPr/>
         </p:nvPicPr>
         <p:blipFill>
-          <a:blip r:embed="rId2"/>
+          <a:blip r:embed="rId3"/>
           <a:stretch>
             <a:fillRect/>
           </a:stretch>
         </p:blipFill>
         <p:spPr>
           <a:xfrm>
-            <a:off x="9650791" y="241829"/>
-            <a:ext cx="2353732" cy="735542"/>
+            <a:off x="9861100" y="386018"/>
+            <a:ext cx="2178500" cy="680782"/>
           </a:xfrm>
           <a:prstGeom prst="rect">
             <a:avLst/>
           </a:prstGeom>
         </p:spPr>
       </p:pic>
-      <p:graphicFrame>
-        <p:nvGraphicFramePr>
-          <p:cNvPr id="5" name="Content Placeholder 5">
+      <p:pic>
+        <p:nvPicPr>
+          <p:cNvPr id="20" name="Content Placeholder 5" descr="Bar chart">
             <a:extLst>
               <a:ext uri="{FF2B5EF4-FFF2-40B4-BE49-F238E27FC236}">
-                <a16:creationId xmlns:a16="http://schemas.microsoft.com/office/drawing/2014/main" id="{356853E7-EA96-3FFF-DD41-B674AD201359}"/>
+                <a16:creationId xmlns:a16="http://schemas.microsoft.com/office/drawing/2014/main" id="{1337E869-F4A3-3559-265D-6140CAF6A6C3}"/>
               </a:ext>
             </a:extLst>
           </p:cNvPr>
-          <p:cNvGraphicFramePr>
-            <a:graphicFrameLocks/>
-          </p:cNvGraphicFramePr>
-          <p:nvPr>
-            <p:extLst>
-              <p:ext uri="{D42A27DB-BD31-4B8C-83A1-F6EECF244321}">
-                <p14:modId xmlns:p14="http://schemas.microsoft.com/office/powerpoint/2010/main" val="4134317583"/>
-              </p:ext>
-            </p:extLst>
-          </p:nvPr>
-        </p:nvGraphicFramePr>
-        <p:xfrm>
-          <a:off x="677863" y="2160588"/>
-          <a:ext cx="8596312" cy="3881437"/>
-        </p:xfrm>
-        <a:graphic>
-          <a:graphicData uri="http://schemas.openxmlformats.org/drawingml/2006/diagram">
-            <dgm:relIds xmlns:dgm="http://schemas.openxmlformats.org/drawingml/2006/diagram" xmlns:r="http://schemas.openxmlformats.org/officeDocument/2006/relationships" r:dm="rId3" r:lo="rId4" r:qs="rId5" r:cs="rId6"/>
-          </a:graphicData>
-        </a:graphic>
-      </p:graphicFrame>
+          <p:cNvPicPr>
+            <a:picLocks noChangeAspect="1"/>
+          </p:cNvPicPr>
+          <p:nvPr/>
+        </p:nvPicPr>
+        <p:blipFill>
+          <a:blip r:embed="rId4">
+            <a:extLst>
+              <a:ext uri="{96DAC541-7B7A-43D3-8B79-37D633B846F1}">
+                <asvg:svgBlip xmlns:asvg="http://schemas.microsoft.com/office/drawing/2016/SVG/main" r:embed="rId5"/>
+              </a:ext>
+            </a:extLst>
+          </a:blip>
+          <a:stretch>
+            <a:fillRect/>
+          </a:stretch>
+        </p:blipFill>
+        <p:spPr>
+          <a:xfrm>
+            <a:off x="11049000" y="3164027"/>
+            <a:ext cx="770466" cy="770466"/>
+          </a:xfrm>
+          <a:prstGeom prst="rect">
+            <a:avLst/>
+          </a:prstGeom>
+        </p:spPr>
+      </p:pic>
+      <p:pic>
+        <p:nvPicPr>
+          <p:cNvPr id="21" name="Graphic 20" descr="Statistics">
+            <a:extLst>
+              <a:ext uri="{FF2B5EF4-FFF2-40B4-BE49-F238E27FC236}">
+                <a16:creationId xmlns:a16="http://schemas.microsoft.com/office/drawing/2014/main" id="{6930669D-BD9C-3CD3-B88A-4E717330F8D0}"/>
+              </a:ext>
+            </a:extLst>
+          </p:cNvPr>
+          <p:cNvPicPr>
+            <a:picLocks noChangeAspect="1"/>
+          </p:cNvPicPr>
+          <p:nvPr/>
+        </p:nvPicPr>
+        <p:blipFill>
+          <a:blip r:embed="rId6">
+            <a:extLst>
+              <a:ext uri="{96DAC541-7B7A-43D3-8B79-37D633B846F1}">
+                <asvg:svgBlip xmlns:asvg="http://schemas.microsoft.com/office/drawing/2016/SVG/main" r:embed="rId7"/>
+              </a:ext>
+            </a:extLst>
+          </a:blip>
+          <a:stretch>
+            <a:fillRect/>
+          </a:stretch>
+        </p:blipFill>
+        <p:spPr>
+          <a:xfrm>
+            <a:off x="11015758" y="4114800"/>
+            <a:ext cx="770466" cy="770466"/>
+          </a:xfrm>
+          <a:prstGeom prst="rect">
+            <a:avLst/>
+          </a:prstGeom>
+        </p:spPr>
+      </p:pic>
+      <p:pic>
+        <p:nvPicPr>
+          <p:cNvPr id="22" name="Graphic 21" descr="Research">
+            <a:extLst>
+              <a:ext uri="{FF2B5EF4-FFF2-40B4-BE49-F238E27FC236}">
+                <a16:creationId xmlns:a16="http://schemas.microsoft.com/office/drawing/2014/main" id="{4BEAF932-F832-A75E-C5C3-AC1864F7DA94}"/>
+              </a:ext>
+            </a:extLst>
+          </p:cNvPr>
+          <p:cNvPicPr>
+            <a:picLocks noChangeAspect="1"/>
+          </p:cNvPicPr>
+          <p:nvPr/>
+        </p:nvPicPr>
+        <p:blipFill>
+          <a:blip r:embed="rId8">
+            <a:extLst>
+              <a:ext uri="{96DAC541-7B7A-43D3-8B79-37D633B846F1}">
+                <asvg:svgBlip xmlns:asvg="http://schemas.microsoft.com/office/drawing/2016/SVG/main" r:embed="rId9"/>
+              </a:ext>
+            </a:extLst>
+          </a:blip>
+          <a:stretch>
+            <a:fillRect/>
+          </a:stretch>
+        </p:blipFill>
+        <p:spPr>
+          <a:xfrm>
+            <a:off x="10870214" y="2189764"/>
+            <a:ext cx="1128039" cy="1128039"/>
+          </a:xfrm>
+          <a:prstGeom prst="rect">
+            <a:avLst/>
+          </a:prstGeom>
+        </p:spPr>
+      </p:pic>
+      <p:pic>
+        <p:nvPicPr>
+          <p:cNvPr id="24" name="Graphic 23" descr="Question mark">
+            <a:extLst>
+              <a:ext uri="{FF2B5EF4-FFF2-40B4-BE49-F238E27FC236}">
+                <a16:creationId xmlns:a16="http://schemas.microsoft.com/office/drawing/2014/main" id="{E61F3ACD-8337-C701-BCCE-7A58185860F2}"/>
+              </a:ext>
+            </a:extLst>
+          </p:cNvPr>
+          <p:cNvPicPr>
+            <a:picLocks noChangeAspect="1"/>
+          </p:cNvPicPr>
+          <p:nvPr/>
+        </p:nvPicPr>
+        <p:blipFill>
+          <a:blip r:embed="rId10">
+            <a:extLst>
+              <a:ext uri="{96DAC541-7B7A-43D3-8B79-37D633B846F1}">
+                <asvg:svgBlip xmlns:asvg="http://schemas.microsoft.com/office/drawing/2016/SVG/main" r:embed="rId11"/>
+              </a:ext>
+            </a:extLst>
+          </a:blip>
+          <a:stretch>
+            <a:fillRect/>
+          </a:stretch>
+        </p:blipFill>
+        <p:spPr>
+          <a:xfrm>
+            <a:off x="10950350" y="1545167"/>
+            <a:ext cx="770466" cy="770466"/>
+          </a:xfrm>
+          <a:prstGeom prst="rect">
+            <a:avLst/>
+          </a:prstGeom>
+        </p:spPr>
+      </p:pic>
+      <p:sp>
+        <p:nvSpPr>
+          <p:cNvPr id="26" name="Content Placeholder 25">
+            <a:extLst>
+              <a:ext uri="{FF2B5EF4-FFF2-40B4-BE49-F238E27FC236}">
+                <a16:creationId xmlns:a16="http://schemas.microsoft.com/office/drawing/2014/main" id="{85F50E81-9993-4BC8-4EAD-6771D572AF0F}"/>
+              </a:ext>
+            </a:extLst>
+          </p:cNvPr>
+          <p:cNvSpPr>
+            <a:spLocks noGrp="1"/>
+          </p:cNvSpPr>
+          <p:nvPr>
+            <p:ph idx="1"/>
+          </p:nvPr>
+        </p:nvSpPr>
+        <p:spPr>
+          <a:xfrm>
+            <a:off x="677334" y="2160589"/>
+            <a:ext cx="8596668" cy="3173411"/>
+          </a:xfrm>
+        </p:spPr>
+        <p:txBody>
+          <a:bodyPr>
+            <a:normAutofit/>
+          </a:bodyPr>
+          <a:lstStyle/>
+          <a:p>
+            <a:r>
+              <a:rPr lang="en-US" b="1" dirty="0"/>
+              <a:t>Datasets:</a:t>
+            </a:r>
+          </a:p>
+          <a:p>
+            <a:pPr lvl="1"/>
+            <a:r>
+              <a:rPr lang="en-US" dirty="0"/>
+              <a:t>Listing accommodations New York City;</a:t>
+            </a:r>
+          </a:p>
+          <a:p>
+            <a:pPr lvl="2"/>
+            <a:r>
+              <a:rPr lang="en-US" dirty="0"/>
+              <a:t>38,000 x 75</a:t>
+            </a:r>
+          </a:p>
+          <a:p>
+            <a:pPr lvl="1"/>
+            <a:r>
+              <a:rPr lang="en-US" dirty="0"/>
+              <a:t>Neighborhoods price;</a:t>
+            </a:r>
+          </a:p>
+          <a:p>
+            <a:pPr lvl="2"/>
+            <a:r>
+              <a:rPr lang="en-US" dirty="0"/>
+              <a:t>~180 neighborhoods</a:t>
+            </a:r>
+          </a:p>
+          <a:p>
+            <a:r>
+              <a:rPr lang="en-US" b="1" dirty="0"/>
+              <a:t>Cleaning Process:</a:t>
+            </a:r>
+          </a:p>
+          <a:p>
+            <a:pPr lvl="1"/>
+            <a:r>
+              <a:rPr lang="en-US" dirty="0"/>
+              <a:t>Null values, Input Strategies, Regex, Feature Engineering, handle outliers;</a:t>
+            </a:r>
+          </a:p>
+          <a:p>
+            <a:pPr lvl="2"/>
+            <a:r>
+              <a:rPr lang="en-US" dirty="0"/>
+              <a:t>25,000 x 23</a:t>
+            </a:r>
+          </a:p>
+          <a:p>
+            <a:pPr marL="914400" lvl="2" indent="0">
+              <a:buNone/>
+            </a:pPr>
+            <a:endParaRPr lang="en-US" dirty="0"/>
+          </a:p>
+        </p:txBody>
+      </p:sp>
     </p:spTree>
     <p:extLst>
       <p:ext uri="{BB962C8B-B14F-4D97-AF65-F5344CB8AC3E}">
@@ -9581,52 +14580,41 @@
           <a:p>
             <a:r>
               <a:rPr lang="en-US" dirty="0"/>
-              <a:t>Machine Learning Models</a:t>
+              <a:t>Data Science Workflow</a:t>
             </a:r>
           </a:p>
         </p:txBody>
       </p:sp>
+      <p:graphicFrame>
+        <p:nvGraphicFramePr>
+          <p:cNvPr id="5" name="Content Placeholder 5">
+            <a:extLst>
+              <a:ext uri="{FF2B5EF4-FFF2-40B4-BE49-F238E27FC236}">
+                <a16:creationId xmlns:a16="http://schemas.microsoft.com/office/drawing/2014/main" id="{356853E7-EA96-3FFF-DD41-B674AD201359}"/>
+              </a:ext>
+            </a:extLst>
+          </p:cNvPr>
+          <p:cNvGraphicFramePr>
+            <a:graphicFrameLocks/>
+          </p:cNvGraphicFramePr>
+          <p:nvPr/>
+        </p:nvGraphicFramePr>
+        <p:xfrm>
+          <a:off x="1672451" y="2691848"/>
+          <a:ext cx="7780337" cy="3541562"/>
+        </p:xfrm>
+        <a:graphic>
+          <a:graphicData uri="http://schemas.openxmlformats.org/drawingml/2006/diagram">
+            <dgm:relIds xmlns:dgm="http://schemas.openxmlformats.org/drawingml/2006/diagram" xmlns:r="http://schemas.openxmlformats.org/officeDocument/2006/relationships" r:dm="rId3" r:lo="rId4" r:qs="rId5" r:cs="rId6"/>
+          </a:graphicData>
+        </a:graphic>
+      </p:graphicFrame>
       <p:pic>
         <p:nvPicPr>
-          <p:cNvPr id="6" name="Content Placeholder 5" descr="Bar chart">
+          <p:cNvPr id="6" name="Picture 5">
             <a:extLst>
               <a:ext uri="{FF2B5EF4-FFF2-40B4-BE49-F238E27FC236}">
-                <a16:creationId xmlns:a16="http://schemas.microsoft.com/office/drawing/2014/main" id="{BD82625C-4846-4E80-8848-8FFA545973C5}"/>
-              </a:ext>
-            </a:extLst>
-          </p:cNvPr>
-          <p:cNvPicPr>
-            <a:picLocks noGrp="1" noChangeAspect="1"/>
-          </p:cNvPicPr>
-          <p:nvPr>
-            <p:ph idx="1"/>
-          </p:nvPr>
-        </p:nvPicPr>
-        <p:blipFill>
-          <a:blip r:embed="rId2">
-            <a:extLst>
-              <a:ext uri="{96DAC541-7B7A-43D3-8B79-37D633B846F1}">
-                <asvg:svgBlip xmlns:asvg="http://schemas.microsoft.com/office/drawing/2016/SVG/main" r:embed="rId3"/>
-              </a:ext>
-            </a:extLst>
-          </a:blip>
-          <a:stretch>
-            <a:fillRect/>
-          </a:stretch>
-        </p:blipFill>
-        <p:spPr>
-          <a:xfrm>
-            <a:off x="897504" y="2133600"/>
-            <a:ext cx="914400" cy="914400"/>
-          </a:xfrm>
-        </p:spPr>
-      </p:pic>
-      <p:pic>
-        <p:nvPicPr>
-          <p:cNvPr id="4" name="Picture 3">
-            <a:extLst>
-              <a:ext uri="{FF2B5EF4-FFF2-40B4-BE49-F238E27FC236}">
-                <a16:creationId xmlns:a16="http://schemas.microsoft.com/office/drawing/2014/main" id="{A8CB7228-7FB3-D8E3-C350-443371C6DE7C}"/>
+                <a16:creationId xmlns:a16="http://schemas.microsoft.com/office/drawing/2014/main" id="{9192DE2B-392C-20E8-0589-FDB49A154B7C}"/>
               </a:ext>
             </a:extLst>
           </p:cNvPr>
@@ -9636,15 +14624,15 @@
           <p:nvPr/>
         </p:nvPicPr>
         <p:blipFill>
-          <a:blip r:embed="rId4"/>
+          <a:blip r:embed="rId8"/>
           <a:stretch>
             <a:fillRect/>
           </a:stretch>
         </p:blipFill>
         <p:spPr>
           <a:xfrm>
-            <a:off x="8475134" y="534458"/>
-            <a:ext cx="2353732" cy="735542"/>
+            <a:off x="9861100" y="386018"/>
+            <a:ext cx="2178500" cy="680782"/>
           </a:xfrm>
           <a:prstGeom prst="rect">
             <a:avLst/>
@@ -9653,10 +14641,10 @@
       </p:pic>
       <p:pic>
         <p:nvPicPr>
-          <p:cNvPr id="8" name="Graphic 7" descr="Statistics">
+          <p:cNvPr id="20" name="Content Placeholder 5" descr="Bar chart">
             <a:extLst>
               <a:ext uri="{FF2B5EF4-FFF2-40B4-BE49-F238E27FC236}">
-                <a16:creationId xmlns:a16="http://schemas.microsoft.com/office/drawing/2014/main" id="{459C0F08-EBEB-F95B-1140-11E44802AF13}"/>
+                <a16:creationId xmlns:a16="http://schemas.microsoft.com/office/drawing/2014/main" id="{1337E869-F4A3-3559-265D-6140CAF6A6C3}"/>
               </a:ext>
             </a:extLst>
           </p:cNvPr>
@@ -9666,10 +14654,10 @@
           <p:nvPr/>
         </p:nvPicPr>
         <p:blipFill>
-          <a:blip r:embed="rId5">
+          <a:blip r:embed="rId9">
             <a:extLst>
               <a:ext uri="{96DAC541-7B7A-43D3-8B79-37D633B846F1}">
-                <asvg:svgBlip xmlns:asvg="http://schemas.microsoft.com/office/drawing/2016/SVG/main" r:embed="rId6"/>
+                <asvg:svgBlip xmlns:asvg="http://schemas.microsoft.com/office/drawing/2016/SVG/main" r:embed="rId10"/>
               </a:ext>
             </a:extLst>
           </a:blip>
@@ -9679,8 +14667,8 @@
         </p:blipFill>
         <p:spPr>
           <a:xfrm>
-            <a:off x="897504" y="3097742"/>
-            <a:ext cx="914400" cy="914400"/>
+            <a:off x="11049000" y="3164027"/>
+            <a:ext cx="770466" cy="770466"/>
           </a:xfrm>
           <a:prstGeom prst="rect">
             <a:avLst/>
@@ -9689,10 +14677,10 @@
       </p:pic>
       <p:pic>
         <p:nvPicPr>
-          <p:cNvPr id="10" name="Graphic 9" descr="Research">
+          <p:cNvPr id="21" name="Graphic 20" descr="Statistics">
             <a:extLst>
               <a:ext uri="{FF2B5EF4-FFF2-40B4-BE49-F238E27FC236}">
-                <a16:creationId xmlns:a16="http://schemas.microsoft.com/office/drawing/2014/main" id="{29096131-25F5-51F4-319B-6F6C08ADFE3A}"/>
+                <a16:creationId xmlns:a16="http://schemas.microsoft.com/office/drawing/2014/main" id="{6930669D-BD9C-3CD3-B88A-4E717330F8D0}"/>
               </a:ext>
             </a:extLst>
           </p:cNvPr>
@@ -9702,10 +14690,10 @@
           <p:nvPr/>
         </p:nvPicPr>
         <p:blipFill>
-          <a:blip r:embed="rId7">
+          <a:blip r:embed="rId11">
             <a:extLst>
               <a:ext uri="{96DAC541-7B7A-43D3-8B79-37D633B846F1}">
-                <asvg:svgBlip xmlns:asvg="http://schemas.microsoft.com/office/drawing/2016/SVG/main" r:embed="rId8"/>
+                <asvg:svgBlip xmlns:asvg="http://schemas.microsoft.com/office/drawing/2016/SVG/main" r:embed="rId12"/>
               </a:ext>
             </a:extLst>
           </a:blip>
@@ -9715,8 +14703,8 @@
         </p:blipFill>
         <p:spPr>
           <a:xfrm>
-            <a:off x="897504" y="4191000"/>
-            <a:ext cx="914400" cy="914400"/>
+            <a:off x="11015758" y="4114800"/>
+            <a:ext cx="770466" cy="770466"/>
           </a:xfrm>
           <a:prstGeom prst="rect">
             <a:avLst/>
@@ -9725,10 +14713,10 @@
       </p:pic>
       <p:pic>
         <p:nvPicPr>
-          <p:cNvPr id="12" name="Picture 11">
+          <p:cNvPr id="22" name="Graphic 21" descr="Research">
             <a:extLst>
               <a:ext uri="{FF2B5EF4-FFF2-40B4-BE49-F238E27FC236}">
-                <a16:creationId xmlns:a16="http://schemas.microsoft.com/office/drawing/2014/main" id="{1CD6A091-65E1-B37C-EA07-0E2BDE2C4D6E}"/>
+                <a16:creationId xmlns:a16="http://schemas.microsoft.com/office/drawing/2014/main" id="{4BEAF932-F832-A75E-C5C3-AC1864F7DA94}"/>
               </a:ext>
             </a:extLst>
           </p:cNvPr>
@@ -9738,25 +14726,92 @@
           <p:nvPr/>
         </p:nvPicPr>
         <p:blipFill>
-          <a:blip r:embed="rId9"/>
+          <a:blip r:embed="rId13">
+            <a:extLst>
+              <a:ext uri="{96DAC541-7B7A-43D3-8B79-37D633B846F1}">
+                <asvg:svgBlip xmlns:asvg="http://schemas.microsoft.com/office/drawing/2016/SVG/main" r:embed="rId14"/>
+              </a:ext>
+            </a:extLst>
+          </a:blip>
           <a:stretch>
             <a:fillRect/>
           </a:stretch>
         </p:blipFill>
         <p:spPr>
           <a:xfrm>
-            <a:off x="2438400" y="2879725"/>
-            <a:ext cx="6192713" cy="1098550"/>
+            <a:off x="10870214" y="2189764"/>
+            <a:ext cx="1128039" cy="1128039"/>
           </a:xfrm>
           <a:prstGeom prst="rect">
             <a:avLst/>
           </a:prstGeom>
         </p:spPr>
       </p:pic>
+      <p:pic>
+        <p:nvPicPr>
+          <p:cNvPr id="24" name="Graphic 23" descr="Question mark">
+            <a:extLst>
+              <a:ext uri="{FF2B5EF4-FFF2-40B4-BE49-F238E27FC236}">
+                <a16:creationId xmlns:a16="http://schemas.microsoft.com/office/drawing/2014/main" id="{E61F3ACD-8337-C701-BCCE-7A58185860F2}"/>
+              </a:ext>
+            </a:extLst>
+          </p:cNvPr>
+          <p:cNvPicPr>
+            <a:picLocks noChangeAspect="1"/>
+          </p:cNvPicPr>
+          <p:nvPr/>
+        </p:nvPicPr>
+        <p:blipFill>
+          <a:blip r:embed="rId15">
+            <a:extLst>
+              <a:ext uri="{96DAC541-7B7A-43D3-8B79-37D633B846F1}">
+                <asvg:svgBlip xmlns:asvg="http://schemas.microsoft.com/office/drawing/2016/SVG/main" r:embed="rId16"/>
+              </a:ext>
+            </a:extLst>
+          </a:blip>
+          <a:stretch>
+            <a:fillRect/>
+          </a:stretch>
+        </p:blipFill>
+        <p:spPr>
+          <a:xfrm>
+            <a:off x="10950350" y="1545167"/>
+            <a:ext cx="770466" cy="770466"/>
+          </a:xfrm>
+          <a:prstGeom prst="rect">
+            <a:avLst/>
+          </a:prstGeom>
+        </p:spPr>
+      </p:pic>
+      <p:sp>
+        <p:nvSpPr>
+          <p:cNvPr id="26" name="Content Placeholder 25">
+            <a:extLst>
+              <a:ext uri="{FF2B5EF4-FFF2-40B4-BE49-F238E27FC236}">
+                <a16:creationId xmlns:a16="http://schemas.microsoft.com/office/drawing/2014/main" id="{85F50E81-9993-4BC8-4EAD-6771D572AF0F}"/>
+              </a:ext>
+            </a:extLst>
+          </p:cNvPr>
+          <p:cNvSpPr>
+            <a:spLocks noGrp="1"/>
+          </p:cNvSpPr>
+          <p:nvPr>
+            <p:ph idx="1"/>
+          </p:nvPr>
+        </p:nvSpPr>
+        <p:spPr/>
+        <p:txBody>
+          <a:bodyPr/>
+          <a:lstStyle/>
+          <a:p>
+            <a:endParaRPr lang="en-US"/>
+          </a:p>
+        </p:txBody>
+      </p:sp>
     </p:spTree>
     <p:extLst>
       <p:ext uri="{BB962C8B-B14F-4D97-AF65-F5344CB8AC3E}">
-        <p14:creationId xmlns:p14="http://schemas.microsoft.com/office/powerpoint/2010/main" val="1847277973"/>
+        <p14:creationId xmlns:p14="http://schemas.microsoft.com/office/powerpoint/2010/main" val="87460047"/>
       </p:ext>
     </p:extLst>
   </p:cSld>
@@ -9806,42 +14861,17 @@
           <a:p>
             <a:r>
               <a:rPr lang="en-US" dirty="0"/>
-              <a:t>Evaluation</a:t>
-            </a:r>
-          </a:p>
-        </p:txBody>
-      </p:sp>
-      <p:sp>
-        <p:nvSpPr>
-          <p:cNvPr id="3" name="Content Placeholder 2">
-            <a:extLst>
-              <a:ext uri="{FF2B5EF4-FFF2-40B4-BE49-F238E27FC236}">
-                <a16:creationId xmlns:a16="http://schemas.microsoft.com/office/drawing/2014/main" id="{C7B91AE8-DB84-2709-AD94-D554AAC6377A}"/>
-              </a:ext>
-            </a:extLst>
-          </p:cNvPr>
-          <p:cNvSpPr>
-            <a:spLocks noGrp="1"/>
-          </p:cNvSpPr>
-          <p:nvPr>
-            <p:ph idx="1"/>
-          </p:nvPr>
-        </p:nvSpPr>
-        <p:spPr/>
-        <p:txBody>
-          <a:bodyPr/>
-          <a:lstStyle/>
-          <a:p>
-            <a:endParaRPr lang="en-US" dirty="0"/>
+              <a:t>Exploratory Data Analysis</a:t>
+            </a:r>
           </a:p>
         </p:txBody>
       </p:sp>
       <p:pic>
         <p:nvPicPr>
-          <p:cNvPr id="4" name="Picture 3">
+          <p:cNvPr id="14" name="Picture 13">
             <a:extLst>
               <a:ext uri="{FF2B5EF4-FFF2-40B4-BE49-F238E27FC236}">
-                <a16:creationId xmlns:a16="http://schemas.microsoft.com/office/drawing/2014/main" id="{A8CB7228-7FB3-D8E3-C350-443371C6DE7C}"/>
+                <a16:creationId xmlns:a16="http://schemas.microsoft.com/office/drawing/2014/main" id="{1DA185E1-F13D-68E6-935E-188F120A1BBC}"/>
               </a:ext>
             </a:extLst>
           </p:cNvPr>
@@ -9851,15 +14881,259 @@
           <p:nvPr/>
         </p:nvPicPr>
         <p:blipFill>
-          <a:blip r:embed="rId2"/>
+          <a:blip r:embed="rId3"/>
           <a:stretch>
             <a:fillRect/>
           </a:stretch>
         </p:blipFill>
         <p:spPr>
           <a:xfrm>
-            <a:off x="8475134" y="534458"/>
-            <a:ext cx="2353732" cy="735542"/>
+            <a:off x="235286" y="2787963"/>
+            <a:ext cx="5365424" cy="3460437"/>
+          </a:xfrm>
+          <a:prstGeom prst="rect">
+            <a:avLst/>
+          </a:prstGeom>
+        </p:spPr>
+      </p:pic>
+      <p:pic>
+        <p:nvPicPr>
+          <p:cNvPr id="16" name="Picture 15">
+            <a:extLst>
+              <a:ext uri="{FF2B5EF4-FFF2-40B4-BE49-F238E27FC236}">
+                <a16:creationId xmlns:a16="http://schemas.microsoft.com/office/drawing/2014/main" id="{F4203289-AF8F-E5AC-EBF9-5EE768E537B1}"/>
+              </a:ext>
+            </a:extLst>
+          </p:cNvPr>
+          <p:cNvPicPr>
+            <a:picLocks noChangeAspect="1"/>
+          </p:cNvPicPr>
+          <p:nvPr/>
+        </p:nvPicPr>
+        <p:blipFill>
+          <a:blip r:embed="rId4"/>
+          <a:stretch>
+            <a:fillRect/>
+          </a:stretch>
+        </p:blipFill>
+        <p:spPr>
+          <a:xfrm>
+            <a:off x="5359118" y="3245163"/>
+            <a:ext cx="4592218" cy="2961756"/>
+          </a:xfrm>
+          <a:prstGeom prst="rect">
+            <a:avLst/>
+          </a:prstGeom>
+        </p:spPr>
+      </p:pic>
+      <p:pic>
+        <p:nvPicPr>
+          <p:cNvPr id="17" name="Picture 16">
+            <a:extLst>
+              <a:ext uri="{FF2B5EF4-FFF2-40B4-BE49-F238E27FC236}">
+                <a16:creationId xmlns:a16="http://schemas.microsoft.com/office/drawing/2014/main" id="{0CEA2472-EB91-0FFE-3ED6-59CCBC26287A}"/>
+              </a:ext>
+            </a:extLst>
+          </p:cNvPr>
+          <p:cNvPicPr>
+            <a:picLocks noChangeAspect="1"/>
+          </p:cNvPicPr>
+          <p:nvPr/>
+        </p:nvPicPr>
+        <p:blipFill>
+          <a:blip r:embed="rId5"/>
+          <a:stretch>
+            <a:fillRect/>
+          </a:stretch>
+        </p:blipFill>
+        <p:spPr>
+          <a:xfrm>
+            <a:off x="9861100" y="386018"/>
+            <a:ext cx="2178500" cy="680782"/>
+          </a:xfrm>
+          <a:prstGeom prst="rect">
+            <a:avLst/>
+          </a:prstGeom>
+        </p:spPr>
+      </p:pic>
+      <p:sp>
+        <p:nvSpPr>
+          <p:cNvPr id="19" name="Content Placeholder 18">
+            <a:extLst>
+              <a:ext uri="{FF2B5EF4-FFF2-40B4-BE49-F238E27FC236}">
+                <a16:creationId xmlns:a16="http://schemas.microsoft.com/office/drawing/2014/main" id="{B1436906-D48B-27A9-E463-39E4E9FEF665}"/>
+              </a:ext>
+            </a:extLst>
+          </p:cNvPr>
+          <p:cNvSpPr>
+            <a:spLocks noGrp="1"/>
+          </p:cNvSpPr>
+          <p:nvPr>
+            <p:ph idx="1"/>
+          </p:nvPr>
+        </p:nvSpPr>
+        <p:spPr>
+          <a:xfrm>
+            <a:off x="677334" y="2160589"/>
+            <a:ext cx="8596668" cy="2259011"/>
+          </a:xfrm>
+        </p:spPr>
+        <p:txBody>
+          <a:bodyPr/>
+          <a:lstStyle/>
+          <a:p>
+            <a:r>
+              <a:rPr lang="en-US" b="1" dirty="0"/>
+              <a:t>Distributions:</a:t>
+            </a:r>
+          </a:p>
+          <a:p>
+            <a:pPr lvl="1"/>
+            <a:r>
+              <a:rPr lang="en-US" dirty="0"/>
+              <a:t>skewness /log transformation</a:t>
+            </a:r>
+          </a:p>
+        </p:txBody>
+      </p:sp>
+      <p:pic>
+        <p:nvPicPr>
+          <p:cNvPr id="23" name="Content Placeholder 5" descr="Bar chart">
+            <a:extLst>
+              <a:ext uri="{FF2B5EF4-FFF2-40B4-BE49-F238E27FC236}">
+                <a16:creationId xmlns:a16="http://schemas.microsoft.com/office/drawing/2014/main" id="{7D761D67-4954-7480-2C0C-2DA7AE61E0D3}"/>
+              </a:ext>
+            </a:extLst>
+          </p:cNvPr>
+          <p:cNvPicPr>
+            <a:picLocks noChangeAspect="1"/>
+          </p:cNvPicPr>
+          <p:nvPr/>
+        </p:nvPicPr>
+        <p:blipFill>
+          <a:blip r:embed="rId6">
+            <a:extLst>
+              <a:ext uri="{96DAC541-7B7A-43D3-8B79-37D633B846F1}">
+                <asvg:svgBlip xmlns:asvg="http://schemas.microsoft.com/office/drawing/2016/SVG/main" r:embed="rId7"/>
+              </a:ext>
+            </a:extLst>
+          </a:blip>
+          <a:stretch>
+            <a:fillRect/>
+          </a:stretch>
+        </p:blipFill>
+        <p:spPr>
+          <a:xfrm>
+            <a:off x="10813812" y="2928839"/>
+            <a:ext cx="1240843" cy="1240843"/>
+          </a:xfrm>
+          <a:prstGeom prst="rect">
+            <a:avLst/>
+          </a:prstGeom>
+        </p:spPr>
+      </p:pic>
+      <p:pic>
+        <p:nvPicPr>
+          <p:cNvPr id="24" name="Graphic 23" descr="Statistics">
+            <a:extLst>
+              <a:ext uri="{FF2B5EF4-FFF2-40B4-BE49-F238E27FC236}">
+                <a16:creationId xmlns:a16="http://schemas.microsoft.com/office/drawing/2014/main" id="{C061CFA4-99A8-3CF1-48A0-F8F3A1FD87C6}"/>
+              </a:ext>
+            </a:extLst>
+          </p:cNvPr>
+          <p:cNvPicPr>
+            <a:picLocks noChangeAspect="1"/>
+          </p:cNvPicPr>
+          <p:nvPr/>
+        </p:nvPicPr>
+        <p:blipFill>
+          <a:blip r:embed="rId8">
+            <a:extLst>
+              <a:ext uri="{96DAC541-7B7A-43D3-8B79-37D633B846F1}">
+                <asvg:svgBlip xmlns:asvg="http://schemas.microsoft.com/office/drawing/2016/SVG/main" r:embed="rId9"/>
+              </a:ext>
+            </a:extLst>
+          </a:blip>
+          <a:stretch>
+            <a:fillRect/>
+          </a:stretch>
+        </p:blipFill>
+        <p:spPr>
+          <a:xfrm>
+            <a:off x="11015758" y="4114800"/>
+            <a:ext cx="770466" cy="770466"/>
+          </a:xfrm>
+          <a:prstGeom prst="rect">
+            <a:avLst/>
+          </a:prstGeom>
+        </p:spPr>
+      </p:pic>
+      <p:pic>
+        <p:nvPicPr>
+          <p:cNvPr id="25" name="Graphic 24" descr="Research">
+            <a:extLst>
+              <a:ext uri="{FF2B5EF4-FFF2-40B4-BE49-F238E27FC236}">
+                <a16:creationId xmlns:a16="http://schemas.microsoft.com/office/drawing/2014/main" id="{12B068A2-9DD8-057B-5C0F-2C9CD8BD477B}"/>
+              </a:ext>
+            </a:extLst>
+          </p:cNvPr>
+          <p:cNvPicPr>
+            <a:picLocks noChangeAspect="1"/>
+          </p:cNvPicPr>
+          <p:nvPr/>
+        </p:nvPicPr>
+        <p:blipFill>
+          <a:blip r:embed="rId10">
+            <a:extLst>
+              <a:ext uri="{96DAC541-7B7A-43D3-8B79-37D633B846F1}">
+                <asvg:svgBlip xmlns:asvg="http://schemas.microsoft.com/office/drawing/2016/SVG/main" r:embed="rId11"/>
+              </a:ext>
+            </a:extLst>
+          </a:blip>
+          <a:stretch>
+            <a:fillRect/>
+          </a:stretch>
+        </p:blipFill>
+        <p:spPr>
+          <a:xfrm>
+            <a:off x="11049000" y="2368550"/>
+            <a:ext cx="770466" cy="770466"/>
+          </a:xfrm>
+          <a:prstGeom prst="rect">
+            <a:avLst/>
+          </a:prstGeom>
+        </p:spPr>
+      </p:pic>
+      <p:pic>
+        <p:nvPicPr>
+          <p:cNvPr id="27" name="Graphic 26" descr="Question mark">
+            <a:extLst>
+              <a:ext uri="{FF2B5EF4-FFF2-40B4-BE49-F238E27FC236}">
+                <a16:creationId xmlns:a16="http://schemas.microsoft.com/office/drawing/2014/main" id="{2233AB7F-A89B-BBBA-92CF-3DAD903AD559}"/>
+              </a:ext>
+            </a:extLst>
+          </p:cNvPr>
+          <p:cNvPicPr>
+            <a:picLocks noChangeAspect="1"/>
+          </p:cNvPicPr>
+          <p:nvPr/>
+        </p:nvPicPr>
+        <p:blipFill>
+          <a:blip r:embed="rId12">
+            <a:extLst>
+              <a:ext uri="{96DAC541-7B7A-43D3-8B79-37D633B846F1}">
+                <asvg:svgBlip xmlns:asvg="http://schemas.microsoft.com/office/drawing/2016/SVG/main" r:embed="rId13"/>
+              </a:ext>
+            </a:extLst>
+          </a:blip>
+          <a:stretch>
+            <a:fillRect/>
+          </a:stretch>
+        </p:blipFill>
+        <p:spPr>
+          <a:xfrm>
+            <a:off x="10950350" y="1545167"/>
+            <a:ext cx="770466" cy="770466"/>
           </a:xfrm>
           <a:prstGeom prst="rect">
             <a:avLst/>
@@ -9869,7 +15143,7 @@
     </p:spTree>
     <p:extLst>
       <p:ext uri="{BB962C8B-B14F-4D97-AF65-F5344CB8AC3E}">
-        <p14:creationId xmlns:p14="http://schemas.microsoft.com/office/powerpoint/2010/main" val="1766009452"/>
+        <p14:creationId xmlns:p14="http://schemas.microsoft.com/office/powerpoint/2010/main" val="1847277973"/>
       </p:ext>
     </p:extLst>
   </p:cSld>
@@ -9919,42 +15193,17 @@
           <a:p>
             <a:r>
               <a:rPr lang="en-US" dirty="0"/>
-              <a:t>Conclusions and Recommendations</a:t>
-            </a:r>
-          </a:p>
-        </p:txBody>
-      </p:sp>
-      <p:sp>
-        <p:nvSpPr>
-          <p:cNvPr id="3" name="Content Placeholder 2">
-            <a:extLst>
-              <a:ext uri="{FF2B5EF4-FFF2-40B4-BE49-F238E27FC236}">
-                <a16:creationId xmlns:a16="http://schemas.microsoft.com/office/drawing/2014/main" id="{C7B91AE8-DB84-2709-AD94-D554AAC6377A}"/>
-              </a:ext>
-            </a:extLst>
-          </p:cNvPr>
-          <p:cNvSpPr>
-            <a:spLocks noGrp="1"/>
-          </p:cNvSpPr>
-          <p:nvPr>
-            <p:ph idx="1"/>
-          </p:nvPr>
-        </p:nvSpPr>
-        <p:spPr/>
-        <p:txBody>
-          <a:bodyPr/>
-          <a:lstStyle/>
-          <a:p>
-            <a:endParaRPr lang="en-US" dirty="0"/>
+              <a:t>Exploratory Data Analysis</a:t>
+            </a:r>
           </a:p>
         </p:txBody>
       </p:sp>
       <p:pic>
         <p:nvPicPr>
-          <p:cNvPr id="4" name="Picture 3">
+          <p:cNvPr id="12" name="Picture 11">
             <a:extLst>
               <a:ext uri="{FF2B5EF4-FFF2-40B4-BE49-F238E27FC236}">
-                <a16:creationId xmlns:a16="http://schemas.microsoft.com/office/drawing/2014/main" id="{A8CB7228-7FB3-D8E3-C350-443371C6DE7C}"/>
+                <a16:creationId xmlns:a16="http://schemas.microsoft.com/office/drawing/2014/main" id="{A7DACA80-C227-9AC0-F13F-3A3384244CCF}"/>
               </a:ext>
             </a:extLst>
           </p:cNvPr>
@@ -9964,15 +15213,233 @@
           <p:nvPr/>
         </p:nvPicPr>
         <p:blipFill>
-          <a:blip r:embed="rId2"/>
+          <a:blip r:embed="rId3"/>
           <a:stretch>
             <a:fillRect/>
           </a:stretch>
         </p:blipFill>
         <p:spPr>
           <a:xfrm>
-            <a:off x="8475134" y="534458"/>
-            <a:ext cx="2353732" cy="735542"/>
+            <a:off x="9861100" y="386018"/>
+            <a:ext cx="2178500" cy="680782"/>
+          </a:xfrm>
+          <a:prstGeom prst="rect">
+            <a:avLst/>
+          </a:prstGeom>
+        </p:spPr>
+      </p:pic>
+      <p:sp>
+        <p:nvSpPr>
+          <p:cNvPr id="14" name="Content Placeholder 13">
+            <a:extLst>
+              <a:ext uri="{FF2B5EF4-FFF2-40B4-BE49-F238E27FC236}">
+                <a16:creationId xmlns:a16="http://schemas.microsoft.com/office/drawing/2014/main" id="{DC6E12CD-494F-93B3-6303-B6A7C15C84EC}"/>
+              </a:ext>
+            </a:extLst>
+          </p:cNvPr>
+          <p:cNvSpPr>
+            <a:spLocks noGrp="1"/>
+          </p:cNvSpPr>
+          <p:nvPr>
+            <p:ph idx="1"/>
+          </p:nvPr>
+        </p:nvSpPr>
+        <p:spPr>
+          <a:xfrm>
+            <a:off x="677334" y="2160589"/>
+            <a:ext cx="5571066" cy="3097211"/>
+          </a:xfrm>
+        </p:spPr>
+        <p:txBody>
+          <a:bodyPr/>
+          <a:lstStyle/>
+          <a:p>
+            <a:r>
+              <a:rPr lang="en-US" dirty="0"/>
+              <a:t>Correlations with the target;</a:t>
+            </a:r>
+          </a:p>
+          <a:p>
+            <a:pPr lvl="1"/>
+            <a:r>
+              <a:rPr lang="en-US" dirty="0"/>
+              <a:t>latitude/longitude x neighborhood;</a:t>
+            </a:r>
+          </a:p>
+          <a:p>
+            <a:pPr lvl="1"/>
+            <a:endParaRPr lang="en-US" dirty="0"/>
+          </a:p>
+        </p:txBody>
+      </p:sp>
+      <p:pic>
+        <p:nvPicPr>
+          <p:cNvPr id="18" name="Content Placeholder 5" descr="Bar chart">
+            <a:extLst>
+              <a:ext uri="{FF2B5EF4-FFF2-40B4-BE49-F238E27FC236}">
+                <a16:creationId xmlns:a16="http://schemas.microsoft.com/office/drawing/2014/main" id="{0CF14C3C-3D8E-573F-AAA8-C6212A7ED195}"/>
+              </a:ext>
+            </a:extLst>
+          </p:cNvPr>
+          <p:cNvPicPr>
+            <a:picLocks noChangeAspect="1"/>
+          </p:cNvPicPr>
+          <p:nvPr/>
+        </p:nvPicPr>
+        <p:blipFill>
+          <a:blip r:embed="rId4">
+            <a:extLst>
+              <a:ext uri="{96DAC541-7B7A-43D3-8B79-37D633B846F1}">
+                <asvg:svgBlip xmlns:asvg="http://schemas.microsoft.com/office/drawing/2016/SVG/main" r:embed="rId5"/>
+              </a:ext>
+            </a:extLst>
+          </a:blip>
+          <a:stretch>
+            <a:fillRect/>
+          </a:stretch>
+        </p:blipFill>
+        <p:spPr>
+          <a:xfrm>
+            <a:off x="10813812" y="2928839"/>
+            <a:ext cx="1240843" cy="1240843"/>
+          </a:xfrm>
+          <a:prstGeom prst="rect">
+            <a:avLst/>
+          </a:prstGeom>
+        </p:spPr>
+      </p:pic>
+      <p:pic>
+        <p:nvPicPr>
+          <p:cNvPr id="19" name="Graphic 18" descr="Statistics">
+            <a:extLst>
+              <a:ext uri="{FF2B5EF4-FFF2-40B4-BE49-F238E27FC236}">
+                <a16:creationId xmlns:a16="http://schemas.microsoft.com/office/drawing/2014/main" id="{040C94BC-64E1-D283-7B3D-6B7CAD484E44}"/>
+              </a:ext>
+            </a:extLst>
+          </p:cNvPr>
+          <p:cNvPicPr>
+            <a:picLocks noChangeAspect="1"/>
+          </p:cNvPicPr>
+          <p:nvPr/>
+        </p:nvPicPr>
+        <p:blipFill>
+          <a:blip r:embed="rId6">
+            <a:extLst>
+              <a:ext uri="{96DAC541-7B7A-43D3-8B79-37D633B846F1}">
+                <asvg:svgBlip xmlns:asvg="http://schemas.microsoft.com/office/drawing/2016/SVG/main" r:embed="rId7"/>
+              </a:ext>
+            </a:extLst>
+          </a:blip>
+          <a:stretch>
+            <a:fillRect/>
+          </a:stretch>
+        </p:blipFill>
+        <p:spPr>
+          <a:xfrm>
+            <a:off x="11015758" y="4114800"/>
+            <a:ext cx="770466" cy="770466"/>
+          </a:xfrm>
+          <a:prstGeom prst="rect">
+            <a:avLst/>
+          </a:prstGeom>
+        </p:spPr>
+      </p:pic>
+      <p:pic>
+        <p:nvPicPr>
+          <p:cNvPr id="20" name="Graphic 19" descr="Research">
+            <a:extLst>
+              <a:ext uri="{FF2B5EF4-FFF2-40B4-BE49-F238E27FC236}">
+                <a16:creationId xmlns:a16="http://schemas.microsoft.com/office/drawing/2014/main" id="{BF402742-5D83-4991-6884-C79D888CDBBC}"/>
+              </a:ext>
+            </a:extLst>
+          </p:cNvPr>
+          <p:cNvPicPr>
+            <a:picLocks noChangeAspect="1"/>
+          </p:cNvPicPr>
+          <p:nvPr/>
+        </p:nvPicPr>
+        <p:blipFill>
+          <a:blip r:embed="rId8">
+            <a:extLst>
+              <a:ext uri="{96DAC541-7B7A-43D3-8B79-37D633B846F1}">
+                <asvg:svgBlip xmlns:asvg="http://schemas.microsoft.com/office/drawing/2016/SVG/main" r:embed="rId9"/>
+              </a:ext>
+            </a:extLst>
+          </a:blip>
+          <a:stretch>
+            <a:fillRect/>
+          </a:stretch>
+        </p:blipFill>
+        <p:spPr>
+          <a:xfrm>
+            <a:off x="11049000" y="2368550"/>
+            <a:ext cx="770466" cy="770466"/>
+          </a:xfrm>
+          <a:prstGeom prst="rect">
+            <a:avLst/>
+          </a:prstGeom>
+        </p:spPr>
+      </p:pic>
+      <p:pic>
+        <p:nvPicPr>
+          <p:cNvPr id="22" name="Graphic 21" descr="Question mark">
+            <a:extLst>
+              <a:ext uri="{FF2B5EF4-FFF2-40B4-BE49-F238E27FC236}">
+                <a16:creationId xmlns:a16="http://schemas.microsoft.com/office/drawing/2014/main" id="{731D7432-E3FE-0196-D3C0-D94B952B382A}"/>
+              </a:ext>
+            </a:extLst>
+          </p:cNvPr>
+          <p:cNvPicPr>
+            <a:picLocks noChangeAspect="1"/>
+          </p:cNvPicPr>
+          <p:nvPr/>
+        </p:nvPicPr>
+        <p:blipFill>
+          <a:blip r:embed="rId10">
+            <a:extLst>
+              <a:ext uri="{96DAC541-7B7A-43D3-8B79-37D633B846F1}">
+                <asvg:svgBlip xmlns:asvg="http://schemas.microsoft.com/office/drawing/2016/SVG/main" r:embed="rId11"/>
+              </a:ext>
+            </a:extLst>
+          </a:blip>
+          <a:stretch>
+            <a:fillRect/>
+          </a:stretch>
+        </p:blipFill>
+        <p:spPr>
+          <a:xfrm>
+            <a:off x="10950350" y="1545167"/>
+            <a:ext cx="770466" cy="770466"/>
+          </a:xfrm>
+          <a:prstGeom prst="rect">
+            <a:avLst/>
+          </a:prstGeom>
+        </p:spPr>
+      </p:pic>
+      <p:pic>
+        <p:nvPicPr>
+          <p:cNvPr id="24" name="Picture 23">
+            <a:extLst>
+              <a:ext uri="{FF2B5EF4-FFF2-40B4-BE49-F238E27FC236}">
+                <a16:creationId xmlns:a16="http://schemas.microsoft.com/office/drawing/2014/main" id="{00F16E8C-9CCE-996B-77E1-6CAAF81B6C89}"/>
+              </a:ext>
+            </a:extLst>
+          </p:cNvPr>
+          <p:cNvPicPr>
+            <a:picLocks noChangeAspect="1"/>
+          </p:cNvPicPr>
+          <p:nvPr/>
+        </p:nvPicPr>
+        <p:blipFill>
+          <a:blip r:embed="rId12"/>
+          <a:stretch>
+            <a:fillRect/>
+          </a:stretch>
+        </p:blipFill>
+        <p:spPr>
+          <a:xfrm>
+            <a:off x="677334" y="4084307"/>
+            <a:ext cx="7048316" cy="2392693"/>
           </a:xfrm>
           <a:prstGeom prst="rect">
             <a:avLst/>
@@ -9982,7 +15449,7 @@
     </p:spTree>
     <p:extLst>
       <p:ext uri="{BB962C8B-B14F-4D97-AF65-F5344CB8AC3E}">
-        <p14:creationId xmlns:p14="http://schemas.microsoft.com/office/powerpoint/2010/main" val="4287857505"/>
+        <p14:creationId xmlns:p14="http://schemas.microsoft.com/office/powerpoint/2010/main" val="2319794167"/>
       </p:ext>
     </p:extLst>
   </p:cSld>
@@ -10032,55 +15499,17 @@
           <a:p>
             <a:r>
               <a:rPr lang="en-US" dirty="0"/>
-              <a:t>Airbnb App</a:t>
-            </a:r>
-          </a:p>
-        </p:txBody>
-      </p:sp>
-      <p:sp>
-        <p:nvSpPr>
-          <p:cNvPr id="3" name="Content Placeholder 2">
-            <a:extLst>
-              <a:ext uri="{FF2B5EF4-FFF2-40B4-BE49-F238E27FC236}">
-                <a16:creationId xmlns:a16="http://schemas.microsoft.com/office/drawing/2014/main" id="{C7B91AE8-DB84-2709-AD94-D554AAC6377A}"/>
-              </a:ext>
-            </a:extLst>
-          </p:cNvPr>
-          <p:cNvSpPr>
-            <a:spLocks noGrp="1"/>
-          </p:cNvSpPr>
-          <p:nvPr>
-            <p:ph idx="1"/>
-          </p:nvPr>
-        </p:nvSpPr>
-        <p:spPr/>
-        <p:txBody>
-          <a:bodyPr/>
-          <a:lstStyle/>
-          <a:p>
-            <a:r>
-              <a:rPr lang="en-US" dirty="0"/>
-              <a:t>App to explorer Airbnb Listing Data and Predicting Prices:   </a:t>
-            </a:r>
-          </a:p>
-          <a:p>
-            <a:pPr lvl="1"/>
-            <a:r>
-              <a:rPr lang="en-US" dirty="0">
-                <a:hlinkClick r:id="rId2"/>
-              </a:rPr>
-              <a:t>Airbnb Explorer App</a:t>
-            </a:r>
-            <a:endParaRPr lang="en-US" dirty="0"/>
+              <a:t>Exploratory Data Analysis</a:t>
+            </a:r>
           </a:p>
         </p:txBody>
       </p:sp>
       <p:pic>
         <p:nvPicPr>
-          <p:cNvPr id="6" name="Picture 5">
+          <p:cNvPr id="3" name="Content Placeholder 5">
             <a:extLst>
               <a:ext uri="{FF2B5EF4-FFF2-40B4-BE49-F238E27FC236}">
-                <a16:creationId xmlns:a16="http://schemas.microsoft.com/office/drawing/2014/main" id="{5AD3705D-1B64-E6B3-8BAD-D6607EAF1197}"/>
+                <a16:creationId xmlns:a16="http://schemas.microsoft.com/office/drawing/2014/main" id="{7AF6BC5F-5B42-F0C7-3A60-E6807BDB02C0}"/>
               </a:ext>
             </a:extLst>
           </p:cNvPr>
@@ -10097,8 +15526,210 @@
         </p:blipFill>
         <p:spPr>
           <a:xfrm>
-            <a:off x="1553925" y="3113371"/>
-            <a:ext cx="6843486" cy="3246589"/>
+            <a:off x="1219200" y="1694971"/>
+            <a:ext cx="6781800" cy="5163029"/>
+          </a:xfrm>
+          <a:prstGeom prst="rect">
+            <a:avLst/>
+          </a:prstGeom>
+        </p:spPr>
+      </p:pic>
+      <p:pic>
+        <p:nvPicPr>
+          <p:cNvPr id="5" name="Picture 4">
+            <a:extLst>
+              <a:ext uri="{FF2B5EF4-FFF2-40B4-BE49-F238E27FC236}">
+                <a16:creationId xmlns:a16="http://schemas.microsoft.com/office/drawing/2014/main" id="{26770ABE-9B2C-2DC0-16E7-A374FA73B8B9}"/>
+              </a:ext>
+            </a:extLst>
+          </p:cNvPr>
+          <p:cNvPicPr>
+            <a:picLocks noChangeAspect="1"/>
+          </p:cNvPicPr>
+          <p:nvPr/>
+        </p:nvPicPr>
+        <p:blipFill>
+          <a:blip r:embed="rId4"/>
+          <a:stretch>
+            <a:fillRect/>
+          </a:stretch>
+        </p:blipFill>
+        <p:spPr>
+          <a:xfrm>
+            <a:off x="9861100" y="386018"/>
+            <a:ext cx="2178500" cy="680782"/>
+          </a:xfrm>
+          <a:prstGeom prst="rect">
+            <a:avLst/>
+          </a:prstGeom>
+        </p:spPr>
+      </p:pic>
+      <p:sp>
+        <p:nvSpPr>
+          <p:cNvPr id="11" name="Content Placeholder 10">
+            <a:extLst>
+              <a:ext uri="{FF2B5EF4-FFF2-40B4-BE49-F238E27FC236}">
+                <a16:creationId xmlns:a16="http://schemas.microsoft.com/office/drawing/2014/main" id="{A246C2D4-DE8E-88CB-C28E-6FE72DD300F5}"/>
+              </a:ext>
+            </a:extLst>
+          </p:cNvPr>
+          <p:cNvSpPr>
+            <a:spLocks noGrp="1"/>
+          </p:cNvSpPr>
+          <p:nvPr>
+            <p:ph idx="1"/>
+          </p:nvPr>
+        </p:nvSpPr>
+        <p:spPr/>
+        <p:txBody>
+          <a:bodyPr/>
+          <a:lstStyle/>
+          <a:p>
+            <a:r>
+              <a:rPr lang="en-US" dirty="0"/>
+              <a:t>latitude/longitude variables;</a:t>
+            </a:r>
+          </a:p>
+        </p:txBody>
+      </p:sp>
+      <p:pic>
+        <p:nvPicPr>
+          <p:cNvPr id="15" name="Content Placeholder 5" descr="Bar chart">
+            <a:extLst>
+              <a:ext uri="{FF2B5EF4-FFF2-40B4-BE49-F238E27FC236}">
+                <a16:creationId xmlns:a16="http://schemas.microsoft.com/office/drawing/2014/main" id="{C2408A8C-583C-5597-E3D6-FC914EE710BE}"/>
+              </a:ext>
+            </a:extLst>
+          </p:cNvPr>
+          <p:cNvPicPr>
+            <a:picLocks noChangeAspect="1"/>
+          </p:cNvPicPr>
+          <p:nvPr/>
+        </p:nvPicPr>
+        <p:blipFill>
+          <a:blip r:embed="rId5">
+            <a:extLst>
+              <a:ext uri="{96DAC541-7B7A-43D3-8B79-37D633B846F1}">
+                <asvg:svgBlip xmlns:asvg="http://schemas.microsoft.com/office/drawing/2016/SVG/main" r:embed="rId6"/>
+              </a:ext>
+            </a:extLst>
+          </a:blip>
+          <a:stretch>
+            <a:fillRect/>
+          </a:stretch>
+        </p:blipFill>
+        <p:spPr>
+          <a:xfrm>
+            <a:off x="10813812" y="2928839"/>
+            <a:ext cx="1240843" cy="1240843"/>
+          </a:xfrm>
+          <a:prstGeom prst="rect">
+            <a:avLst/>
+          </a:prstGeom>
+        </p:spPr>
+      </p:pic>
+      <p:pic>
+        <p:nvPicPr>
+          <p:cNvPr id="16" name="Graphic 15" descr="Statistics">
+            <a:extLst>
+              <a:ext uri="{FF2B5EF4-FFF2-40B4-BE49-F238E27FC236}">
+                <a16:creationId xmlns:a16="http://schemas.microsoft.com/office/drawing/2014/main" id="{0101C148-30FF-375C-91A2-EB1306B83FC3}"/>
+              </a:ext>
+            </a:extLst>
+          </p:cNvPr>
+          <p:cNvPicPr>
+            <a:picLocks noChangeAspect="1"/>
+          </p:cNvPicPr>
+          <p:nvPr/>
+        </p:nvPicPr>
+        <p:blipFill>
+          <a:blip r:embed="rId7">
+            <a:extLst>
+              <a:ext uri="{96DAC541-7B7A-43D3-8B79-37D633B846F1}">
+                <asvg:svgBlip xmlns:asvg="http://schemas.microsoft.com/office/drawing/2016/SVG/main" r:embed="rId8"/>
+              </a:ext>
+            </a:extLst>
+          </a:blip>
+          <a:stretch>
+            <a:fillRect/>
+          </a:stretch>
+        </p:blipFill>
+        <p:spPr>
+          <a:xfrm>
+            <a:off x="11015758" y="4114800"/>
+            <a:ext cx="770466" cy="770466"/>
+          </a:xfrm>
+          <a:prstGeom prst="rect">
+            <a:avLst/>
+          </a:prstGeom>
+        </p:spPr>
+      </p:pic>
+      <p:pic>
+        <p:nvPicPr>
+          <p:cNvPr id="17" name="Graphic 16" descr="Research">
+            <a:extLst>
+              <a:ext uri="{FF2B5EF4-FFF2-40B4-BE49-F238E27FC236}">
+                <a16:creationId xmlns:a16="http://schemas.microsoft.com/office/drawing/2014/main" id="{1608D193-3CB5-12F9-270C-7718ACD7AAC3}"/>
+              </a:ext>
+            </a:extLst>
+          </p:cNvPr>
+          <p:cNvPicPr>
+            <a:picLocks noChangeAspect="1"/>
+          </p:cNvPicPr>
+          <p:nvPr/>
+        </p:nvPicPr>
+        <p:blipFill>
+          <a:blip r:embed="rId9">
+            <a:extLst>
+              <a:ext uri="{96DAC541-7B7A-43D3-8B79-37D633B846F1}">
+                <asvg:svgBlip xmlns:asvg="http://schemas.microsoft.com/office/drawing/2016/SVG/main" r:embed="rId10"/>
+              </a:ext>
+            </a:extLst>
+          </a:blip>
+          <a:stretch>
+            <a:fillRect/>
+          </a:stretch>
+        </p:blipFill>
+        <p:spPr>
+          <a:xfrm>
+            <a:off x="11049000" y="2368550"/>
+            <a:ext cx="770466" cy="770466"/>
+          </a:xfrm>
+          <a:prstGeom prst="rect">
+            <a:avLst/>
+          </a:prstGeom>
+        </p:spPr>
+      </p:pic>
+      <p:pic>
+        <p:nvPicPr>
+          <p:cNvPr id="19" name="Graphic 18" descr="Question mark">
+            <a:extLst>
+              <a:ext uri="{FF2B5EF4-FFF2-40B4-BE49-F238E27FC236}">
+                <a16:creationId xmlns:a16="http://schemas.microsoft.com/office/drawing/2014/main" id="{295AA3E5-06B3-E5CE-0FB2-F8CF1319D89A}"/>
+              </a:ext>
+            </a:extLst>
+          </p:cNvPr>
+          <p:cNvPicPr>
+            <a:picLocks noChangeAspect="1"/>
+          </p:cNvPicPr>
+          <p:nvPr/>
+        </p:nvPicPr>
+        <p:blipFill>
+          <a:blip r:embed="rId11">
+            <a:extLst>
+              <a:ext uri="{96DAC541-7B7A-43D3-8B79-37D633B846F1}">
+                <asvg:svgBlip xmlns:asvg="http://schemas.microsoft.com/office/drawing/2016/SVG/main" r:embed="rId12"/>
+              </a:ext>
+            </a:extLst>
+          </a:blip>
+          <a:stretch>
+            <a:fillRect/>
+          </a:stretch>
+        </p:blipFill>
+        <p:spPr>
+          <a:xfrm>
+            <a:off x="10950350" y="1545167"/>
+            <a:ext cx="770466" cy="770466"/>
           </a:xfrm>
           <a:prstGeom prst="rect">
             <a:avLst/>
@@ -10108,7 +15739,7 @@
     </p:spTree>
     <p:extLst>
       <p:ext uri="{BB962C8B-B14F-4D97-AF65-F5344CB8AC3E}">
-        <p14:creationId xmlns:p14="http://schemas.microsoft.com/office/powerpoint/2010/main" val="171714068"/>
+        <p14:creationId xmlns:p14="http://schemas.microsoft.com/office/powerpoint/2010/main" val="4174020804"/>
       </p:ext>
     </p:extLst>
   </p:cSld>
@@ -10151,32 +15782,24 @@
             <p:ph type="title"/>
           </p:nvPr>
         </p:nvSpPr>
-        <p:spPr>
-          <a:xfrm>
-            <a:off x="2514600" y="3124200"/>
-            <a:ext cx="5181600" cy="2057400"/>
-          </a:xfrm>
-        </p:spPr>
+        <p:spPr/>
         <p:txBody>
-          <a:bodyPr>
-            <a:noAutofit/>
-          </a:bodyPr>
+          <a:bodyPr/>
           <a:lstStyle/>
           <a:p>
             <a:r>
-              <a:rPr lang="en-US" sz="5400"/>
-              <a:t>Thank You!</a:t>
-            </a:r>
-            <a:endParaRPr lang="en-US" sz="5400" dirty="0"/>
+              <a:rPr lang="en-US" dirty="0"/>
+              <a:t>Exploratory Data Analysis</a:t>
+            </a:r>
           </a:p>
         </p:txBody>
       </p:sp>
       <p:pic>
         <p:nvPicPr>
-          <p:cNvPr id="4" name="Picture 3">
+          <p:cNvPr id="5" name="Picture 4">
             <a:extLst>
               <a:ext uri="{FF2B5EF4-FFF2-40B4-BE49-F238E27FC236}">
-                <a16:creationId xmlns:a16="http://schemas.microsoft.com/office/drawing/2014/main" id="{A8CB7228-7FB3-D8E3-C350-443371C6DE7C}"/>
+                <a16:creationId xmlns:a16="http://schemas.microsoft.com/office/drawing/2014/main" id="{1C3C683D-99D3-A81D-CDBD-2B091B4E26EB}"/>
               </a:ext>
             </a:extLst>
           </p:cNvPr>
@@ -10186,15 +15809,252 @@
           <p:nvPr/>
         </p:nvPicPr>
         <p:blipFill>
-          <a:blip r:embed="rId2"/>
+          <a:blip r:embed="rId3"/>
           <a:stretch>
             <a:fillRect/>
           </a:stretch>
         </p:blipFill>
         <p:spPr>
           <a:xfrm>
-            <a:off x="8475134" y="534458"/>
-            <a:ext cx="2353732" cy="735542"/>
+            <a:off x="2347232" y="3124200"/>
+            <a:ext cx="3199036" cy="3733800"/>
+          </a:xfrm>
+          <a:prstGeom prst="rect">
+            <a:avLst/>
+          </a:prstGeom>
+        </p:spPr>
+      </p:pic>
+      <p:pic>
+        <p:nvPicPr>
+          <p:cNvPr id="9" name="Picture 8">
+            <a:extLst>
+              <a:ext uri="{FF2B5EF4-FFF2-40B4-BE49-F238E27FC236}">
+                <a16:creationId xmlns:a16="http://schemas.microsoft.com/office/drawing/2014/main" id="{DBAFCBE2-25EE-E9D7-6C49-7EF82EC9ECF0}"/>
+              </a:ext>
+            </a:extLst>
+          </p:cNvPr>
+          <p:cNvPicPr>
+            <a:picLocks noChangeAspect="1"/>
+          </p:cNvPicPr>
+          <p:nvPr/>
+        </p:nvPicPr>
+        <p:blipFill>
+          <a:blip r:embed="rId4"/>
+          <a:stretch>
+            <a:fillRect/>
+          </a:stretch>
+        </p:blipFill>
+        <p:spPr>
+          <a:xfrm>
+            <a:off x="5562600" y="3124200"/>
+            <a:ext cx="1913531" cy="3417020"/>
+          </a:xfrm>
+          <a:prstGeom prst="rect">
+            <a:avLst/>
+          </a:prstGeom>
+        </p:spPr>
+      </p:pic>
+      <p:pic>
+        <p:nvPicPr>
+          <p:cNvPr id="13" name="Picture 12">
+            <a:extLst>
+              <a:ext uri="{FF2B5EF4-FFF2-40B4-BE49-F238E27FC236}">
+                <a16:creationId xmlns:a16="http://schemas.microsoft.com/office/drawing/2014/main" id="{AA8852D8-20C4-3CBD-BD0C-542B83FD815C}"/>
+              </a:ext>
+            </a:extLst>
+          </p:cNvPr>
+          <p:cNvPicPr>
+            <a:picLocks noChangeAspect="1"/>
+          </p:cNvPicPr>
+          <p:nvPr/>
+        </p:nvPicPr>
+        <p:blipFill>
+          <a:blip r:embed="rId5"/>
+          <a:stretch>
+            <a:fillRect/>
+          </a:stretch>
+        </p:blipFill>
+        <p:spPr>
+          <a:xfrm>
+            <a:off x="9861100" y="386018"/>
+            <a:ext cx="2178500" cy="680782"/>
+          </a:xfrm>
+          <a:prstGeom prst="rect">
+            <a:avLst/>
+          </a:prstGeom>
+        </p:spPr>
+      </p:pic>
+      <p:sp>
+        <p:nvSpPr>
+          <p:cNvPr id="15" name="Content Placeholder 14">
+            <a:extLst>
+              <a:ext uri="{FF2B5EF4-FFF2-40B4-BE49-F238E27FC236}">
+                <a16:creationId xmlns:a16="http://schemas.microsoft.com/office/drawing/2014/main" id="{31CFFB10-FF61-8061-15E2-6A8AE99F852D}"/>
+              </a:ext>
+            </a:extLst>
+          </p:cNvPr>
+          <p:cNvSpPr>
+            <a:spLocks noGrp="1"/>
+          </p:cNvSpPr>
+          <p:nvPr>
+            <p:ph idx="1"/>
+          </p:nvPr>
+        </p:nvSpPr>
+        <p:spPr>
+          <a:xfrm>
+            <a:off x="677334" y="2160590"/>
+            <a:ext cx="8596668" cy="2767012"/>
+          </a:xfrm>
+        </p:spPr>
+        <p:txBody>
+          <a:bodyPr/>
+          <a:lstStyle/>
+          <a:p>
+            <a:r>
+              <a:rPr lang="en-US" dirty="0"/>
+              <a:t>Boxplot for categorical variables</a:t>
+            </a:r>
+          </a:p>
+        </p:txBody>
+      </p:sp>
+      <p:pic>
+        <p:nvPicPr>
+          <p:cNvPr id="16" name="Content Placeholder 5" descr="Bar chart">
+            <a:extLst>
+              <a:ext uri="{FF2B5EF4-FFF2-40B4-BE49-F238E27FC236}">
+                <a16:creationId xmlns:a16="http://schemas.microsoft.com/office/drawing/2014/main" id="{6237C6F0-7090-2FC8-B033-668B4ECAAC71}"/>
+              </a:ext>
+            </a:extLst>
+          </p:cNvPr>
+          <p:cNvPicPr>
+            <a:picLocks noChangeAspect="1"/>
+          </p:cNvPicPr>
+          <p:nvPr/>
+        </p:nvPicPr>
+        <p:blipFill>
+          <a:blip r:embed="rId6">
+            <a:extLst>
+              <a:ext uri="{96DAC541-7B7A-43D3-8B79-37D633B846F1}">
+                <asvg:svgBlip xmlns:asvg="http://schemas.microsoft.com/office/drawing/2016/SVG/main" r:embed="rId7"/>
+              </a:ext>
+            </a:extLst>
+          </a:blip>
+          <a:stretch>
+            <a:fillRect/>
+          </a:stretch>
+        </p:blipFill>
+        <p:spPr>
+          <a:xfrm>
+            <a:off x="10813812" y="2928839"/>
+            <a:ext cx="1240843" cy="1240843"/>
+          </a:xfrm>
+          <a:prstGeom prst="rect">
+            <a:avLst/>
+          </a:prstGeom>
+        </p:spPr>
+      </p:pic>
+      <p:pic>
+        <p:nvPicPr>
+          <p:cNvPr id="17" name="Graphic 16" descr="Statistics">
+            <a:extLst>
+              <a:ext uri="{FF2B5EF4-FFF2-40B4-BE49-F238E27FC236}">
+                <a16:creationId xmlns:a16="http://schemas.microsoft.com/office/drawing/2014/main" id="{82FF2E96-B905-0B42-AF0F-54E3C04F02E7}"/>
+              </a:ext>
+            </a:extLst>
+          </p:cNvPr>
+          <p:cNvPicPr>
+            <a:picLocks noChangeAspect="1"/>
+          </p:cNvPicPr>
+          <p:nvPr/>
+        </p:nvPicPr>
+        <p:blipFill>
+          <a:blip r:embed="rId8">
+            <a:extLst>
+              <a:ext uri="{96DAC541-7B7A-43D3-8B79-37D633B846F1}">
+                <asvg:svgBlip xmlns:asvg="http://schemas.microsoft.com/office/drawing/2016/SVG/main" r:embed="rId9"/>
+              </a:ext>
+            </a:extLst>
+          </a:blip>
+          <a:stretch>
+            <a:fillRect/>
+          </a:stretch>
+        </p:blipFill>
+        <p:spPr>
+          <a:xfrm>
+            <a:off x="11015758" y="4114800"/>
+            <a:ext cx="770466" cy="770466"/>
+          </a:xfrm>
+          <a:prstGeom prst="rect">
+            <a:avLst/>
+          </a:prstGeom>
+        </p:spPr>
+      </p:pic>
+      <p:pic>
+        <p:nvPicPr>
+          <p:cNvPr id="18" name="Graphic 17" descr="Research">
+            <a:extLst>
+              <a:ext uri="{FF2B5EF4-FFF2-40B4-BE49-F238E27FC236}">
+                <a16:creationId xmlns:a16="http://schemas.microsoft.com/office/drawing/2014/main" id="{F4FE6E2B-417B-3627-E622-18F303AFEE1E}"/>
+              </a:ext>
+            </a:extLst>
+          </p:cNvPr>
+          <p:cNvPicPr>
+            <a:picLocks noChangeAspect="1"/>
+          </p:cNvPicPr>
+          <p:nvPr/>
+        </p:nvPicPr>
+        <p:blipFill>
+          <a:blip r:embed="rId10">
+            <a:extLst>
+              <a:ext uri="{96DAC541-7B7A-43D3-8B79-37D633B846F1}">
+                <asvg:svgBlip xmlns:asvg="http://schemas.microsoft.com/office/drawing/2016/SVG/main" r:embed="rId11"/>
+              </a:ext>
+            </a:extLst>
+          </a:blip>
+          <a:stretch>
+            <a:fillRect/>
+          </a:stretch>
+        </p:blipFill>
+        <p:spPr>
+          <a:xfrm>
+            <a:off x="11049000" y="2368550"/>
+            <a:ext cx="770466" cy="770466"/>
+          </a:xfrm>
+          <a:prstGeom prst="rect">
+            <a:avLst/>
+          </a:prstGeom>
+        </p:spPr>
+      </p:pic>
+      <p:pic>
+        <p:nvPicPr>
+          <p:cNvPr id="20" name="Graphic 19" descr="Question mark">
+            <a:extLst>
+              <a:ext uri="{FF2B5EF4-FFF2-40B4-BE49-F238E27FC236}">
+                <a16:creationId xmlns:a16="http://schemas.microsoft.com/office/drawing/2014/main" id="{84A6A4AF-B664-42D8-A364-F82A9CE6E855}"/>
+              </a:ext>
+            </a:extLst>
+          </p:cNvPr>
+          <p:cNvPicPr>
+            <a:picLocks noChangeAspect="1"/>
+          </p:cNvPicPr>
+          <p:nvPr/>
+        </p:nvPicPr>
+        <p:blipFill>
+          <a:blip r:embed="rId12">
+            <a:extLst>
+              <a:ext uri="{96DAC541-7B7A-43D3-8B79-37D633B846F1}">
+                <asvg:svgBlip xmlns:asvg="http://schemas.microsoft.com/office/drawing/2016/SVG/main" r:embed="rId13"/>
+              </a:ext>
+            </a:extLst>
+          </a:blip>
+          <a:stretch>
+            <a:fillRect/>
+          </a:stretch>
+        </p:blipFill>
+        <p:spPr>
+          <a:xfrm>
+            <a:off x="10950350" y="1545167"/>
+            <a:ext cx="770466" cy="770466"/>
           </a:xfrm>
           <a:prstGeom prst="rect">
             <a:avLst/>
@@ -10204,7 +16064,268 @@
     </p:spTree>
     <p:extLst>
       <p:ext uri="{BB962C8B-B14F-4D97-AF65-F5344CB8AC3E}">
-        <p14:creationId xmlns:p14="http://schemas.microsoft.com/office/powerpoint/2010/main" val="269692042"/>
+        <p14:creationId xmlns:p14="http://schemas.microsoft.com/office/powerpoint/2010/main" val="2429858574"/>
+      </p:ext>
+    </p:extLst>
+  </p:cSld>
+  <p:clrMapOvr>
+    <a:masterClrMapping/>
+  </p:clrMapOvr>
+</p:sld>
+</file>
+
+<file path=ppt/slides/slide9.xml><?xml version="1.0" encoding="utf-8"?>
+<p:sld xmlns:a="http://schemas.openxmlformats.org/drawingml/2006/main" xmlns:r="http://schemas.openxmlformats.org/officeDocument/2006/relationships" xmlns:p="http://schemas.openxmlformats.org/presentationml/2006/main">
+  <p:cSld>
+    <p:spTree>
+      <p:nvGrpSpPr>
+        <p:cNvPr id="1" name=""/>
+        <p:cNvGrpSpPr/>
+        <p:nvPr/>
+      </p:nvGrpSpPr>
+      <p:grpSpPr>
+        <a:xfrm>
+          <a:off x="0" y="0"/>
+          <a:ext cx="0" cy="0"/>
+          <a:chOff x="0" y="0"/>
+          <a:chExt cx="0" cy="0"/>
+        </a:xfrm>
+      </p:grpSpPr>
+      <p:sp>
+        <p:nvSpPr>
+          <p:cNvPr id="2" name="Title 1">
+            <a:extLst>
+              <a:ext uri="{FF2B5EF4-FFF2-40B4-BE49-F238E27FC236}">
+                <a16:creationId xmlns:a16="http://schemas.microsoft.com/office/drawing/2014/main" id="{DC1C6C97-D9F6-95D4-541A-AB97EAF55F22}"/>
+              </a:ext>
+            </a:extLst>
+          </p:cNvPr>
+          <p:cNvSpPr>
+            <a:spLocks noGrp="1"/>
+          </p:cNvSpPr>
+          <p:nvPr>
+            <p:ph type="title"/>
+          </p:nvPr>
+        </p:nvSpPr>
+        <p:spPr/>
+        <p:txBody>
+          <a:bodyPr/>
+          <a:lstStyle/>
+          <a:p>
+            <a:r>
+              <a:rPr lang="en-US" dirty="0"/>
+              <a:t>Exploratory Data Analysis</a:t>
+            </a:r>
+          </a:p>
+        </p:txBody>
+      </p:sp>
+      <p:pic>
+        <p:nvPicPr>
+          <p:cNvPr id="19" name="Picture 18">
+            <a:extLst>
+              <a:ext uri="{FF2B5EF4-FFF2-40B4-BE49-F238E27FC236}">
+                <a16:creationId xmlns:a16="http://schemas.microsoft.com/office/drawing/2014/main" id="{8D419184-D991-4D06-4964-7D3A7A042215}"/>
+              </a:ext>
+            </a:extLst>
+          </p:cNvPr>
+          <p:cNvPicPr>
+            <a:picLocks noChangeAspect="1"/>
+          </p:cNvPicPr>
+          <p:nvPr/>
+        </p:nvPicPr>
+        <p:blipFill>
+          <a:blip r:embed="rId3"/>
+          <a:stretch>
+            <a:fillRect/>
+          </a:stretch>
+        </p:blipFill>
+        <p:spPr>
+          <a:xfrm>
+            <a:off x="9861100" y="386018"/>
+            <a:ext cx="2178500" cy="680782"/>
+          </a:xfrm>
+          <a:prstGeom prst="rect">
+            <a:avLst/>
+          </a:prstGeom>
+        </p:spPr>
+      </p:pic>
+      <p:pic>
+        <p:nvPicPr>
+          <p:cNvPr id="31" name="Content Placeholder 30">
+            <a:extLst>
+              <a:ext uri="{FF2B5EF4-FFF2-40B4-BE49-F238E27FC236}">
+                <a16:creationId xmlns:a16="http://schemas.microsoft.com/office/drawing/2014/main" id="{638F12A0-9D66-9947-0CA3-17C4011360F2}"/>
+              </a:ext>
+            </a:extLst>
+          </p:cNvPr>
+          <p:cNvPicPr>
+            <a:picLocks noGrp="1" noChangeAspect="1"/>
+          </p:cNvPicPr>
+          <p:nvPr>
+            <p:ph idx="1"/>
+          </p:nvPr>
+        </p:nvPicPr>
+        <p:blipFill>
+          <a:blip r:embed="rId4"/>
+          <a:stretch>
+            <a:fillRect/>
+          </a:stretch>
+        </p:blipFill>
+        <p:spPr>
+          <a:xfrm>
+            <a:off x="471184" y="1473208"/>
+            <a:ext cx="9389916" cy="5216620"/>
+          </a:xfrm>
+        </p:spPr>
+      </p:pic>
+      <p:pic>
+        <p:nvPicPr>
+          <p:cNvPr id="25" name="Content Placeholder 5" descr="Bar chart">
+            <a:extLst>
+              <a:ext uri="{FF2B5EF4-FFF2-40B4-BE49-F238E27FC236}">
+                <a16:creationId xmlns:a16="http://schemas.microsoft.com/office/drawing/2014/main" id="{66AB4639-342F-ECAD-27C1-55FFABFD4827}"/>
+              </a:ext>
+            </a:extLst>
+          </p:cNvPr>
+          <p:cNvPicPr>
+            <a:picLocks noChangeAspect="1"/>
+          </p:cNvPicPr>
+          <p:nvPr/>
+        </p:nvPicPr>
+        <p:blipFill>
+          <a:blip r:embed="rId5">
+            <a:extLst>
+              <a:ext uri="{96DAC541-7B7A-43D3-8B79-37D633B846F1}">
+                <asvg:svgBlip xmlns:asvg="http://schemas.microsoft.com/office/drawing/2016/SVG/main" r:embed="rId6"/>
+              </a:ext>
+            </a:extLst>
+          </a:blip>
+          <a:stretch>
+            <a:fillRect/>
+          </a:stretch>
+        </p:blipFill>
+        <p:spPr>
+          <a:xfrm>
+            <a:off x="10813812" y="2928839"/>
+            <a:ext cx="1240843" cy="1240843"/>
+          </a:xfrm>
+          <a:prstGeom prst="rect">
+            <a:avLst/>
+          </a:prstGeom>
+        </p:spPr>
+      </p:pic>
+      <p:pic>
+        <p:nvPicPr>
+          <p:cNvPr id="26" name="Graphic 25" descr="Statistics">
+            <a:extLst>
+              <a:ext uri="{FF2B5EF4-FFF2-40B4-BE49-F238E27FC236}">
+                <a16:creationId xmlns:a16="http://schemas.microsoft.com/office/drawing/2014/main" id="{5EA85B9D-5ACC-7F00-5578-DCD13DFBECE2}"/>
+              </a:ext>
+            </a:extLst>
+          </p:cNvPr>
+          <p:cNvPicPr>
+            <a:picLocks noChangeAspect="1"/>
+          </p:cNvPicPr>
+          <p:nvPr/>
+        </p:nvPicPr>
+        <p:blipFill>
+          <a:blip r:embed="rId7">
+            <a:extLst>
+              <a:ext uri="{96DAC541-7B7A-43D3-8B79-37D633B846F1}">
+                <asvg:svgBlip xmlns:asvg="http://schemas.microsoft.com/office/drawing/2016/SVG/main" r:embed="rId8"/>
+              </a:ext>
+            </a:extLst>
+          </a:blip>
+          <a:stretch>
+            <a:fillRect/>
+          </a:stretch>
+        </p:blipFill>
+        <p:spPr>
+          <a:xfrm>
+            <a:off x="11015758" y="4114800"/>
+            <a:ext cx="770466" cy="770466"/>
+          </a:xfrm>
+          <a:prstGeom prst="rect">
+            <a:avLst/>
+          </a:prstGeom>
+        </p:spPr>
+      </p:pic>
+      <p:pic>
+        <p:nvPicPr>
+          <p:cNvPr id="27" name="Graphic 26" descr="Research">
+            <a:extLst>
+              <a:ext uri="{FF2B5EF4-FFF2-40B4-BE49-F238E27FC236}">
+                <a16:creationId xmlns:a16="http://schemas.microsoft.com/office/drawing/2014/main" id="{5EAA9AEC-C711-338E-59BB-FD99D0D3AFA4}"/>
+              </a:ext>
+            </a:extLst>
+          </p:cNvPr>
+          <p:cNvPicPr>
+            <a:picLocks noChangeAspect="1"/>
+          </p:cNvPicPr>
+          <p:nvPr/>
+        </p:nvPicPr>
+        <p:blipFill>
+          <a:blip r:embed="rId9">
+            <a:extLst>
+              <a:ext uri="{96DAC541-7B7A-43D3-8B79-37D633B846F1}">
+                <asvg:svgBlip xmlns:asvg="http://schemas.microsoft.com/office/drawing/2016/SVG/main" r:embed="rId10"/>
+              </a:ext>
+            </a:extLst>
+          </a:blip>
+          <a:stretch>
+            <a:fillRect/>
+          </a:stretch>
+        </p:blipFill>
+        <p:spPr>
+          <a:xfrm>
+            <a:off x="11049000" y="2368550"/>
+            <a:ext cx="770466" cy="770466"/>
+          </a:xfrm>
+          <a:prstGeom prst="rect">
+            <a:avLst/>
+          </a:prstGeom>
+        </p:spPr>
+      </p:pic>
+      <p:pic>
+        <p:nvPicPr>
+          <p:cNvPr id="29" name="Graphic 28" descr="Question mark">
+            <a:extLst>
+              <a:ext uri="{FF2B5EF4-FFF2-40B4-BE49-F238E27FC236}">
+                <a16:creationId xmlns:a16="http://schemas.microsoft.com/office/drawing/2014/main" id="{11133E80-FCC7-4674-EBAA-A44564C78769}"/>
+              </a:ext>
+            </a:extLst>
+          </p:cNvPr>
+          <p:cNvPicPr>
+            <a:picLocks noChangeAspect="1"/>
+          </p:cNvPicPr>
+          <p:nvPr/>
+        </p:nvPicPr>
+        <p:blipFill>
+          <a:blip r:embed="rId11">
+            <a:extLst>
+              <a:ext uri="{96DAC541-7B7A-43D3-8B79-37D633B846F1}">
+                <asvg:svgBlip xmlns:asvg="http://schemas.microsoft.com/office/drawing/2016/SVG/main" r:embed="rId12"/>
+              </a:ext>
+            </a:extLst>
+          </a:blip>
+          <a:stretch>
+            <a:fillRect/>
+          </a:stretch>
+        </p:blipFill>
+        <p:spPr>
+          <a:xfrm>
+            <a:off x="10950350" y="1545167"/>
+            <a:ext cx="770466" cy="770466"/>
+          </a:xfrm>
+          <a:prstGeom prst="rect">
+            <a:avLst/>
+          </a:prstGeom>
+        </p:spPr>
+      </p:pic>
+    </p:spTree>
+    <p:extLst>
+      <p:ext uri="{BB962C8B-B14F-4D97-AF65-F5344CB8AC3E}">
+        <p14:creationId xmlns:p14="http://schemas.microsoft.com/office/powerpoint/2010/main" val="3144995757"/>
       </p:ext>
     </p:extLst>
   </p:cSld>
@@ -10469,4 +16590,299 @@
     </a:ext>
   </a:extLst>
 </a:theme>
+</file>
+
+<file path=ppt/theme/theme2.xml><?xml version="1.0" encoding="utf-8"?>
+<a:theme xmlns:a="http://schemas.openxmlformats.org/drawingml/2006/main" name="Office Theme">
+  <a:themeElements>
+    <a:clrScheme name="Office">
+      <a:dk1>
+        <a:sysClr val="windowText" lastClr="000000"/>
+      </a:dk1>
+      <a:lt1>
+        <a:sysClr val="window" lastClr="FFFFFF"/>
+      </a:lt1>
+      <a:dk2>
+        <a:srgbClr val="44546A"/>
+      </a:dk2>
+      <a:lt2>
+        <a:srgbClr val="E7E6E6"/>
+      </a:lt2>
+      <a:accent1>
+        <a:srgbClr val="4472C4"/>
+      </a:accent1>
+      <a:accent2>
+        <a:srgbClr val="ED7D31"/>
+      </a:accent2>
+      <a:accent3>
+        <a:srgbClr val="A5A5A5"/>
+      </a:accent3>
+      <a:accent4>
+        <a:srgbClr val="FFC000"/>
+      </a:accent4>
+      <a:accent5>
+        <a:srgbClr val="5B9BD5"/>
+      </a:accent5>
+      <a:accent6>
+        <a:srgbClr val="70AD47"/>
+      </a:accent6>
+      <a:hlink>
+        <a:srgbClr val="0563C1"/>
+      </a:hlink>
+      <a:folHlink>
+        <a:srgbClr val="954F72"/>
+      </a:folHlink>
+    </a:clrScheme>
+    <a:fontScheme name="Office">
+      <a:majorFont>
+        <a:latin typeface="Calibri Light" panose="020F0302020204030204"/>
+        <a:ea typeface=""/>
+        <a:cs typeface=""/>
+        <a:font script="Jpan" typeface="游ゴシック Light"/>
+        <a:font script="Hang" typeface="맑은 고딕"/>
+        <a:font script="Hans" typeface="等线 Light"/>
+        <a:font script="Hant" typeface="新細明體"/>
+        <a:font script="Arab" typeface="Times New Roman"/>
+        <a:font script="Hebr" typeface="Times New Roman"/>
+        <a:font script="Thai" typeface="Angsana New"/>
+        <a:font script="Ethi" typeface="Nyala"/>
+        <a:font script="Beng" typeface="Vrinda"/>
+        <a:font script="Gujr" typeface="Shruti"/>
+        <a:font script="Khmr" typeface="MoolBoran"/>
+        <a:font script="Knda" typeface="Tunga"/>
+        <a:font script="Guru" typeface="Raavi"/>
+        <a:font script="Cans" typeface="Euphemia"/>
+        <a:font script="Cher" typeface="Plantagenet Cherokee"/>
+        <a:font script="Yiii" typeface="Microsoft Yi Baiti"/>
+        <a:font script="Tibt" typeface="Microsoft Himalaya"/>
+        <a:font script="Thaa" typeface="MV Boli"/>
+        <a:font script="Deva" typeface="Mangal"/>
+        <a:font script="Telu" typeface="Gautami"/>
+        <a:font script="Taml" typeface="Latha"/>
+        <a:font script="Syrc" typeface="Estrangelo Edessa"/>
+        <a:font script="Orya" typeface="Kalinga"/>
+        <a:font script="Mlym" typeface="Kartika"/>
+        <a:font script="Laoo" typeface="DokChampa"/>
+        <a:font script="Sinh" typeface="Iskoola Pota"/>
+        <a:font script="Mong" typeface="Mongolian Baiti"/>
+        <a:font script="Viet" typeface="Times New Roman"/>
+        <a:font script="Uigh" typeface="Microsoft Uighur"/>
+        <a:font script="Geor" typeface="Sylfaen"/>
+        <a:font script="Armn" typeface="Arial"/>
+        <a:font script="Bugi" typeface="Leelawadee UI"/>
+        <a:font script="Bopo" typeface="Microsoft JhengHei"/>
+        <a:font script="Java" typeface="Javanese Text"/>
+        <a:font script="Lisu" typeface="Segoe UI"/>
+        <a:font script="Mymr" typeface="Myanmar Text"/>
+        <a:font script="Nkoo" typeface="Ebrima"/>
+        <a:font script="Olck" typeface="Nirmala UI"/>
+        <a:font script="Osma" typeface="Ebrima"/>
+        <a:font script="Phag" typeface="Phagspa"/>
+        <a:font script="Syrn" typeface="Estrangelo Edessa"/>
+        <a:font script="Syrj" typeface="Estrangelo Edessa"/>
+        <a:font script="Syre" typeface="Estrangelo Edessa"/>
+        <a:font script="Sora" typeface="Nirmala UI"/>
+        <a:font script="Tale" typeface="Microsoft Tai Le"/>
+        <a:font script="Talu" typeface="Microsoft New Tai Lue"/>
+        <a:font script="Tfng" typeface="Ebrima"/>
+      </a:majorFont>
+      <a:minorFont>
+        <a:latin typeface="Calibri" panose="020F0502020204030204"/>
+        <a:ea typeface=""/>
+        <a:cs typeface=""/>
+        <a:font script="Jpan" typeface="游ゴシック"/>
+        <a:font script="Hang" typeface="맑은 고딕"/>
+        <a:font script="Hans" typeface="等线"/>
+        <a:font script="Hant" typeface="新細明體"/>
+        <a:font script="Arab" typeface="Arial"/>
+        <a:font script="Hebr" typeface="Arial"/>
+        <a:font script="Thai" typeface="Cordia New"/>
+        <a:font script="Ethi" typeface="Nyala"/>
+        <a:font script="Beng" typeface="Vrinda"/>
+        <a:font script="Gujr" typeface="Shruti"/>
+        <a:font script="Khmr" typeface="DaunPenh"/>
+        <a:font script="Knda" typeface="Tunga"/>
+        <a:font script="Guru" typeface="Raavi"/>
+        <a:font script="Cans" typeface="Euphemia"/>
+        <a:font script="Cher" typeface="Plantagenet Cherokee"/>
+        <a:font script="Yiii" typeface="Microsoft Yi Baiti"/>
+        <a:font script="Tibt" typeface="Microsoft Himalaya"/>
+        <a:font script="Thaa" typeface="MV Boli"/>
+        <a:font script="Deva" typeface="Mangal"/>
+        <a:font script="Telu" typeface="Gautami"/>
+        <a:font script="Taml" typeface="Latha"/>
+        <a:font script="Syrc" typeface="Estrangelo Edessa"/>
+        <a:font script="Orya" typeface="Kalinga"/>
+        <a:font script="Mlym" typeface="Kartika"/>
+        <a:font script="Laoo" typeface="DokChampa"/>
+        <a:font script="Sinh" typeface="Iskoola Pota"/>
+        <a:font script="Mong" typeface="Mongolian Baiti"/>
+        <a:font script="Viet" typeface="Arial"/>
+        <a:font script="Uigh" typeface="Microsoft Uighur"/>
+        <a:font script="Geor" typeface="Sylfaen"/>
+        <a:font script="Armn" typeface="Arial"/>
+        <a:font script="Bugi" typeface="Leelawadee UI"/>
+        <a:font script="Bopo" typeface="Microsoft JhengHei"/>
+        <a:font script="Java" typeface="Javanese Text"/>
+        <a:font script="Lisu" typeface="Segoe UI"/>
+        <a:font script="Mymr" typeface="Myanmar Text"/>
+        <a:font script="Nkoo" typeface="Ebrima"/>
+        <a:font script="Olck" typeface="Nirmala UI"/>
+        <a:font script="Osma" typeface="Ebrima"/>
+        <a:font script="Phag" typeface="Phagspa"/>
+        <a:font script="Syrn" typeface="Estrangelo Edessa"/>
+        <a:font script="Syrj" typeface="Estrangelo Edessa"/>
+        <a:font script="Syre" typeface="Estrangelo Edessa"/>
+        <a:font script="Sora" typeface="Nirmala UI"/>
+        <a:font script="Tale" typeface="Microsoft Tai Le"/>
+        <a:font script="Talu" typeface="Microsoft New Tai Lue"/>
+        <a:font script="Tfng" typeface="Ebrima"/>
+      </a:minorFont>
+    </a:fontScheme>
+    <a:fmtScheme name="Office">
+      <a:fillStyleLst>
+        <a:solidFill>
+          <a:schemeClr val="phClr"/>
+        </a:solidFill>
+        <a:gradFill rotWithShape="1">
+          <a:gsLst>
+            <a:gs pos="0">
+              <a:schemeClr val="phClr">
+                <a:lumMod val="110000"/>
+                <a:satMod val="105000"/>
+                <a:tint val="67000"/>
+              </a:schemeClr>
+            </a:gs>
+            <a:gs pos="50000">
+              <a:schemeClr val="phClr">
+                <a:lumMod val="105000"/>
+                <a:satMod val="103000"/>
+                <a:tint val="73000"/>
+              </a:schemeClr>
+            </a:gs>
+            <a:gs pos="100000">
+              <a:schemeClr val="phClr">
+                <a:lumMod val="105000"/>
+                <a:satMod val="109000"/>
+                <a:tint val="81000"/>
+              </a:schemeClr>
+            </a:gs>
+          </a:gsLst>
+          <a:lin ang="5400000" scaled="0"/>
+        </a:gradFill>
+        <a:gradFill rotWithShape="1">
+          <a:gsLst>
+            <a:gs pos="0">
+              <a:schemeClr val="phClr">
+                <a:satMod val="103000"/>
+                <a:lumMod val="102000"/>
+                <a:tint val="94000"/>
+              </a:schemeClr>
+            </a:gs>
+            <a:gs pos="50000">
+              <a:schemeClr val="phClr">
+                <a:satMod val="110000"/>
+                <a:lumMod val="100000"/>
+                <a:shade val="100000"/>
+              </a:schemeClr>
+            </a:gs>
+            <a:gs pos="100000">
+              <a:schemeClr val="phClr">
+                <a:lumMod val="99000"/>
+                <a:satMod val="120000"/>
+                <a:shade val="78000"/>
+              </a:schemeClr>
+            </a:gs>
+          </a:gsLst>
+          <a:lin ang="5400000" scaled="0"/>
+        </a:gradFill>
+      </a:fillStyleLst>
+      <a:lnStyleLst>
+        <a:ln w="6350" cap="flat" cmpd="sng" algn="ctr">
+          <a:solidFill>
+            <a:schemeClr val="phClr"/>
+          </a:solidFill>
+          <a:prstDash val="solid"/>
+          <a:miter lim="800000"/>
+        </a:ln>
+        <a:ln w="12700" cap="flat" cmpd="sng" algn="ctr">
+          <a:solidFill>
+            <a:schemeClr val="phClr"/>
+          </a:solidFill>
+          <a:prstDash val="solid"/>
+          <a:miter lim="800000"/>
+        </a:ln>
+        <a:ln w="19050" cap="flat" cmpd="sng" algn="ctr">
+          <a:solidFill>
+            <a:schemeClr val="phClr"/>
+          </a:solidFill>
+          <a:prstDash val="solid"/>
+          <a:miter lim="800000"/>
+        </a:ln>
+      </a:lnStyleLst>
+      <a:effectStyleLst>
+        <a:effectStyle>
+          <a:effectLst/>
+        </a:effectStyle>
+        <a:effectStyle>
+          <a:effectLst/>
+        </a:effectStyle>
+        <a:effectStyle>
+          <a:effectLst>
+            <a:outerShdw blurRad="57150" dist="19050" dir="5400000" algn="ctr" rotWithShape="0">
+              <a:srgbClr val="000000">
+                <a:alpha val="63000"/>
+              </a:srgbClr>
+            </a:outerShdw>
+          </a:effectLst>
+        </a:effectStyle>
+      </a:effectStyleLst>
+      <a:bgFillStyleLst>
+        <a:solidFill>
+          <a:schemeClr val="phClr"/>
+        </a:solidFill>
+        <a:solidFill>
+          <a:schemeClr val="phClr">
+            <a:tint val="95000"/>
+            <a:satMod val="170000"/>
+          </a:schemeClr>
+        </a:solidFill>
+        <a:gradFill rotWithShape="1">
+          <a:gsLst>
+            <a:gs pos="0">
+              <a:schemeClr val="phClr">
+                <a:tint val="93000"/>
+                <a:satMod val="150000"/>
+                <a:shade val="98000"/>
+                <a:lumMod val="102000"/>
+              </a:schemeClr>
+            </a:gs>
+            <a:gs pos="50000">
+              <a:schemeClr val="phClr">
+                <a:tint val="98000"/>
+                <a:satMod val="130000"/>
+                <a:shade val="90000"/>
+                <a:lumMod val="103000"/>
+              </a:schemeClr>
+            </a:gs>
+            <a:gs pos="100000">
+              <a:schemeClr val="phClr">
+                <a:shade val="63000"/>
+                <a:satMod val="120000"/>
+              </a:schemeClr>
+            </a:gs>
+          </a:gsLst>
+          <a:lin ang="5400000" scaled="0"/>
+        </a:gradFill>
+      </a:bgFillStyleLst>
+    </a:fmtScheme>
+  </a:themeElements>
+  <a:objectDefaults/>
+  <a:extraClrSchemeLst/>
+  <a:extLst>
+    <a:ext uri="{05A4C25C-085E-4340-85A3-A5531E510DB2}">
+      <thm15:themeFamily xmlns:thm15="http://schemas.microsoft.com/office/thememl/2012/main" name="Office Theme" id="{62F939B6-93AF-4DB8-9C6B-D6C7DFDC589F}" vid="{4A3C46E8-61CC-4603-A589-7422A47A8E4A}"/>
+    </a:ext>
+  </a:extLst>
+</a:theme>
 </file>